--- a/trunk/Agile.net/dotnet.pptx
+++ b/trunk/Agile.net/dotnet.pptx
@@ -5,10 +5,18 @@
     <p:sldMasterId id="2147483660" r:id="rId1"/>
     <p:sldMasterId id="2147483672" r:id="rId2"/>
   </p:sldMasterIdLst>
+  <p:notesMasterIdLst>
+    <p:notesMasterId r:id="rId11"/>
+  </p:notesMasterIdLst>
   <p:sldIdLst>
-    <p:sldId id="265" r:id="rId3"/>
-    <p:sldId id="277" r:id="rId4"/>
-    <p:sldId id="278" r:id="rId5"/>
+    <p:sldId id="279" r:id="rId3"/>
+    <p:sldId id="280" r:id="rId4"/>
+    <p:sldId id="265" r:id="rId5"/>
+    <p:sldId id="281" r:id="rId6"/>
+    <p:sldId id="277" r:id="rId7"/>
+    <p:sldId id="282" r:id="rId8"/>
+    <p:sldId id="283" r:id="rId9"/>
+    <p:sldId id="284" r:id="rId10"/>
   </p:sldIdLst>
   <p:sldSz cx="9144000" cy="6858000" type="screen4x3"/>
   <p:notesSz cx="6858000" cy="9144000"/>
@@ -16,58 +24,532 @@
     <a:defPPr>
       <a:defRPr lang="en-US"/>
     </a:defPPr>
-    <a:lvl1pPr marL="0" algn="l" defTabSz="914400" rtl="0" eaLnBrk="1" latinLnBrk="0" hangingPunct="1">
-      <a:defRPr sz="1800" kern="1200">
+    <a:lvl1pPr algn="l" rtl="0" fontAlgn="base">
+      <a:spcBef>
+        <a:spcPct val="0"/>
+      </a:spcBef>
+      <a:spcAft>
+        <a:spcPct val="0"/>
+      </a:spcAft>
+      <a:defRPr kern="1200">
         <a:solidFill>
           <a:schemeClr val="tx1"/>
         </a:solidFill>
-        <a:latin typeface="+mn-lt"/>
+        <a:latin typeface="Arial" pitchFamily="34" charset="0"/>
         <a:ea typeface="+mn-ea"/>
         <a:cs typeface="+mn-cs"/>
       </a:defRPr>
     </a:lvl1pPr>
-    <a:lvl2pPr marL="457200" algn="l" defTabSz="914400" rtl="0" eaLnBrk="1" latinLnBrk="0" hangingPunct="1">
-      <a:defRPr sz="1800" kern="1200">
+    <a:lvl2pPr marL="457200" algn="l" rtl="0" fontAlgn="base">
+      <a:spcBef>
+        <a:spcPct val="0"/>
+      </a:spcBef>
+      <a:spcAft>
+        <a:spcPct val="0"/>
+      </a:spcAft>
+      <a:defRPr kern="1200">
         <a:solidFill>
           <a:schemeClr val="tx1"/>
         </a:solidFill>
-        <a:latin typeface="+mn-lt"/>
+        <a:latin typeface="Arial" pitchFamily="34" charset="0"/>
         <a:ea typeface="+mn-ea"/>
         <a:cs typeface="+mn-cs"/>
       </a:defRPr>
     </a:lvl2pPr>
-    <a:lvl3pPr marL="914400" algn="l" defTabSz="914400" rtl="0" eaLnBrk="1" latinLnBrk="0" hangingPunct="1">
-      <a:defRPr sz="1800" kern="1200">
+    <a:lvl3pPr marL="914400" algn="l" rtl="0" fontAlgn="base">
+      <a:spcBef>
+        <a:spcPct val="0"/>
+      </a:spcBef>
+      <a:spcAft>
+        <a:spcPct val="0"/>
+      </a:spcAft>
+      <a:defRPr kern="1200">
         <a:solidFill>
           <a:schemeClr val="tx1"/>
         </a:solidFill>
-        <a:latin typeface="+mn-lt"/>
+        <a:latin typeface="Arial" pitchFamily="34" charset="0"/>
         <a:ea typeface="+mn-ea"/>
         <a:cs typeface="+mn-cs"/>
       </a:defRPr>
     </a:lvl3pPr>
-    <a:lvl4pPr marL="1371600" algn="l" defTabSz="914400" rtl="0" eaLnBrk="1" latinLnBrk="0" hangingPunct="1">
-      <a:defRPr sz="1800" kern="1200">
+    <a:lvl4pPr marL="1371600" algn="l" rtl="0" fontAlgn="base">
+      <a:spcBef>
+        <a:spcPct val="0"/>
+      </a:spcBef>
+      <a:spcAft>
+        <a:spcPct val="0"/>
+      </a:spcAft>
+      <a:defRPr kern="1200">
         <a:solidFill>
           <a:schemeClr val="tx1"/>
         </a:solidFill>
-        <a:latin typeface="+mn-lt"/>
+        <a:latin typeface="Arial" pitchFamily="34" charset="0"/>
         <a:ea typeface="+mn-ea"/>
         <a:cs typeface="+mn-cs"/>
       </a:defRPr>
     </a:lvl4pPr>
-    <a:lvl5pPr marL="1828800" algn="l" defTabSz="914400" rtl="0" eaLnBrk="1" latinLnBrk="0" hangingPunct="1">
-      <a:defRPr sz="1800" kern="1200">
+    <a:lvl5pPr marL="1828800" algn="l" rtl="0" fontAlgn="base">
+      <a:spcBef>
+        <a:spcPct val="0"/>
+      </a:spcBef>
+      <a:spcAft>
+        <a:spcPct val="0"/>
+      </a:spcAft>
+      <a:defRPr kern="1200">
         <a:solidFill>
           <a:schemeClr val="tx1"/>
         </a:solidFill>
-        <a:latin typeface="+mn-lt"/>
+        <a:latin typeface="Arial" pitchFamily="34" charset="0"/>
         <a:ea typeface="+mn-ea"/>
         <a:cs typeface="+mn-cs"/>
       </a:defRPr>
     </a:lvl5pPr>
     <a:lvl6pPr marL="2286000" algn="l" defTabSz="914400" rtl="0" eaLnBrk="1" latinLnBrk="0" hangingPunct="1">
-      <a:defRPr sz="1800" kern="1200">
+      <a:defRPr kern="1200">
+        <a:solidFill>
+          <a:schemeClr val="tx1"/>
+        </a:solidFill>
+        <a:latin typeface="Arial" pitchFamily="34" charset="0"/>
+        <a:ea typeface="+mn-ea"/>
+        <a:cs typeface="+mn-cs"/>
+      </a:defRPr>
+    </a:lvl6pPr>
+    <a:lvl7pPr marL="2743200" algn="l" defTabSz="914400" rtl="0" eaLnBrk="1" latinLnBrk="0" hangingPunct="1">
+      <a:defRPr kern="1200">
+        <a:solidFill>
+          <a:schemeClr val="tx1"/>
+        </a:solidFill>
+        <a:latin typeface="Arial" pitchFamily="34" charset="0"/>
+        <a:ea typeface="+mn-ea"/>
+        <a:cs typeface="+mn-cs"/>
+      </a:defRPr>
+    </a:lvl7pPr>
+    <a:lvl8pPr marL="3200400" algn="l" defTabSz="914400" rtl="0" eaLnBrk="1" latinLnBrk="0" hangingPunct="1">
+      <a:defRPr kern="1200">
+        <a:solidFill>
+          <a:schemeClr val="tx1"/>
+        </a:solidFill>
+        <a:latin typeface="Arial" pitchFamily="34" charset="0"/>
+        <a:ea typeface="+mn-ea"/>
+        <a:cs typeface="+mn-cs"/>
+      </a:defRPr>
+    </a:lvl8pPr>
+    <a:lvl9pPr marL="3657600" algn="l" defTabSz="914400" rtl="0" eaLnBrk="1" latinLnBrk="0" hangingPunct="1">
+      <a:defRPr kern="1200">
+        <a:solidFill>
+          <a:schemeClr val="tx1"/>
+        </a:solidFill>
+        <a:latin typeface="Arial" pitchFamily="34" charset="0"/>
+        <a:ea typeface="+mn-ea"/>
+        <a:cs typeface="+mn-cs"/>
+      </a:defRPr>
+    </a:lvl9pPr>
+  </p:defaultTextStyle>
+</p:presentation>
+</file>
+
+<file path=ppt/notesMasters/notesMaster1.xml><?xml version="1.0" encoding="utf-8"?>
+<p:notesMaster xmlns:a="http://schemas.openxmlformats.org/drawingml/2006/main" xmlns:r="http://schemas.openxmlformats.org/officeDocument/2006/relationships" xmlns:p="http://schemas.openxmlformats.org/presentationml/2006/main">
+  <p:cSld>
+    <p:bg>
+      <p:bgPr>
+        <a:solidFill>
+          <a:schemeClr val="bg1"/>
+        </a:solidFill>
+        <a:effectLst/>
+      </p:bgPr>
+    </p:bg>
+    <p:spTree>
+      <p:nvGrpSpPr>
+        <p:cNvPr id="1" name=""/>
+        <p:cNvGrpSpPr/>
+        <p:nvPr/>
+      </p:nvGrpSpPr>
+      <p:grpSpPr>
+        <a:xfrm>
+          <a:off x="0" y="0"/>
+          <a:ext cx="0" cy="0"/>
+          <a:chOff x="0" y="0"/>
+          <a:chExt cx="0" cy="0"/>
+        </a:xfrm>
+      </p:grpSpPr>
+      <p:sp>
+        <p:nvSpPr>
+          <p:cNvPr id="44034" name="Rectangle 2"/>
+          <p:cNvSpPr>
+            <a:spLocks noGrp="1" noChangeArrowheads="1"/>
+          </p:cNvSpPr>
+          <p:nvPr>
+            <p:ph type="hdr" sz="quarter"/>
+          </p:nvPr>
+        </p:nvSpPr>
+        <p:spPr bwMode="auto">
+          <a:xfrm>
+            <a:off x="0" y="0"/>
+            <a:ext cx="2971800" cy="457200"/>
+          </a:xfrm>
+          <a:prstGeom prst="rect">
+            <a:avLst/>
+          </a:prstGeom>
+          <a:noFill/>
+          <a:ln w="9525">
+            <a:noFill/>
+            <a:miter lim="800000"/>
+            <a:headEnd/>
+            <a:tailEnd/>
+          </a:ln>
+          <a:effectLst/>
+        </p:spPr>
+        <p:txBody>
+          <a:bodyPr vert="horz" wrap="square" lIns="91440" tIns="45720" rIns="91440" bIns="45720" numCol="1" anchor="t" anchorCtr="0" compatLnSpc="1">
+            <a:prstTxWarp prst="textNoShape">
+              <a:avLst/>
+            </a:prstTxWarp>
+          </a:bodyPr>
+          <a:lstStyle>
+            <a:lvl1pPr>
+              <a:defRPr sz="1200">
+                <a:latin typeface="Gill Sans MT" pitchFamily="34" charset="0"/>
+              </a:defRPr>
+            </a:lvl1pPr>
+          </a:lstStyle>
+          <a:p>
+            <a:endParaRPr lang="en-US"/>
+          </a:p>
+        </p:txBody>
+      </p:sp>
+      <p:sp>
+        <p:nvSpPr>
+          <p:cNvPr id="44035" name="Rectangle 3"/>
+          <p:cNvSpPr>
+            <a:spLocks noGrp="1" noChangeArrowheads="1"/>
+          </p:cNvSpPr>
+          <p:nvPr>
+            <p:ph type="dt" idx="1"/>
+          </p:nvPr>
+        </p:nvSpPr>
+        <p:spPr bwMode="auto">
+          <a:xfrm>
+            <a:off x="3884613" y="0"/>
+            <a:ext cx="2971800" cy="457200"/>
+          </a:xfrm>
+          <a:prstGeom prst="rect">
+            <a:avLst/>
+          </a:prstGeom>
+          <a:noFill/>
+          <a:ln w="9525">
+            <a:noFill/>
+            <a:miter lim="800000"/>
+            <a:headEnd/>
+            <a:tailEnd/>
+          </a:ln>
+          <a:effectLst/>
+        </p:spPr>
+        <p:txBody>
+          <a:bodyPr vert="horz" wrap="square" lIns="91440" tIns="45720" rIns="91440" bIns="45720" numCol="1" anchor="t" anchorCtr="0" compatLnSpc="1">
+            <a:prstTxWarp prst="textNoShape">
+              <a:avLst/>
+            </a:prstTxWarp>
+          </a:bodyPr>
+          <a:lstStyle>
+            <a:lvl1pPr algn="r">
+              <a:defRPr sz="1200">
+                <a:latin typeface="Gill Sans MT" pitchFamily="34" charset="0"/>
+              </a:defRPr>
+            </a:lvl1pPr>
+          </a:lstStyle>
+          <a:p>
+            <a:fld id="{88600C27-6E83-42EC-BF75-78EEDDD94116}" type="datetimeFigureOut">
+              <a:rPr lang="en-US"/>
+              <a:pPr/>
+              <a:t>11/17/2008</a:t>
+            </a:fld>
+            <a:endParaRPr lang="en-US"/>
+          </a:p>
+        </p:txBody>
+      </p:sp>
+      <p:sp>
+        <p:nvSpPr>
+          <p:cNvPr id="44036" name="Rectangle 4"/>
+          <p:cNvSpPr>
+            <a:spLocks noGrp="1" noRot="1" noChangeAspect="1" noChangeArrowheads="1" noTextEdit="1"/>
+          </p:cNvSpPr>
+          <p:nvPr>
+            <p:ph type="sldImg" idx="2"/>
+          </p:nvPr>
+        </p:nvSpPr>
+        <p:spPr bwMode="auto">
+          <a:xfrm>
+            <a:off x="1143000" y="685800"/>
+            <a:ext cx="4572000" cy="3429000"/>
+          </a:xfrm>
+          <a:prstGeom prst="rect">
+            <a:avLst/>
+          </a:prstGeom>
+          <a:noFill/>
+          <a:ln w="9525">
+            <a:solidFill>
+              <a:srgbClr val="000000"/>
+            </a:solidFill>
+            <a:miter lim="800000"/>
+            <a:headEnd/>
+            <a:tailEnd/>
+          </a:ln>
+          <a:effectLst/>
+        </p:spPr>
+      </p:sp>
+      <p:sp>
+        <p:nvSpPr>
+          <p:cNvPr id="44037" name="Rectangle 5"/>
+          <p:cNvSpPr>
+            <a:spLocks noGrp="1" noChangeArrowheads="1"/>
+          </p:cNvSpPr>
+          <p:nvPr>
+            <p:ph type="body" sz="quarter" idx="3"/>
+          </p:nvPr>
+        </p:nvSpPr>
+        <p:spPr bwMode="auto">
+          <a:xfrm>
+            <a:off x="685800" y="4343400"/>
+            <a:ext cx="5486400" cy="4114800"/>
+          </a:xfrm>
+          <a:prstGeom prst="rect">
+            <a:avLst/>
+          </a:prstGeom>
+          <a:noFill/>
+          <a:ln w="9525">
+            <a:noFill/>
+            <a:miter lim="800000"/>
+            <a:headEnd/>
+            <a:tailEnd/>
+          </a:ln>
+          <a:effectLst/>
+        </p:spPr>
+        <p:txBody>
+          <a:bodyPr vert="horz" wrap="square" lIns="91440" tIns="45720" rIns="91440" bIns="45720" numCol="1" anchor="t" anchorCtr="0" compatLnSpc="1">
+            <a:prstTxWarp prst="textNoShape">
+              <a:avLst/>
+            </a:prstTxWarp>
+          </a:bodyPr>
+          <a:lstStyle/>
+          <a:p>
+            <a:pPr lvl="0"/>
+            <a:r>
+              <a:rPr lang="en-US" smtClean="0"/>
+              <a:t>Click to edit Master text styles</a:t>
+            </a:r>
+          </a:p>
+          <a:p>
+            <a:pPr lvl="1"/>
+            <a:r>
+              <a:rPr lang="en-US" smtClean="0"/>
+              <a:t>Second level</a:t>
+            </a:r>
+          </a:p>
+          <a:p>
+            <a:pPr lvl="2"/>
+            <a:r>
+              <a:rPr lang="en-US" smtClean="0"/>
+              <a:t>Third level</a:t>
+            </a:r>
+          </a:p>
+          <a:p>
+            <a:pPr lvl="3"/>
+            <a:r>
+              <a:rPr lang="en-US" smtClean="0"/>
+              <a:t>Fourth level</a:t>
+            </a:r>
+          </a:p>
+          <a:p>
+            <a:pPr lvl="4"/>
+            <a:r>
+              <a:rPr lang="en-US" smtClean="0"/>
+              <a:t>Fifth level</a:t>
+            </a:r>
+          </a:p>
+        </p:txBody>
+      </p:sp>
+      <p:sp>
+        <p:nvSpPr>
+          <p:cNvPr id="44038" name="Rectangle 6"/>
+          <p:cNvSpPr>
+            <a:spLocks noGrp="1" noChangeArrowheads="1"/>
+          </p:cNvSpPr>
+          <p:nvPr>
+            <p:ph type="ftr" sz="quarter" idx="4"/>
+          </p:nvPr>
+        </p:nvSpPr>
+        <p:spPr bwMode="auto">
+          <a:xfrm>
+            <a:off x="0" y="8685213"/>
+            <a:ext cx="2971800" cy="457200"/>
+          </a:xfrm>
+          <a:prstGeom prst="rect">
+            <a:avLst/>
+          </a:prstGeom>
+          <a:noFill/>
+          <a:ln w="9525">
+            <a:noFill/>
+            <a:miter lim="800000"/>
+            <a:headEnd/>
+            <a:tailEnd/>
+          </a:ln>
+          <a:effectLst/>
+        </p:spPr>
+        <p:txBody>
+          <a:bodyPr vert="horz" wrap="square" lIns="91440" tIns="45720" rIns="91440" bIns="45720" numCol="1" anchor="b" anchorCtr="0" compatLnSpc="1">
+            <a:prstTxWarp prst="textNoShape">
+              <a:avLst/>
+            </a:prstTxWarp>
+          </a:bodyPr>
+          <a:lstStyle>
+            <a:lvl1pPr>
+              <a:defRPr sz="1200">
+                <a:latin typeface="Gill Sans MT" pitchFamily="34" charset="0"/>
+              </a:defRPr>
+            </a:lvl1pPr>
+          </a:lstStyle>
+          <a:p>
+            <a:endParaRPr lang="en-US"/>
+          </a:p>
+        </p:txBody>
+      </p:sp>
+      <p:sp>
+        <p:nvSpPr>
+          <p:cNvPr id="44039" name="Rectangle 7"/>
+          <p:cNvSpPr>
+            <a:spLocks noGrp="1" noChangeArrowheads="1"/>
+          </p:cNvSpPr>
+          <p:nvPr>
+            <p:ph type="sldNum" sz="quarter" idx="5"/>
+          </p:nvPr>
+        </p:nvSpPr>
+        <p:spPr bwMode="auto">
+          <a:xfrm>
+            <a:off x="3884613" y="8685213"/>
+            <a:ext cx="2971800" cy="457200"/>
+          </a:xfrm>
+          <a:prstGeom prst="rect">
+            <a:avLst/>
+          </a:prstGeom>
+          <a:noFill/>
+          <a:ln w="9525">
+            <a:noFill/>
+            <a:miter lim="800000"/>
+            <a:headEnd/>
+            <a:tailEnd/>
+          </a:ln>
+          <a:effectLst/>
+        </p:spPr>
+        <p:txBody>
+          <a:bodyPr vert="horz" wrap="square" lIns="91440" tIns="45720" rIns="91440" bIns="45720" numCol="1" anchor="b" anchorCtr="0" compatLnSpc="1">
+            <a:prstTxWarp prst="textNoShape">
+              <a:avLst/>
+            </a:prstTxWarp>
+          </a:bodyPr>
+          <a:lstStyle>
+            <a:lvl1pPr algn="r">
+              <a:defRPr sz="1200">
+                <a:latin typeface="Gill Sans MT" pitchFamily="34" charset="0"/>
+              </a:defRPr>
+            </a:lvl1pPr>
+          </a:lstStyle>
+          <a:p>
+            <a:fld id="{F39D6A55-3496-475A-AFEF-0EBAC1B3F269}" type="slidenum">
+              <a:rPr lang="en-US"/>
+              <a:pPr/>
+              <a:t>‹#›</a:t>
+            </a:fld>
+            <a:endParaRPr lang="en-US"/>
+          </a:p>
+        </p:txBody>
+      </p:sp>
+    </p:spTree>
+  </p:cSld>
+  <p:clrMap bg1="lt1" tx1="dk1" bg2="lt2" tx2="dk2" accent1="accent1" accent2="accent2" accent3="accent3" accent4="accent4" accent5="accent5" accent6="accent6" hlink="hlink" folHlink="folHlink"/>
+  <p:notesStyle>
+    <a:lvl1pPr algn="l" rtl="0" fontAlgn="base">
+      <a:spcBef>
+        <a:spcPct val="30000"/>
+      </a:spcBef>
+      <a:spcAft>
+        <a:spcPct val="0"/>
+      </a:spcAft>
+      <a:defRPr sz="1200" kern="1200">
+        <a:solidFill>
+          <a:schemeClr val="tx1"/>
+        </a:solidFill>
+        <a:latin typeface="Calibri" pitchFamily="34" charset="0"/>
+        <a:ea typeface="+mn-ea"/>
+        <a:cs typeface="+mn-cs"/>
+      </a:defRPr>
+    </a:lvl1pPr>
+    <a:lvl2pPr marL="457200" algn="l" rtl="0" fontAlgn="base">
+      <a:spcBef>
+        <a:spcPct val="30000"/>
+      </a:spcBef>
+      <a:spcAft>
+        <a:spcPct val="0"/>
+      </a:spcAft>
+      <a:defRPr sz="1200" kern="1200">
+        <a:solidFill>
+          <a:schemeClr val="tx1"/>
+        </a:solidFill>
+        <a:latin typeface="Calibri" pitchFamily="34" charset="0"/>
+        <a:ea typeface="+mn-ea"/>
+        <a:cs typeface="+mn-cs"/>
+      </a:defRPr>
+    </a:lvl2pPr>
+    <a:lvl3pPr marL="914400" algn="l" rtl="0" fontAlgn="base">
+      <a:spcBef>
+        <a:spcPct val="30000"/>
+      </a:spcBef>
+      <a:spcAft>
+        <a:spcPct val="0"/>
+      </a:spcAft>
+      <a:defRPr sz="1200" kern="1200">
+        <a:solidFill>
+          <a:schemeClr val="tx1"/>
+        </a:solidFill>
+        <a:latin typeface="Calibri" pitchFamily="34" charset="0"/>
+        <a:ea typeface="+mn-ea"/>
+        <a:cs typeface="+mn-cs"/>
+      </a:defRPr>
+    </a:lvl3pPr>
+    <a:lvl4pPr marL="1371600" algn="l" rtl="0" fontAlgn="base">
+      <a:spcBef>
+        <a:spcPct val="30000"/>
+      </a:spcBef>
+      <a:spcAft>
+        <a:spcPct val="0"/>
+      </a:spcAft>
+      <a:defRPr sz="1200" kern="1200">
+        <a:solidFill>
+          <a:schemeClr val="tx1"/>
+        </a:solidFill>
+        <a:latin typeface="Calibri" pitchFamily="34" charset="0"/>
+        <a:ea typeface="+mn-ea"/>
+        <a:cs typeface="+mn-cs"/>
+      </a:defRPr>
+    </a:lvl4pPr>
+    <a:lvl5pPr marL="1828800" algn="l" rtl="0" fontAlgn="base">
+      <a:spcBef>
+        <a:spcPct val="30000"/>
+      </a:spcBef>
+      <a:spcAft>
+        <a:spcPct val="0"/>
+      </a:spcAft>
+      <a:defRPr sz="1200" kern="1200">
+        <a:solidFill>
+          <a:schemeClr val="tx1"/>
+        </a:solidFill>
+        <a:latin typeface="Calibri" pitchFamily="34" charset="0"/>
+        <a:ea typeface="+mn-ea"/>
+        <a:cs typeface="+mn-cs"/>
+      </a:defRPr>
+    </a:lvl5pPr>
+    <a:lvl6pPr marL="2286000" algn="l" defTabSz="914400" rtl="0" eaLnBrk="1" latinLnBrk="0" hangingPunct="1">
+      <a:defRPr sz="1200" kern="1200">
         <a:solidFill>
           <a:schemeClr val="tx1"/>
         </a:solidFill>
@@ -77,7 +559,7 @@
       </a:defRPr>
     </a:lvl6pPr>
     <a:lvl7pPr marL="2743200" algn="l" defTabSz="914400" rtl="0" eaLnBrk="1" latinLnBrk="0" hangingPunct="1">
-      <a:defRPr sz="1800" kern="1200">
+      <a:defRPr sz="1200" kern="1200">
         <a:solidFill>
           <a:schemeClr val="tx1"/>
         </a:solidFill>
@@ -87,7 +569,7 @@
       </a:defRPr>
     </a:lvl7pPr>
     <a:lvl8pPr marL="3200400" algn="l" defTabSz="914400" rtl="0" eaLnBrk="1" latinLnBrk="0" hangingPunct="1">
-      <a:defRPr sz="1800" kern="1200">
+      <a:defRPr sz="1200" kern="1200">
         <a:solidFill>
           <a:schemeClr val="tx1"/>
         </a:solidFill>
@@ -97,7 +579,7 @@
       </a:defRPr>
     </a:lvl8pPr>
     <a:lvl9pPr marL="3657600" algn="l" defTabSz="914400" rtl="0" eaLnBrk="1" latinLnBrk="0" hangingPunct="1">
-      <a:defRPr sz="1800" kern="1200">
+      <a:defRPr sz="1200" kern="1200">
         <a:solidFill>
           <a:schemeClr val="tx1"/>
         </a:solidFill>
@@ -106,8 +588,128 @@
         <a:cs typeface="+mn-cs"/>
       </a:defRPr>
     </a:lvl9pPr>
-  </p:defaultTextStyle>
-</p:presentation>
+  </p:notesStyle>
+</p:notesMaster>
+</file>
+
+<file path=ppt/notesSlides/notesSlide1.xml><?xml version="1.0" encoding="utf-8"?>
+<p:notes xmlns:a="http://schemas.openxmlformats.org/drawingml/2006/main" xmlns:r="http://schemas.openxmlformats.org/officeDocument/2006/relationships" xmlns:p="http://schemas.openxmlformats.org/presentationml/2006/main">
+  <p:cSld>
+    <p:spTree>
+      <p:nvGrpSpPr>
+        <p:cNvPr id="1" name=""/>
+        <p:cNvGrpSpPr/>
+        <p:nvPr/>
+      </p:nvGrpSpPr>
+      <p:grpSpPr>
+        <a:xfrm>
+          <a:off x="0" y="0"/>
+          <a:ext cx="0" cy="0"/>
+          <a:chOff x="0" y="0"/>
+          <a:chExt cx="0" cy="0"/>
+        </a:xfrm>
+      </p:grpSpPr>
+      <p:sp>
+        <p:nvSpPr>
+          <p:cNvPr id="45058" name="Rectangle 2"/>
+          <p:cNvSpPr>
+            <a:spLocks noGrp="1" noRot="1" noChangeAspect="1" noChangeArrowheads="1" noTextEdit="1"/>
+          </p:cNvSpPr>
+          <p:nvPr>
+            <p:ph type="sldImg"/>
+          </p:nvPr>
+        </p:nvSpPr>
+        <p:spPr>
+          <a:ln/>
+        </p:spPr>
+      </p:sp>
+      <p:sp>
+        <p:nvSpPr>
+          <p:cNvPr id="45059" name="Rectangle 3"/>
+          <p:cNvSpPr>
+            <a:spLocks noGrp="1" noChangeArrowheads="1"/>
+          </p:cNvSpPr>
+          <p:nvPr>
+            <p:ph type="body" idx="1"/>
+          </p:nvPr>
+        </p:nvSpPr>
+        <p:spPr/>
+        <p:txBody>
+          <a:bodyPr/>
+          <a:lstStyle/>
+          <a:p>
+            <a:r>
+              <a:rPr lang="en-GB"/>
+              <a:t>CruiseControl.NET</a:t>
+            </a:r>
+          </a:p>
+          <a:p>
+            <a:pPr lvl="2"/>
+            <a:r>
+              <a:rPr lang="en-GB"/>
+              <a:t>Triggered by check-in</a:t>
+            </a:r>
+          </a:p>
+          <a:p>
+            <a:pPr lvl="2"/>
+            <a:r>
+              <a:rPr lang="en-GB"/>
+              <a:t>Get Latest Version</a:t>
+            </a:r>
+          </a:p>
+          <a:p>
+            <a:pPr lvl="2"/>
+            <a:r>
+              <a:rPr lang="en-GB"/>
+              <a:t>Compile</a:t>
+            </a:r>
+          </a:p>
+          <a:p>
+            <a:pPr lvl="2"/>
+            <a:r>
+              <a:rPr lang="en-GB"/>
+              <a:t>Unit testing</a:t>
+            </a:r>
+          </a:p>
+          <a:p>
+            <a:pPr lvl="2"/>
+            <a:r>
+              <a:rPr lang="en-GB"/>
+              <a:t>Acceptance Testing</a:t>
+            </a:r>
+          </a:p>
+          <a:p>
+            <a:pPr lvl="3"/>
+            <a:r>
+              <a:rPr lang="en-GB"/>
+              <a:t>Last successful build</a:t>
+            </a:r>
+          </a:p>
+          <a:p>
+            <a:pPr lvl="4"/>
+            <a:r>
+              <a:rPr lang="en-GB"/>
+              <a:t>Deployment other environments</a:t>
+            </a:r>
+          </a:p>
+          <a:p>
+            <a:pPr lvl="4"/>
+            <a:r>
+              <a:rPr lang="en-GB"/>
+              <a:t>Load testing</a:t>
+            </a:r>
+          </a:p>
+          <a:p>
+            <a:endParaRPr lang="en-US"/>
+          </a:p>
+        </p:txBody>
+      </p:sp>
+    </p:spTree>
+  </p:cSld>
+  <p:clrMapOvr>
+    <a:masterClrMapping/>
+  </p:clrMapOvr>
+</p:notes>
 </file>
 
 <file path=ppt/slideLayouts/slideLayout1.xml><?xml version="1.0" encoding="utf-8"?>
@@ -129,178 +731,7 @@
       </p:grpSpPr>
       <p:sp>
         <p:nvSpPr>
-          <p:cNvPr id="14" name="Title 13"/>
-          <p:cNvSpPr>
-            <a:spLocks noGrp="1"/>
-          </p:cNvSpPr>
-          <p:nvPr>
-            <p:ph type="ctrTitle"/>
-          </p:nvPr>
-        </p:nvSpPr>
-        <p:spPr>
-          <a:xfrm>
-            <a:off x="1432560" y="359898"/>
-            <a:ext cx="7406640" cy="1472184"/>
-          </a:xfrm>
-        </p:spPr>
-        <p:txBody>
-          <a:bodyPr anchor="b"/>
-          <a:lstStyle>
-            <a:lvl1pPr algn="l">
-              <a:defRPr/>
-            </a:lvl1pPr>
-            <a:extLst/>
-          </a:lstStyle>
-          <a:p>
-            <a:r>
-              <a:rPr kumimoji="0" lang="en-US" smtClean="0"/>
-              <a:t>Click to edit Master title style</a:t>
-            </a:r>
-            <a:endParaRPr kumimoji="0" lang="en-US"/>
-          </a:p>
-        </p:txBody>
-      </p:sp>
-      <p:sp>
-        <p:nvSpPr>
-          <p:cNvPr id="22" name="Subtitle 21"/>
-          <p:cNvSpPr>
-            <a:spLocks noGrp="1"/>
-          </p:cNvSpPr>
-          <p:nvPr>
-            <p:ph type="subTitle" idx="1"/>
-          </p:nvPr>
-        </p:nvSpPr>
-        <p:spPr>
-          <a:xfrm>
-            <a:off x="1432560" y="1850064"/>
-            <a:ext cx="7406640" cy="1752600"/>
-          </a:xfrm>
-        </p:spPr>
-        <p:txBody>
-          <a:bodyPr tIns="0"/>
-          <a:lstStyle>
-            <a:lvl1pPr marL="27432" indent="0" algn="l">
-              <a:buNone/>
-              <a:defRPr sz="2600">
-                <a:solidFill>
-                  <a:schemeClr val="tx2">
-                    <a:shade val="30000"/>
-                    <a:satMod val="150000"/>
-                  </a:schemeClr>
-                </a:solidFill>
-              </a:defRPr>
-            </a:lvl1pPr>
-            <a:lvl2pPr marL="457200" indent="0" algn="ctr">
-              <a:buNone/>
-            </a:lvl2pPr>
-            <a:lvl3pPr marL="914400" indent="0" algn="ctr">
-              <a:buNone/>
-            </a:lvl3pPr>
-            <a:lvl4pPr marL="1371600" indent="0" algn="ctr">
-              <a:buNone/>
-            </a:lvl4pPr>
-            <a:lvl5pPr marL="1828800" indent="0" algn="ctr">
-              <a:buNone/>
-            </a:lvl5pPr>
-            <a:lvl6pPr marL="2286000" indent="0" algn="ctr">
-              <a:buNone/>
-            </a:lvl6pPr>
-            <a:lvl7pPr marL="2743200" indent="0" algn="ctr">
-              <a:buNone/>
-            </a:lvl7pPr>
-            <a:lvl8pPr marL="3200400" indent="0" algn="ctr">
-              <a:buNone/>
-            </a:lvl8pPr>
-            <a:lvl9pPr marL="3657600" indent="0" algn="ctr">
-              <a:buNone/>
-            </a:lvl9pPr>
-            <a:extLst/>
-          </a:lstStyle>
-          <a:p>
-            <a:r>
-              <a:rPr kumimoji="0" lang="en-US" smtClean="0"/>
-              <a:t>Click to edit Master subtitle style</a:t>
-            </a:r>
-            <a:endParaRPr kumimoji="0" lang="en-US"/>
-          </a:p>
-        </p:txBody>
-      </p:sp>
-      <p:sp>
-        <p:nvSpPr>
-          <p:cNvPr id="7" name="Date Placeholder 6"/>
-          <p:cNvSpPr>
-            <a:spLocks noGrp="1"/>
-          </p:cNvSpPr>
-          <p:nvPr>
-            <p:ph type="dt" sz="half" idx="10"/>
-          </p:nvPr>
-        </p:nvSpPr>
-        <p:spPr/>
-        <p:txBody>
-          <a:bodyPr/>
-          <a:lstStyle>
-            <a:extLst/>
-          </a:lstStyle>
-          <a:p>
-            <a:fld id="{09609310-A27C-4486-85E6-BEA22C115EFC}" type="datetimeFigureOut">
-              <a:rPr lang="en-US" smtClean="0"/>
-              <a:pPr/>
-              <a:t>11/14/2008</a:t>
-            </a:fld>
-            <a:endParaRPr lang="en-US"/>
-          </a:p>
-        </p:txBody>
-      </p:sp>
-      <p:sp>
-        <p:nvSpPr>
-          <p:cNvPr id="20" name="Footer Placeholder 19"/>
-          <p:cNvSpPr>
-            <a:spLocks noGrp="1"/>
-          </p:cNvSpPr>
-          <p:nvPr>
-            <p:ph type="ftr" sz="quarter" idx="11"/>
-          </p:nvPr>
-        </p:nvSpPr>
-        <p:spPr/>
-        <p:txBody>
-          <a:bodyPr/>
-          <a:lstStyle>
-            <a:extLst/>
-          </a:lstStyle>
-          <a:p>
-            <a:endParaRPr lang="en-US"/>
-          </a:p>
-        </p:txBody>
-      </p:sp>
-      <p:sp>
-        <p:nvSpPr>
-          <p:cNvPr id="10" name="Slide Number Placeholder 9"/>
-          <p:cNvSpPr>
-            <a:spLocks noGrp="1"/>
-          </p:cNvSpPr>
-          <p:nvPr>
-            <p:ph type="sldNum" sz="quarter" idx="12"/>
-          </p:nvPr>
-        </p:nvSpPr>
-        <p:spPr/>
-        <p:txBody>
-          <a:bodyPr/>
-          <a:lstStyle>
-            <a:extLst/>
-          </a:lstStyle>
-          <a:p>
-            <a:fld id="{4DD8A983-2F2E-4C7B-8080-8D2C1175E14E}" type="slidenum">
-              <a:rPr lang="en-US" smtClean="0"/>
-              <a:pPr/>
-              <a:t>‹#›</a:t>
-            </a:fld>
-            <a:endParaRPr lang="en-US"/>
-          </a:p>
-        </p:txBody>
-      </p:sp>
-      <p:sp>
-        <p:nvSpPr>
-          <p:cNvPr id="8" name="Oval 7"/>
+          <p:cNvPr id="4" name="Oval 7"/>
           <p:cNvSpPr/>
           <p:nvPr/>
         </p:nvSpPr>
@@ -380,21 +811,29 @@
             <a:extLst/>
           </a:lstStyle>
           <a:p>
-            <a:pPr algn="ctr" eaLnBrk="1" latinLnBrk="0" hangingPunct="1"/>
-            <a:endParaRPr kumimoji="0" lang="en-US"/>
-          </a:p>
-        </p:txBody>
-      </p:sp>
-      <p:sp>
-        <p:nvSpPr>
-          <p:cNvPr id="9" name="Oval 8"/>
+            <a:pPr algn="ctr" fontAlgn="auto">
+              <a:spcBef>
+                <a:spcPts val="0"/>
+              </a:spcBef>
+              <a:spcAft>
+                <a:spcPts val="0"/>
+              </a:spcAft>
+              <a:defRPr/>
+            </a:pPr>
+            <a:endParaRPr lang="en-US"/>
+          </a:p>
+        </p:txBody>
+      </p:sp>
+      <p:sp>
+        <p:nvSpPr>
+          <p:cNvPr id="5" name="Oval 8"/>
           <p:cNvSpPr/>
           <p:nvPr/>
         </p:nvSpPr>
         <p:spPr>
           <a:xfrm>
-            <a:off x="1157176" y="1345016"/>
-            <a:ext cx="64008" cy="64008"/>
+            <a:off x="1157288" y="1344613"/>
+            <a:ext cx="63500" cy="65087"/>
           </a:xfrm>
           <a:prstGeom prst="ellipse">
             <a:avLst/>
@@ -431,8 +870,209 @@
             <a:extLst/>
           </a:lstStyle>
           <a:p>
-            <a:pPr algn="ctr" eaLnBrk="1" latinLnBrk="0" hangingPunct="1"/>
-            <a:endParaRPr kumimoji="0" lang="en-US"/>
+            <a:pPr algn="ctr" fontAlgn="auto">
+              <a:spcBef>
+                <a:spcPts val="0"/>
+              </a:spcBef>
+              <a:spcAft>
+                <a:spcPts val="0"/>
+              </a:spcAft>
+              <a:defRPr/>
+            </a:pPr>
+            <a:endParaRPr lang="en-US"/>
+          </a:p>
+        </p:txBody>
+      </p:sp>
+      <p:sp>
+        <p:nvSpPr>
+          <p:cNvPr id="14" name="Title 13"/>
+          <p:cNvSpPr>
+            <a:spLocks noGrp="1"/>
+          </p:cNvSpPr>
+          <p:nvPr>
+            <p:ph type="ctrTitle"/>
+          </p:nvPr>
+        </p:nvSpPr>
+        <p:spPr>
+          <a:xfrm>
+            <a:off x="1432560" y="359898"/>
+            <a:ext cx="7406640" cy="1472184"/>
+          </a:xfrm>
+        </p:spPr>
+        <p:txBody>
+          <a:bodyPr anchor="b"/>
+          <a:lstStyle>
+            <a:lvl1pPr algn="l">
+              <a:defRPr/>
+            </a:lvl1pPr>
+            <a:extLst/>
+          </a:lstStyle>
+          <a:p>
+            <a:r>
+              <a:rPr lang="en-US" smtClean="0"/>
+              <a:t>Click to edit Master title style</a:t>
+            </a:r>
+            <a:endParaRPr lang="en-US"/>
+          </a:p>
+        </p:txBody>
+      </p:sp>
+      <p:sp>
+        <p:nvSpPr>
+          <p:cNvPr id="22" name="Subtitle 21"/>
+          <p:cNvSpPr>
+            <a:spLocks noGrp="1"/>
+          </p:cNvSpPr>
+          <p:nvPr>
+            <p:ph type="subTitle" idx="1"/>
+          </p:nvPr>
+        </p:nvSpPr>
+        <p:spPr>
+          <a:xfrm>
+            <a:off x="1432560" y="1850064"/>
+            <a:ext cx="7406640" cy="1752600"/>
+          </a:xfrm>
+        </p:spPr>
+        <p:txBody>
+          <a:bodyPr tIns="0"/>
+          <a:lstStyle>
+            <a:lvl1pPr marL="27432" indent="0" algn="l">
+              <a:buNone/>
+              <a:defRPr sz="2600">
+                <a:solidFill>
+                  <a:schemeClr val="tx2">
+                    <a:shade val="30000"/>
+                    <a:satMod val="150000"/>
+                  </a:schemeClr>
+                </a:solidFill>
+              </a:defRPr>
+            </a:lvl1pPr>
+            <a:lvl2pPr marL="457200" indent="0" algn="ctr">
+              <a:buNone/>
+            </a:lvl2pPr>
+            <a:lvl3pPr marL="914400" indent="0" algn="ctr">
+              <a:buNone/>
+            </a:lvl3pPr>
+            <a:lvl4pPr marL="1371600" indent="0" algn="ctr">
+              <a:buNone/>
+            </a:lvl4pPr>
+            <a:lvl5pPr marL="1828800" indent="0" algn="ctr">
+              <a:buNone/>
+            </a:lvl5pPr>
+            <a:lvl6pPr marL="2286000" indent="0" algn="ctr">
+              <a:buNone/>
+            </a:lvl6pPr>
+            <a:lvl7pPr marL="2743200" indent="0" algn="ctr">
+              <a:buNone/>
+            </a:lvl7pPr>
+            <a:lvl8pPr marL="3200400" indent="0" algn="ctr">
+              <a:buNone/>
+            </a:lvl8pPr>
+            <a:lvl9pPr marL="3657600" indent="0" algn="ctr">
+              <a:buNone/>
+            </a:lvl9pPr>
+            <a:extLst/>
+          </a:lstStyle>
+          <a:p>
+            <a:r>
+              <a:rPr lang="en-US" smtClean="0"/>
+              <a:t>Click to edit Master subtitle style</a:t>
+            </a:r>
+            <a:endParaRPr lang="en-US"/>
+          </a:p>
+        </p:txBody>
+      </p:sp>
+      <p:sp>
+        <p:nvSpPr>
+          <p:cNvPr id="6" name="Date Placeholder 6"/>
+          <p:cNvSpPr>
+            <a:spLocks noGrp="1"/>
+          </p:cNvSpPr>
+          <p:nvPr>
+            <p:ph type="dt" sz="half" idx="10"/>
+          </p:nvPr>
+        </p:nvSpPr>
+        <p:spPr/>
+        <p:txBody>
+          <a:bodyPr/>
+          <a:lstStyle>
+            <a:lvl1pPr>
+              <a:defRPr/>
+            </a:lvl1pPr>
+            <a:extLst/>
+          </a:lstStyle>
+          <a:p>
+            <a:pPr>
+              <a:defRPr/>
+            </a:pPr>
+            <a:fld id="{EB5FB97C-523F-4915-83B8-B9B34044A4B1}" type="datetimeFigureOut">
+              <a:rPr lang="en-US"/>
+              <a:pPr>
+                <a:defRPr/>
+              </a:pPr>
+              <a:t>11/17/2008</a:t>
+            </a:fld>
+            <a:endParaRPr lang="en-US"/>
+          </a:p>
+        </p:txBody>
+      </p:sp>
+      <p:sp>
+        <p:nvSpPr>
+          <p:cNvPr id="7" name="Footer Placeholder 19"/>
+          <p:cNvSpPr>
+            <a:spLocks noGrp="1"/>
+          </p:cNvSpPr>
+          <p:nvPr>
+            <p:ph type="ftr" sz="quarter" idx="11"/>
+          </p:nvPr>
+        </p:nvSpPr>
+        <p:spPr/>
+        <p:txBody>
+          <a:bodyPr/>
+          <a:lstStyle>
+            <a:lvl1pPr>
+              <a:defRPr/>
+            </a:lvl1pPr>
+            <a:extLst/>
+          </a:lstStyle>
+          <a:p>
+            <a:pPr>
+              <a:defRPr/>
+            </a:pPr>
+            <a:endParaRPr lang="en-US"/>
+          </a:p>
+        </p:txBody>
+      </p:sp>
+      <p:sp>
+        <p:nvSpPr>
+          <p:cNvPr id="8" name="Slide Number Placeholder 9"/>
+          <p:cNvSpPr>
+            <a:spLocks noGrp="1"/>
+          </p:cNvSpPr>
+          <p:nvPr>
+            <p:ph type="sldNum" sz="quarter" idx="12"/>
+          </p:nvPr>
+        </p:nvSpPr>
+        <p:spPr/>
+        <p:txBody>
+          <a:bodyPr/>
+          <a:lstStyle>
+            <a:lvl1pPr>
+              <a:defRPr/>
+            </a:lvl1pPr>
+            <a:extLst/>
+          </a:lstStyle>
+          <a:p>
+            <a:pPr>
+              <a:defRPr/>
+            </a:pPr>
+            <a:fld id="{60C7E8F0-B572-40DC-804D-B5EA8E8D95D2}" type="slidenum">
+              <a:rPr lang="en-US"/>
+              <a:pPr>
+                <a:defRPr/>
+              </a:pPr>
+              <a:t>‹#›</a:t>
+            </a:fld>
+            <a:endParaRPr lang="en-US"/>
           </a:p>
         </p:txBody>
       </p:sp>
@@ -444,13 +1084,6 @@
   <p:transition>
     <p:fade/>
   </p:transition>
-  <p:timing>
-    <p:tnLst>
-      <p:par>
-        <p:cTn id="1" dur="indefinite" restart="never" nodeType="tmRoot"/>
-      </p:par>
-    </p:tnLst>
-  </p:timing>
 </p:sldLayout>
 </file>
 
@@ -489,10 +1122,10 @@
           </a:lstStyle>
           <a:p>
             <a:r>
-              <a:rPr kumimoji="0" lang="en-US" smtClean="0"/>
+              <a:rPr lang="en-US" smtClean="0"/>
               <a:t>Click to edit Master title style</a:t>
             </a:r>
-            <a:endParaRPr kumimoji="0" lang="en-US"/>
+            <a:endParaRPr lang="en-US"/>
           </a:p>
         </p:txBody>
       </p:sp>
@@ -513,46 +1146,46 @@
             <a:extLst/>
           </a:lstStyle>
           <a:p>
-            <a:pPr lvl="0" eaLnBrk="1" latinLnBrk="0" hangingPunct="1"/>
+            <a:pPr lvl="0"/>
             <a:r>
               <a:rPr lang="en-US" smtClean="0"/>
               <a:t>Click to edit Master text styles</a:t>
             </a:r>
           </a:p>
           <a:p>
-            <a:pPr lvl="1" eaLnBrk="1" latinLnBrk="0" hangingPunct="1"/>
+            <a:pPr lvl="1"/>
             <a:r>
               <a:rPr lang="en-US" smtClean="0"/>
               <a:t>Second level</a:t>
             </a:r>
           </a:p>
           <a:p>
-            <a:pPr lvl="2" eaLnBrk="1" latinLnBrk="0" hangingPunct="1"/>
+            <a:pPr lvl="2"/>
             <a:r>
               <a:rPr lang="en-US" smtClean="0"/>
               <a:t>Third level</a:t>
             </a:r>
           </a:p>
           <a:p>
-            <a:pPr lvl="3" eaLnBrk="1" latinLnBrk="0" hangingPunct="1"/>
+            <a:pPr lvl="3"/>
             <a:r>
               <a:rPr lang="en-US" smtClean="0"/>
               <a:t>Fourth level</a:t>
             </a:r>
           </a:p>
           <a:p>
-            <a:pPr lvl="4" eaLnBrk="1" latinLnBrk="0" hangingPunct="1"/>
+            <a:pPr lvl="4"/>
             <a:r>
               <a:rPr lang="en-US" smtClean="0"/>
               <a:t>Fifth level</a:t>
             </a:r>
-            <a:endParaRPr kumimoji="0" lang="en-US"/>
-          </a:p>
-        </p:txBody>
-      </p:sp>
-      <p:sp>
-        <p:nvSpPr>
-          <p:cNvPr id="4" name="Date Placeholder 3"/>
+            <a:endParaRPr lang="en-US"/>
+          </a:p>
+        </p:txBody>
+      </p:sp>
+      <p:sp>
+        <p:nvSpPr>
+          <p:cNvPr id="4" name="Date Placeholder 23"/>
           <p:cNvSpPr>
             <a:spLocks noGrp="1"/>
           </p:cNvSpPr>
@@ -564,13 +1197,20 @@
         <p:txBody>
           <a:bodyPr/>
           <a:lstStyle>
-            <a:extLst/>
-          </a:lstStyle>
-          <a:p>
-            <a:fld id="{09609310-A27C-4486-85E6-BEA22C115EFC}" type="datetimeFigureOut">
-              <a:rPr lang="en-US" smtClean="0"/>
-              <a:pPr/>
-              <a:t>11/14/2008</a:t>
+            <a:lvl1pPr>
+              <a:defRPr/>
+            </a:lvl1pPr>
+          </a:lstStyle>
+          <a:p>
+            <a:pPr>
+              <a:defRPr/>
+            </a:pPr>
+            <a:fld id="{9AD0D0FB-D431-4C2A-A511-44675AB672C9}" type="datetimeFigureOut">
+              <a:rPr lang="en-US"/>
+              <a:pPr>
+                <a:defRPr/>
+              </a:pPr>
+              <a:t>11/17/2008</a:t>
             </a:fld>
             <a:endParaRPr lang="en-US"/>
           </a:p>
@@ -578,7 +1218,7 @@
       </p:sp>
       <p:sp>
         <p:nvSpPr>
-          <p:cNvPr id="5" name="Footer Placeholder 4"/>
+          <p:cNvPr id="5" name="Footer Placeholder 9"/>
           <p:cNvSpPr>
             <a:spLocks noGrp="1"/>
           </p:cNvSpPr>
@@ -590,16 +1230,21 @@
         <p:txBody>
           <a:bodyPr/>
           <a:lstStyle>
-            <a:extLst/>
-          </a:lstStyle>
-          <a:p>
-            <a:endParaRPr lang="en-US"/>
-          </a:p>
-        </p:txBody>
-      </p:sp>
-      <p:sp>
-        <p:nvSpPr>
-          <p:cNvPr id="6" name="Slide Number Placeholder 5"/>
+            <a:lvl1pPr>
+              <a:defRPr/>
+            </a:lvl1pPr>
+          </a:lstStyle>
+          <a:p>
+            <a:pPr>
+              <a:defRPr/>
+            </a:pPr>
+            <a:endParaRPr lang="en-US"/>
+          </a:p>
+        </p:txBody>
+      </p:sp>
+      <p:sp>
+        <p:nvSpPr>
+          <p:cNvPr id="6" name="Slide Number Placeholder 21"/>
           <p:cNvSpPr>
             <a:spLocks noGrp="1"/>
           </p:cNvSpPr>
@@ -611,12 +1256,19 @@
         <p:txBody>
           <a:bodyPr/>
           <a:lstStyle>
-            <a:extLst/>
-          </a:lstStyle>
-          <a:p>
-            <a:fld id="{4DD8A983-2F2E-4C7B-8080-8D2C1175E14E}" type="slidenum">
-              <a:rPr lang="en-US" smtClean="0"/>
-              <a:pPr/>
+            <a:lvl1pPr>
+              <a:defRPr/>
+            </a:lvl1pPr>
+          </a:lstStyle>
+          <a:p>
+            <a:pPr>
+              <a:defRPr/>
+            </a:pPr>
+            <a:fld id="{79379401-62CE-4184-BFD8-1108A8DF87E4}" type="slidenum">
+              <a:rPr lang="en-US"/>
+              <a:pPr>
+                <a:defRPr/>
+              </a:pPr>
               <a:t>‹#›</a:t>
             </a:fld>
             <a:endParaRPr lang="en-US"/>
@@ -674,10 +1326,10 @@
           </a:lstStyle>
           <a:p>
             <a:r>
-              <a:rPr kumimoji="0" lang="en-US" smtClean="0"/>
+              <a:rPr lang="en-US" smtClean="0"/>
               <a:t>Click to edit Master title style</a:t>
             </a:r>
-            <a:endParaRPr kumimoji="0" lang="en-US"/>
+            <a:endParaRPr lang="en-US"/>
           </a:p>
         </p:txBody>
       </p:sp>
@@ -703,46 +1355,46 @@
             <a:extLst/>
           </a:lstStyle>
           <a:p>
-            <a:pPr lvl="0" eaLnBrk="1" latinLnBrk="0" hangingPunct="1"/>
+            <a:pPr lvl="0"/>
             <a:r>
               <a:rPr lang="en-US" smtClean="0"/>
               <a:t>Click to edit Master text styles</a:t>
             </a:r>
           </a:p>
           <a:p>
-            <a:pPr lvl="1" eaLnBrk="1" latinLnBrk="0" hangingPunct="1"/>
+            <a:pPr lvl="1"/>
             <a:r>
               <a:rPr lang="en-US" smtClean="0"/>
               <a:t>Second level</a:t>
             </a:r>
           </a:p>
           <a:p>
-            <a:pPr lvl="2" eaLnBrk="1" latinLnBrk="0" hangingPunct="1"/>
+            <a:pPr lvl="2"/>
             <a:r>
               <a:rPr lang="en-US" smtClean="0"/>
               <a:t>Third level</a:t>
             </a:r>
           </a:p>
           <a:p>
-            <a:pPr lvl="3" eaLnBrk="1" latinLnBrk="0" hangingPunct="1"/>
+            <a:pPr lvl="3"/>
             <a:r>
               <a:rPr lang="en-US" smtClean="0"/>
               <a:t>Fourth level</a:t>
             </a:r>
           </a:p>
           <a:p>
-            <a:pPr lvl="4" eaLnBrk="1" latinLnBrk="0" hangingPunct="1"/>
+            <a:pPr lvl="4"/>
             <a:r>
               <a:rPr lang="en-US" smtClean="0"/>
               <a:t>Fifth level</a:t>
             </a:r>
-            <a:endParaRPr kumimoji="0" lang="en-US"/>
-          </a:p>
-        </p:txBody>
-      </p:sp>
-      <p:sp>
-        <p:nvSpPr>
-          <p:cNvPr id="4" name="Date Placeholder 3"/>
+            <a:endParaRPr lang="en-US"/>
+          </a:p>
+        </p:txBody>
+      </p:sp>
+      <p:sp>
+        <p:nvSpPr>
+          <p:cNvPr id="4" name="Date Placeholder 23"/>
           <p:cNvSpPr>
             <a:spLocks noGrp="1"/>
           </p:cNvSpPr>
@@ -754,13 +1406,20 @@
         <p:txBody>
           <a:bodyPr/>
           <a:lstStyle>
-            <a:extLst/>
-          </a:lstStyle>
-          <a:p>
-            <a:fld id="{09609310-A27C-4486-85E6-BEA22C115EFC}" type="datetimeFigureOut">
-              <a:rPr lang="en-US" smtClean="0"/>
-              <a:pPr/>
-              <a:t>11/14/2008</a:t>
+            <a:lvl1pPr>
+              <a:defRPr/>
+            </a:lvl1pPr>
+          </a:lstStyle>
+          <a:p>
+            <a:pPr>
+              <a:defRPr/>
+            </a:pPr>
+            <a:fld id="{4D3D609B-09E9-431E-BCD0-DC034F6304B4}" type="datetimeFigureOut">
+              <a:rPr lang="en-US"/>
+              <a:pPr>
+                <a:defRPr/>
+              </a:pPr>
+              <a:t>11/17/2008</a:t>
             </a:fld>
             <a:endParaRPr lang="en-US"/>
           </a:p>
@@ -768,7 +1427,7 @@
       </p:sp>
       <p:sp>
         <p:nvSpPr>
-          <p:cNvPr id="5" name="Footer Placeholder 4"/>
+          <p:cNvPr id="5" name="Footer Placeholder 9"/>
           <p:cNvSpPr>
             <a:spLocks noGrp="1"/>
           </p:cNvSpPr>
@@ -780,16 +1439,21 @@
         <p:txBody>
           <a:bodyPr/>
           <a:lstStyle>
-            <a:extLst/>
-          </a:lstStyle>
-          <a:p>
-            <a:endParaRPr lang="en-US"/>
-          </a:p>
-        </p:txBody>
-      </p:sp>
-      <p:sp>
-        <p:nvSpPr>
-          <p:cNvPr id="6" name="Slide Number Placeholder 5"/>
+            <a:lvl1pPr>
+              <a:defRPr/>
+            </a:lvl1pPr>
+          </a:lstStyle>
+          <a:p>
+            <a:pPr>
+              <a:defRPr/>
+            </a:pPr>
+            <a:endParaRPr lang="en-US"/>
+          </a:p>
+        </p:txBody>
+      </p:sp>
+      <p:sp>
+        <p:nvSpPr>
+          <p:cNvPr id="6" name="Slide Number Placeholder 21"/>
           <p:cNvSpPr>
             <a:spLocks noGrp="1"/>
           </p:cNvSpPr>
@@ -801,12 +1465,19 @@
         <p:txBody>
           <a:bodyPr/>
           <a:lstStyle>
-            <a:extLst/>
-          </a:lstStyle>
-          <a:p>
-            <a:fld id="{4DD8A983-2F2E-4C7B-8080-8D2C1175E14E}" type="slidenum">
-              <a:rPr lang="en-US" smtClean="0"/>
-              <a:pPr/>
+            <a:lvl1pPr>
+              <a:defRPr/>
+            </a:lvl1pPr>
+          </a:lstStyle>
+          <a:p>
+            <a:pPr>
+              <a:defRPr/>
+            </a:pPr>
+            <a:fld id="{68C6369F-BA44-4B3C-80BF-38FA3B93C5C1}" type="slidenum">
+              <a:rPr lang="en-US"/>
+              <a:pPr>
+                <a:defRPr/>
+              </a:pPr>
               <a:t>‹#›</a:t>
             </a:fld>
             <a:endParaRPr lang="en-US"/>
@@ -825,6 +1496,234 @@
 </file>
 
 <file path=ppt/slideLayouts/slideLayout12.xml><?xml version="1.0" encoding="utf-8"?>
+<p:sldLayout xmlns:a="http://schemas.openxmlformats.org/drawingml/2006/main" xmlns:r="http://schemas.openxmlformats.org/officeDocument/2006/relationships" xmlns:p="http://schemas.openxmlformats.org/presentationml/2006/main" type="title" preserve="1">
+  <p:cSld name="1_Title Slide">
+    <p:spTree>
+      <p:nvGrpSpPr>
+        <p:cNvPr id="1" name=""/>
+        <p:cNvGrpSpPr/>
+        <p:nvPr/>
+      </p:nvGrpSpPr>
+      <p:grpSpPr>
+        <a:xfrm>
+          <a:off x="0" y="0"/>
+          <a:ext cx="0" cy="0"/>
+          <a:chOff x="0" y="0"/>
+          <a:chExt cx="0" cy="0"/>
+        </a:xfrm>
+      </p:grpSpPr>
+      <p:sp>
+        <p:nvSpPr>
+          <p:cNvPr id="2" name="Title 1"/>
+          <p:cNvSpPr>
+            <a:spLocks noGrp="1"/>
+          </p:cNvSpPr>
+          <p:nvPr>
+            <p:ph type="ctrTitle"/>
+          </p:nvPr>
+        </p:nvSpPr>
+        <p:spPr>
+          <a:xfrm>
+            <a:off x="685800" y="2130425"/>
+            <a:ext cx="7772400" cy="1470025"/>
+          </a:xfrm>
+        </p:spPr>
+        <p:txBody>
+          <a:bodyPr/>
+          <a:lstStyle/>
+          <a:p>
+            <a:r>
+              <a:rPr lang="en-US" smtClean="0"/>
+              <a:t>Click to edit Master title style</a:t>
+            </a:r>
+            <a:endParaRPr lang="en-US"/>
+          </a:p>
+        </p:txBody>
+      </p:sp>
+      <p:sp>
+        <p:nvSpPr>
+          <p:cNvPr id="3" name="Subtitle 2"/>
+          <p:cNvSpPr>
+            <a:spLocks noGrp="1"/>
+          </p:cNvSpPr>
+          <p:nvPr>
+            <p:ph type="subTitle" idx="1"/>
+          </p:nvPr>
+        </p:nvSpPr>
+        <p:spPr>
+          <a:xfrm>
+            <a:off x="1371600" y="3886200"/>
+            <a:ext cx="6400800" cy="1752600"/>
+          </a:xfrm>
+        </p:spPr>
+        <p:txBody>
+          <a:bodyPr/>
+          <a:lstStyle>
+            <a:lvl1pPr marL="0" indent="0" algn="ctr">
+              <a:buNone/>
+              <a:defRPr/>
+            </a:lvl1pPr>
+            <a:lvl2pPr marL="457200" indent="0" algn="ctr">
+              <a:buNone/>
+              <a:defRPr/>
+            </a:lvl2pPr>
+            <a:lvl3pPr marL="914400" indent="0" algn="ctr">
+              <a:buNone/>
+              <a:defRPr/>
+            </a:lvl3pPr>
+            <a:lvl4pPr marL="1371600" indent="0" algn="ctr">
+              <a:buNone/>
+              <a:defRPr/>
+            </a:lvl4pPr>
+            <a:lvl5pPr marL="1828800" indent="0" algn="ctr">
+              <a:buNone/>
+              <a:defRPr/>
+            </a:lvl5pPr>
+            <a:lvl6pPr marL="2286000" indent="0" algn="ctr">
+              <a:buNone/>
+              <a:defRPr/>
+            </a:lvl6pPr>
+            <a:lvl7pPr marL="2743200" indent="0" algn="ctr">
+              <a:buNone/>
+              <a:defRPr/>
+            </a:lvl7pPr>
+            <a:lvl8pPr marL="3200400" indent="0" algn="ctr">
+              <a:buNone/>
+              <a:defRPr/>
+            </a:lvl8pPr>
+            <a:lvl9pPr marL="3657600" indent="0" algn="ctr">
+              <a:buNone/>
+              <a:defRPr/>
+            </a:lvl9pPr>
+          </a:lstStyle>
+          <a:p>
+            <a:r>
+              <a:rPr lang="en-US" smtClean="0"/>
+              <a:t>Click to edit Master subtitle style</a:t>
+            </a:r>
+            <a:endParaRPr lang="en-US"/>
+          </a:p>
+        </p:txBody>
+      </p:sp>
+      <p:sp>
+        <p:nvSpPr>
+          <p:cNvPr id="4" name="Date Placeholder 3"/>
+          <p:cNvSpPr>
+            <a:spLocks noGrp="1"/>
+          </p:cNvSpPr>
+          <p:nvPr>
+            <p:ph type="dt" sz="half" idx="10"/>
+          </p:nvPr>
+        </p:nvSpPr>
+        <p:spPr>
+          <a:xfrm>
+            <a:off x="3581400" y="6305550"/>
+            <a:ext cx="2133600" cy="476250"/>
+          </a:xfrm>
+        </p:spPr>
+        <p:txBody>
+          <a:bodyPr/>
+          <a:lstStyle>
+            <a:lvl1pPr>
+              <a:defRPr/>
+            </a:lvl1pPr>
+          </a:lstStyle>
+          <a:p>
+            <a:pPr>
+              <a:defRPr/>
+            </a:pPr>
+            <a:fld id="{AC1E9388-F826-49F0-8123-4ED50E677847}" type="datetimeFigureOut">
+              <a:rPr lang="en-US"/>
+              <a:pPr>
+                <a:defRPr/>
+              </a:pPr>
+              <a:t>11/17/2008</a:t>
+            </a:fld>
+            <a:endParaRPr lang="en-US"/>
+          </a:p>
+        </p:txBody>
+      </p:sp>
+      <p:sp>
+        <p:nvSpPr>
+          <p:cNvPr id="5" name="Footer Placeholder 4"/>
+          <p:cNvSpPr>
+            <a:spLocks noGrp="1"/>
+          </p:cNvSpPr>
+          <p:nvPr>
+            <p:ph type="ftr" sz="quarter" idx="11"/>
+          </p:nvPr>
+        </p:nvSpPr>
+        <p:spPr>
+          <a:xfrm>
+            <a:off x="5715000" y="6305550"/>
+            <a:ext cx="2895600" cy="476250"/>
+          </a:xfrm>
+        </p:spPr>
+        <p:txBody>
+          <a:bodyPr/>
+          <a:lstStyle>
+            <a:lvl1pPr>
+              <a:defRPr/>
+            </a:lvl1pPr>
+          </a:lstStyle>
+          <a:p>
+            <a:pPr>
+              <a:defRPr/>
+            </a:pPr>
+            <a:endParaRPr lang="en-US"/>
+          </a:p>
+        </p:txBody>
+      </p:sp>
+      <p:sp>
+        <p:nvSpPr>
+          <p:cNvPr id="6" name="Slide Number Placeholder 5"/>
+          <p:cNvSpPr>
+            <a:spLocks noGrp="1"/>
+          </p:cNvSpPr>
+          <p:nvPr>
+            <p:ph type="sldNum" sz="quarter" idx="12"/>
+          </p:nvPr>
+        </p:nvSpPr>
+        <p:spPr>
+          <a:xfrm>
+            <a:off x="8613775" y="6305550"/>
+            <a:ext cx="457200" cy="476250"/>
+          </a:xfrm>
+        </p:spPr>
+        <p:txBody>
+          <a:bodyPr/>
+          <a:lstStyle>
+            <a:lvl1pPr>
+              <a:defRPr/>
+            </a:lvl1pPr>
+          </a:lstStyle>
+          <a:p>
+            <a:pPr>
+              <a:defRPr/>
+            </a:pPr>
+            <a:fld id="{8E004F77-321B-487A-8AC7-9A3DA7A8C52B}" type="slidenum">
+              <a:rPr lang="en-US"/>
+              <a:pPr>
+                <a:defRPr/>
+              </a:pPr>
+              <a:t>‹#›</a:t>
+            </a:fld>
+            <a:endParaRPr lang="en-US"/>
+          </a:p>
+        </p:txBody>
+      </p:sp>
+    </p:spTree>
+  </p:cSld>
+  <p:clrMapOvr>
+    <a:masterClrMapping/>
+  </p:clrMapOvr>
+  <p:transition>
+    <p:fade/>
+  </p:transition>
+</p:sldLayout>
+</file>
+
+<file path=ppt/slideLayouts/slideLayout13.xml><?xml version="1.0" encoding="utf-8"?>
 <p:sldLayout xmlns:a="http://schemas.openxmlformats.org/drawingml/2006/main" xmlns:r="http://schemas.openxmlformats.org/officeDocument/2006/relationships" xmlns:p="http://schemas.openxmlformats.org/presentationml/2006/main" type="title" preserve="1">
   <p:cSld name="Title Slide">
     <p:spTree>
@@ -1001,12 +1900,21 @@
         <p:spPr/>
         <p:txBody>
           <a:bodyPr/>
-          <a:lstStyle/>
-          <a:p>
-            <a:fld id="{5AB54E97-EA14-4D6D-B65E-B97DF81584A8}" type="datetimeFigureOut">
-              <a:rPr lang="en-US" smtClean="0"/>
-              <a:pPr/>
-              <a:t>11/14/2008</a:t>
+          <a:lstStyle>
+            <a:lvl1pPr>
+              <a:defRPr/>
+            </a:lvl1pPr>
+          </a:lstStyle>
+          <a:p>
+            <a:pPr>
+              <a:defRPr/>
+            </a:pPr>
+            <a:fld id="{1B3298D2-6192-4358-A743-0DD4F5047A3F}" type="datetimeFigureOut">
+              <a:rPr lang="en-US"/>
+              <a:pPr>
+                <a:defRPr/>
+              </a:pPr>
+              <a:t>11/17/2008</a:t>
             </a:fld>
             <a:endParaRPr lang="en-US"/>
           </a:p>
@@ -1025,8 +1933,15 @@
         <p:spPr/>
         <p:txBody>
           <a:bodyPr/>
-          <a:lstStyle/>
-          <a:p>
+          <a:lstStyle>
+            <a:lvl1pPr>
+              <a:defRPr/>
+            </a:lvl1pPr>
+          </a:lstStyle>
+          <a:p>
+            <a:pPr>
+              <a:defRPr/>
+            </a:pPr>
             <a:endParaRPr lang="en-US"/>
           </a:p>
         </p:txBody>
@@ -1044,11 +1959,20 @@
         <p:spPr/>
         <p:txBody>
           <a:bodyPr/>
-          <a:lstStyle/>
-          <a:p>
-            <a:fld id="{C2E99204-D3AF-4B0E-B808-5AFF8377D7BB}" type="slidenum">
-              <a:rPr lang="en-US" smtClean="0"/>
-              <a:pPr/>
+          <a:lstStyle>
+            <a:lvl1pPr>
+              <a:defRPr/>
+            </a:lvl1pPr>
+          </a:lstStyle>
+          <a:p>
+            <a:pPr>
+              <a:defRPr/>
+            </a:pPr>
+            <a:fld id="{034D8115-2434-4B5B-8D36-B2C0C4B72E5F}" type="slidenum">
+              <a:rPr lang="en-US"/>
+              <a:pPr>
+                <a:defRPr/>
+              </a:pPr>
               <a:t>‹#›</a:t>
             </a:fld>
             <a:endParaRPr lang="en-US"/>
@@ -1066,7 +1990,7 @@
 </p:sldLayout>
 </file>
 
-<file path=ppt/slideLayouts/slideLayout13.xml><?xml version="1.0" encoding="utf-8"?>
+<file path=ppt/slideLayouts/slideLayout14.xml><?xml version="1.0" encoding="utf-8"?>
 <p:sldLayout xmlns:a="http://schemas.openxmlformats.org/drawingml/2006/main" xmlns:r="http://schemas.openxmlformats.org/officeDocument/2006/relationships" xmlns:p="http://schemas.openxmlformats.org/presentationml/2006/main" type="obj" preserve="1">
   <p:cSld name="Title and Content">
     <p:spTree>
@@ -1171,12 +2095,21 @@
         <p:spPr/>
         <p:txBody>
           <a:bodyPr/>
-          <a:lstStyle/>
-          <a:p>
-            <a:fld id="{5AB54E97-EA14-4D6D-B65E-B97DF81584A8}" type="datetimeFigureOut">
-              <a:rPr lang="en-US" smtClean="0"/>
-              <a:pPr/>
-              <a:t>11/14/2008</a:t>
+          <a:lstStyle>
+            <a:lvl1pPr>
+              <a:defRPr/>
+            </a:lvl1pPr>
+          </a:lstStyle>
+          <a:p>
+            <a:pPr>
+              <a:defRPr/>
+            </a:pPr>
+            <a:fld id="{8C8C4F73-09CB-421C-A537-0D5BD7BBB761}" type="datetimeFigureOut">
+              <a:rPr lang="en-US"/>
+              <a:pPr>
+                <a:defRPr/>
+              </a:pPr>
+              <a:t>11/17/2008</a:t>
             </a:fld>
             <a:endParaRPr lang="en-US"/>
           </a:p>
@@ -1195,8 +2128,15 @@
         <p:spPr/>
         <p:txBody>
           <a:bodyPr/>
-          <a:lstStyle/>
-          <a:p>
+          <a:lstStyle>
+            <a:lvl1pPr>
+              <a:defRPr/>
+            </a:lvl1pPr>
+          </a:lstStyle>
+          <a:p>
+            <a:pPr>
+              <a:defRPr/>
+            </a:pPr>
             <a:endParaRPr lang="en-US"/>
           </a:p>
         </p:txBody>
@@ -1214,11 +2154,20 @@
         <p:spPr/>
         <p:txBody>
           <a:bodyPr/>
-          <a:lstStyle/>
-          <a:p>
-            <a:fld id="{C2E99204-D3AF-4B0E-B808-5AFF8377D7BB}" type="slidenum">
-              <a:rPr lang="en-US" smtClean="0"/>
-              <a:pPr/>
+          <a:lstStyle>
+            <a:lvl1pPr>
+              <a:defRPr/>
+            </a:lvl1pPr>
+          </a:lstStyle>
+          <a:p>
+            <a:pPr>
+              <a:defRPr/>
+            </a:pPr>
+            <a:fld id="{11F391F7-262C-4371-92F0-307A1B8100BD}" type="slidenum">
+              <a:rPr lang="en-US"/>
+              <a:pPr>
+                <a:defRPr/>
+              </a:pPr>
               <a:t>‹#›</a:t>
             </a:fld>
             <a:endParaRPr lang="en-US"/>
@@ -1236,7 +2185,7 @@
 </p:sldLayout>
 </file>
 
-<file path=ppt/slideLayouts/slideLayout14.xml><?xml version="1.0" encoding="utf-8"?>
+<file path=ppt/slideLayouts/slideLayout15.xml><?xml version="1.0" encoding="utf-8"?>
 <p:sldLayout xmlns:a="http://schemas.openxmlformats.org/drawingml/2006/main" xmlns:r="http://schemas.openxmlformats.org/officeDocument/2006/relationships" xmlns:p="http://schemas.openxmlformats.org/presentationml/2006/main" type="secHead" preserve="1">
   <p:cSld name="Section Header">
     <p:spTree>
@@ -1417,12 +2366,21 @@
         <p:spPr/>
         <p:txBody>
           <a:bodyPr/>
-          <a:lstStyle/>
-          <a:p>
-            <a:fld id="{5AB54E97-EA14-4D6D-B65E-B97DF81584A8}" type="datetimeFigureOut">
-              <a:rPr lang="en-US" smtClean="0"/>
-              <a:pPr/>
-              <a:t>11/14/2008</a:t>
+          <a:lstStyle>
+            <a:lvl1pPr>
+              <a:defRPr/>
+            </a:lvl1pPr>
+          </a:lstStyle>
+          <a:p>
+            <a:pPr>
+              <a:defRPr/>
+            </a:pPr>
+            <a:fld id="{066048F3-63E8-47D5-9104-CEA9A5FDBEC3}" type="datetimeFigureOut">
+              <a:rPr lang="en-US"/>
+              <a:pPr>
+                <a:defRPr/>
+              </a:pPr>
+              <a:t>11/17/2008</a:t>
             </a:fld>
             <a:endParaRPr lang="en-US"/>
           </a:p>
@@ -1441,8 +2399,15 @@
         <p:spPr/>
         <p:txBody>
           <a:bodyPr/>
-          <a:lstStyle/>
-          <a:p>
+          <a:lstStyle>
+            <a:lvl1pPr>
+              <a:defRPr/>
+            </a:lvl1pPr>
+          </a:lstStyle>
+          <a:p>
+            <a:pPr>
+              <a:defRPr/>
+            </a:pPr>
             <a:endParaRPr lang="en-US"/>
           </a:p>
         </p:txBody>
@@ -1460,11 +2425,20 @@
         <p:spPr/>
         <p:txBody>
           <a:bodyPr/>
-          <a:lstStyle/>
-          <a:p>
-            <a:fld id="{C2E99204-D3AF-4B0E-B808-5AFF8377D7BB}" type="slidenum">
-              <a:rPr lang="en-US" smtClean="0"/>
-              <a:pPr/>
+          <a:lstStyle>
+            <a:lvl1pPr>
+              <a:defRPr/>
+            </a:lvl1pPr>
+          </a:lstStyle>
+          <a:p>
+            <a:pPr>
+              <a:defRPr/>
+            </a:pPr>
+            <a:fld id="{B4336948-E30C-40E5-9EC3-72FB5632579C}" type="slidenum">
+              <a:rPr lang="en-US"/>
+              <a:pPr>
+                <a:defRPr/>
+              </a:pPr>
               <a:t>‹#›</a:t>
             </a:fld>
             <a:endParaRPr lang="en-US"/>
@@ -1482,7 +2456,7 @@
 </p:sldLayout>
 </file>
 
-<file path=ppt/slideLayouts/slideLayout15.xml><?xml version="1.0" encoding="utf-8"?>
+<file path=ppt/slideLayouts/slideLayout16.xml><?xml version="1.0" encoding="utf-8"?>
 <p:sldLayout xmlns:a="http://schemas.openxmlformats.org/drawingml/2006/main" xmlns:r="http://schemas.openxmlformats.org/officeDocument/2006/relationships" xmlns:p="http://schemas.openxmlformats.org/presentationml/2006/main" type="twoObj" preserve="1">
   <p:cSld name="Two Content">
     <p:spTree>
@@ -1694,7 +2668,7 @@
       </p:sp>
       <p:sp>
         <p:nvSpPr>
-          <p:cNvPr id="5" name="Date Placeholder 4"/>
+          <p:cNvPr id="5" name="Date Placeholder 3"/>
           <p:cNvSpPr>
             <a:spLocks noGrp="1"/>
           </p:cNvSpPr>
@@ -1705,12 +2679,21 @@
         <p:spPr/>
         <p:txBody>
           <a:bodyPr/>
-          <a:lstStyle/>
-          <a:p>
-            <a:fld id="{5AB54E97-EA14-4D6D-B65E-B97DF81584A8}" type="datetimeFigureOut">
-              <a:rPr lang="en-US" smtClean="0"/>
-              <a:pPr/>
-              <a:t>11/14/2008</a:t>
+          <a:lstStyle>
+            <a:lvl1pPr>
+              <a:defRPr/>
+            </a:lvl1pPr>
+          </a:lstStyle>
+          <a:p>
+            <a:pPr>
+              <a:defRPr/>
+            </a:pPr>
+            <a:fld id="{03F9F05D-F673-4C38-9A08-4A2474E7B2CB}" type="datetimeFigureOut">
+              <a:rPr lang="en-US"/>
+              <a:pPr>
+                <a:defRPr/>
+              </a:pPr>
+              <a:t>11/17/2008</a:t>
             </a:fld>
             <a:endParaRPr lang="en-US"/>
           </a:p>
@@ -1718,7 +2701,7 @@
       </p:sp>
       <p:sp>
         <p:nvSpPr>
-          <p:cNvPr id="6" name="Footer Placeholder 5"/>
+          <p:cNvPr id="6" name="Footer Placeholder 4"/>
           <p:cNvSpPr>
             <a:spLocks noGrp="1"/>
           </p:cNvSpPr>
@@ -1729,15 +2712,22 @@
         <p:spPr/>
         <p:txBody>
           <a:bodyPr/>
-          <a:lstStyle/>
-          <a:p>
-            <a:endParaRPr lang="en-US"/>
-          </a:p>
-        </p:txBody>
-      </p:sp>
-      <p:sp>
-        <p:nvSpPr>
-          <p:cNvPr id="7" name="Slide Number Placeholder 6"/>
+          <a:lstStyle>
+            <a:lvl1pPr>
+              <a:defRPr/>
+            </a:lvl1pPr>
+          </a:lstStyle>
+          <a:p>
+            <a:pPr>
+              <a:defRPr/>
+            </a:pPr>
+            <a:endParaRPr lang="en-US"/>
+          </a:p>
+        </p:txBody>
+      </p:sp>
+      <p:sp>
+        <p:nvSpPr>
+          <p:cNvPr id="7" name="Slide Number Placeholder 5"/>
           <p:cNvSpPr>
             <a:spLocks noGrp="1"/>
           </p:cNvSpPr>
@@ -1748,11 +2738,20 @@
         <p:spPr/>
         <p:txBody>
           <a:bodyPr/>
-          <a:lstStyle/>
-          <a:p>
-            <a:fld id="{C2E99204-D3AF-4B0E-B808-5AFF8377D7BB}" type="slidenum">
-              <a:rPr lang="en-US" smtClean="0"/>
-              <a:pPr/>
+          <a:lstStyle>
+            <a:lvl1pPr>
+              <a:defRPr/>
+            </a:lvl1pPr>
+          </a:lstStyle>
+          <a:p>
+            <a:pPr>
+              <a:defRPr/>
+            </a:pPr>
+            <a:fld id="{7BFD1000-23CE-437F-BAD4-03A41601E84B}" type="slidenum">
+              <a:rPr lang="en-US"/>
+              <a:pPr>
+                <a:defRPr/>
+              </a:pPr>
               <a:t>‹#›</a:t>
             </a:fld>
             <a:endParaRPr lang="en-US"/>
@@ -1770,7 +2769,7 @@
 </p:sldLayout>
 </file>
 
-<file path=ppt/slideLayouts/slideLayout16.xml><?xml version="1.0" encoding="utf-8"?>
+<file path=ppt/slideLayouts/slideLayout17.xml><?xml version="1.0" encoding="utf-8"?>
 <p:sldLayout xmlns:a="http://schemas.openxmlformats.org/drawingml/2006/main" xmlns:r="http://schemas.openxmlformats.org/officeDocument/2006/relationships" xmlns:p="http://schemas.openxmlformats.org/presentationml/2006/main" type="twoTxTwoObj" preserve="1">
   <p:cSld name="Comparison">
     <p:spTree>
@@ -2116,7 +3115,7 @@
       </p:sp>
       <p:sp>
         <p:nvSpPr>
-          <p:cNvPr id="7" name="Date Placeholder 6"/>
+          <p:cNvPr id="7" name="Date Placeholder 3"/>
           <p:cNvSpPr>
             <a:spLocks noGrp="1"/>
           </p:cNvSpPr>
@@ -2127,12 +3126,21 @@
         <p:spPr/>
         <p:txBody>
           <a:bodyPr/>
-          <a:lstStyle/>
-          <a:p>
-            <a:fld id="{5AB54E97-EA14-4D6D-B65E-B97DF81584A8}" type="datetimeFigureOut">
-              <a:rPr lang="en-US" smtClean="0"/>
-              <a:pPr/>
-              <a:t>11/14/2008</a:t>
+          <a:lstStyle>
+            <a:lvl1pPr>
+              <a:defRPr/>
+            </a:lvl1pPr>
+          </a:lstStyle>
+          <a:p>
+            <a:pPr>
+              <a:defRPr/>
+            </a:pPr>
+            <a:fld id="{C40242E8-721D-4539-9DF5-1D475CD6404C}" type="datetimeFigureOut">
+              <a:rPr lang="en-US"/>
+              <a:pPr>
+                <a:defRPr/>
+              </a:pPr>
+              <a:t>11/17/2008</a:t>
             </a:fld>
             <a:endParaRPr lang="en-US"/>
           </a:p>
@@ -2140,7 +3148,7 @@
       </p:sp>
       <p:sp>
         <p:nvSpPr>
-          <p:cNvPr id="8" name="Footer Placeholder 7"/>
+          <p:cNvPr id="8" name="Footer Placeholder 4"/>
           <p:cNvSpPr>
             <a:spLocks noGrp="1"/>
           </p:cNvSpPr>
@@ -2151,15 +3159,22 @@
         <p:spPr/>
         <p:txBody>
           <a:bodyPr/>
-          <a:lstStyle/>
-          <a:p>
-            <a:endParaRPr lang="en-US"/>
-          </a:p>
-        </p:txBody>
-      </p:sp>
-      <p:sp>
-        <p:nvSpPr>
-          <p:cNvPr id="9" name="Slide Number Placeholder 8"/>
+          <a:lstStyle>
+            <a:lvl1pPr>
+              <a:defRPr/>
+            </a:lvl1pPr>
+          </a:lstStyle>
+          <a:p>
+            <a:pPr>
+              <a:defRPr/>
+            </a:pPr>
+            <a:endParaRPr lang="en-US"/>
+          </a:p>
+        </p:txBody>
+      </p:sp>
+      <p:sp>
+        <p:nvSpPr>
+          <p:cNvPr id="9" name="Slide Number Placeholder 5"/>
           <p:cNvSpPr>
             <a:spLocks noGrp="1"/>
           </p:cNvSpPr>
@@ -2170,11 +3185,20 @@
         <p:spPr/>
         <p:txBody>
           <a:bodyPr/>
-          <a:lstStyle/>
-          <a:p>
-            <a:fld id="{C2E99204-D3AF-4B0E-B808-5AFF8377D7BB}" type="slidenum">
-              <a:rPr lang="en-US" smtClean="0"/>
-              <a:pPr/>
+          <a:lstStyle>
+            <a:lvl1pPr>
+              <a:defRPr/>
+            </a:lvl1pPr>
+          </a:lstStyle>
+          <a:p>
+            <a:pPr>
+              <a:defRPr/>
+            </a:pPr>
+            <a:fld id="{3A1A1981-D1E2-4C80-B6F7-6E43ECEC7B22}" type="slidenum">
+              <a:rPr lang="en-US"/>
+              <a:pPr>
+                <a:defRPr/>
+              </a:pPr>
               <a:t>‹#›</a:t>
             </a:fld>
             <a:endParaRPr lang="en-US"/>
@@ -2192,7 +3216,7 @@
 </p:sldLayout>
 </file>
 
-<file path=ppt/slideLayouts/slideLayout17.xml><?xml version="1.0" encoding="utf-8"?>
+<file path=ppt/slideLayouts/slideLayout18.xml><?xml version="1.0" encoding="utf-8"?>
 <p:sldLayout xmlns:a="http://schemas.openxmlformats.org/drawingml/2006/main" xmlns:r="http://schemas.openxmlformats.org/officeDocument/2006/relationships" xmlns:p="http://schemas.openxmlformats.org/presentationml/2006/main" type="titleOnly" preserve="1">
   <p:cSld name="Title Only">
     <p:spTree>
@@ -2234,7 +3258,7 @@
       </p:sp>
       <p:sp>
         <p:nvSpPr>
-          <p:cNvPr id="3" name="Date Placeholder 2"/>
+          <p:cNvPr id="3" name="Date Placeholder 3"/>
           <p:cNvSpPr>
             <a:spLocks noGrp="1"/>
           </p:cNvSpPr>
@@ -2245,12 +3269,21 @@
         <p:spPr/>
         <p:txBody>
           <a:bodyPr/>
-          <a:lstStyle/>
-          <a:p>
-            <a:fld id="{5AB54E97-EA14-4D6D-B65E-B97DF81584A8}" type="datetimeFigureOut">
-              <a:rPr lang="en-US" smtClean="0"/>
-              <a:pPr/>
-              <a:t>11/14/2008</a:t>
+          <a:lstStyle>
+            <a:lvl1pPr>
+              <a:defRPr/>
+            </a:lvl1pPr>
+          </a:lstStyle>
+          <a:p>
+            <a:pPr>
+              <a:defRPr/>
+            </a:pPr>
+            <a:fld id="{E83E9307-BA15-4D36-804A-778C1ACC43DE}" type="datetimeFigureOut">
+              <a:rPr lang="en-US"/>
+              <a:pPr>
+                <a:defRPr/>
+              </a:pPr>
+              <a:t>11/17/2008</a:t>
             </a:fld>
             <a:endParaRPr lang="en-US"/>
           </a:p>
@@ -2258,7 +3291,7 @@
       </p:sp>
       <p:sp>
         <p:nvSpPr>
-          <p:cNvPr id="4" name="Footer Placeholder 3"/>
+          <p:cNvPr id="4" name="Footer Placeholder 4"/>
           <p:cNvSpPr>
             <a:spLocks noGrp="1"/>
           </p:cNvSpPr>
@@ -2269,15 +3302,22 @@
         <p:spPr/>
         <p:txBody>
           <a:bodyPr/>
-          <a:lstStyle/>
-          <a:p>
-            <a:endParaRPr lang="en-US"/>
-          </a:p>
-        </p:txBody>
-      </p:sp>
-      <p:sp>
-        <p:nvSpPr>
-          <p:cNvPr id="5" name="Slide Number Placeholder 4"/>
+          <a:lstStyle>
+            <a:lvl1pPr>
+              <a:defRPr/>
+            </a:lvl1pPr>
+          </a:lstStyle>
+          <a:p>
+            <a:pPr>
+              <a:defRPr/>
+            </a:pPr>
+            <a:endParaRPr lang="en-US"/>
+          </a:p>
+        </p:txBody>
+      </p:sp>
+      <p:sp>
+        <p:nvSpPr>
+          <p:cNvPr id="5" name="Slide Number Placeholder 5"/>
           <p:cNvSpPr>
             <a:spLocks noGrp="1"/>
           </p:cNvSpPr>
@@ -2288,11 +3328,20 @@
         <p:spPr/>
         <p:txBody>
           <a:bodyPr/>
-          <a:lstStyle/>
-          <a:p>
-            <a:fld id="{C2E99204-D3AF-4B0E-B808-5AFF8377D7BB}" type="slidenum">
-              <a:rPr lang="en-US" smtClean="0"/>
-              <a:pPr/>
+          <a:lstStyle>
+            <a:lvl1pPr>
+              <a:defRPr/>
+            </a:lvl1pPr>
+          </a:lstStyle>
+          <a:p>
+            <a:pPr>
+              <a:defRPr/>
+            </a:pPr>
+            <a:fld id="{A6148E1B-4AAB-4BC2-960E-4CF964135DDA}" type="slidenum">
+              <a:rPr lang="en-US"/>
+              <a:pPr>
+                <a:defRPr/>
+              </a:pPr>
               <a:t>‹#›</a:t>
             </a:fld>
             <a:endParaRPr lang="en-US"/>
@@ -2310,7 +3359,7 @@
 </p:sldLayout>
 </file>
 
-<file path=ppt/slideLayouts/slideLayout18.xml><?xml version="1.0" encoding="utf-8"?>
+<file path=ppt/slideLayouts/slideLayout19.xml><?xml version="1.0" encoding="utf-8"?>
 <p:sldLayout xmlns:a="http://schemas.openxmlformats.org/drawingml/2006/main" xmlns:r="http://schemas.openxmlformats.org/officeDocument/2006/relationships" xmlns:p="http://schemas.openxmlformats.org/presentationml/2006/main" type="blank" preserve="1">
   <p:cSld name="Blank">
     <p:spTree>
@@ -2329,7 +3378,7 @@
       </p:grpSpPr>
       <p:sp>
         <p:nvSpPr>
-          <p:cNvPr id="2" name="Date Placeholder 1"/>
+          <p:cNvPr id="2" name="Date Placeholder 3"/>
           <p:cNvSpPr>
             <a:spLocks noGrp="1"/>
           </p:cNvSpPr>
@@ -2340,12 +3389,21 @@
         <p:spPr/>
         <p:txBody>
           <a:bodyPr/>
-          <a:lstStyle/>
-          <a:p>
-            <a:fld id="{5AB54E97-EA14-4D6D-B65E-B97DF81584A8}" type="datetimeFigureOut">
-              <a:rPr lang="en-US" smtClean="0"/>
-              <a:pPr/>
-              <a:t>11/14/2008</a:t>
+          <a:lstStyle>
+            <a:lvl1pPr>
+              <a:defRPr/>
+            </a:lvl1pPr>
+          </a:lstStyle>
+          <a:p>
+            <a:pPr>
+              <a:defRPr/>
+            </a:pPr>
+            <a:fld id="{7B9DCA81-A13A-48EE-9818-858148CCBF06}" type="datetimeFigureOut">
+              <a:rPr lang="en-US"/>
+              <a:pPr>
+                <a:defRPr/>
+              </a:pPr>
+              <a:t>11/17/2008</a:t>
             </a:fld>
             <a:endParaRPr lang="en-US"/>
           </a:p>
@@ -2353,7 +3411,7 @@
       </p:sp>
       <p:sp>
         <p:nvSpPr>
-          <p:cNvPr id="3" name="Footer Placeholder 2"/>
+          <p:cNvPr id="3" name="Footer Placeholder 4"/>
           <p:cNvSpPr>
             <a:spLocks noGrp="1"/>
           </p:cNvSpPr>
@@ -2364,15 +3422,22 @@
         <p:spPr/>
         <p:txBody>
           <a:bodyPr/>
-          <a:lstStyle/>
-          <a:p>
-            <a:endParaRPr lang="en-US"/>
-          </a:p>
-        </p:txBody>
-      </p:sp>
-      <p:sp>
-        <p:nvSpPr>
-          <p:cNvPr id="4" name="Slide Number Placeholder 3"/>
+          <a:lstStyle>
+            <a:lvl1pPr>
+              <a:defRPr/>
+            </a:lvl1pPr>
+          </a:lstStyle>
+          <a:p>
+            <a:pPr>
+              <a:defRPr/>
+            </a:pPr>
+            <a:endParaRPr lang="en-US"/>
+          </a:p>
+        </p:txBody>
+      </p:sp>
+      <p:sp>
+        <p:nvSpPr>
+          <p:cNvPr id="4" name="Slide Number Placeholder 5"/>
           <p:cNvSpPr>
             <a:spLocks noGrp="1"/>
           </p:cNvSpPr>
@@ -2383,11 +3448,20 @@
         <p:spPr/>
         <p:txBody>
           <a:bodyPr/>
-          <a:lstStyle/>
-          <a:p>
-            <a:fld id="{C2E99204-D3AF-4B0E-B808-5AFF8377D7BB}" type="slidenum">
-              <a:rPr lang="en-US" smtClean="0"/>
-              <a:pPr/>
+          <a:lstStyle>
+            <a:lvl1pPr>
+              <a:defRPr/>
+            </a:lvl1pPr>
+          </a:lstStyle>
+          <a:p>
+            <a:pPr>
+              <a:defRPr/>
+            </a:pPr>
+            <a:fld id="{3DE82987-B7EF-45ED-8FDF-5B0EEAC6D0EC}" type="slidenum">
+              <a:rPr lang="en-US"/>
+              <a:pPr>
+                <a:defRPr/>
+              </a:pPr>
               <a:t>‹#›</a:t>
             </a:fld>
             <a:endParaRPr lang="en-US"/>
@@ -2405,7 +3479,206 @@
 </p:sldLayout>
 </file>
 
-<file path=ppt/slideLayouts/slideLayout19.xml><?xml version="1.0" encoding="utf-8"?>
+<file path=ppt/slideLayouts/slideLayout2.xml><?xml version="1.0" encoding="utf-8"?>
+<p:sldLayout xmlns:a="http://schemas.openxmlformats.org/drawingml/2006/main" xmlns:r="http://schemas.openxmlformats.org/officeDocument/2006/relationships" xmlns:p="http://schemas.openxmlformats.org/presentationml/2006/main" type="obj" preserve="1">
+  <p:cSld name="Title and Content">
+    <p:spTree>
+      <p:nvGrpSpPr>
+        <p:cNvPr id="1" name=""/>
+        <p:cNvGrpSpPr/>
+        <p:nvPr/>
+      </p:nvGrpSpPr>
+      <p:grpSpPr>
+        <a:xfrm>
+          <a:off x="0" y="0"/>
+          <a:ext cx="0" cy="0"/>
+          <a:chOff x="0" y="0"/>
+          <a:chExt cx="0" cy="0"/>
+        </a:xfrm>
+      </p:grpSpPr>
+      <p:sp>
+        <p:nvSpPr>
+          <p:cNvPr id="2" name="Title 1"/>
+          <p:cNvSpPr>
+            <a:spLocks noGrp="1"/>
+          </p:cNvSpPr>
+          <p:nvPr>
+            <p:ph type="title"/>
+          </p:nvPr>
+        </p:nvSpPr>
+        <p:spPr/>
+        <p:txBody>
+          <a:bodyPr/>
+          <a:lstStyle>
+            <a:extLst/>
+          </a:lstStyle>
+          <a:p>
+            <a:r>
+              <a:rPr lang="en-US" smtClean="0"/>
+              <a:t>Click to edit Master title style</a:t>
+            </a:r>
+            <a:endParaRPr lang="en-US"/>
+          </a:p>
+        </p:txBody>
+      </p:sp>
+      <p:sp>
+        <p:nvSpPr>
+          <p:cNvPr id="3" name="Content Placeholder 2"/>
+          <p:cNvSpPr>
+            <a:spLocks noGrp="1"/>
+          </p:cNvSpPr>
+          <p:nvPr>
+            <p:ph idx="1"/>
+          </p:nvPr>
+        </p:nvSpPr>
+        <p:spPr/>
+        <p:txBody>
+          <a:bodyPr/>
+          <a:lstStyle>
+            <a:extLst/>
+          </a:lstStyle>
+          <a:p>
+            <a:pPr lvl="0"/>
+            <a:r>
+              <a:rPr lang="en-US" dirty="0" smtClean="0"/>
+              <a:t>Click to edit Master text styles</a:t>
+            </a:r>
+          </a:p>
+          <a:p>
+            <a:pPr lvl="1"/>
+            <a:r>
+              <a:rPr lang="en-US" dirty="0" smtClean="0"/>
+              <a:t>Second level</a:t>
+            </a:r>
+          </a:p>
+          <a:p>
+            <a:pPr lvl="2"/>
+            <a:r>
+              <a:rPr lang="en-US" dirty="0" smtClean="0"/>
+              <a:t>Third level</a:t>
+            </a:r>
+          </a:p>
+          <a:p>
+            <a:pPr lvl="3"/>
+            <a:r>
+              <a:rPr lang="en-US" dirty="0" smtClean="0"/>
+              <a:t>Fourth level</a:t>
+            </a:r>
+          </a:p>
+          <a:p>
+            <a:pPr lvl="4"/>
+            <a:r>
+              <a:rPr lang="en-US" dirty="0" smtClean="0"/>
+              <a:t>Fifth level</a:t>
+            </a:r>
+            <a:endParaRPr lang="en-US" dirty="0"/>
+          </a:p>
+        </p:txBody>
+      </p:sp>
+      <p:sp>
+        <p:nvSpPr>
+          <p:cNvPr id="4" name="Date Placeholder 23"/>
+          <p:cNvSpPr>
+            <a:spLocks noGrp="1"/>
+          </p:cNvSpPr>
+          <p:nvPr>
+            <p:ph type="dt" sz="half" idx="10"/>
+          </p:nvPr>
+        </p:nvSpPr>
+        <p:spPr/>
+        <p:txBody>
+          <a:bodyPr/>
+          <a:lstStyle>
+            <a:lvl1pPr>
+              <a:defRPr/>
+            </a:lvl1pPr>
+          </a:lstStyle>
+          <a:p>
+            <a:pPr>
+              <a:defRPr/>
+            </a:pPr>
+            <a:fld id="{080055BD-76DF-4B5C-B343-19F310B596CA}" type="datetimeFigureOut">
+              <a:rPr lang="en-US"/>
+              <a:pPr>
+                <a:defRPr/>
+              </a:pPr>
+              <a:t>11/17/2008</a:t>
+            </a:fld>
+            <a:endParaRPr lang="en-US"/>
+          </a:p>
+        </p:txBody>
+      </p:sp>
+      <p:sp>
+        <p:nvSpPr>
+          <p:cNvPr id="5" name="Footer Placeholder 9"/>
+          <p:cNvSpPr>
+            <a:spLocks noGrp="1"/>
+          </p:cNvSpPr>
+          <p:nvPr>
+            <p:ph type="ftr" sz="quarter" idx="11"/>
+          </p:nvPr>
+        </p:nvSpPr>
+        <p:spPr/>
+        <p:txBody>
+          <a:bodyPr/>
+          <a:lstStyle>
+            <a:lvl1pPr>
+              <a:defRPr/>
+            </a:lvl1pPr>
+          </a:lstStyle>
+          <a:p>
+            <a:pPr>
+              <a:defRPr/>
+            </a:pPr>
+            <a:endParaRPr lang="en-US"/>
+          </a:p>
+        </p:txBody>
+      </p:sp>
+      <p:sp>
+        <p:nvSpPr>
+          <p:cNvPr id="6" name="Slide Number Placeholder 21"/>
+          <p:cNvSpPr>
+            <a:spLocks noGrp="1"/>
+          </p:cNvSpPr>
+          <p:nvPr>
+            <p:ph type="sldNum" sz="quarter" idx="12"/>
+          </p:nvPr>
+        </p:nvSpPr>
+        <p:spPr/>
+        <p:txBody>
+          <a:bodyPr/>
+          <a:lstStyle>
+            <a:lvl1pPr>
+              <a:defRPr/>
+            </a:lvl1pPr>
+          </a:lstStyle>
+          <a:p>
+            <a:pPr>
+              <a:defRPr/>
+            </a:pPr>
+            <a:fld id="{E3F64E21-F2FB-4608-9BEA-4CB545E0E37C}" type="slidenum">
+              <a:rPr lang="en-US"/>
+              <a:pPr>
+                <a:defRPr/>
+              </a:pPr>
+              <a:t>‹#›</a:t>
+            </a:fld>
+            <a:endParaRPr lang="en-US"/>
+          </a:p>
+        </p:txBody>
+      </p:sp>
+    </p:spTree>
+  </p:cSld>
+  <p:clrMapOvr>
+    <a:masterClrMapping/>
+  </p:clrMapOvr>
+  <p:transition>
+    <p:fade/>
+  </p:transition>
+</p:sldLayout>
+</file>
+
+<file path=ppt/slideLayouts/slideLayout20.xml><?xml version="1.0" encoding="utf-8"?>
 <p:sldLayout xmlns:a="http://schemas.openxmlformats.org/drawingml/2006/main" xmlns:r="http://schemas.openxmlformats.org/officeDocument/2006/relationships" xmlns:p="http://schemas.openxmlformats.org/presentationml/2006/main" type="objTx" preserve="1">
   <p:cSld name="Content with Caption">
     <p:spTree>
@@ -2606,7 +3879,7 @@
       </p:sp>
       <p:sp>
         <p:nvSpPr>
-          <p:cNvPr id="5" name="Date Placeholder 4"/>
+          <p:cNvPr id="5" name="Date Placeholder 3"/>
           <p:cNvSpPr>
             <a:spLocks noGrp="1"/>
           </p:cNvSpPr>
@@ -2617,12 +3890,21 @@
         <p:spPr/>
         <p:txBody>
           <a:bodyPr/>
-          <a:lstStyle/>
-          <a:p>
-            <a:fld id="{5AB54E97-EA14-4D6D-B65E-B97DF81584A8}" type="datetimeFigureOut">
-              <a:rPr lang="en-US" smtClean="0"/>
-              <a:pPr/>
-              <a:t>11/14/2008</a:t>
+          <a:lstStyle>
+            <a:lvl1pPr>
+              <a:defRPr/>
+            </a:lvl1pPr>
+          </a:lstStyle>
+          <a:p>
+            <a:pPr>
+              <a:defRPr/>
+            </a:pPr>
+            <a:fld id="{80245D16-9E60-4D29-890E-7CD03B254B14}" type="datetimeFigureOut">
+              <a:rPr lang="en-US"/>
+              <a:pPr>
+                <a:defRPr/>
+              </a:pPr>
+              <a:t>11/17/2008</a:t>
             </a:fld>
             <a:endParaRPr lang="en-US"/>
           </a:p>
@@ -2630,7 +3912,7 @@
       </p:sp>
       <p:sp>
         <p:nvSpPr>
-          <p:cNvPr id="6" name="Footer Placeholder 5"/>
+          <p:cNvPr id="6" name="Footer Placeholder 4"/>
           <p:cNvSpPr>
             <a:spLocks noGrp="1"/>
           </p:cNvSpPr>
@@ -2641,15 +3923,22 @@
         <p:spPr/>
         <p:txBody>
           <a:bodyPr/>
-          <a:lstStyle/>
-          <a:p>
-            <a:endParaRPr lang="en-US"/>
-          </a:p>
-        </p:txBody>
-      </p:sp>
-      <p:sp>
-        <p:nvSpPr>
-          <p:cNvPr id="7" name="Slide Number Placeholder 6"/>
+          <a:lstStyle>
+            <a:lvl1pPr>
+              <a:defRPr/>
+            </a:lvl1pPr>
+          </a:lstStyle>
+          <a:p>
+            <a:pPr>
+              <a:defRPr/>
+            </a:pPr>
+            <a:endParaRPr lang="en-US"/>
+          </a:p>
+        </p:txBody>
+      </p:sp>
+      <p:sp>
+        <p:nvSpPr>
+          <p:cNvPr id="7" name="Slide Number Placeholder 5"/>
           <p:cNvSpPr>
             <a:spLocks noGrp="1"/>
           </p:cNvSpPr>
@@ -2660,11 +3949,20 @@
         <p:spPr/>
         <p:txBody>
           <a:bodyPr/>
-          <a:lstStyle/>
-          <a:p>
-            <a:fld id="{C2E99204-D3AF-4B0E-B808-5AFF8377D7BB}" type="slidenum">
-              <a:rPr lang="en-US" smtClean="0"/>
-              <a:pPr/>
+          <a:lstStyle>
+            <a:lvl1pPr>
+              <a:defRPr/>
+            </a:lvl1pPr>
+          </a:lstStyle>
+          <a:p>
+            <a:pPr>
+              <a:defRPr/>
+            </a:pPr>
+            <a:fld id="{52349FB4-331F-4190-8D8C-4FDFB2E95D40}" type="slidenum">
+              <a:rPr lang="en-US"/>
+              <a:pPr>
+                <a:defRPr/>
+              </a:pPr>
               <a:t>‹#›</a:t>
             </a:fld>
             <a:endParaRPr lang="en-US"/>
@@ -2682,194 +3980,7 @@
 </p:sldLayout>
 </file>
 
-<file path=ppt/slideLayouts/slideLayout2.xml><?xml version="1.0" encoding="utf-8"?>
-<p:sldLayout xmlns:a="http://schemas.openxmlformats.org/drawingml/2006/main" xmlns:r="http://schemas.openxmlformats.org/officeDocument/2006/relationships" xmlns:p="http://schemas.openxmlformats.org/presentationml/2006/main" type="obj" preserve="1">
-  <p:cSld name="Title and Content">
-    <p:spTree>
-      <p:nvGrpSpPr>
-        <p:cNvPr id="1" name=""/>
-        <p:cNvGrpSpPr/>
-        <p:nvPr/>
-      </p:nvGrpSpPr>
-      <p:grpSpPr>
-        <a:xfrm>
-          <a:off x="0" y="0"/>
-          <a:ext cx="0" cy="0"/>
-          <a:chOff x="0" y="0"/>
-          <a:chExt cx="0" cy="0"/>
-        </a:xfrm>
-      </p:grpSpPr>
-      <p:sp>
-        <p:nvSpPr>
-          <p:cNvPr id="2" name="Title 1"/>
-          <p:cNvSpPr>
-            <a:spLocks noGrp="1"/>
-          </p:cNvSpPr>
-          <p:nvPr>
-            <p:ph type="title"/>
-          </p:nvPr>
-        </p:nvSpPr>
-        <p:spPr/>
-        <p:txBody>
-          <a:bodyPr/>
-          <a:lstStyle>
-            <a:extLst/>
-          </a:lstStyle>
-          <a:p>
-            <a:r>
-              <a:rPr kumimoji="0" lang="en-US" smtClean="0"/>
-              <a:t>Click to edit Master title style</a:t>
-            </a:r>
-            <a:endParaRPr kumimoji="0" lang="en-US"/>
-          </a:p>
-        </p:txBody>
-      </p:sp>
-      <p:sp>
-        <p:nvSpPr>
-          <p:cNvPr id="3" name="Content Placeholder 2"/>
-          <p:cNvSpPr>
-            <a:spLocks noGrp="1"/>
-          </p:cNvSpPr>
-          <p:nvPr>
-            <p:ph idx="1"/>
-          </p:nvPr>
-        </p:nvSpPr>
-        <p:spPr/>
-        <p:txBody>
-          <a:bodyPr/>
-          <a:lstStyle>
-            <a:extLst/>
-          </a:lstStyle>
-          <a:p>
-            <a:pPr lvl="0" eaLnBrk="1" latinLnBrk="0" hangingPunct="1"/>
-            <a:r>
-              <a:rPr lang="en-US" dirty="0" smtClean="0"/>
-              <a:t>Click to edit Master text styles</a:t>
-            </a:r>
-          </a:p>
-          <a:p>
-            <a:pPr lvl="1" eaLnBrk="1" latinLnBrk="0" hangingPunct="1"/>
-            <a:r>
-              <a:rPr lang="en-US" dirty="0" smtClean="0"/>
-              <a:t>Second level</a:t>
-            </a:r>
-          </a:p>
-          <a:p>
-            <a:pPr lvl="2" eaLnBrk="1" latinLnBrk="0" hangingPunct="1"/>
-            <a:r>
-              <a:rPr lang="en-US" dirty="0" smtClean="0"/>
-              <a:t>Third level</a:t>
-            </a:r>
-          </a:p>
-          <a:p>
-            <a:pPr lvl="3" eaLnBrk="1" latinLnBrk="0" hangingPunct="1"/>
-            <a:r>
-              <a:rPr lang="en-US" dirty="0" smtClean="0"/>
-              <a:t>Fourth level</a:t>
-            </a:r>
-          </a:p>
-          <a:p>
-            <a:pPr lvl="4" eaLnBrk="1" latinLnBrk="0" hangingPunct="1"/>
-            <a:r>
-              <a:rPr lang="en-US" dirty="0" smtClean="0"/>
-              <a:t>Fifth level</a:t>
-            </a:r>
-            <a:endParaRPr kumimoji="0" lang="en-US" dirty="0"/>
-          </a:p>
-        </p:txBody>
-      </p:sp>
-      <p:sp>
-        <p:nvSpPr>
-          <p:cNvPr id="4" name="Date Placeholder 3"/>
-          <p:cNvSpPr>
-            <a:spLocks noGrp="1"/>
-          </p:cNvSpPr>
-          <p:nvPr>
-            <p:ph type="dt" sz="half" idx="10"/>
-          </p:nvPr>
-        </p:nvSpPr>
-        <p:spPr/>
-        <p:txBody>
-          <a:bodyPr/>
-          <a:lstStyle>
-            <a:extLst/>
-          </a:lstStyle>
-          <a:p>
-            <a:fld id="{09609310-A27C-4486-85E6-BEA22C115EFC}" type="datetimeFigureOut">
-              <a:rPr lang="en-US" smtClean="0"/>
-              <a:pPr/>
-              <a:t>11/14/2008</a:t>
-            </a:fld>
-            <a:endParaRPr lang="en-US"/>
-          </a:p>
-        </p:txBody>
-      </p:sp>
-      <p:sp>
-        <p:nvSpPr>
-          <p:cNvPr id="5" name="Footer Placeholder 4"/>
-          <p:cNvSpPr>
-            <a:spLocks noGrp="1"/>
-          </p:cNvSpPr>
-          <p:nvPr>
-            <p:ph type="ftr" sz="quarter" idx="11"/>
-          </p:nvPr>
-        </p:nvSpPr>
-        <p:spPr/>
-        <p:txBody>
-          <a:bodyPr/>
-          <a:lstStyle>
-            <a:extLst/>
-          </a:lstStyle>
-          <a:p>
-            <a:endParaRPr lang="en-US"/>
-          </a:p>
-        </p:txBody>
-      </p:sp>
-      <p:sp>
-        <p:nvSpPr>
-          <p:cNvPr id="6" name="Slide Number Placeholder 5"/>
-          <p:cNvSpPr>
-            <a:spLocks noGrp="1"/>
-          </p:cNvSpPr>
-          <p:nvPr>
-            <p:ph type="sldNum" sz="quarter" idx="12"/>
-          </p:nvPr>
-        </p:nvSpPr>
-        <p:spPr/>
-        <p:txBody>
-          <a:bodyPr/>
-          <a:lstStyle>
-            <a:extLst/>
-          </a:lstStyle>
-          <a:p>
-            <a:fld id="{4DD8A983-2F2E-4C7B-8080-8D2C1175E14E}" type="slidenum">
-              <a:rPr lang="en-US" smtClean="0"/>
-              <a:pPr/>
-              <a:t>‹#›</a:t>
-            </a:fld>
-            <a:endParaRPr lang="en-US"/>
-          </a:p>
-        </p:txBody>
-      </p:sp>
-    </p:spTree>
-  </p:cSld>
-  <p:clrMapOvr>
-    <a:masterClrMapping/>
-  </p:clrMapOvr>
-  <p:transition>
-    <p:fade/>
-  </p:transition>
-  <p:timing>
-    <p:tnLst>
-      <p:par>
-        <p:cTn id="1" dur="indefinite" restart="never" nodeType="tmRoot"/>
-      </p:par>
-    </p:tnLst>
-  </p:timing>
-</p:sldLayout>
-</file>
-
-<file path=ppt/slideLayouts/slideLayout20.xml><?xml version="1.0" encoding="utf-8"?>
+<file path=ppt/slideLayouts/slideLayout21.xml><?xml version="1.0" encoding="utf-8"?>
 <p:sldLayout xmlns:a="http://schemas.openxmlformats.org/drawingml/2006/main" xmlns:r="http://schemas.openxmlformats.org/officeDocument/2006/relationships" xmlns:p="http://schemas.openxmlformats.org/presentationml/2006/main" type="picTx" preserve="1">
   <p:cSld name="Picture with Caption">
     <p:spTree>
@@ -2935,7 +4046,9 @@
           </a:xfrm>
         </p:spPr>
         <p:txBody>
-          <a:bodyPr/>
+          <a:bodyPr rtlCol="0">
+            <a:normAutofit/>
+          </a:bodyPr>
           <a:lstStyle>
             <a:lvl1pPr marL="0" indent="0">
               <a:buNone/>
@@ -2975,7 +4088,8 @@
             </a:lvl9pPr>
           </a:lstStyle>
           <a:p>
-            <a:endParaRPr lang="en-US"/>
+            <a:pPr lvl="0"/>
+            <a:endParaRPr lang="en-US" noProof="0"/>
           </a:p>
         </p:txBody>
       </p:sp>
@@ -3046,7 +4160,7 @@
       </p:sp>
       <p:sp>
         <p:nvSpPr>
-          <p:cNvPr id="5" name="Date Placeholder 4"/>
+          <p:cNvPr id="5" name="Date Placeholder 3"/>
           <p:cNvSpPr>
             <a:spLocks noGrp="1"/>
           </p:cNvSpPr>
@@ -3057,12 +4171,21 @@
         <p:spPr/>
         <p:txBody>
           <a:bodyPr/>
-          <a:lstStyle/>
-          <a:p>
-            <a:fld id="{5AB54E97-EA14-4D6D-B65E-B97DF81584A8}" type="datetimeFigureOut">
-              <a:rPr lang="en-US" smtClean="0"/>
-              <a:pPr/>
-              <a:t>11/14/2008</a:t>
+          <a:lstStyle>
+            <a:lvl1pPr>
+              <a:defRPr/>
+            </a:lvl1pPr>
+          </a:lstStyle>
+          <a:p>
+            <a:pPr>
+              <a:defRPr/>
+            </a:pPr>
+            <a:fld id="{773D05BA-EB8D-4F84-9031-FE448E308778}" type="datetimeFigureOut">
+              <a:rPr lang="en-US"/>
+              <a:pPr>
+                <a:defRPr/>
+              </a:pPr>
+              <a:t>11/17/2008</a:t>
             </a:fld>
             <a:endParaRPr lang="en-US"/>
           </a:p>
@@ -3070,7 +4193,7 @@
       </p:sp>
       <p:sp>
         <p:nvSpPr>
-          <p:cNvPr id="6" name="Footer Placeholder 5"/>
+          <p:cNvPr id="6" name="Footer Placeholder 4"/>
           <p:cNvSpPr>
             <a:spLocks noGrp="1"/>
           </p:cNvSpPr>
@@ -3081,15 +4204,22 @@
         <p:spPr/>
         <p:txBody>
           <a:bodyPr/>
-          <a:lstStyle/>
-          <a:p>
-            <a:endParaRPr lang="en-US"/>
-          </a:p>
-        </p:txBody>
-      </p:sp>
-      <p:sp>
-        <p:nvSpPr>
-          <p:cNvPr id="7" name="Slide Number Placeholder 6"/>
+          <a:lstStyle>
+            <a:lvl1pPr>
+              <a:defRPr/>
+            </a:lvl1pPr>
+          </a:lstStyle>
+          <a:p>
+            <a:pPr>
+              <a:defRPr/>
+            </a:pPr>
+            <a:endParaRPr lang="en-US"/>
+          </a:p>
+        </p:txBody>
+      </p:sp>
+      <p:sp>
+        <p:nvSpPr>
+          <p:cNvPr id="7" name="Slide Number Placeholder 5"/>
           <p:cNvSpPr>
             <a:spLocks noGrp="1"/>
           </p:cNvSpPr>
@@ -3100,11 +4230,20 @@
         <p:spPr/>
         <p:txBody>
           <a:bodyPr/>
-          <a:lstStyle/>
-          <a:p>
-            <a:fld id="{C2E99204-D3AF-4B0E-B808-5AFF8377D7BB}" type="slidenum">
-              <a:rPr lang="en-US" smtClean="0"/>
-              <a:pPr/>
+          <a:lstStyle>
+            <a:lvl1pPr>
+              <a:defRPr/>
+            </a:lvl1pPr>
+          </a:lstStyle>
+          <a:p>
+            <a:pPr>
+              <a:defRPr/>
+            </a:pPr>
+            <a:fld id="{D8D19DFE-B0EF-4E66-9146-C9DC21A1E1A1}" type="slidenum">
+              <a:rPr lang="en-US"/>
+              <a:pPr>
+                <a:defRPr/>
+              </a:pPr>
               <a:t>‹#›</a:t>
             </a:fld>
             <a:endParaRPr lang="en-US"/>
@@ -3122,7 +4261,7 @@
 </p:sldLayout>
 </file>
 
-<file path=ppt/slideLayouts/slideLayout21.xml><?xml version="1.0" encoding="utf-8"?>
+<file path=ppt/slideLayouts/slideLayout22.xml><?xml version="1.0" encoding="utf-8"?>
 <p:sldLayout xmlns:a="http://schemas.openxmlformats.org/drawingml/2006/main" xmlns:r="http://schemas.openxmlformats.org/officeDocument/2006/relationships" xmlns:p="http://schemas.openxmlformats.org/presentationml/2006/main" type="vertTx" preserve="1">
   <p:cSld name="Title and Vertical Text">
     <p:spTree>
@@ -3227,12 +4366,21 @@
         <p:spPr/>
         <p:txBody>
           <a:bodyPr/>
-          <a:lstStyle/>
-          <a:p>
-            <a:fld id="{5AB54E97-EA14-4D6D-B65E-B97DF81584A8}" type="datetimeFigureOut">
-              <a:rPr lang="en-US" smtClean="0"/>
-              <a:pPr/>
-              <a:t>11/14/2008</a:t>
+          <a:lstStyle>
+            <a:lvl1pPr>
+              <a:defRPr/>
+            </a:lvl1pPr>
+          </a:lstStyle>
+          <a:p>
+            <a:pPr>
+              <a:defRPr/>
+            </a:pPr>
+            <a:fld id="{29A701E4-B973-47F2-BAA4-DA821CACC614}" type="datetimeFigureOut">
+              <a:rPr lang="en-US"/>
+              <a:pPr>
+                <a:defRPr/>
+              </a:pPr>
+              <a:t>11/17/2008</a:t>
             </a:fld>
             <a:endParaRPr lang="en-US"/>
           </a:p>
@@ -3251,8 +4399,15 @@
         <p:spPr/>
         <p:txBody>
           <a:bodyPr/>
-          <a:lstStyle/>
-          <a:p>
+          <a:lstStyle>
+            <a:lvl1pPr>
+              <a:defRPr/>
+            </a:lvl1pPr>
+          </a:lstStyle>
+          <a:p>
+            <a:pPr>
+              <a:defRPr/>
+            </a:pPr>
             <a:endParaRPr lang="en-US"/>
           </a:p>
         </p:txBody>
@@ -3270,11 +4425,20 @@
         <p:spPr/>
         <p:txBody>
           <a:bodyPr/>
-          <a:lstStyle/>
-          <a:p>
-            <a:fld id="{C2E99204-D3AF-4B0E-B808-5AFF8377D7BB}" type="slidenum">
-              <a:rPr lang="en-US" smtClean="0"/>
-              <a:pPr/>
+          <a:lstStyle>
+            <a:lvl1pPr>
+              <a:defRPr/>
+            </a:lvl1pPr>
+          </a:lstStyle>
+          <a:p>
+            <a:pPr>
+              <a:defRPr/>
+            </a:pPr>
+            <a:fld id="{A0348D39-F31F-40F0-A927-45E593AC309D}" type="slidenum">
+              <a:rPr lang="en-US"/>
+              <a:pPr>
+                <a:defRPr/>
+              </a:pPr>
               <a:t>‹#›</a:t>
             </a:fld>
             <a:endParaRPr lang="en-US"/>
@@ -3292,7 +4456,7 @@
 </p:sldLayout>
 </file>
 
-<file path=ppt/slideLayouts/slideLayout22.xml><?xml version="1.0" encoding="utf-8"?>
+<file path=ppt/slideLayouts/slideLayout23.xml><?xml version="1.0" encoding="utf-8"?>
 <p:sldLayout xmlns:a="http://schemas.openxmlformats.org/drawingml/2006/main" xmlns:r="http://schemas.openxmlformats.org/officeDocument/2006/relationships" xmlns:p="http://schemas.openxmlformats.org/presentationml/2006/main" type="vertTitleAndTx" preserve="1">
   <p:cSld name="Vertical Title and Text">
     <p:spTree>
@@ -3407,12 +4571,21 @@
         <p:spPr/>
         <p:txBody>
           <a:bodyPr/>
-          <a:lstStyle/>
-          <a:p>
-            <a:fld id="{5AB54E97-EA14-4D6D-B65E-B97DF81584A8}" type="datetimeFigureOut">
-              <a:rPr lang="en-US" smtClean="0"/>
-              <a:pPr/>
-              <a:t>11/14/2008</a:t>
+          <a:lstStyle>
+            <a:lvl1pPr>
+              <a:defRPr/>
+            </a:lvl1pPr>
+          </a:lstStyle>
+          <a:p>
+            <a:pPr>
+              <a:defRPr/>
+            </a:pPr>
+            <a:fld id="{14000FCA-46F7-416D-95DD-CD85B36247C0}" type="datetimeFigureOut">
+              <a:rPr lang="en-US"/>
+              <a:pPr>
+                <a:defRPr/>
+              </a:pPr>
+              <a:t>11/17/2008</a:t>
             </a:fld>
             <a:endParaRPr lang="en-US"/>
           </a:p>
@@ -3431,8 +4604,15 @@
         <p:spPr/>
         <p:txBody>
           <a:bodyPr/>
-          <a:lstStyle/>
-          <a:p>
+          <a:lstStyle>
+            <a:lvl1pPr>
+              <a:defRPr/>
+            </a:lvl1pPr>
+          </a:lstStyle>
+          <a:p>
+            <a:pPr>
+              <a:defRPr/>
+            </a:pPr>
             <a:endParaRPr lang="en-US"/>
           </a:p>
         </p:txBody>
@@ -3450,11 +4630,20 @@
         <p:spPr/>
         <p:txBody>
           <a:bodyPr/>
-          <a:lstStyle/>
-          <a:p>
-            <a:fld id="{C2E99204-D3AF-4B0E-B808-5AFF8377D7BB}" type="slidenum">
-              <a:rPr lang="en-US" smtClean="0"/>
-              <a:pPr/>
+          <a:lstStyle>
+            <a:lvl1pPr>
+              <a:defRPr/>
+            </a:lvl1pPr>
+          </a:lstStyle>
+          <a:p>
+            <a:pPr>
+              <a:defRPr/>
+            </a:pPr>
+            <a:fld id="{E87D5D21-A624-4483-A306-05E5480B6637}" type="slidenum">
+              <a:rPr lang="en-US"/>
+              <a:pPr>
+                <a:defRPr/>
+              </a:pPr>
               <a:t>‹#›</a:t>
             </a:fld>
             <a:endParaRPr lang="en-US"/>
@@ -3491,14 +4680,14 @@
       </p:grpSpPr>
       <p:sp>
         <p:nvSpPr>
-          <p:cNvPr id="7" name="Rectangle 6"/>
+          <p:cNvPr id="4" name="Rectangle 6"/>
           <p:cNvSpPr/>
           <p:nvPr/>
         </p:nvSpPr>
         <p:spPr>
           <a:xfrm>
-            <a:off x="2282890" y="-54"/>
-            <a:ext cx="6858000" cy="6858054"/>
+            <a:off x="2282825" y="0"/>
+            <a:ext cx="6858000" cy="6858000"/>
           </a:xfrm>
           <a:prstGeom prst="rect">
             <a:avLst/>
@@ -3532,218 +4721,29 @@
             <a:extLst/>
           </a:lstStyle>
           <a:p>
-            <a:pPr algn="ctr" eaLnBrk="1" latinLnBrk="0" hangingPunct="1"/>
-            <a:endParaRPr kumimoji="0" lang="en-US"/>
-          </a:p>
-        </p:txBody>
-      </p:sp>
-      <p:sp>
-        <p:nvSpPr>
-          <p:cNvPr id="2" name="Title 1"/>
-          <p:cNvSpPr>
-            <a:spLocks noGrp="1"/>
-          </p:cNvSpPr>
-          <p:nvPr>
-            <p:ph type="title"/>
-          </p:nvPr>
-        </p:nvSpPr>
-        <p:spPr>
-          <a:xfrm>
-            <a:off x="2578392" y="2600325"/>
-            <a:ext cx="6400800" cy="2286000"/>
-          </a:xfrm>
-        </p:spPr>
-        <p:txBody>
-          <a:bodyPr anchor="t"/>
-          <a:lstStyle>
-            <a:lvl1pPr algn="l">
-              <a:lnSpc>
-                <a:spcPts val="4500"/>
-              </a:lnSpc>
-              <a:buNone/>
-              <a:defRPr sz="4000" b="1" cap="all"/>
-            </a:lvl1pPr>
-            <a:extLst/>
-          </a:lstStyle>
-          <a:p>
-            <a:r>
-              <a:rPr kumimoji="0" lang="en-US" smtClean="0"/>
-              <a:t>Click to edit Master title style</a:t>
-            </a:r>
-            <a:endParaRPr kumimoji="0" lang="en-US"/>
-          </a:p>
-        </p:txBody>
-      </p:sp>
-      <p:sp>
-        <p:nvSpPr>
-          <p:cNvPr id="3" name="Text Placeholder 2"/>
-          <p:cNvSpPr>
-            <a:spLocks noGrp="1"/>
-          </p:cNvSpPr>
-          <p:nvPr>
-            <p:ph type="body" idx="1"/>
-          </p:nvPr>
-        </p:nvSpPr>
-        <p:spPr>
-          <a:xfrm>
-            <a:off x="2578392" y="1066800"/>
-            <a:ext cx="6400800" cy="1509712"/>
-          </a:xfrm>
-        </p:spPr>
-        <p:txBody>
-          <a:bodyPr anchor="b"/>
-          <a:lstStyle>
-            <a:lvl1pPr marL="18288" indent="0">
-              <a:lnSpc>
-                <a:spcPts val="2300"/>
-              </a:lnSpc>
+            <a:pPr algn="ctr" fontAlgn="auto">
               <a:spcBef>
                 <a:spcPts val="0"/>
               </a:spcBef>
-              <a:buNone/>
-              <a:defRPr sz="2000">
-                <a:solidFill>
-                  <a:schemeClr val="tx2">
-                    <a:shade val="30000"/>
-                    <a:satMod val="150000"/>
-                  </a:schemeClr>
-                </a:solidFill>
-              </a:defRPr>
-            </a:lvl1pPr>
-            <a:lvl2pPr>
-              <a:buNone/>
-              <a:defRPr sz="1800">
-                <a:solidFill>
-                  <a:schemeClr val="tx1">
-                    <a:tint val="75000"/>
-                  </a:schemeClr>
-                </a:solidFill>
-              </a:defRPr>
-            </a:lvl2pPr>
-            <a:lvl3pPr>
-              <a:buNone/>
-              <a:defRPr sz="1600">
-                <a:solidFill>
-                  <a:schemeClr val="tx1">
-                    <a:tint val="75000"/>
-                  </a:schemeClr>
-                </a:solidFill>
-              </a:defRPr>
-            </a:lvl3pPr>
-            <a:lvl4pPr>
-              <a:buNone/>
-              <a:defRPr sz="1400">
-                <a:solidFill>
-                  <a:schemeClr val="tx1">
-                    <a:tint val="75000"/>
-                  </a:schemeClr>
-                </a:solidFill>
-              </a:defRPr>
-            </a:lvl4pPr>
-            <a:lvl5pPr>
-              <a:buNone/>
-              <a:defRPr sz="1400">
-                <a:solidFill>
-                  <a:schemeClr val="tx1">
-                    <a:tint val="75000"/>
-                  </a:schemeClr>
-                </a:solidFill>
-              </a:defRPr>
-            </a:lvl5pPr>
-            <a:extLst/>
-          </a:lstStyle>
-          <a:p>
-            <a:pPr lvl="0" eaLnBrk="1" latinLnBrk="0" hangingPunct="1"/>
-            <a:r>
-              <a:rPr kumimoji="0" lang="en-US" smtClean="0"/>
-              <a:t>Click to edit Master text styles</a:t>
-            </a:r>
-          </a:p>
-        </p:txBody>
-      </p:sp>
-      <p:sp>
-        <p:nvSpPr>
-          <p:cNvPr id="4" name="Date Placeholder 3"/>
-          <p:cNvSpPr>
-            <a:spLocks noGrp="1"/>
-          </p:cNvSpPr>
-          <p:nvPr>
-            <p:ph type="dt" sz="half" idx="10"/>
-          </p:nvPr>
-        </p:nvSpPr>
-        <p:spPr/>
-        <p:txBody>
-          <a:bodyPr/>
-          <a:lstStyle>
-            <a:extLst/>
-          </a:lstStyle>
-          <a:p>
-            <a:fld id="{09609310-A27C-4486-85E6-BEA22C115EFC}" type="datetimeFigureOut">
-              <a:rPr lang="en-US" smtClean="0"/>
-              <a:pPr/>
-              <a:t>11/14/2008</a:t>
-            </a:fld>
-            <a:endParaRPr lang="en-US"/>
-          </a:p>
-        </p:txBody>
-      </p:sp>
-      <p:sp>
-        <p:nvSpPr>
-          <p:cNvPr id="5" name="Footer Placeholder 4"/>
-          <p:cNvSpPr>
-            <a:spLocks noGrp="1"/>
-          </p:cNvSpPr>
-          <p:nvPr>
-            <p:ph type="ftr" sz="quarter" idx="11"/>
-          </p:nvPr>
-        </p:nvSpPr>
-        <p:spPr/>
-        <p:txBody>
-          <a:bodyPr/>
-          <a:lstStyle>
-            <a:extLst/>
-          </a:lstStyle>
-          <a:p>
-            <a:endParaRPr lang="en-US"/>
-          </a:p>
-        </p:txBody>
-      </p:sp>
-      <p:sp>
-        <p:nvSpPr>
-          <p:cNvPr id="6" name="Slide Number Placeholder 5"/>
-          <p:cNvSpPr>
-            <a:spLocks noGrp="1"/>
-          </p:cNvSpPr>
-          <p:nvPr>
-            <p:ph type="sldNum" sz="quarter" idx="12"/>
-          </p:nvPr>
-        </p:nvSpPr>
-        <p:spPr/>
-        <p:txBody>
-          <a:bodyPr/>
-          <a:lstStyle>
-            <a:extLst/>
-          </a:lstStyle>
-          <a:p>
-            <a:fld id="{4DD8A983-2F2E-4C7B-8080-8D2C1175E14E}" type="slidenum">
-              <a:rPr lang="en-US" smtClean="0"/>
-              <a:pPr/>
-              <a:t>‹#›</a:t>
-            </a:fld>
-            <a:endParaRPr lang="en-US"/>
-          </a:p>
-        </p:txBody>
-      </p:sp>
-      <p:sp>
-        <p:nvSpPr>
-          <p:cNvPr id="10" name="Rectangle 9"/>
+              <a:spcAft>
+                <a:spcPts val="0"/>
+              </a:spcAft>
+              <a:defRPr/>
+            </a:pPr>
+            <a:endParaRPr lang="en-US"/>
+          </a:p>
+        </p:txBody>
+      </p:sp>
+      <p:sp>
+        <p:nvSpPr>
+          <p:cNvPr id="5" name="Rectangle 9"/>
           <p:cNvSpPr/>
           <p:nvPr/>
         </p:nvSpPr>
         <p:spPr bwMode="invGray">
           <a:xfrm>
             <a:off x="2286000" y="0"/>
-            <a:ext cx="76200" cy="6858054"/>
+            <a:ext cx="76200" cy="6858000"/>
           </a:xfrm>
           <a:prstGeom prst="rect">
             <a:avLst/>
@@ -3785,14 +4785,22 @@
             <a:extLst/>
           </a:lstStyle>
           <a:p>
-            <a:pPr algn="ctr" eaLnBrk="1" latinLnBrk="0" hangingPunct="1"/>
-            <a:endParaRPr kumimoji="0" lang="en-US"/>
-          </a:p>
-        </p:txBody>
-      </p:sp>
-      <p:sp>
-        <p:nvSpPr>
-          <p:cNvPr id="8" name="Oval 7"/>
+            <a:pPr algn="ctr" fontAlgn="auto">
+              <a:spcBef>
+                <a:spcPts val="0"/>
+              </a:spcBef>
+              <a:spcAft>
+                <a:spcPts val="0"/>
+              </a:spcAft>
+              <a:defRPr/>
+            </a:pPr>
+            <a:endParaRPr lang="en-US"/>
+          </a:p>
+        </p:txBody>
+      </p:sp>
+      <p:sp>
+        <p:nvSpPr>
+          <p:cNvPr id="6" name="Oval 7"/>
           <p:cNvSpPr/>
           <p:nvPr/>
         </p:nvSpPr>
@@ -3872,21 +4880,29 @@
             <a:extLst/>
           </a:lstStyle>
           <a:p>
-            <a:pPr algn="ctr" eaLnBrk="1" latinLnBrk="0" hangingPunct="1"/>
-            <a:endParaRPr kumimoji="0" lang="en-US"/>
-          </a:p>
-        </p:txBody>
-      </p:sp>
-      <p:sp>
-        <p:nvSpPr>
-          <p:cNvPr id="9" name="Oval 8"/>
+            <a:pPr algn="ctr" fontAlgn="auto">
+              <a:spcBef>
+                <a:spcPts val="0"/>
+              </a:spcBef>
+              <a:spcAft>
+                <a:spcPts val="0"/>
+              </a:spcAft>
+              <a:defRPr/>
+            </a:pPr>
+            <a:endParaRPr lang="en-US"/>
+          </a:p>
+        </p:txBody>
+      </p:sp>
+      <p:sp>
+        <p:nvSpPr>
+          <p:cNvPr id="7" name="Oval 8"/>
           <p:cNvSpPr/>
           <p:nvPr/>
         </p:nvSpPr>
         <p:spPr>
           <a:xfrm>
-            <a:off x="2408064" y="2745870"/>
-            <a:ext cx="64008" cy="64008"/>
+            <a:off x="2408238" y="2746375"/>
+            <a:ext cx="63500" cy="63500"/>
           </a:xfrm>
           <a:prstGeom prst="ellipse">
             <a:avLst/>
@@ -3923,8 +4939,235 @@
             <a:extLst/>
           </a:lstStyle>
           <a:p>
-            <a:pPr algn="ctr" eaLnBrk="1" latinLnBrk="0" hangingPunct="1"/>
-            <a:endParaRPr kumimoji="0" lang="en-US"/>
+            <a:pPr algn="ctr" fontAlgn="auto">
+              <a:spcBef>
+                <a:spcPts val="0"/>
+              </a:spcBef>
+              <a:spcAft>
+                <a:spcPts val="0"/>
+              </a:spcAft>
+              <a:defRPr/>
+            </a:pPr>
+            <a:endParaRPr lang="en-US"/>
+          </a:p>
+        </p:txBody>
+      </p:sp>
+      <p:sp>
+        <p:nvSpPr>
+          <p:cNvPr id="2" name="Title 1"/>
+          <p:cNvSpPr>
+            <a:spLocks noGrp="1"/>
+          </p:cNvSpPr>
+          <p:nvPr>
+            <p:ph type="title"/>
+          </p:nvPr>
+        </p:nvSpPr>
+        <p:spPr>
+          <a:xfrm>
+            <a:off x="2578392" y="2600325"/>
+            <a:ext cx="6400800" cy="2286000"/>
+          </a:xfrm>
+        </p:spPr>
+        <p:txBody>
+          <a:bodyPr anchor="t"/>
+          <a:lstStyle>
+            <a:lvl1pPr algn="l">
+              <a:lnSpc>
+                <a:spcPts val="4500"/>
+              </a:lnSpc>
+              <a:buNone/>
+              <a:defRPr sz="4000" b="1" cap="all"/>
+            </a:lvl1pPr>
+            <a:extLst/>
+          </a:lstStyle>
+          <a:p>
+            <a:r>
+              <a:rPr lang="en-US" smtClean="0"/>
+              <a:t>Click to edit Master title style</a:t>
+            </a:r>
+            <a:endParaRPr lang="en-US"/>
+          </a:p>
+        </p:txBody>
+      </p:sp>
+      <p:sp>
+        <p:nvSpPr>
+          <p:cNvPr id="3" name="Text Placeholder 2"/>
+          <p:cNvSpPr>
+            <a:spLocks noGrp="1"/>
+          </p:cNvSpPr>
+          <p:nvPr>
+            <p:ph type="body" idx="1"/>
+          </p:nvPr>
+        </p:nvSpPr>
+        <p:spPr>
+          <a:xfrm>
+            <a:off x="2578392" y="1066800"/>
+            <a:ext cx="6400800" cy="1509712"/>
+          </a:xfrm>
+        </p:spPr>
+        <p:txBody>
+          <a:bodyPr anchor="b"/>
+          <a:lstStyle>
+            <a:lvl1pPr marL="18288" indent="0">
+              <a:lnSpc>
+                <a:spcPts val="2300"/>
+              </a:lnSpc>
+              <a:spcBef>
+                <a:spcPts val="0"/>
+              </a:spcBef>
+              <a:buNone/>
+              <a:defRPr sz="2000">
+                <a:solidFill>
+                  <a:schemeClr val="tx2">
+                    <a:shade val="30000"/>
+                    <a:satMod val="150000"/>
+                  </a:schemeClr>
+                </a:solidFill>
+              </a:defRPr>
+            </a:lvl1pPr>
+            <a:lvl2pPr>
+              <a:buNone/>
+              <a:defRPr sz="1800">
+                <a:solidFill>
+                  <a:schemeClr val="tx1">
+                    <a:tint val="75000"/>
+                  </a:schemeClr>
+                </a:solidFill>
+              </a:defRPr>
+            </a:lvl2pPr>
+            <a:lvl3pPr>
+              <a:buNone/>
+              <a:defRPr sz="1600">
+                <a:solidFill>
+                  <a:schemeClr val="tx1">
+                    <a:tint val="75000"/>
+                  </a:schemeClr>
+                </a:solidFill>
+              </a:defRPr>
+            </a:lvl3pPr>
+            <a:lvl4pPr>
+              <a:buNone/>
+              <a:defRPr sz="1400">
+                <a:solidFill>
+                  <a:schemeClr val="tx1">
+                    <a:tint val="75000"/>
+                  </a:schemeClr>
+                </a:solidFill>
+              </a:defRPr>
+            </a:lvl4pPr>
+            <a:lvl5pPr>
+              <a:buNone/>
+              <a:defRPr sz="1400">
+                <a:solidFill>
+                  <a:schemeClr val="tx1">
+                    <a:tint val="75000"/>
+                  </a:schemeClr>
+                </a:solidFill>
+              </a:defRPr>
+            </a:lvl5pPr>
+            <a:extLst/>
+          </a:lstStyle>
+          <a:p>
+            <a:pPr lvl="0"/>
+            <a:r>
+              <a:rPr lang="en-US" smtClean="0"/>
+              <a:t>Click to edit Master text styles</a:t>
+            </a:r>
+          </a:p>
+        </p:txBody>
+      </p:sp>
+      <p:sp>
+        <p:nvSpPr>
+          <p:cNvPr id="8" name="Date Placeholder 3"/>
+          <p:cNvSpPr>
+            <a:spLocks noGrp="1"/>
+          </p:cNvSpPr>
+          <p:nvPr>
+            <p:ph type="dt" sz="half" idx="10"/>
+          </p:nvPr>
+        </p:nvSpPr>
+        <p:spPr/>
+        <p:txBody>
+          <a:bodyPr/>
+          <a:lstStyle>
+            <a:lvl1pPr>
+              <a:defRPr/>
+            </a:lvl1pPr>
+            <a:extLst/>
+          </a:lstStyle>
+          <a:p>
+            <a:pPr>
+              <a:defRPr/>
+            </a:pPr>
+            <a:fld id="{A4EB3627-3467-4C94-9B76-E7AF31C724DD}" type="datetimeFigureOut">
+              <a:rPr lang="en-US"/>
+              <a:pPr>
+                <a:defRPr/>
+              </a:pPr>
+              <a:t>11/17/2008</a:t>
+            </a:fld>
+            <a:endParaRPr lang="en-US"/>
+          </a:p>
+        </p:txBody>
+      </p:sp>
+      <p:sp>
+        <p:nvSpPr>
+          <p:cNvPr id="9" name="Footer Placeholder 4"/>
+          <p:cNvSpPr>
+            <a:spLocks noGrp="1"/>
+          </p:cNvSpPr>
+          <p:nvPr>
+            <p:ph type="ftr" sz="quarter" idx="11"/>
+          </p:nvPr>
+        </p:nvSpPr>
+        <p:spPr/>
+        <p:txBody>
+          <a:bodyPr/>
+          <a:lstStyle>
+            <a:lvl1pPr>
+              <a:defRPr/>
+            </a:lvl1pPr>
+            <a:extLst/>
+          </a:lstStyle>
+          <a:p>
+            <a:pPr>
+              <a:defRPr/>
+            </a:pPr>
+            <a:endParaRPr lang="en-US"/>
+          </a:p>
+        </p:txBody>
+      </p:sp>
+      <p:sp>
+        <p:nvSpPr>
+          <p:cNvPr id="10" name="Slide Number Placeholder 5"/>
+          <p:cNvSpPr>
+            <a:spLocks noGrp="1"/>
+          </p:cNvSpPr>
+          <p:nvPr>
+            <p:ph type="sldNum" sz="quarter" idx="12"/>
+          </p:nvPr>
+        </p:nvSpPr>
+        <p:spPr/>
+        <p:txBody>
+          <a:bodyPr/>
+          <a:lstStyle>
+            <a:lvl1pPr>
+              <a:defRPr/>
+            </a:lvl1pPr>
+            <a:extLst/>
+          </a:lstStyle>
+          <a:p>
+            <a:pPr>
+              <a:defRPr/>
+            </a:pPr>
+            <a:fld id="{F4946061-40A5-4867-94B6-666D0258EC25}" type="slidenum">
+              <a:rPr lang="en-US"/>
+              <a:pPr>
+                <a:defRPr/>
+              </a:pPr>
+              <a:t>‹#›</a:t>
+            </a:fld>
+            <a:endParaRPr lang="en-US"/>
           </a:p>
         </p:txBody>
       </p:sp>
@@ -3936,13 +5179,6 @@
   <p:transition>
     <p:fade/>
   </p:transition>
-  <p:timing>
-    <p:tnLst>
-      <p:par>
-        <p:cTn id="1" dur="indefinite" restart="never" nodeType="tmRoot"/>
-      </p:par>
-    </p:tnLst>
-  </p:timing>
 </p:sldLayout>
 </file>
 
@@ -3986,10 +5222,10 @@
           </a:lstStyle>
           <a:p>
             <a:r>
-              <a:rPr kumimoji="0" lang="en-US" smtClean="0"/>
+              <a:rPr lang="en-US" smtClean="0"/>
               <a:t>Click to edit Master title style</a:t>
             </a:r>
-            <a:endParaRPr kumimoji="0" lang="en-US"/>
+            <a:endParaRPr lang="en-US"/>
           </a:p>
         </p:txBody>
       </p:sp>
@@ -4030,40 +5266,40 @@
             <a:extLst/>
           </a:lstStyle>
           <a:p>
-            <a:pPr lvl="0" eaLnBrk="1" latinLnBrk="0" hangingPunct="1"/>
+            <a:pPr lvl="0"/>
             <a:r>
               <a:rPr lang="en-US" smtClean="0"/>
               <a:t>Click to edit Master text styles</a:t>
             </a:r>
           </a:p>
           <a:p>
-            <a:pPr lvl="1" eaLnBrk="1" latinLnBrk="0" hangingPunct="1"/>
+            <a:pPr lvl="1"/>
             <a:r>
               <a:rPr lang="en-US" smtClean="0"/>
               <a:t>Second level</a:t>
             </a:r>
           </a:p>
           <a:p>
-            <a:pPr lvl="2" eaLnBrk="1" latinLnBrk="0" hangingPunct="1"/>
+            <a:pPr lvl="2"/>
             <a:r>
               <a:rPr lang="en-US" smtClean="0"/>
               <a:t>Third level</a:t>
             </a:r>
           </a:p>
           <a:p>
-            <a:pPr lvl="3" eaLnBrk="1" latinLnBrk="0" hangingPunct="1"/>
+            <a:pPr lvl="3"/>
             <a:r>
               <a:rPr lang="en-US" smtClean="0"/>
               <a:t>Fourth level</a:t>
             </a:r>
           </a:p>
           <a:p>
-            <a:pPr lvl="4" eaLnBrk="1" latinLnBrk="0" hangingPunct="1"/>
+            <a:pPr lvl="4"/>
             <a:r>
               <a:rPr lang="en-US" smtClean="0"/>
               <a:t>Fifth level</a:t>
             </a:r>
-            <a:endParaRPr kumimoji="0" lang="en-US"/>
+            <a:endParaRPr lang="en-US"/>
           </a:p>
         </p:txBody>
       </p:sp>
@@ -4104,46 +5340,46 @@
             <a:extLst/>
           </a:lstStyle>
           <a:p>
-            <a:pPr lvl="0" eaLnBrk="1" latinLnBrk="0" hangingPunct="1"/>
+            <a:pPr lvl="0"/>
             <a:r>
               <a:rPr lang="en-US" smtClean="0"/>
               <a:t>Click to edit Master text styles</a:t>
             </a:r>
           </a:p>
           <a:p>
-            <a:pPr lvl="1" eaLnBrk="1" latinLnBrk="0" hangingPunct="1"/>
+            <a:pPr lvl="1"/>
             <a:r>
               <a:rPr lang="en-US" smtClean="0"/>
               <a:t>Second level</a:t>
             </a:r>
           </a:p>
           <a:p>
-            <a:pPr lvl="2" eaLnBrk="1" latinLnBrk="0" hangingPunct="1"/>
+            <a:pPr lvl="2"/>
             <a:r>
               <a:rPr lang="en-US" smtClean="0"/>
               <a:t>Third level</a:t>
             </a:r>
           </a:p>
           <a:p>
-            <a:pPr lvl="3" eaLnBrk="1" latinLnBrk="0" hangingPunct="1"/>
+            <a:pPr lvl="3"/>
             <a:r>
               <a:rPr lang="en-US" smtClean="0"/>
               <a:t>Fourth level</a:t>
             </a:r>
           </a:p>
           <a:p>
-            <a:pPr lvl="4" eaLnBrk="1" latinLnBrk="0" hangingPunct="1"/>
+            <a:pPr lvl="4"/>
             <a:r>
               <a:rPr lang="en-US" smtClean="0"/>
               <a:t>Fifth level</a:t>
             </a:r>
-            <a:endParaRPr kumimoji="0" lang="en-US"/>
-          </a:p>
-        </p:txBody>
-      </p:sp>
-      <p:sp>
-        <p:nvSpPr>
-          <p:cNvPr id="5" name="Date Placeholder 4"/>
+            <a:endParaRPr lang="en-US"/>
+          </a:p>
+        </p:txBody>
+      </p:sp>
+      <p:sp>
+        <p:nvSpPr>
+          <p:cNvPr id="5" name="Date Placeholder 23"/>
           <p:cNvSpPr>
             <a:spLocks noGrp="1"/>
           </p:cNvSpPr>
@@ -4155,13 +5391,20 @@
         <p:txBody>
           <a:bodyPr/>
           <a:lstStyle>
-            <a:extLst/>
-          </a:lstStyle>
-          <a:p>
-            <a:fld id="{09609310-A27C-4486-85E6-BEA22C115EFC}" type="datetimeFigureOut">
-              <a:rPr lang="en-US" smtClean="0"/>
-              <a:pPr/>
-              <a:t>11/14/2008</a:t>
+            <a:lvl1pPr>
+              <a:defRPr/>
+            </a:lvl1pPr>
+          </a:lstStyle>
+          <a:p>
+            <a:pPr>
+              <a:defRPr/>
+            </a:pPr>
+            <a:fld id="{937DF45D-B243-45F9-8A98-FBDCF225931D}" type="datetimeFigureOut">
+              <a:rPr lang="en-US"/>
+              <a:pPr>
+                <a:defRPr/>
+              </a:pPr>
+              <a:t>11/17/2008</a:t>
             </a:fld>
             <a:endParaRPr lang="en-US"/>
           </a:p>
@@ -4169,7 +5412,7 @@
       </p:sp>
       <p:sp>
         <p:nvSpPr>
-          <p:cNvPr id="6" name="Footer Placeholder 5"/>
+          <p:cNvPr id="6" name="Footer Placeholder 9"/>
           <p:cNvSpPr>
             <a:spLocks noGrp="1"/>
           </p:cNvSpPr>
@@ -4181,16 +5424,21 @@
         <p:txBody>
           <a:bodyPr/>
           <a:lstStyle>
-            <a:extLst/>
-          </a:lstStyle>
-          <a:p>
-            <a:endParaRPr lang="en-US"/>
-          </a:p>
-        </p:txBody>
-      </p:sp>
-      <p:sp>
-        <p:nvSpPr>
-          <p:cNvPr id="7" name="Slide Number Placeholder 6"/>
+            <a:lvl1pPr>
+              <a:defRPr/>
+            </a:lvl1pPr>
+          </a:lstStyle>
+          <a:p>
+            <a:pPr>
+              <a:defRPr/>
+            </a:pPr>
+            <a:endParaRPr lang="en-US"/>
+          </a:p>
+        </p:txBody>
+      </p:sp>
+      <p:sp>
+        <p:nvSpPr>
+          <p:cNvPr id="7" name="Slide Number Placeholder 21"/>
           <p:cNvSpPr>
             <a:spLocks noGrp="1"/>
           </p:cNvSpPr>
@@ -4202,12 +5450,19 @@
         <p:txBody>
           <a:bodyPr/>
           <a:lstStyle>
-            <a:extLst/>
-          </a:lstStyle>
-          <a:p>
-            <a:fld id="{4DD8A983-2F2E-4C7B-8080-8D2C1175E14E}" type="slidenum">
-              <a:rPr lang="en-US" smtClean="0"/>
-              <a:pPr/>
+            <a:lvl1pPr>
+              <a:defRPr/>
+            </a:lvl1pPr>
+          </a:lstStyle>
+          <a:p>
+            <a:pPr>
+              <a:defRPr/>
+            </a:pPr>
+            <a:fld id="{09E4C460-106D-45C7-8B12-89664D229E37}" type="slidenum">
+              <a:rPr lang="en-US"/>
+              <a:pPr>
+                <a:defRPr/>
+              </a:pPr>
               <a:t>‹#›</a:t>
             </a:fld>
             <a:endParaRPr lang="en-US"/>
@@ -4259,7 +5514,7 @@
           </a:xfrm>
         </p:spPr>
         <p:txBody>
-          <a:bodyPr anchor="ctr"/>
+          <a:bodyPr/>
           <a:lstStyle>
             <a:lvl1pPr algn="ctr">
               <a:defRPr sz="4500" b="1" cap="none" baseline="0"/>
@@ -4268,10 +5523,10 @@
           </a:lstStyle>
           <a:p>
             <a:r>
-              <a:rPr kumimoji="0" lang="en-US" smtClean="0"/>
+              <a:rPr lang="en-US" smtClean="0"/>
               <a:t>Click to edit Master title style</a:t>
             </a:r>
-            <a:endParaRPr kumimoji="0" lang="en-US"/>
+            <a:endParaRPr lang="en-US"/>
           </a:p>
         </p:txBody>
       </p:sp>
@@ -4336,9 +5591,9 @@
             <a:extLst/>
           </a:lstStyle>
           <a:p>
-            <a:pPr lvl="0" eaLnBrk="1" latinLnBrk="0" hangingPunct="1"/>
-            <a:r>
-              <a:rPr kumimoji="0" lang="en-US" smtClean="0"/>
+            <a:pPr lvl="0"/>
+            <a:r>
+              <a:rPr lang="en-US" smtClean="0"/>
               <a:t>Click to edit Master text styles</a:t>
             </a:r>
           </a:p>
@@ -4405,9 +5660,9 @@
             <a:extLst/>
           </a:lstStyle>
           <a:p>
-            <a:pPr lvl="0" eaLnBrk="1" latinLnBrk="0" hangingPunct="1"/>
-            <a:r>
-              <a:rPr kumimoji="0" lang="en-US" smtClean="0"/>
+            <a:pPr lvl="0"/>
+            <a:r>
+              <a:rPr lang="en-US" smtClean="0"/>
               <a:t>Click to edit Master text styles</a:t>
             </a:r>
           </a:p>
@@ -4487,40 +5742,40 @@
             <a:extLst/>
           </a:lstStyle>
           <a:p>
-            <a:pPr lvl="0" eaLnBrk="1" latinLnBrk="0" hangingPunct="1"/>
+            <a:pPr lvl="0"/>
             <a:r>
               <a:rPr lang="en-US" smtClean="0"/>
               <a:t>Click to edit Master text styles</a:t>
             </a:r>
           </a:p>
           <a:p>
-            <a:pPr lvl="1" eaLnBrk="1" latinLnBrk="0" hangingPunct="1"/>
+            <a:pPr lvl="1"/>
             <a:r>
               <a:rPr lang="en-US" smtClean="0"/>
               <a:t>Second level</a:t>
             </a:r>
           </a:p>
           <a:p>
-            <a:pPr lvl="2" eaLnBrk="1" latinLnBrk="0" hangingPunct="1"/>
+            <a:pPr lvl="2"/>
             <a:r>
               <a:rPr lang="en-US" smtClean="0"/>
               <a:t>Third level</a:t>
             </a:r>
           </a:p>
           <a:p>
-            <a:pPr lvl="3" eaLnBrk="1" latinLnBrk="0" hangingPunct="1"/>
+            <a:pPr lvl="3"/>
             <a:r>
               <a:rPr lang="en-US" smtClean="0"/>
               <a:t>Fourth level</a:t>
             </a:r>
           </a:p>
           <a:p>
-            <a:pPr lvl="4" eaLnBrk="1" latinLnBrk="0" hangingPunct="1"/>
+            <a:pPr lvl="4"/>
             <a:r>
               <a:rPr lang="en-US" smtClean="0"/>
               <a:t>Fifth level</a:t>
             </a:r>
-            <a:endParaRPr kumimoji="0" lang="en-US"/>
+            <a:endParaRPr lang="en-US"/>
           </a:p>
         </p:txBody>
       </p:sp>
@@ -4598,40 +5853,40 @@
             <a:extLst/>
           </a:lstStyle>
           <a:p>
-            <a:pPr lvl="0" eaLnBrk="1" latinLnBrk="0" hangingPunct="1"/>
+            <a:pPr lvl="0"/>
             <a:r>
               <a:rPr lang="en-US" smtClean="0"/>
               <a:t>Click to edit Master text styles</a:t>
             </a:r>
           </a:p>
           <a:p>
-            <a:pPr lvl="1" eaLnBrk="1" latinLnBrk="0" hangingPunct="1"/>
+            <a:pPr lvl="1"/>
             <a:r>
               <a:rPr lang="en-US" smtClean="0"/>
               <a:t>Second level</a:t>
             </a:r>
           </a:p>
           <a:p>
-            <a:pPr lvl="2" eaLnBrk="1" latinLnBrk="0" hangingPunct="1"/>
+            <a:pPr lvl="2"/>
             <a:r>
               <a:rPr lang="en-US" smtClean="0"/>
               <a:t>Third level</a:t>
             </a:r>
           </a:p>
           <a:p>
-            <a:pPr lvl="3" eaLnBrk="1" latinLnBrk="0" hangingPunct="1"/>
+            <a:pPr lvl="3"/>
             <a:r>
               <a:rPr lang="en-US" smtClean="0"/>
               <a:t>Fourth level</a:t>
             </a:r>
           </a:p>
           <a:p>
-            <a:pPr lvl="4" eaLnBrk="1" latinLnBrk="0" hangingPunct="1"/>
+            <a:pPr lvl="4"/>
             <a:r>
               <a:rPr lang="en-US" smtClean="0"/>
               <a:t>Fifth level</a:t>
             </a:r>
-            <a:endParaRPr kumimoji="0" lang="en-US"/>
+            <a:endParaRPr lang="en-US"/>
           </a:p>
         </p:txBody>
       </p:sp>
@@ -4649,13 +5904,21 @@
         <p:txBody>
           <a:bodyPr/>
           <a:lstStyle>
+            <a:lvl1pPr>
+              <a:defRPr/>
+            </a:lvl1pPr>
             <a:extLst/>
           </a:lstStyle>
           <a:p>
-            <a:fld id="{09609310-A27C-4486-85E6-BEA22C115EFC}" type="datetimeFigureOut">
-              <a:rPr lang="en-US" smtClean="0"/>
-              <a:pPr/>
-              <a:t>11/14/2008</a:t>
+            <a:pPr>
+              <a:defRPr/>
+            </a:pPr>
+            <a:fld id="{BEFF443C-5229-4296-A53A-FD842E83F1FA}" type="datetimeFigureOut">
+              <a:rPr lang="en-US"/>
+              <a:pPr>
+                <a:defRPr/>
+              </a:pPr>
+              <a:t>11/17/2008</a:t>
             </a:fld>
             <a:endParaRPr lang="en-US"/>
           </a:p>
@@ -4675,9 +5938,15 @@
         <p:txBody>
           <a:bodyPr/>
           <a:lstStyle>
+            <a:lvl1pPr>
+              <a:defRPr/>
+            </a:lvl1pPr>
             <a:extLst/>
           </a:lstStyle>
           <a:p>
+            <a:pPr>
+              <a:defRPr/>
+            </a:pPr>
             <a:endParaRPr lang="en-US"/>
           </a:p>
         </p:txBody>
@@ -4696,12 +5965,20 @@
         <p:txBody>
           <a:bodyPr/>
           <a:lstStyle>
+            <a:lvl1pPr>
+              <a:defRPr/>
+            </a:lvl1pPr>
             <a:extLst/>
           </a:lstStyle>
           <a:p>
-            <a:fld id="{4DD8A983-2F2E-4C7B-8080-8D2C1175E14E}" type="slidenum">
-              <a:rPr lang="en-US" smtClean="0"/>
-              <a:pPr/>
+            <a:pPr>
+              <a:defRPr/>
+            </a:pPr>
+            <a:fld id="{4642D105-1A48-4352-8D19-CA0A12459B33}" type="slidenum">
+              <a:rPr lang="en-US"/>
+              <a:pPr>
+                <a:defRPr/>
+              </a:pPr>
               <a:t>‹#›</a:t>
             </a:fld>
             <a:endParaRPr lang="en-US"/>
@@ -4753,22 +6030,22 @@
           </a:xfrm>
         </p:spPr>
         <p:txBody>
-          <a:bodyPr anchor="ctr"/>
+          <a:bodyPr/>
           <a:lstStyle>
             <a:extLst/>
           </a:lstStyle>
           <a:p>
             <a:r>
-              <a:rPr kumimoji="0" lang="en-US" smtClean="0"/>
+              <a:rPr lang="en-US" smtClean="0"/>
               <a:t>Click to edit Master title style</a:t>
             </a:r>
-            <a:endParaRPr kumimoji="0" lang="en-US"/>
-          </a:p>
-        </p:txBody>
-      </p:sp>
-      <p:sp>
-        <p:nvSpPr>
-          <p:cNvPr id="3" name="Date Placeholder 2"/>
+            <a:endParaRPr lang="en-US"/>
+          </a:p>
+        </p:txBody>
+      </p:sp>
+      <p:sp>
+        <p:nvSpPr>
+          <p:cNvPr id="3" name="Date Placeholder 23"/>
           <p:cNvSpPr>
             <a:spLocks noGrp="1"/>
           </p:cNvSpPr>
@@ -4780,13 +6057,20 @@
         <p:txBody>
           <a:bodyPr/>
           <a:lstStyle>
-            <a:extLst/>
-          </a:lstStyle>
-          <a:p>
-            <a:fld id="{09609310-A27C-4486-85E6-BEA22C115EFC}" type="datetimeFigureOut">
-              <a:rPr lang="en-US" smtClean="0"/>
-              <a:pPr/>
-              <a:t>11/14/2008</a:t>
+            <a:lvl1pPr>
+              <a:defRPr/>
+            </a:lvl1pPr>
+          </a:lstStyle>
+          <a:p>
+            <a:pPr>
+              <a:defRPr/>
+            </a:pPr>
+            <a:fld id="{2301BAF4-69E3-439F-B6F5-E6C632AF6EAE}" type="datetimeFigureOut">
+              <a:rPr lang="en-US"/>
+              <a:pPr>
+                <a:defRPr/>
+              </a:pPr>
+              <a:t>11/17/2008</a:t>
             </a:fld>
             <a:endParaRPr lang="en-US"/>
           </a:p>
@@ -4794,7 +6078,7 @@
       </p:sp>
       <p:sp>
         <p:nvSpPr>
-          <p:cNvPr id="4" name="Footer Placeholder 3"/>
+          <p:cNvPr id="4" name="Footer Placeholder 9"/>
           <p:cNvSpPr>
             <a:spLocks noGrp="1"/>
           </p:cNvSpPr>
@@ -4806,16 +6090,21 @@
         <p:txBody>
           <a:bodyPr/>
           <a:lstStyle>
-            <a:extLst/>
-          </a:lstStyle>
-          <a:p>
-            <a:endParaRPr lang="en-US"/>
-          </a:p>
-        </p:txBody>
-      </p:sp>
-      <p:sp>
-        <p:nvSpPr>
-          <p:cNvPr id="5" name="Slide Number Placeholder 4"/>
+            <a:lvl1pPr>
+              <a:defRPr/>
+            </a:lvl1pPr>
+          </a:lstStyle>
+          <a:p>
+            <a:pPr>
+              <a:defRPr/>
+            </a:pPr>
+            <a:endParaRPr lang="en-US"/>
+          </a:p>
+        </p:txBody>
+      </p:sp>
+      <p:sp>
+        <p:nvSpPr>
+          <p:cNvPr id="5" name="Slide Number Placeholder 21"/>
           <p:cNvSpPr>
             <a:spLocks noGrp="1"/>
           </p:cNvSpPr>
@@ -4827,12 +6116,19 @@
         <p:txBody>
           <a:bodyPr/>
           <a:lstStyle>
-            <a:extLst/>
-          </a:lstStyle>
-          <a:p>
-            <a:fld id="{4DD8A983-2F2E-4C7B-8080-8D2C1175E14E}" type="slidenum">
-              <a:rPr lang="en-US" smtClean="0"/>
-              <a:pPr/>
+            <a:lvl1pPr>
+              <a:defRPr/>
+            </a:lvl1pPr>
+          </a:lstStyle>
+          <a:p>
+            <a:pPr>
+              <a:defRPr/>
+            </a:pPr>
+            <a:fld id="{2F5CC689-48ED-477F-B71A-527B5D320A93}" type="slidenum">
+              <a:rPr lang="en-US"/>
+              <a:pPr>
+                <a:defRPr/>
+              </a:pPr>
               <a:t>‹#›</a:t>
             </a:fld>
             <a:endParaRPr lang="en-US"/>
@@ -4869,14 +6165,14 @@
       </p:grpSpPr>
       <p:sp>
         <p:nvSpPr>
-          <p:cNvPr id="5" name="Rectangle 4"/>
+          <p:cNvPr id="2" name="Rectangle 4"/>
           <p:cNvSpPr/>
           <p:nvPr/>
         </p:nvSpPr>
         <p:spPr>
           <a:xfrm>
-            <a:off x="1014984" y="0"/>
-            <a:ext cx="8129016" cy="6858000"/>
+            <a:off x="1014413" y="0"/>
+            <a:ext cx="8129587" cy="6858000"/>
           </a:xfrm>
           <a:prstGeom prst="rect">
             <a:avLst/>
@@ -4910,94 +6206,29 @@
             <a:extLst/>
           </a:lstStyle>
           <a:p>
-            <a:pPr algn="ctr" eaLnBrk="1" latinLnBrk="0" hangingPunct="1"/>
-            <a:endParaRPr kumimoji="0" lang="en-US"/>
-          </a:p>
-        </p:txBody>
-      </p:sp>
-      <p:sp>
-        <p:nvSpPr>
-          <p:cNvPr id="2" name="Date Placeholder 1"/>
-          <p:cNvSpPr>
-            <a:spLocks noGrp="1"/>
-          </p:cNvSpPr>
-          <p:nvPr>
-            <p:ph type="dt" sz="half" idx="10"/>
-          </p:nvPr>
-        </p:nvSpPr>
-        <p:spPr/>
-        <p:txBody>
-          <a:bodyPr/>
-          <a:lstStyle>
-            <a:extLst/>
-          </a:lstStyle>
-          <a:p>
-            <a:fld id="{09609310-A27C-4486-85E6-BEA22C115EFC}" type="datetimeFigureOut">
-              <a:rPr lang="en-US" smtClean="0"/>
-              <a:pPr/>
-              <a:t>11/14/2008</a:t>
-            </a:fld>
-            <a:endParaRPr lang="en-US"/>
-          </a:p>
-        </p:txBody>
-      </p:sp>
-      <p:sp>
-        <p:nvSpPr>
-          <p:cNvPr id="3" name="Footer Placeholder 2"/>
-          <p:cNvSpPr>
-            <a:spLocks noGrp="1"/>
-          </p:cNvSpPr>
-          <p:nvPr>
-            <p:ph type="ftr" sz="quarter" idx="11"/>
-          </p:nvPr>
-        </p:nvSpPr>
-        <p:spPr/>
-        <p:txBody>
-          <a:bodyPr/>
-          <a:lstStyle>
-            <a:extLst/>
-          </a:lstStyle>
-          <a:p>
-            <a:endParaRPr lang="en-US"/>
-          </a:p>
-        </p:txBody>
-      </p:sp>
-      <p:sp>
-        <p:nvSpPr>
-          <p:cNvPr id="4" name="Slide Number Placeholder 3"/>
-          <p:cNvSpPr>
-            <a:spLocks noGrp="1"/>
-          </p:cNvSpPr>
-          <p:nvPr>
-            <p:ph type="sldNum" sz="quarter" idx="12"/>
-          </p:nvPr>
-        </p:nvSpPr>
-        <p:spPr/>
-        <p:txBody>
-          <a:bodyPr/>
-          <a:lstStyle>
-            <a:extLst/>
-          </a:lstStyle>
-          <a:p>
-            <a:fld id="{4DD8A983-2F2E-4C7B-8080-8D2C1175E14E}" type="slidenum">
-              <a:rPr lang="en-US" smtClean="0"/>
-              <a:pPr/>
-              <a:t>‹#›</a:t>
-            </a:fld>
-            <a:endParaRPr lang="en-US"/>
-          </a:p>
-        </p:txBody>
-      </p:sp>
-      <p:sp>
-        <p:nvSpPr>
-          <p:cNvPr id="6" name="Rectangle 5"/>
+            <a:pPr algn="ctr" fontAlgn="auto">
+              <a:spcBef>
+                <a:spcPts val="0"/>
+              </a:spcBef>
+              <a:spcAft>
+                <a:spcPts val="0"/>
+              </a:spcAft>
+              <a:defRPr/>
+            </a:pPr>
+            <a:endParaRPr lang="en-US"/>
+          </a:p>
+        </p:txBody>
+      </p:sp>
+      <p:sp>
+        <p:nvSpPr>
+          <p:cNvPr id="3" name="Rectangle 5"/>
           <p:cNvSpPr/>
           <p:nvPr/>
         </p:nvSpPr>
         <p:spPr bwMode="invGray">
           <a:xfrm>
-            <a:off x="1014984" y="-54"/>
-            <a:ext cx="73152" cy="6858054"/>
+            <a:off x="1014413" y="0"/>
+            <a:ext cx="73025" cy="6858000"/>
           </a:xfrm>
           <a:prstGeom prst="rect">
             <a:avLst/>
@@ -5039,8 +6270,111 @@
             <a:extLst/>
           </a:lstStyle>
           <a:p>
-            <a:pPr algn="ctr" eaLnBrk="1" latinLnBrk="0" hangingPunct="1"/>
-            <a:endParaRPr kumimoji="0" lang="en-US"/>
+            <a:pPr algn="ctr" fontAlgn="auto">
+              <a:spcBef>
+                <a:spcPts val="0"/>
+              </a:spcBef>
+              <a:spcAft>
+                <a:spcPts val="0"/>
+              </a:spcAft>
+              <a:defRPr/>
+            </a:pPr>
+            <a:endParaRPr lang="en-US"/>
+          </a:p>
+        </p:txBody>
+      </p:sp>
+      <p:sp>
+        <p:nvSpPr>
+          <p:cNvPr id="4" name="Date Placeholder 1"/>
+          <p:cNvSpPr>
+            <a:spLocks noGrp="1"/>
+          </p:cNvSpPr>
+          <p:nvPr>
+            <p:ph type="dt" sz="half" idx="10"/>
+          </p:nvPr>
+        </p:nvSpPr>
+        <p:spPr/>
+        <p:txBody>
+          <a:bodyPr/>
+          <a:lstStyle>
+            <a:lvl1pPr>
+              <a:defRPr/>
+            </a:lvl1pPr>
+            <a:extLst/>
+          </a:lstStyle>
+          <a:p>
+            <a:pPr>
+              <a:defRPr/>
+            </a:pPr>
+            <a:fld id="{A57ED54E-2C9E-4046-9575-3C16B05C4D63}" type="datetimeFigureOut">
+              <a:rPr lang="en-US"/>
+              <a:pPr>
+                <a:defRPr/>
+              </a:pPr>
+              <a:t>11/17/2008</a:t>
+            </a:fld>
+            <a:endParaRPr lang="en-US"/>
+          </a:p>
+        </p:txBody>
+      </p:sp>
+      <p:sp>
+        <p:nvSpPr>
+          <p:cNvPr id="5" name="Footer Placeholder 2"/>
+          <p:cNvSpPr>
+            <a:spLocks noGrp="1"/>
+          </p:cNvSpPr>
+          <p:nvPr>
+            <p:ph type="ftr" sz="quarter" idx="11"/>
+          </p:nvPr>
+        </p:nvSpPr>
+        <p:spPr/>
+        <p:txBody>
+          <a:bodyPr/>
+          <a:lstStyle>
+            <a:lvl1pPr>
+              <a:defRPr/>
+            </a:lvl1pPr>
+            <a:extLst/>
+          </a:lstStyle>
+          <a:p>
+            <a:pPr>
+              <a:defRPr/>
+            </a:pPr>
+            <a:endParaRPr lang="en-US"/>
+          </a:p>
+        </p:txBody>
+      </p:sp>
+      <p:sp>
+        <p:nvSpPr>
+          <p:cNvPr id="6" name="Slide Number Placeholder 3"/>
+          <p:cNvSpPr>
+            <a:spLocks noGrp="1"/>
+          </p:cNvSpPr>
+          <p:nvPr>
+            <p:ph type="sldNum" sz="quarter" idx="12"/>
+          </p:nvPr>
+        </p:nvSpPr>
+        <p:spPr/>
+        <p:txBody>
+          <a:bodyPr/>
+          <a:lstStyle>
+            <a:lvl1pPr>
+              <a:defRPr/>
+            </a:lvl1pPr>
+            <a:extLst/>
+          </a:lstStyle>
+          <a:p>
+            <a:pPr>
+              <a:defRPr/>
+            </a:pPr>
+            <a:fld id="{E07715D2-49DA-43FA-95F3-F24C9853A960}" type="slidenum">
+              <a:rPr lang="en-US"/>
+              <a:pPr>
+                <a:defRPr/>
+              </a:pPr>
+              <a:t>‹#›</a:t>
+            </a:fld>
+            <a:endParaRPr lang="en-US"/>
           </a:p>
         </p:txBody>
       </p:sp>
@@ -5105,10 +6439,10 @@
           </a:lstStyle>
           <a:p>
             <a:r>
-              <a:rPr kumimoji="0" lang="en-US" smtClean="0"/>
+              <a:rPr lang="en-US" smtClean="0"/>
               <a:t>Click to edit Master title style</a:t>
             </a:r>
-            <a:endParaRPr kumimoji="0" lang="en-US"/>
+            <a:endParaRPr lang="en-US"/>
           </a:p>
         </p:txBody>
       </p:sp>
@@ -5160,9 +6494,9 @@
             <a:extLst/>
           </a:lstStyle>
           <a:p>
-            <a:pPr lvl="0" eaLnBrk="1" latinLnBrk="0" hangingPunct="1"/>
-            <a:r>
-              <a:rPr kumimoji="0" lang="en-US" smtClean="0"/>
+            <a:pPr lvl="0"/>
+            <a:r>
+              <a:rPr lang="en-US" smtClean="0"/>
               <a:t>Click to edit Master text styles</a:t>
             </a:r>
           </a:p>
@@ -5205,40 +6539,40 @@
             <a:extLst/>
           </a:lstStyle>
           <a:p>
-            <a:pPr lvl="0" eaLnBrk="1" latinLnBrk="0" hangingPunct="1"/>
+            <a:pPr lvl="0"/>
             <a:r>
               <a:rPr lang="en-US" smtClean="0"/>
               <a:t>Click to edit Master text styles</a:t>
             </a:r>
           </a:p>
           <a:p>
-            <a:pPr lvl="1" eaLnBrk="1" latinLnBrk="0" hangingPunct="1"/>
+            <a:pPr lvl="1"/>
             <a:r>
               <a:rPr lang="en-US" smtClean="0"/>
               <a:t>Second level</a:t>
             </a:r>
           </a:p>
           <a:p>
-            <a:pPr lvl="2" eaLnBrk="1" latinLnBrk="0" hangingPunct="1"/>
+            <a:pPr lvl="2"/>
             <a:r>
               <a:rPr lang="en-US" smtClean="0"/>
               <a:t>Third level</a:t>
             </a:r>
           </a:p>
           <a:p>
-            <a:pPr lvl="3" eaLnBrk="1" latinLnBrk="0" hangingPunct="1"/>
+            <a:pPr lvl="3"/>
             <a:r>
               <a:rPr lang="en-US" smtClean="0"/>
               <a:t>Fourth level</a:t>
             </a:r>
           </a:p>
           <a:p>
-            <a:pPr lvl="4" eaLnBrk="1" latinLnBrk="0" hangingPunct="1"/>
+            <a:pPr lvl="4"/>
             <a:r>
               <a:rPr lang="en-US" smtClean="0"/>
               <a:t>Fifth level</a:t>
             </a:r>
-            <a:endParaRPr kumimoji="0" lang="en-US"/>
+            <a:endParaRPr lang="en-US"/>
           </a:p>
         </p:txBody>
       </p:sp>
@@ -5256,13 +6590,21 @@
         <p:txBody>
           <a:bodyPr/>
           <a:lstStyle>
+            <a:lvl1pPr>
+              <a:defRPr/>
+            </a:lvl1pPr>
             <a:extLst/>
           </a:lstStyle>
           <a:p>
-            <a:fld id="{09609310-A27C-4486-85E6-BEA22C115EFC}" type="datetimeFigureOut">
-              <a:rPr lang="en-US" smtClean="0"/>
-              <a:pPr/>
-              <a:t>11/14/2008</a:t>
+            <a:pPr>
+              <a:defRPr/>
+            </a:pPr>
+            <a:fld id="{E16DB119-EB22-41DC-897B-8A211D474F52}" type="datetimeFigureOut">
+              <a:rPr lang="en-US"/>
+              <a:pPr>
+                <a:defRPr/>
+              </a:pPr>
+              <a:t>11/17/2008</a:t>
             </a:fld>
             <a:endParaRPr lang="en-US"/>
           </a:p>
@@ -5282,9 +6624,15 @@
         <p:txBody>
           <a:bodyPr/>
           <a:lstStyle>
+            <a:lvl1pPr>
+              <a:defRPr/>
+            </a:lvl1pPr>
             <a:extLst/>
           </a:lstStyle>
           <a:p>
+            <a:pPr>
+              <a:defRPr/>
+            </a:pPr>
             <a:endParaRPr lang="en-US"/>
           </a:p>
         </p:txBody>
@@ -5303,12 +6651,20 @@
         <p:txBody>
           <a:bodyPr/>
           <a:lstStyle>
+            <a:lvl1pPr>
+              <a:defRPr/>
+            </a:lvl1pPr>
             <a:extLst/>
           </a:lstStyle>
           <a:p>
-            <a:fld id="{4DD8A983-2F2E-4C7B-8080-8D2C1175E14E}" type="slidenum">
-              <a:rPr lang="en-US" smtClean="0"/>
-              <a:pPr/>
+            <a:pPr>
+              <a:defRPr/>
+            </a:pPr>
+            <a:fld id="{1B5F62E2-C1D6-41CB-9593-D69496E4801D}" type="slidenum">
+              <a:rPr lang="en-US"/>
+              <a:pPr>
+                <a:defRPr/>
+              </a:pPr>
               <a:t>‹#›</a:t>
             </a:fld>
             <a:endParaRPr lang="en-US"/>
@@ -5345,118 +6701,7 @@
       </p:grpSpPr>
       <p:sp>
         <p:nvSpPr>
-          <p:cNvPr id="2" name="Title 1"/>
-          <p:cNvSpPr>
-            <a:spLocks noGrp="1"/>
-          </p:cNvSpPr>
-          <p:nvPr>
-            <p:ph type="title"/>
-          </p:nvPr>
-        </p:nvSpPr>
-        <p:spPr>
-          <a:xfrm>
-            <a:off x="5886896" y="1066800"/>
-            <a:ext cx="2743200" cy="1981200"/>
-          </a:xfrm>
-        </p:spPr>
-        <p:txBody>
-          <a:bodyPr anchor="b">
-            <a:noAutofit/>
-          </a:bodyPr>
-          <a:lstStyle>
-            <a:lvl1pPr algn="l">
-              <a:buNone/>
-              <a:defRPr sz="2100" b="1">
-                <a:effectLst/>
-              </a:defRPr>
-            </a:lvl1pPr>
-            <a:extLst/>
-          </a:lstStyle>
-          <a:p>
-            <a:r>
-              <a:rPr kumimoji="0" lang="en-US" smtClean="0"/>
-              <a:t>Click to edit Master title style</a:t>
-            </a:r>
-            <a:endParaRPr kumimoji="0" lang="en-US"/>
-          </a:p>
-        </p:txBody>
-      </p:sp>
-      <p:sp>
-        <p:nvSpPr>
-          <p:cNvPr id="5" name="Date Placeholder 4"/>
-          <p:cNvSpPr>
-            <a:spLocks noGrp="1"/>
-          </p:cNvSpPr>
-          <p:nvPr>
-            <p:ph type="dt" sz="half" idx="10"/>
-          </p:nvPr>
-        </p:nvSpPr>
-        <p:spPr/>
-        <p:txBody>
-          <a:bodyPr/>
-          <a:lstStyle>
-            <a:extLst/>
-          </a:lstStyle>
-          <a:p>
-            <a:fld id="{09609310-A27C-4486-85E6-BEA22C115EFC}" type="datetimeFigureOut">
-              <a:rPr lang="en-US" smtClean="0"/>
-              <a:pPr/>
-              <a:t>11/14/2008</a:t>
-            </a:fld>
-            <a:endParaRPr lang="en-US"/>
-          </a:p>
-        </p:txBody>
-      </p:sp>
-      <p:sp>
-        <p:nvSpPr>
-          <p:cNvPr id="6" name="Footer Placeholder 5"/>
-          <p:cNvSpPr>
-            <a:spLocks noGrp="1"/>
-          </p:cNvSpPr>
-          <p:nvPr>
-            <p:ph type="ftr" sz="quarter" idx="11"/>
-          </p:nvPr>
-        </p:nvSpPr>
-        <p:spPr/>
-        <p:txBody>
-          <a:bodyPr/>
-          <a:lstStyle>
-            <a:extLst/>
-          </a:lstStyle>
-          <a:p>
-            <a:endParaRPr lang="en-US"/>
-          </a:p>
-        </p:txBody>
-      </p:sp>
-      <p:sp>
-        <p:nvSpPr>
-          <p:cNvPr id="7" name="Slide Number Placeholder 6"/>
-          <p:cNvSpPr>
-            <a:spLocks noGrp="1"/>
-          </p:cNvSpPr>
-          <p:nvPr>
-            <p:ph type="sldNum" sz="quarter" idx="12"/>
-          </p:nvPr>
-        </p:nvSpPr>
-        <p:spPr/>
-        <p:txBody>
-          <a:bodyPr/>
-          <a:lstStyle>
-            <a:extLst/>
-          </a:lstStyle>
-          <a:p>
-            <a:fld id="{4DD8A983-2F2E-4C7B-8080-8D2C1175E14E}" type="slidenum">
-              <a:rPr lang="en-US" smtClean="0"/>
-              <a:pPr/>
-              <a:t>‹#›</a:t>
-            </a:fld>
-            <a:endParaRPr lang="en-US"/>
-          </a:p>
-        </p:txBody>
-      </p:sp>
-      <p:sp>
-        <p:nvSpPr>
-          <p:cNvPr id="8" name="Rectangle 7"/>
+          <p:cNvPr id="5" name="Rectangle 7"/>
           <p:cNvSpPr/>
           <p:nvPr/>
         </p:nvSpPr>
@@ -5498,96 +6743,47 @@
           </a:sp3d>
         </p:spPr>
         <p:txBody>
-          <a:bodyPr lIns="91440" tIns="274320" rtlCol="0" anchor="t">
+          <a:bodyPr tIns="274320">
             <a:normAutofit/>
           </a:bodyPr>
           <a:lstStyle>
             <a:extLst/>
           </a:lstStyle>
           <a:p>
-            <a:pPr marL="0" indent="-283464" algn="l" rtl="0" eaLnBrk="1" latinLnBrk="0" hangingPunct="1">
+            <a:pPr indent="-283464" fontAlgn="auto">
               <a:lnSpc>
                 <a:spcPts val="3000"/>
               </a:lnSpc>
               <a:spcBef>
                 <a:spcPts val="600"/>
               </a:spcBef>
+              <a:spcAft>
+                <a:spcPts val="0"/>
+              </a:spcAft>
               <a:buClr>
                 <a:schemeClr val="accent1"/>
               </a:buClr>
               <a:buSzPct val="80000"/>
               <a:buFont typeface="Wingdings 2"/>
               <a:buNone/>
+              <a:defRPr/>
             </a:pPr>
-            <a:endParaRPr kumimoji="0" lang="en-US" sz="3200" kern="1200">
-              <a:solidFill>
-                <a:schemeClr val="tx1"/>
-              </a:solidFill>
+            <a:endParaRPr lang="en-US" sz="3200">
               <a:latin typeface="+mn-lt"/>
-              <a:ea typeface="+mn-ea"/>
-              <a:cs typeface="+mn-cs"/>
             </a:endParaRPr>
           </a:p>
         </p:txBody>
       </p:sp>
       <p:sp>
         <p:nvSpPr>
-          <p:cNvPr id="3" name="Picture Placeholder 2"/>
-          <p:cNvSpPr>
-            <a:spLocks noGrp="1"/>
-          </p:cNvSpPr>
-          <p:nvPr>
-            <p:ph type="pic" idx="1"/>
-          </p:nvPr>
-        </p:nvSpPr>
-        <p:spPr>
-          <a:xfrm>
-            <a:off x="838200" y="1143003"/>
-            <a:ext cx="4419600" cy="3514531"/>
-          </a:xfrm>
-          <a:prstGeom prst="roundRect">
-            <a:avLst>
-              <a:gd name="adj" fmla="val 783"/>
-            </a:avLst>
-          </a:prstGeom>
-          <a:solidFill>
-            <a:schemeClr val="bg2"/>
-          </a:solidFill>
-          <a:ln w="127000">
-            <a:noFill/>
-            <a:miter lim="800000"/>
-          </a:ln>
-          <a:effectLst/>
-        </p:spPr>
-        <p:txBody>
-          <a:bodyPr lIns="91440" tIns="274320" anchor="t"/>
-          <a:lstStyle>
-            <a:lvl1pPr indent="0">
-              <a:buNone/>
-              <a:defRPr sz="3200"/>
-            </a:lvl1pPr>
-            <a:extLst/>
-          </a:lstStyle>
-          <a:p>
-            <a:pPr marL="0" algn="l" eaLnBrk="1" latinLnBrk="0" hangingPunct="1"/>
-            <a:r>
-              <a:rPr kumimoji="0" lang="en-US" smtClean="0"/>
-              <a:t>Click icon to add picture</a:t>
-            </a:r>
-            <a:endParaRPr kumimoji="0" lang="en-US" dirty="0"/>
-          </a:p>
-        </p:txBody>
-      </p:sp>
-      <p:sp>
-        <p:nvSpPr>
-          <p:cNvPr id="9" name="Flowchart: Process 8"/>
+          <p:cNvPr id="6" name="Flowchart: Process 8"/>
           <p:cNvSpPr/>
           <p:nvPr/>
         </p:nvSpPr>
         <p:spPr>
           <a:xfrm rot="19468671">
-            <a:off x="396725" y="954341"/>
-            <a:ext cx="685800" cy="204310"/>
+            <a:off x="396875" y="954088"/>
+            <a:ext cx="685800" cy="204787"/>
           </a:xfrm>
           <a:prstGeom prst="flowChartProcess">
             <a:avLst/>
@@ -5635,21 +6831,29 @@
             <a:extLst/>
           </a:lstStyle>
           <a:p>
-            <a:pPr algn="ctr" eaLnBrk="1" latinLnBrk="0" hangingPunct="1"/>
-            <a:endParaRPr kumimoji="0" lang="en-US"/>
-          </a:p>
-        </p:txBody>
-      </p:sp>
-      <p:sp>
-        <p:nvSpPr>
-          <p:cNvPr id="10" name="Flowchart: Process 9"/>
+            <a:pPr algn="ctr" fontAlgn="auto">
+              <a:spcBef>
+                <a:spcPts val="0"/>
+              </a:spcBef>
+              <a:spcAft>
+                <a:spcPts val="0"/>
+              </a:spcAft>
+              <a:defRPr/>
+            </a:pPr>
+            <a:endParaRPr lang="en-US"/>
+          </a:p>
+        </p:txBody>
+      </p:sp>
+      <p:sp>
+        <p:nvSpPr>
+          <p:cNvPr id="7" name="Flowchart: Process 9"/>
           <p:cNvSpPr/>
           <p:nvPr/>
         </p:nvSpPr>
         <p:spPr>
           <a:xfrm rot="2103354" flipH="1">
-            <a:off x="5003667" y="936786"/>
-            <a:ext cx="649224" cy="204310"/>
+            <a:off x="5003800" y="936625"/>
+            <a:ext cx="649288" cy="204788"/>
           </a:xfrm>
           <a:prstGeom prst="flowChartProcess">
             <a:avLst/>
@@ -5695,8 +6899,104 @@
             <a:extLst/>
           </a:lstStyle>
           <a:p>
-            <a:pPr algn="ctr" eaLnBrk="1" latinLnBrk="0" hangingPunct="1"/>
-            <a:endParaRPr kumimoji="0" lang="en-US" dirty="0"/>
+            <a:pPr algn="ctr" fontAlgn="auto">
+              <a:spcBef>
+                <a:spcPts val="0"/>
+              </a:spcBef>
+              <a:spcAft>
+                <a:spcPts val="0"/>
+              </a:spcAft>
+              <a:defRPr/>
+            </a:pPr>
+            <a:endParaRPr lang="en-US" dirty="0"/>
+          </a:p>
+        </p:txBody>
+      </p:sp>
+      <p:sp>
+        <p:nvSpPr>
+          <p:cNvPr id="2" name="Title 1"/>
+          <p:cNvSpPr>
+            <a:spLocks noGrp="1"/>
+          </p:cNvSpPr>
+          <p:nvPr>
+            <p:ph type="title"/>
+          </p:nvPr>
+        </p:nvSpPr>
+        <p:spPr>
+          <a:xfrm>
+            <a:off x="5886896" y="1066800"/>
+            <a:ext cx="2743200" cy="1981200"/>
+          </a:xfrm>
+        </p:spPr>
+        <p:txBody>
+          <a:bodyPr anchor="b">
+            <a:noAutofit/>
+          </a:bodyPr>
+          <a:lstStyle>
+            <a:lvl1pPr algn="l">
+              <a:buNone/>
+              <a:defRPr sz="2100" b="1">
+                <a:effectLst/>
+              </a:defRPr>
+            </a:lvl1pPr>
+            <a:extLst/>
+          </a:lstStyle>
+          <a:p>
+            <a:r>
+              <a:rPr lang="en-US" smtClean="0"/>
+              <a:t>Click to edit Master title style</a:t>
+            </a:r>
+            <a:endParaRPr lang="en-US"/>
+          </a:p>
+        </p:txBody>
+      </p:sp>
+      <p:sp>
+        <p:nvSpPr>
+          <p:cNvPr id="3" name="Picture Placeholder 2"/>
+          <p:cNvSpPr>
+            <a:spLocks noGrp="1"/>
+          </p:cNvSpPr>
+          <p:nvPr>
+            <p:ph type="pic" idx="1"/>
+          </p:nvPr>
+        </p:nvSpPr>
+        <p:spPr>
+          <a:xfrm>
+            <a:off x="838200" y="1143003"/>
+            <a:ext cx="4419600" cy="3514531"/>
+          </a:xfrm>
+          <a:prstGeom prst="roundRect">
+            <a:avLst>
+              <a:gd name="adj" fmla="val 783"/>
+            </a:avLst>
+          </a:prstGeom>
+          <a:solidFill>
+            <a:schemeClr val="bg2"/>
+          </a:solidFill>
+          <a:ln w="127000">
+            <a:noFill/>
+            <a:miter lim="800000"/>
+          </a:ln>
+          <a:effectLst/>
+        </p:spPr>
+        <p:txBody>
+          <a:bodyPr tIns="274320">
+            <a:normAutofit/>
+          </a:bodyPr>
+          <a:lstStyle>
+            <a:lvl1pPr indent="0">
+              <a:buNone/>
+              <a:defRPr sz="3200"/>
+            </a:lvl1pPr>
+            <a:extLst/>
+          </a:lstStyle>
+          <a:p>
+            <a:pPr lvl="0"/>
+            <a:r>
+              <a:rPr lang="en-US" noProof="0" smtClean="0"/>
+              <a:t>Click icon to add picture</a:t>
+            </a:r>
+            <a:endParaRPr lang="en-US" noProof="0" dirty="0"/>
           </a:p>
         </p:txBody>
       </p:sp>
@@ -5748,11 +7048,106 @@
             <a:extLst/>
           </a:lstStyle>
           <a:p>
-            <a:pPr lvl="0" eaLnBrk="1" latinLnBrk="0" hangingPunct="1"/>
-            <a:r>
-              <a:rPr kumimoji="0" lang="en-US" smtClean="0"/>
+            <a:pPr lvl="0"/>
+            <a:r>
+              <a:rPr lang="en-US" smtClean="0"/>
               <a:t>Click to edit Master text styles</a:t>
             </a:r>
+          </a:p>
+        </p:txBody>
+      </p:sp>
+      <p:sp>
+        <p:nvSpPr>
+          <p:cNvPr id="8" name="Date Placeholder 4"/>
+          <p:cNvSpPr>
+            <a:spLocks noGrp="1"/>
+          </p:cNvSpPr>
+          <p:nvPr>
+            <p:ph type="dt" sz="half" idx="10"/>
+          </p:nvPr>
+        </p:nvSpPr>
+        <p:spPr/>
+        <p:txBody>
+          <a:bodyPr/>
+          <a:lstStyle>
+            <a:lvl1pPr>
+              <a:defRPr/>
+            </a:lvl1pPr>
+            <a:extLst/>
+          </a:lstStyle>
+          <a:p>
+            <a:pPr>
+              <a:defRPr/>
+            </a:pPr>
+            <a:fld id="{F5327CEB-F757-4CA0-AEA8-4E30122D0CDA}" type="datetimeFigureOut">
+              <a:rPr lang="en-US"/>
+              <a:pPr>
+                <a:defRPr/>
+              </a:pPr>
+              <a:t>11/17/2008</a:t>
+            </a:fld>
+            <a:endParaRPr lang="en-US"/>
+          </a:p>
+        </p:txBody>
+      </p:sp>
+      <p:sp>
+        <p:nvSpPr>
+          <p:cNvPr id="9" name="Footer Placeholder 5"/>
+          <p:cNvSpPr>
+            <a:spLocks noGrp="1"/>
+          </p:cNvSpPr>
+          <p:nvPr>
+            <p:ph type="ftr" sz="quarter" idx="11"/>
+          </p:nvPr>
+        </p:nvSpPr>
+        <p:spPr/>
+        <p:txBody>
+          <a:bodyPr/>
+          <a:lstStyle>
+            <a:lvl1pPr>
+              <a:defRPr/>
+            </a:lvl1pPr>
+            <a:extLst/>
+          </a:lstStyle>
+          <a:p>
+            <a:pPr>
+              <a:defRPr/>
+            </a:pPr>
+            <a:endParaRPr lang="en-US"/>
+          </a:p>
+        </p:txBody>
+      </p:sp>
+      <p:sp>
+        <p:nvSpPr>
+          <p:cNvPr id="10" name="Slide Number Placeholder 6"/>
+          <p:cNvSpPr>
+            <a:spLocks noGrp="1"/>
+          </p:cNvSpPr>
+          <p:nvPr>
+            <p:ph type="sldNum" sz="quarter" idx="12"/>
+          </p:nvPr>
+        </p:nvSpPr>
+        <p:spPr/>
+        <p:txBody>
+          <a:bodyPr/>
+          <a:lstStyle>
+            <a:lvl1pPr>
+              <a:defRPr/>
+            </a:lvl1pPr>
+            <a:extLst/>
+          </a:lstStyle>
+          <a:p>
+            <a:pPr>
+              <a:defRPr/>
+            </a:pPr>
+            <a:fld id="{0EA2B25B-89E0-438B-8A6F-BE592C063317}" type="slidenum">
+              <a:rPr lang="en-US"/>
+              <a:pPr>
+                <a:defRPr/>
+              </a:pPr>
+              <a:t>‹#›</a:t>
+            </a:fld>
+            <a:endParaRPr lang="en-US"/>
           </a:p>
         </p:txBody>
       </p:sp>
@@ -5797,8 +7192,8 @@
         </p:nvSpPr>
         <p:spPr>
           <a:xfrm>
-            <a:off x="-815927" y="-815922"/>
-            <a:ext cx="1638887" cy="1638887"/>
+            <a:off x="-815975" y="-815975"/>
+            <a:ext cx="1638300" cy="1638300"/>
           </a:xfrm>
           <a:prstGeom prst="pie">
             <a:avLst>
@@ -5845,8 +7240,16 @@
             <a:extLst/>
           </a:lstStyle>
           <a:p>
-            <a:pPr algn="ctr" eaLnBrk="1" latinLnBrk="0" hangingPunct="1"/>
-            <a:endParaRPr kumimoji="0" lang="en-US"/>
+            <a:pPr algn="ctr" fontAlgn="auto">
+              <a:spcBef>
+                <a:spcPts val="0"/>
+              </a:spcBef>
+              <a:spcAft>
+                <a:spcPts val="0"/>
+              </a:spcAft>
+              <a:defRPr/>
+            </a:pPr>
+            <a:endParaRPr lang="en-US"/>
           </a:p>
         </p:txBody>
       </p:sp>
@@ -5858,8 +7261,8 @@
         </p:nvSpPr>
         <p:spPr>
           <a:xfrm>
-            <a:off x="168816" y="21102"/>
-            <a:ext cx="1702191" cy="1702191"/>
+            <a:off x="168275" y="20638"/>
+            <a:ext cx="1703388" cy="1703387"/>
           </a:xfrm>
           <a:prstGeom prst="ellipse">
             <a:avLst/>
@@ -5905,8 +7308,16 @@
             <a:extLst/>
           </a:lstStyle>
           <a:p>
-            <a:pPr algn="ctr" eaLnBrk="1" latinLnBrk="0" hangingPunct="1"/>
-            <a:endParaRPr kumimoji="0" lang="en-US"/>
+            <a:pPr algn="ctr" fontAlgn="auto">
+              <a:spcBef>
+                <a:spcPts val="0"/>
+              </a:spcBef>
+              <a:spcAft>
+                <a:spcPts val="0"/>
+              </a:spcAft>
+              <a:defRPr/>
+            </a:pPr>
+            <a:endParaRPr lang="en-US"/>
           </a:p>
         </p:txBody>
       </p:sp>
@@ -5997,8 +7408,16 @@
             <a:extLst/>
           </a:lstStyle>
           <a:p>
-            <a:pPr algn="ctr" eaLnBrk="1" latinLnBrk="0" hangingPunct="1"/>
-            <a:endParaRPr kumimoji="0" lang="en-US"/>
+            <a:pPr algn="ctr" fontAlgn="auto">
+              <a:spcBef>
+                <a:spcPts val="0"/>
+              </a:spcBef>
+              <a:spcAft>
+                <a:spcPts val="0"/>
+              </a:spcAft>
+              <a:defRPr/>
+            </a:pPr>
+            <a:endParaRPr lang="en-US"/>
           </a:p>
         </p:txBody>
       </p:sp>
@@ -6010,8 +7429,8 @@
         </p:nvSpPr>
         <p:spPr>
           <a:xfrm>
-            <a:off x="1012873" y="-54"/>
-            <a:ext cx="8131127" cy="6858054"/>
+            <a:off x="1012825" y="0"/>
+            <a:ext cx="8131175" cy="6858000"/>
           </a:xfrm>
           <a:prstGeom prst="rect">
             <a:avLst/>
@@ -6045,8 +7464,16 @@
             <a:extLst/>
           </a:lstStyle>
           <a:p>
-            <a:pPr algn="ctr" eaLnBrk="1" latinLnBrk="0" hangingPunct="1"/>
-            <a:endParaRPr kumimoji="0" lang="en-US"/>
+            <a:pPr algn="ctr" fontAlgn="auto">
+              <a:spcBef>
+                <a:spcPts val="0"/>
+              </a:spcBef>
+              <a:spcAft>
+                <a:spcPts val="0"/>
+              </a:spcAft>
+              <a:defRPr/>
+            </a:pPr>
+            <a:endParaRPr lang="en-US"/>
           </a:p>
         </p:txBody>
       </p:sp>
@@ -6062,8 +7489,8 @@
         </p:nvSpPr>
         <p:spPr>
           <a:xfrm>
-            <a:off x="1435608" y="274638"/>
-            <a:ext cx="7498080" cy="1143000"/>
+            <a:off x="1435100" y="274638"/>
+            <a:ext cx="7499350" cy="1143000"/>
           </a:xfrm>
           <a:prstGeom prst="rect">
             <a:avLst/>
@@ -6078,16 +7505,16 @@
           </a:lstStyle>
           <a:p>
             <a:r>
-              <a:rPr kumimoji="0" lang="en-US" smtClean="0"/>
+              <a:rPr lang="en-US" smtClean="0"/>
               <a:t>Click to edit Master title style</a:t>
             </a:r>
-            <a:endParaRPr kumimoji="0" lang="en-US"/>
-          </a:p>
-        </p:txBody>
-      </p:sp>
-      <p:sp>
-        <p:nvSpPr>
-          <p:cNvPr id="9" name="Text Placeholder 8"/>
+            <a:endParaRPr lang="en-US"/>
+          </a:p>
+        </p:txBody>
+      </p:sp>
+      <p:sp>
+        <p:nvSpPr>
+          <p:cNvPr id="1033" name="Text Placeholder 8"/>
           <p:cNvSpPr>
             <a:spLocks noGrp="1"/>
           </p:cNvSpPr>
@@ -6095,57 +7522,63 @@
             <p:ph type="body" idx="1"/>
           </p:nvPr>
         </p:nvSpPr>
-        <p:spPr>
+        <p:spPr bwMode="auto">
           <a:xfrm>
-            <a:off x="1435608" y="1447800"/>
-            <a:ext cx="7498080" cy="4800600"/>
+            <a:off x="1435100" y="1447800"/>
+            <a:ext cx="7499350" cy="4800600"/>
           </a:xfrm>
           <a:prstGeom prst="rect">
             <a:avLst/>
           </a:prstGeom>
+          <a:noFill/>
+          <a:ln w="9525">
+            <a:noFill/>
+            <a:miter lim="800000"/>
+            <a:headEnd/>
+            <a:tailEnd/>
+          </a:ln>
         </p:spPr>
         <p:txBody>
-          <a:bodyPr>
-            <a:normAutofit/>
+          <a:bodyPr vert="horz" wrap="square" lIns="91440" tIns="45720" rIns="91440" bIns="45720" numCol="1" anchor="t" anchorCtr="0" compatLnSpc="1">
+            <a:prstTxWarp prst="textNoShape">
+              <a:avLst/>
+            </a:prstTxWarp>
           </a:bodyPr>
-          <a:lstStyle>
-            <a:extLst/>
-          </a:lstStyle>
-          <a:p>
-            <a:pPr lvl="0" eaLnBrk="1" latinLnBrk="0" hangingPunct="1"/>
-            <a:r>
-              <a:rPr kumimoji="0" lang="en-US" smtClean="0"/>
+          <a:lstStyle/>
+          <a:p>
+            <a:pPr lvl="0"/>
+            <a:r>
+              <a:rPr lang="en-US" smtClean="0"/>
               <a:t>Click to edit Master text styles</a:t>
             </a:r>
           </a:p>
           <a:p>
-            <a:pPr lvl="1" eaLnBrk="1" latinLnBrk="0" hangingPunct="1"/>
-            <a:r>
-              <a:rPr kumimoji="0" lang="en-US" smtClean="0"/>
+            <a:pPr lvl="1"/>
+            <a:r>
+              <a:rPr lang="en-US" smtClean="0"/>
               <a:t>Second level</a:t>
             </a:r>
           </a:p>
           <a:p>
-            <a:pPr lvl="2" eaLnBrk="1" latinLnBrk="0" hangingPunct="1"/>
-            <a:r>
-              <a:rPr kumimoji="0" lang="en-US" smtClean="0"/>
+            <a:pPr lvl="2"/>
+            <a:r>
+              <a:rPr lang="en-US" smtClean="0"/>
               <a:t>Third level</a:t>
             </a:r>
           </a:p>
           <a:p>
-            <a:pPr lvl="3" eaLnBrk="1" latinLnBrk="0" hangingPunct="1"/>
-            <a:r>
-              <a:rPr kumimoji="0" lang="en-US" smtClean="0"/>
+            <a:pPr lvl="3"/>
+            <a:r>
+              <a:rPr lang="en-US" smtClean="0"/>
               <a:t>Fourth level</a:t>
             </a:r>
           </a:p>
           <a:p>
-            <a:pPr lvl="4" eaLnBrk="1" latinLnBrk="0" hangingPunct="1"/>
-            <a:r>
-              <a:rPr kumimoji="0" lang="en-US" smtClean="0"/>
+            <a:pPr lvl="4"/>
+            <a:r>
+              <a:rPr lang="en-US" smtClean="0"/>
               <a:t>Fifth level</a:t>
             </a:r>
-            <a:endParaRPr kumimoji="0" lang="en-US"/>
           </a:p>
         </p:txBody>
       </p:sp>
@@ -6171,23 +7604,35 @@
         <p:txBody>
           <a:bodyPr anchor="b"/>
           <a:lstStyle>
-            <a:lvl1pPr algn="r" eaLnBrk="1" latinLnBrk="0" hangingPunct="1">
-              <a:defRPr kumimoji="0" sz="1200">
+            <a:lvl1pPr algn="r" eaLnBrk="1" fontAlgn="auto" latinLnBrk="0" hangingPunct="1">
+              <a:spcBef>
+                <a:spcPts val="0"/>
+              </a:spcBef>
+              <a:spcAft>
+                <a:spcPts val="0"/>
+              </a:spcAft>
+              <a:defRPr kumimoji="0" sz="1200" smtClean="0">
                 <a:solidFill>
                   <a:schemeClr val="bg2">
                     <a:shade val="50000"/>
                     <a:satMod val="200000"/>
                   </a:schemeClr>
                 </a:solidFill>
+                <a:latin typeface="+mn-lt"/>
               </a:defRPr>
             </a:lvl1pPr>
             <a:extLst/>
           </a:lstStyle>
           <a:p>
-            <a:fld id="{09609310-A27C-4486-85E6-BEA22C115EFC}" type="datetimeFigureOut">
-              <a:rPr lang="en-US" smtClean="0"/>
-              <a:pPr/>
-              <a:t>11/14/2008</a:t>
+            <a:pPr>
+              <a:defRPr/>
+            </a:pPr>
+            <a:fld id="{697D1761-CA22-4B1B-B9B4-9E93E98425DD}" type="datetimeFigureOut">
+              <a:rPr lang="en-US"/>
+              <a:pPr>
+                <a:defRPr/>
+              </a:pPr>
+              <a:t>11/17/2008</a:t>
             </a:fld>
             <a:endParaRPr lang="en-US"/>
           </a:p>
@@ -6215,7 +7660,13 @@
         <p:txBody>
           <a:bodyPr anchor="b"/>
           <a:lstStyle>
-            <a:lvl1pPr eaLnBrk="1" latinLnBrk="0" hangingPunct="1">
+            <a:lvl1pPr eaLnBrk="1" fontAlgn="auto" latinLnBrk="0" hangingPunct="1">
+              <a:spcBef>
+                <a:spcPts val="0"/>
+              </a:spcBef>
+              <a:spcAft>
+                <a:spcPts val="0"/>
+              </a:spcAft>
               <a:defRPr kumimoji="0" sz="1200">
                 <a:solidFill>
                   <a:schemeClr val="bg2">
@@ -6224,11 +7675,15 @@
                   </a:schemeClr>
                 </a:solidFill>
                 <a:effectLst/>
+                <a:latin typeface="+mn-lt"/>
               </a:defRPr>
             </a:lvl1pPr>
             <a:extLst/>
           </a:lstStyle>
           <a:p>
+            <a:pPr>
+              <a:defRPr/>
+            </a:pPr>
             <a:endParaRPr lang="en-US"/>
           </a:p>
         </p:txBody>
@@ -6245,7 +7700,7 @@
         </p:nvSpPr>
         <p:spPr>
           <a:xfrm>
-            <a:off x="8613648" y="6305550"/>
+            <a:off x="8613775" y="6305550"/>
             <a:ext cx="457200" cy="476250"/>
           </a:xfrm>
           <a:prstGeom prst="rect">
@@ -6255,8 +7710,14 @@
         <p:txBody>
           <a:bodyPr anchor="b"/>
           <a:lstStyle>
-            <a:lvl1pPr algn="ctr" eaLnBrk="1" latinLnBrk="0" hangingPunct="1">
-              <a:defRPr kumimoji="0" sz="1200">
+            <a:lvl1pPr algn="ctr" eaLnBrk="1" fontAlgn="auto" latinLnBrk="0" hangingPunct="1">
+              <a:spcBef>
+                <a:spcPts val="0"/>
+              </a:spcBef>
+              <a:spcAft>
+                <a:spcPts val="0"/>
+              </a:spcAft>
+              <a:defRPr kumimoji="0" sz="1200" smtClean="0">
                 <a:solidFill>
                   <a:schemeClr val="bg2">
                     <a:shade val="50000"/>
@@ -6264,14 +7725,20 @@
                   </a:schemeClr>
                 </a:solidFill>
                 <a:effectLst/>
+                <a:latin typeface="+mn-lt"/>
               </a:defRPr>
             </a:lvl1pPr>
             <a:extLst/>
           </a:lstStyle>
           <a:p>
-            <a:fld id="{4DD8A983-2F2E-4C7B-8080-8D2C1175E14E}" type="slidenum">
-              <a:rPr lang="en-US" smtClean="0"/>
-              <a:pPr/>
+            <a:pPr>
+              <a:defRPr/>
+            </a:pPr>
+            <a:fld id="{D5458DDC-469E-4B94-BF0E-8DF2DDFD7C3E}" type="slidenum">
+              <a:rPr lang="en-US"/>
+              <a:pPr>
+                <a:defRPr/>
+              </a:pPr>
               <a:t>‹#›</a:t>
             </a:fld>
             <a:endParaRPr lang="en-US"/>
@@ -6286,8 +7753,8 @@
         </p:nvSpPr>
         <p:spPr bwMode="invGray">
           <a:xfrm>
-            <a:off x="1014984" y="-54"/>
-            <a:ext cx="73152" cy="6858054"/>
+            <a:off x="1014413" y="0"/>
+            <a:ext cx="73025" cy="6858000"/>
           </a:xfrm>
           <a:prstGeom prst="rect">
             <a:avLst/>
@@ -6329,8 +7796,16 @@
             <a:extLst/>
           </a:lstStyle>
           <a:p>
-            <a:pPr algn="ctr" eaLnBrk="1" latinLnBrk="0" hangingPunct="1"/>
-            <a:endParaRPr kumimoji="0" lang="en-US"/>
+            <a:pPr algn="ctr" fontAlgn="auto">
+              <a:spcBef>
+                <a:spcPts val="0"/>
+              </a:spcBef>
+              <a:spcAft>
+                <a:spcPts val="0"/>
+              </a:spcAft>
+              <a:defRPr/>
+            </a:pPr>
+            <a:endParaRPr lang="en-US"/>
           </a:p>
         </p:txBody>
       </p:sp>
@@ -6338,17 +7813,18 @@
   </p:cSld>
   <p:clrMap bg1="lt1" tx1="dk1" bg2="lt2" tx2="dk2" accent1="accent1" accent2="accent2" accent3="accent3" accent4="accent4" accent5="accent5" accent6="accent6" hlink="hlink" folHlink="folHlink"/>
   <p:sldLayoutIdLst>
-    <p:sldLayoutId id="2147483661" r:id="rId1"/>
-    <p:sldLayoutId id="2147483662" r:id="rId2"/>
-    <p:sldLayoutId id="2147483663" r:id="rId3"/>
-    <p:sldLayoutId id="2147483664" r:id="rId4"/>
-    <p:sldLayoutId id="2147483665" r:id="rId5"/>
-    <p:sldLayoutId id="2147483666" r:id="rId6"/>
-    <p:sldLayoutId id="2147483667" r:id="rId7"/>
-    <p:sldLayoutId id="2147483668" r:id="rId8"/>
-    <p:sldLayoutId id="2147483669" r:id="rId9"/>
-    <p:sldLayoutId id="2147483670" r:id="rId10"/>
-    <p:sldLayoutId id="2147483671" r:id="rId11"/>
+    <p:sldLayoutId id="2147483696" r:id="rId1"/>
+    <p:sldLayoutId id="2147483683" r:id="rId2"/>
+    <p:sldLayoutId id="2147483697" r:id="rId3"/>
+    <p:sldLayoutId id="2147483682" r:id="rId4"/>
+    <p:sldLayoutId id="2147483698" r:id="rId5"/>
+    <p:sldLayoutId id="2147483681" r:id="rId6"/>
+    <p:sldLayoutId id="2147483699" r:id="rId7"/>
+    <p:sldLayoutId id="2147483700" r:id="rId8"/>
+    <p:sldLayoutId id="2147483701" r:id="rId9"/>
+    <p:sldLayoutId id="2147483680" r:id="rId10"/>
+    <p:sldLayoutId id="2147483679" r:id="rId11"/>
+    <p:sldLayoutId id="2147483695" r:id="rId12"/>
   </p:sldLayoutIdLst>
   <p:transition>
     <p:fade/>
@@ -6362,16 +7838,16 @@
   </p:timing>
   <p:txStyles>
     <p:titleStyle>
-      <a:lvl1pPr algn="l" rtl="0" eaLnBrk="1" latinLnBrk="0" hangingPunct="1">
+      <a:lvl1pPr algn="l" rtl="0" fontAlgn="base">
         <a:spcBef>
           <a:spcPct val="0"/>
         </a:spcBef>
-        <a:buNone/>
-        <a:defRPr kumimoji="0" sz="4300" kern="1200">
+        <a:spcAft>
+          <a:spcPct val="0"/>
+        </a:spcAft>
+        <a:defRPr sz="4300" kern="1200">
           <a:solidFill>
-            <a:schemeClr val="tx2">
-              <a:satMod val="130000"/>
-            </a:schemeClr>
+            <a:srgbClr val="572314"/>
           </a:solidFill>
           <a:effectLst>
             <a:outerShdw blurRad="50000" dist="30000" dir="5400000" algn="tl" rotWithShape="0">
@@ -6385,23 +7861,135 @@
           <a:cs typeface="+mj-cs"/>
         </a:defRPr>
       </a:lvl1pPr>
+      <a:lvl2pPr algn="l" rtl="0" fontAlgn="base">
+        <a:spcBef>
+          <a:spcPct val="0"/>
+        </a:spcBef>
+        <a:spcAft>
+          <a:spcPct val="0"/>
+        </a:spcAft>
+        <a:defRPr sz="4300">
+          <a:solidFill>
+            <a:srgbClr val="572314"/>
+          </a:solidFill>
+          <a:latin typeface="Gill Sans MT" pitchFamily="34" charset="0"/>
+        </a:defRPr>
+      </a:lvl2pPr>
+      <a:lvl3pPr algn="l" rtl="0" fontAlgn="base">
+        <a:spcBef>
+          <a:spcPct val="0"/>
+        </a:spcBef>
+        <a:spcAft>
+          <a:spcPct val="0"/>
+        </a:spcAft>
+        <a:defRPr sz="4300">
+          <a:solidFill>
+            <a:srgbClr val="572314"/>
+          </a:solidFill>
+          <a:latin typeface="Gill Sans MT" pitchFamily="34" charset="0"/>
+        </a:defRPr>
+      </a:lvl3pPr>
+      <a:lvl4pPr algn="l" rtl="0" fontAlgn="base">
+        <a:spcBef>
+          <a:spcPct val="0"/>
+        </a:spcBef>
+        <a:spcAft>
+          <a:spcPct val="0"/>
+        </a:spcAft>
+        <a:defRPr sz="4300">
+          <a:solidFill>
+            <a:srgbClr val="572314"/>
+          </a:solidFill>
+          <a:latin typeface="Gill Sans MT" pitchFamily="34" charset="0"/>
+        </a:defRPr>
+      </a:lvl4pPr>
+      <a:lvl5pPr algn="l" rtl="0" fontAlgn="base">
+        <a:spcBef>
+          <a:spcPct val="0"/>
+        </a:spcBef>
+        <a:spcAft>
+          <a:spcPct val="0"/>
+        </a:spcAft>
+        <a:defRPr sz="4300">
+          <a:solidFill>
+            <a:srgbClr val="572314"/>
+          </a:solidFill>
+          <a:latin typeface="Gill Sans MT" pitchFamily="34" charset="0"/>
+        </a:defRPr>
+      </a:lvl5pPr>
+      <a:lvl6pPr marL="457200" algn="l" rtl="0" fontAlgn="base">
+        <a:spcBef>
+          <a:spcPct val="0"/>
+        </a:spcBef>
+        <a:spcAft>
+          <a:spcPct val="0"/>
+        </a:spcAft>
+        <a:defRPr sz="4300">
+          <a:solidFill>
+            <a:srgbClr val="572314"/>
+          </a:solidFill>
+          <a:latin typeface="Gill Sans MT" pitchFamily="34" charset="0"/>
+        </a:defRPr>
+      </a:lvl6pPr>
+      <a:lvl7pPr marL="914400" algn="l" rtl="0" fontAlgn="base">
+        <a:spcBef>
+          <a:spcPct val="0"/>
+        </a:spcBef>
+        <a:spcAft>
+          <a:spcPct val="0"/>
+        </a:spcAft>
+        <a:defRPr sz="4300">
+          <a:solidFill>
+            <a:srgbClr val="572314"/>
+          </a:solidFill>
+          <a:latin typeface="Gill Sans MT" pitchFamily="34" charset="0"/>
+        </a:defRPr>
+      </a:lvl7pPr>
+      <a:lvl8pPr marL="1371600" algn="l" rtl="0" fontAlgn="base">
+        <a:spcBef>
+          <a:spcPct val="0"/>
+        </a:spcBef>
+        <a:spcAft>
+          <a:spcPct val="0"/>
+        </a:spcAft>
+        <a:defRPr sz="4300">
+          <a:solidFill>
+            <a:srgbClr val="572314"/>
+          </a:solidFill>
+          <a:latin typeface="Gill Sans MT" pitchFamily="34" charset="0"/>
+        </a:defRPr>
+      </a:lvl8pPr>
+      <a:lvl9pPr marL="1828800" algn="l" rtl="0" fontAlgn="base">
+        <a:spcBef>
+          <a:spcPct val="0"/>
+        </a:spcBef>
+        <a:spcAft>
+          <a:spcPct val="0"/>
+        </a:spcAft>
+        <a:defRPr sz="4300">
+          <a:solidFill>
+            <a:srgbClr val="572314"/>
+          </a:solidFill>
+          <a:latin typeface="Gill Sans MT" pitchFamily="34" charset="0"/>
+        </a:defRPr>
+      </a:lvl9pPr>
       <a:extLst/>
     </p:titleStyle>
     <p:bodyStyle>
-      <a:lvl1pPr marL="365760" indent="-283464" algn="l" rtl="0" eaLnBrk="1" latinLnBrk="0" hangingPunct="1">
-        <a:lnSpc>
-          <a:spcPct val="100000"/>
-        </a:lnSpc>
+      <a:lvl1pPr marL="365125" indent="-282575" algn="l" rtl="0" fontAlgn="base">
         <a:spcBef>
           <a:spcPts val="600"/>
         </a:spcBef>
+        <a:spcAft>
+          <a:spcPct val="0"/>
+        </a:spcAft>
         <a:buClr>
           <a:schemeClr val="accent1"/>
         </a:buClr>
         <a:buSzPct val="80000"/>
-        <a:buFont typeface="Wingdings 2"/>
+        <a:buFont typeface="Wingdings 2" pitchFamily="18" charset="2"/>
         <a:buChar char=""/>
-        <a:defRPr kumimoji="0" sz="3200" kern="1200">
+        <a:defRPr sz="3200" kern="1200">
           <a:solidFill>
             <a:schemeClr val="tx1"/>
           </a:solidFill>
@@ -6410,19 +7998,19 @@
           <a:cs typeface="+mn-cs"/>
         </a:defRPr>
       </a:lvl1pPr>
-      <a:lvl2pPr marL="640080" indent="-237744" algn="l" rtl="0" eaLnBrk="1" latinLnBrk="0" hangingPunct="1">
-        <a:lnSpc>
-          <a:spcPct val="100000"/>
-        </a:lnSpc>
+      <a:lvl2pPr marL="639763" indent="-236538" algn="l" rtl="0" fontAlgn="base">
         <a:spcBef>
           <a:spcPts val="550"/>
         </a:spcBef>
+        <a:spcAft>
+          <a:spcPct val="0"/>
+        </a:spcAft>
         <a:buClr>
           <a:schemeClr val="accent1"/>
         </a:buClr>
-        <a:buFont typeface="Verdana"/>
+        <a:buFont typeface="Verdana" pitchFamily="34" charset="0"/>
         <a:buChar char="◦"/>
-        <a:defRPr kumimoji="0" sz="2800" kern="1200">
+        <a:defRPr sz="2800" kern="1200">
           <a:solidFill>
             <a:schemeClr val="tx1"/>
           </a:solidFill>
@@ -6431,19 +8019,19 @@
           <a:cs typeface="+mn-cs"/>
         </a:defRPr>
       </a:lvl2pPr>
-      <a:lvl3pPr marL="886968" indent="-228600" algn="l" rtl="0" eaLnBrk="1" latinLnBrk="0" hangingPunct="1">
-        <a:lnSpc>
-          <a:spcPct val="100000"/>
-        </a:lnSpc>
+      <a:lvl3pPr marL="885825" indent="-228600" algn="l" rtl="0" fontAlgn="base">
         <a:spcBef>
           <a:spcPct val="20000"/>
         </a:spcBef>
+        <a:spcAft>
+          <a:spcPct val="0"/>
+        </a:spcAft>
         <a:buClr>
           <a:schemeClr val="accent2"/>
         </a:buClr>
-        <a:buFont typeface="Wingdings 2"/>
+        <a:buFont typeface="Wingdings 2" pitchFamily="18" charset="2"/>
         <a:buChar char=""/>
-        <a:defRPr kumimoji="0" sz="2400" kern="1200">
+        <a:defRPr sz="2400" kern="1200">
           <a:solidFill>
             <a:schemeClr val="tx1"/>
           </a:solidFill>
@@ -6452,19 +8040,19 @@
           <a:cs typeface="+mn-cs"/>
         </a:defRPr>
       </a:lvl3pPr>
-      <a:lvl4pPr marL="1097280" indent="-173736" algn="l" rtl="0" eaLnBrk="1" latinLnBrk="0" hangingPunct="1">
-        <a:lnSpc>
-          <a:spcPct val="100000"/>
-        </a:lnSpc>
+      <a:lvl4pPr marL="1096963" indent="-173038" algn="l" rtl="0" fontAlgn="base">
         <a:spcBef>
           <a:spcPct val="20000"/>
         </a:spcBef>
+        <a:spcAft>
+          <a:spcPct val="0"/>
+        </a:spcAft>
         <a:buClr>
-          <a:schemeClr val="accent3"/>
+          <a:srgbClr val="C32D2E"/>
         </a:buClr>
-        <a:buFont typeface="Wingdings 2"/>
+        <a:buFont typeface="Wingdings 2" pitchFamily="18" charset="2"/>
         <a:buChar char=""/>
-        <a:defRPr kumimoji="0" sz="2000" kern="1200">
+        <a:defRPr sz="2000" kern="1200">
           <a:solidFill>
             <a:schemeClr val="tx1"/>
           </a:solidFill>
@@ -6473,19 +8061,19 @@
           <a:cs typeface="+mn-cs"/>
         </a:defRPr>
       </a:lvl4pPr>
-      <a:lvl5pPr marL="1298448" indent="-182880" algn="l" rtl="0" eaLnBrk="1" latinLnBrk="0" hangingPunct="1">
-        <a:lnSpc>
-          <a:spcPct val="100000"/>
-        </a:lnSpc>
+      <a:lvl5pPr marL="1296988" indent="-182563" algn="l" rtl="0" fontAlgn="base">
         <a:spcBef>
           <a:spcPct val="20000"/>
         </a:spcBef>
+        <a:spcAft>
+          <a:spcPct val="0"/>
+        </a:spcAft>
         <a:buClr>
-          <a:schemeClr val="accent4"/>
+          <a:srgbClr val="84AA33"/>
         </a:buClr>
-        <a:buFont typeface="Wingdings 2"/>
+        <a:buFont typeface="Wingdings 2" pitchFamily="18" charset="2"/>
         <a:buChar char=""/>
-        <a:defRPr kumimoji="0" sz="2000" kern="1200">
+        <a:defRPr sz="2000" kern="1200">
           <a:solidFill>
             <a:schemeClr val="tx1"/>
           </a:solidFill>
@@ -6701,7 +8289,7 @@
       </p:grpSpPr>
       <p:sp>
         <p:nvSpPr>
-          <p:cNvPr id="2" name="Title Placeholder 1"/>
+          <p:cNvPr id="13314" name="Title Placeholder 1"/>
           <p:cNvSpPr>
             <a:spLocks noGrp="1"/>
           </p:cNvSpPr>
@@ -6709,7 +8297,7 @@
             <p:ph type="title"/>
           </p:nvPr>
         </p:nvSpPr>
-        <p:spPr>
+        <p:spPr bwMode="auto">
           <a:xfrm>
             <a:off x="457200" y="274638"/>
             <a:ext cx="8229600" cy="1143000"/>
@@ -6717,24 +8305,33 @@
           <a:prstGeom prst="rect">
             <a:avLst/>
           </a:prstGeom>
+          <a:noFill/>
+          <a:ln w="9525">
+            <a:noFill/>
+            <a:miter lim="800000"/>
+            <a:headEnd/>
+            <a:tailEnd/>
+          </a:ln>
         </p:spPr>
         <p:txBody>
-          <a:bodyPr vert="horz" lIns="91440" tIns="45720" rIns="91440" bIns="45720" rtlCol="0" anchor="ctr">
-            <a:normAutofit/>
+          <a:bodyPr vert="horz" wrap="square" lIns="91440" tIns="45720" rIns="91440" bIns="45720" numCol="1" anchor="ctr" anchorCtr="0" compatLnSpc="1">
+            <a:prstTxWarp prst="textNoShape">
+              <a:avLst/>
+            </a:prstTxWarp>
           </a:bodyPr>
           <a:lstStyle/>
           <a:p>
+            <a:pPr lvl="0"/>
             <a:r>
               <a:rPr lang="en-US" smtClean="0"/>
               <a:t>Click to edit Master title style</a:t>
             </a:r>
-            <a:endParaRPr lang="en-US"/>
-          </a:p>
-        </p:txBody>
-      </p:sp>
-      <p:sp>
-        <p:nvSpPr>
-          <p:cNvPr id="3" name="Text Placeholder 2"/>
+          </a:p>
+        </p:txBody>
+      </p:sp>
+      <p:sp>
+        <p:nvSpPr>
+          <p:cNvPr id="13315" name="Text Placeholder 2"/>
           <p:cNvSpPr>
             <a:spLocks noGrp="1"/>
           </p:cNvSpPr>
@@ -6742,7 +8339,7 @@
             <p:ph type="body" idx="1"/>
           </p:nvPr>
         </p:nvSpPr>
-        <p:spPr>
+        <p:spPr bwMode="auto">
           <a:xfrm>
             <a:off x="457200" y="1600200"/>
             <a:ext cx="8229600" cy="4525963"/>
@@ -6750,10 +8347,19 @@
           <a:prstGeom prst="rect">
             <a:avLst/>
           </a:prstGeom>
+          <a:noFill/>
+          <a:ln w="9525">
+            <a:noFill/>
+            <a:miter lim="800000"/>
+            <a:headEnd/>
+            <a:tailEnd/>
+          </a:ln>
         </p:spPr>
         <p:txBody>
-          <a:bodyPr vert="horz" lIns="91440" tIns="45720" rIns="91440" bIns="45720" rtlCol="0">
-            <a:normAutofit/>
+          <a:bodyPr vert="horz" wrap="square" lIns="91440" tIns="45720" rIns="91440" bIns="45720" numCol="1" anchor="t" anchorCtr="0" compatLnSpc="1">
+            <a:prstTxWarp prst="textNoShape">
+              <a:avLst/>
+            </a:prstTxWarp>
           </a:bodyPr>
           <a:lstStyle/>
           <a:p>
@@ -6790,7 +8396,6 @@
               <a:rPr lang="en-US" smtClean="0"/>
               <a:t>Fifth level</a:t>
             </a:r>
-            <a:endParaRPr lang="en-US"/>
           </a:p>
         </p:txBody>
       </p:sp>
@@ -6816,21 +8421,33 @@
         <p:txBody>
           <a:bodyPr vert="horz" lIns="91440" tIns="45720" rIns="91440" bIns="45720" rtlCol="0" anchor="ctr"/>
           <a:lstStyle>
-            <a:lvl1pPr algn="l">
-              <a:defRPr sz="1200">
+            <a:lvl1pPr algn="l" fontAlgn="auto">
+              <a:spcBef>
+                <a:spcPts val="0"/>
+              </a:spcBef>
+              <a:spcAft>
+                <a:spcPts val="0"/>
+              </a:spcAft>
+              <a:defRPr sz="1200" smtClean="0">
                 <a:solidFill>
                   <a:schemeClr val="tx1">
                     <a:tint val="75000"/>
                   </a:schemeClr>
                 </a:solidFill>
+                <a:latin typeface="+mn-lt"/>
               </a:defRPr>
             </a:lvl1pPr>
           </a:lstStyle>
           <a:p>
-            <a:fld id="{5AB54E97-EA14-4D6D-B65E-B97DF81584A8}" type="datetimeFigureOut">
-              <a:rPr lang="en-US" smtClean="0"/>
-              <a:pPr/>
-              <a:t>11/14/2008</a:t>
+            <a:pPr>
+              <a:defRPr/>
+            </a:pPr>
+            <a:fld id="{1D6FF50B-945F-4124-B475-5F791E00E0FA}" type="datetimeFigureOut">
+              <a:rPr lang="en-US"/>
+              <a:pPr>
+                <a:defRPr/>
+              </a:pPr>
+              <a:t>11/17/2008</a:t>
             </a:fld>
             <a:endParaRPr lang="en-US"/>
           </a:p>
@@ -6858,17 +8475,27 @@
         <p:txBody>
           <a:bodyPr vert="horz" lIns="91440" tIns="45720" rIns="91440" bIns="45720" rtlCol="0" anchor="ctr"/>
           <a:lstStyle>
-            <a:lvl1pPr algn="ctr">
+            <a:lvl1pPr algn="ctr" fontAlgn="auto">
+              <a:spcBef>
+                <a:spcPts val="0"/>
+              </a:spcBef>
+              <a:spcAft>
+                <a:spcPts val="0"/>
+              </a:spcAft>
               <a:defRPr sz="1200">
                 <a:solidFill>
                   <a:schemeClr val="tx1">
                     <a:tint val="75000"/>
                   </a:schemeClr>
                 </a:solidFill>
+                <a:latin typeface="+mn-lt"/>
               </a:defRPr>
             </a:lvl1pPr>
           </a:lstStyle>
           <a:p>
+            <a:pPr>
+              <a:defRPr/>
+            </a:pPr>
             <a:endParaRPr lang="en-US"/>
           </a:p>
         </p:txBody>
@@ -6895,20 +8522,32 @@
         <p:txBody>
           <a:bodyPr vert="horz" lIns="91440" tIns="45720" rIns="91440" bIns="45720" rtlCol="0" anchor="ctr"/>
           <a:lstStyle>
-            <a:lvl1pPr algn="r">
-              <a:defRPr sz="1200">
+            <a:lvl1pPr algn="r" fontAlgn="auto">
+              <a:spcBef>
+                <a:spcPts val="0"/>
+              </a:spcBef>
+              <a:spcAft>
+                <a:spcPts val="0"/>
+              </a:spcAft>
+              <a:defRPr sz="1200" smtClean="0">
                 <a:solidFill>
                   <a:schemeClr val="tx1">
                     <a:tint val="75000"/>
                   </a:schemeClr>
                 </a:solidFill>
+                <a:latin typeface="+mn-lt"/>
               </a:defRPr>
             </a:lvl1pPr>
           </a:lstStyle>
           <a:p>
-            <a:fld id="{C2E99204-D3AF-4B0E-B808-5AFF8377D7BB}" type="slidenum">
-              <a:rPr lang="en-US" smtClean="0"/>
-              <a:pPr/>
+            <a:pPr>
+              <a:defRPr/>
+            </a:pPr>
+            <a:fld id="{A5EC44C7-244D-46F2-8F85-2D3A09D51319}" type="slidenum">
+              <a:rPr lang="en-US"/>
+              <a:pPr>
+                <a:defRPr/>
+              </a:pPr>
               <a:t>‹#›</a:t>
             </a:fld>
             <a:endParaRPr lang="en-US"/>
@@ -6919,17 +8558,17 @@
   </p:cSld>
   <p:clrMap bg1="lt1" tx1="dk1" bg2="lt2" tx2="dk2" accent1="accent1" accent2="accent2" accent3="accent3" accent4="accent4" accent5="accent5" accent6="accent6" hlink="hlink" folHlink="folHlink"/>
   <p:sldLayoutIdLst>
-    <p:sldLayoutId id="2147483673" r:id="rId1"/>
-    <p:sldLayoutId id="2147483674" r:id="rId2"/>
-    <p:sldLayoutId id="2147483675" r:id="rId3"/>
-    <p:sldLayoutId id="2147483676" r:id="rId4"/>
-    <p:sldLayoutId id="2147483677" r:id="rId5"/>
-    <p:sldLayoutId id="2147483678" r:id="rId6"/>
-    <p:sldLayoutId id="2147483679" r:id="rId7"/>
-    <p:sldLayoutId id="2147483680" r:id="rId8"/>
-    <p:sldLayoutId id="2147483681" r:id="rId9"/>
-    <p:sldLayoutId id="2147483682" r:id="rId10"/>
-    <p:sldLayoutId id="2147483683" r:id="rId11"/>
+    <p:sldLayoutId id="2147483694" r:id="rId1"/>
+    <p:sldLayoutId id="2147483693" r:id="rId2"/>
+    <p:sldLayoutId id="2147483692" r:id="rId3"/>
+    <p:sldLayoutId id="2147483691" r:id="rId4"/>
+    <p:sldLayoutId id="2147483690" r:id="rId5"/>
+    <p:sldLayoutId id="2147483689" r:id="rId6"/>
+    <p:sldLayoutId id="2147483688" r:id="rId7"/>
+    <p:sldLayoutId id="2147483687" r:id="rId8"/>
+    <p:sldLayoutId id="2147483686" r:id="rId9"/>
+    <p:sldLayoutId id="2147483685" r:id="rId10"/>
+    <p:sldLayoutId id="2147483684" r:id="rId11"/>
   </p:sldLayoutIdLst>
   <p:transition>
     <p:fade/>
@@ -6943,11 +8582,13 @@
   </p:timing>
   <p:txStyles>
     <p:titleStyle>
-      <a:lvl1pPr algn="ctr" defTabSz="914400" rtl="0" eaLnBrk="1" latinLnBrk="0" hangingPunct="1">
+      <a:lvl1pPr algn="ctr" rtl="0" fontAlgn="base">
         <a:spcBef>
           <a:spcPct val="0"/>
         </a:spcBef>
-        <a:buNone/>
+        <a:spcAft>
+          <a:spcPct val="0"/>
+        </a:spcAft>
         <a:defRPr sz="4400" kern="1200">
           <a:solidFill>
             <a:schemeClr val="tx1"/>
@@ -6957,12 +8598,127 @@
           <a:cs typeface="+mj-cs"/>
         </a:defRPr>
       </a:lvl1pPr>
+      <a:lvl2pPr algn="ctr" rtl="0" fontAlgn="base">
+        <a:spcBef>
+          <a:spcPct val="0"/>
+        </a:spcBef>
+        <a:spcAft>
+          <a:spcPct val="0"/>
+        </a:spcAft>
+        <a:defRPr sz="4400">
+          <a:solidFill>
+            <a:schemeClr val="tx1"/>
+          </a:solidFill>
+          <a:latin typeface="Calibri" pitchFamily="34" charset="0"/>
+        </a:defRPr>
+      </a:lvl2pPr>
+      <a:lvl3pPr algn="ctr" rtl="0" fontAlgn="base">
+        <a:spcBef>
+          <a:spcPct val="0"/>
+        </a:spcBef>
+        <a:spcAft>
+          <a:spcPct val="0"/>
+        </a:spcAft>
+        <a:defRPr sz="4400">
+          <a:solidFill>
+            <a:schemeClr val="tx1"/>
+          </a:solidFill>
+          <a:latin typeface="Calibri" pitchFamily="34" charset="0"/>
+        </a:defRPr>
+      </a:lvl3pPr>
+      <a:lvl4pPr algn="ctr" rtl="0" fontAlgn="base">
+        <a:spcBef>
+          <a:spcPct val="0"/>
+        </a:spcBef>
+        <a:spcAft>
+          <a:spcPct val="0"/>
+        </a:spcAft>
+        <a:defRPr sz="4400">
+          <a:solidFill>
+            <a:schemeClr val="tx1"/>
+          </a:solidFill>
+          <a:latin typeface="Calibri" pitchFamily="34" charset="0"/>
+        </a:defRPr>
+      </a:lvl4pPr>
+      <a:lvl5pPr algn="ctr" rtl="0" fontAlgn="base">
+        <a:spcBef>
+          <a:spcPct val="0"/>
+        </a:spcBef>
+        <a:spcAft>
+          <a:spcPct val="0"/>
+        </a:spcAft>
+        <a:defRPr sz="4400">
+          <a:solidFill>
+            <a:schemeClr val="tx1"/>
+          </a:solidFill>
+          <a:latin typeface="Calibri" pitchFamily="34" charset="0"/>
+        </a:defRPr>
+      </a:lvl5pPr>
+      <a:lvl6pPr marL="457200" algn="ctr" rtl="0" fontAlgn="base">
+        <a:spcBef>
+          <a:spcPct val="0"/>
+        </a:spcBef>
+        <a:spcAft>
+          <a:spcPct val="0"/>
+        </a:spcAft>
+        <a:defRPr sz="4400">
+          <a:solidFill>
+            <a:schemeClr val="tx1"/>
+          </a:solidFill>
+          <a:latin typeface="Calibri" pitchFamily="34" charset="0"/>
+        </a:defRPr>
+      </a:lvl6pPr>
+      <a:lvl7pPr marL="914400" algn="ctr" rtl="0" fontAlgn="base">
+        <a:spcBef>
+          <a:spcPct val="0"/>
+        </a:spcBef>
+        <a:spcAft>
+          <a:spcPct val="0"/>
+        </a:spcAft>
+        <a:defRPr sz="4400">
+          <a:solidFill>
+            <a:schemeClr val="tx1"/>
+          </a:solidFill>
+          <a:latin typeface="Calibri" pitchFamily="34" charset="0"/>
+        </a:defRPr>
+      </a:lvl7pPr>
+      <a:lvl8pPr marL="1371600" algn="ctr" rtl="0" fontAlgn="base">
+        <a:spcBef>
+          <a:spcPct val="0"/>
+        </a:spcBef>
+        <a:spcAft>
+          <a:spcPct val="0"/>
+        </a:spcAft>
+        <a:defRPr sz="4400">
+          <a:solidFill>
+            <a:schemeClr val="tx1"/>
+          </a:solidFill>
+          <a:latin typeface="Calibri" pitchFamily="34" charset="0"/>
+        </a:defRPr>
+      </a:lvl8pPr>
+      <a:lvl9pPr marL="1828800" algn="ctr" rtl="0" fontAlgn="base">
+        <a:spcBef>
+          <a:spcPct val="0"/>
+        </a:spcBef>
+        <a:spcAft>
+          <a:spcPct val="0"/>
+        </a:spcAft>
+        <a:defRPr sz="4400">
+          <a:solidFill>
+            <a:schemeClr val="tx1"/>
+          </a:solidFill>
+          <a:latin typeface="Calibri" pitchFamily="34" charset="0"/>
+        </a:defRPr>
+      </a:lvl9pPr>
     </p:titleStyle>
     <p:bodyStyle>
-      <a:lvl1pPr marL="342900" indent="-342900" algn="l" defTabSz="914400" rtl="0" eaLnBrk="1" latinLnBrk="0" hangingPunct="1">
+      <a:lvl1pPr marL="342900" indent="-342900" algn="l" rtl="0" fontAlgn="base">
         <a:spcBef>
           <a:spcPct val="20000"/>
         </a:spcBef>
+        <a:spcAft>
+          <a:spcPct val="0"/>
+        </a:spcAft>
         <a:buFont typeface="Arial" pitchFamily="34" charset="0"/>
         <a:buChar char="•"/>
         <a:defRPr sz="3200" kern="1200">
@@ -6974,10 +8730,13 @@
           <a:cs typeface="+mn-cs"/>
         </a:defRPr>
       </a:lvl1pPr>
-      <a:lvl2pPr marL="742950" indent="-285750" algn="l" defTabSz="914400" rtl="0" eaLnBrk="1" latinLnBrk="0" hangingPunct="1">
+      <a:lvl2pPr marL="742950" indent="-285750" algn="l" rtl="0" fontAlgn="base">
         <a:spcBef>
           <a:spcPct val="20000"/>
         </a:spcBef>
+        <a:spcAft>
+          <a:spcPct val="0"/>
+        </a:spcAft>
         <a:buFont typeface="Arial" pitchFamily="34" charset="0"/>
         <a:buChar char="–"/>
         <a:defRPr sz="2800" kern="1200">
@@ -6989,10 +8748,13 @@
           <a:cs typeface="+mn-cs"/>
         </a:defRPr>
       </a:lvl2pPr>
-      <a:lvl3pPr marL="1143000" indent="-228600" algn="l" defTabSz="914400" rtl="0" eaLnBrk="1" latinLnBrk="0" hangingPunct="1">
+      <a:lvl3pPr marL="1143000" indent="-228600" algn="l" rtl="0" fontAlgn="base">
         <a:spcBef>
           <a:spcPct val="20000"/>
         </a:spcBef>
+        <a:spcAft>
+          <a:spcPct val="0"/>
+        </a:spcAft>
         <a:buFont typeface="Arial" pitchFamily="34" charset="0"/>
         <a:buChar char="•"/>
         <a:defRPr sz="2400" kern="1200">
@@ -7004,10 +8766,13 @@
           <a:cs typeface="+mn-cs"/>
         </a:defRPr>
       </a:lvl3pPr>
-      <a:lvl4pPr marL="1600200" indent="-228600" algn="l" defTabSz="914400" rtl="0" eaLnBrk="1" latinLnBrk="0" hangingPunct="1">
+      <a:lvl4pPr marL="1600200" indent="-228600" algn="l" rtl="0" fontAlgn="base">
         <a:spcBef>
           <a:spcPct val="20000"/>
         </a:spcBef>
+        <a:spcAft>
+          <a:spcPct val="0"/>
+        </a:spcAft>
         <a:buFont typeface="Arial" pitchFamily="34" charset="0"/>
         <a:buChar char="–"/>
         <a:defRPr sz="2000" kern="1200">
@@ -7019,10 +8784,13 @@
           <a:cs typeface="+mn-cs"/>
         </a:defRPr>
       </a:lvl4pPr>
-      <a:lvl5pPr marL="2057400" indent="-228600" algn="l" defTabSz="914400" rtl="0" eaLnBrk="1" latinLnBrk="0" hangingPunct="1">
+      <a:lvl5pPr marL="2057400" indent="-228600" algn="l" rtl="0" fontAlgn="base">
         <a:spcBef>
           <a:spcPct val="20000"/>
         </a:spcBef>
+        <a:spcAft>
+          <a:spcPct val="0"/>
+        </a:spcAft>
         <a:buFont typeface="Arial" pitchFamily="34" charset="0"/>
         <a:buChar char="»"/>
         <a:defRPr sz="2000" kern="1200">
@@ -7213,50 +8981,87 @@
       </p:grpSpPr>
       <p:sp>
         <p:nvSpPr>
-          <p:cNvPr id="2" name="Title 1"/>
-          <p:cNvSpPr>
-            <a:spLocks noGrp="1"/>
-          </p:cNvSpPr>
-          <p:nvPr>
-            <p:ph type="title"/>
-          </p:nvPr>
-        </p:nvSpPr>
-        <p:spPr/>
-        <p:txBody>
-          <a:bodyPr/>
+          <p:cNvPr id="34818" name="Rectangle 2"/>
+          <p:cNvSpPr>
+            <a:spLocks noGrp="1"/>
+          </p:cNvSpPr>
+          <p:nvPr>
+            <p:ph type="ctrTitle"/>
+          </p:nvPr>
+        </p:nvSpPr>
+        <p:spPr bwMode="auto">
+          <a:xfrm>
+            <a:off x="1371600" y="115888"/>
+            <a:ext cx="7772400" cy="1470025"/>
+          </a:xfrm>
+          <a:noFill/>
+        </p:spPr>
+        <p:txBody>
+          <a:bodyPr vert="horz" wrap="square" lIns="91440" tIns="45720" rIns="91440" bIns="45720" numCol="1" anchorCtr="0" compatLnSpc="1">
+            <a:prstTxWarp prst="textNoShape">
+              <a:avLst/>
+            </a:prstTxWarp>
+          </a:bodyPr>
           <a:lstStyle/>
           <a:p>
             <a:r>
-              <a:rPr lang="nl-BE" dirty="0" smtClean="0"/>
-              <a:t>.net:</a:t>
-            </a:r>
-            <a:r>
-              <a:rPr lang="nl-BE" baseline="0" dirty="0" smtClean="0"/>
-              <a:t> Development Environment</a:t>
-            </a:r>
-            <a:endParaRPr lang="en-US" dirty="0"/>
-          </a:p>
-        </p:txBody>
-      </p:sp>
-      <p:sp>
-        <p:nvSpPr>
-          <p:cNvPr id="3" name="Content Placeholder 2"/>
-          <p:cNvSpPr>
-            <a:spLocks noGrp="1"/>
-          </p:cNvSpPr>
-          <p:nvPr>
-            <p:ph idx="1"/>
-          </p:nvPr>
-        </p:nvSpPr>
-        <p:spPr/>
-        <p:txBody>
-          <a:bodyPr/>
-          <a:lstStyle/>
-          <a:p>
-            <a:endParaRPr lang="en-US"/>
-          </a:p>
-        </p:txBody>
-      </p:sp>
+              <a:rPr lang="en-GB" smtClean="0">
+                <a:effectLst/>
+              </a:rPr>
+              <a:t>Agile in the .NET World</a:t>
+            </a:r>
+            <a:endParaRPr lang="en-US" smtClean="0">
+              <a:effectLst/>
+            </a:endParaRPr>
+          </a:p>
+        </p:txBody>
+      </p:sp>
+      <p:pic>
+        <p:nvPicPr>
+          <p:cNvPr id="6" name="Picture 3">
+            <a:hlinkClick r:id="rId2" action="ppaction://hlinkpres?slideindex=1&amp;slidetitle="/>
+          </p:cNvPr>
+          <p:cNvPicPr>
+            <a:picLocks noChangeAspect="1" noChangeArrowheads="1"/>
+          </p:cNvPicPr>
+          <p:nvPr/>
+        </p:nvPicPr>
+        <p:blipFill>
+          <a:blip r:embed="rId3">
+            <a:clrChange>
+              <a:clrFrom>
+                <a:srgbClr val="FFFFFF"/>
+              </a:clrFrom>
+              <a:clrTo>
+                <a:srgbClr val="FFFFFF">
+                  <a:alpha val="0"/>
+                </a:srgbClr>
+              </a:clrTo>
+            </a:clrChange>
+          </a:blip>
+          <a:srcRect b="15409"/>
+          <a:stretch>
+            <a:fillRect/>
+          </a:stretch>
+        </p:blipFill>
+        <p:spPr bwMode="auto">
+          <a:xfrm>
+            <a:off x="3000364" y="1428735"/>
+            <a:ext cx="3500462" cy="4796955"/>
+          </a:xfrm>
+          <a:prstGeom prst="rect">
+            <a:avLst/>
+          </a:prstGeom>
+          <a:noFill/>
+          <a:ln w="9525">
+            <a:noFill/>
+            <a:miter lim="800000"/>
+            <a:headEnd/>
+            <a:tailEnd/>
+          </a:ln>
+          <a:effectLst/>
+        </p:spPr>
+      </p:pic>
     </p:spTree>
   </p:cSld>
   <p:clrMapOvr>
@@ -7268,7 +9073,86 @@
   <p:timing>
     <p:tnLst>
       <p:par>
-        <p:cTn id="1" dur="indefinite" restart="never" nodeType="tmRoot"/>
+        <p:cTn id="1" dur="indefinite" restart="never" nodeType="tmRoot">
+          <p:childTnLst>
+            <p:seq concurrent="1" nextAc="seek">
+              <p:cTn id="2" dur="indefinite" nodeType="mainSeq">
+                <p:childTnLst>
+                  <p:par>
+                    <p:cTn id="3" fill="hold">
+                      <p:stCondLst>
+                        <p:cond delay="indefinite"/>
+                        <p:cond evt="onBegin" delay="0">
+                          <p:tn val="2"/>
+                        </p:cond>
+                      </p:stCondLst>
+                      <p:childTnLst>
+                        <p:par>
+                          <p:cTn id="4" fill="hold">
+                            <p:stCondLst>
+                              <p:cond delay="0"/>
+                            </p:stCondLst>
+                            <p:childTnLst>
+                              <p:par>
+                                <p:cTn id="5" presetID="10" presetClass="entr" presetSubtype="0" fill="hold" nodeType="withEffect">
+                                  <p:stCondLst>
+                                    <p:cond delay="0"/>
+                                  </p:stCondLst>
+                                  <p:childTnLst>
+                                    <p:set>
+                                      <p:cBhvr>
+                                        <p:cTn id="6" dur="1" fill="hold">
+                                          <p:stCondLst>
+                                            <p:cond delay="0"/>
+                                          </p:stCondLst>
+                                        </p:cTn>
+                                        <p:tgtEl>
+                                          <p:spTgt spid="6"/>
+                                        </p:tgtEl>
+                                        <p:attrNameLst>
+                                          <p:attrName>style.visibility</p:attrName>
+                                        </p:attrNameLst>
+                                      </p:cBhvr>
+                                      <p:to>
+                                        <p:strVal val="visible"/>
+                                      </p:to>
+                                    </p:set>
+                                    <p:animEffect transition="in" filter="fade">
+                                      <p:cBhvr>
+                                        <p:cTn id="7" dur="1000"/>
+                                        <p:tgtEl>
+                                          <p:spTgt spid="6"/>
+                                        </p:tgtEl>
+                                      </p:cBhvr>
+                                    </p:animEffect>
+                                  </p:childTnLst>
+                                </p:cTn>
+                              </p:par>
+                            </p:childTnLst>
+                          </p:cTn>
+                        </p:par>
+                      </p:childTnLst>
+                    </p:cTn>
+                  </p:par>
+                </p:childTnLst>
+              </p:cTn>
+              <p:prevCondLst>
+                <p:cond evt="onPrev" delay="0">
+                  <p:tgtEl>
+                    <p:sldTgt/>
+                  </p:tgtEl>
+                </p:cond>
+              </p:prevCondLst>
+              <p:nextCondLst>
+                <p:cond evt="onNext" delay="0">
+                  <p:tgtEl>
+                    <p:sldTgt/>
+                  </p:tgtEl>
+                </p:cond>
+              </p:nextCondLst>
+            </p:seq>
+          </p:childTnLst>
+        </p:cTn>
       </p:par>
     </p:tnLst>
   </p:timing>
@@ -7294,12 +9178,45 @@
       </p:grpSpPr>
       <p:sp>
         <p:nvSpPr>
-          <p:cNvPr id="2" name="Title 1"/>
+          <p:cNvPr id="35842" name="Rectangle 2"/>
           <p:cNvSpPr>
             <a:spLocks noGrp="1"/>
           </p:cNvSpPr>
           <p:nvPr>
             <p:ph type="title"/>
+          </p:nvPr>
+        </p:nvSpPr>
+        <p:spPr bwMode="auto">
+          <a:noFill/>
+        </p:spPr>
+        <p:txBody>
+          <a:bodyPr vert="horz" wrap="square" lIns="91440" tIns="45720" rIns="91440" bIns="45720" numCol="1" anchorCtr="0" compatLnSpc="1">
+            <a:prstTxWarp prst="textNoShape">
+              <a:avLst/>
+            </a:prstTxWarp>
+          </a:bodyPr>
+          <a:lstStyle/>
+          <a:p>
+            <a:r>
+              <a:rPr lang="en-GB" smtClean="0">
+                <a:effectLst/>
+              </a:rPr>
+              <a:t>Agile in the .NET World</a:t>
+            </a:r>
+            <a:endParaRPr lang="en-US" smtClean="0">
+              <a:effectLst/>
+            </a:endParaRPr>
+          </a:p>
+        </p:txBody>
+      </p:sp>
+      <p:sp>
+        <p:nvSpPr>
+          <p:cNvPr id="35843" name="Rectangle 3"/>
+          <p:cNvSpPr>
+            <a:spLocks noGrp="1"/>
+          </p:cNvSpPr>
+          <p:nvPr>
+            <p:ph type="body" idx="1"/>
           </p:nvPr>
         </p:nvSpPr>
         <p:spPr/>
@@ -7308,33 +9225,22 @@
           <a:lstStyle/>
           <a:p>
             <a:r>
-              <a:rPr lang="nl-BE" dirty="0" smtClean="0"/>
-              <a:t>.net:</a:t>
-            </a:r>
-            <a:r>
-              <a:rPr lang="nl-BE" baseline="0" dirty="0" smtClean="0"/>
-              <a:t> Development Lifecycle</a:t>
-            </a:r>
-            <a:endParaRPr lang="en-US" dirty="0"/>
-          </a:p>
-        </p:txBody>
-      </p:sp>
-      <p:sp>
-        <p:nvSpPr>
-          <p:cNvPr id="3" name="Content Placeholder 2"/>
-          <p:cNvSpPr>
-            <a:spLocks noGrp="1"/>
-          </p:cNvSpPr>
-          <p:nvPr>
-            <p:ph idx="1"/>
-          </p:nvPr>
-        </p:nvSpPr>
-        <p:spPr/>
-        <p:txBody>
-          <a:bodyPr/>
-          <a:lstStyle/>
-          <a:p>
-            <a:endParaRPr lang="en-US"/>
+              <a:rPr lang="en-GB" smtClean="0"/>
+              <a:t>.NET Development Environment</a:t>
+            </a:r>
+          </a:p>
+          <a:p>
+            <a:r>
+              <a:rPr lang="en-GB" smtClean="0"/>
+              <a:t>.NET Development LifeCycle</a:t>
+            </a:r>
+          </a:p>
+          <a:p>
+            <a:r>
+              <a:rPr lang="en-GB" smtClean="0"/>
+              <a:t>.NET Coding Tools</a:t>
+            </a:r>
+            <a:endParaRPr lang="en-US" smtClean="0"/>
           </a:p>
         </p:txBody>
       </p:sp>
@@ -7346,13 +9252,6 @@
   <p:transition>
     <p:fade/>
   </p:transition>
-  <p:timing>
-    <p:tnLst>
-      <p:par>
-        <p:cTn id="1" dur="indefinite" restart="never" nodeType="tmRoot"/>
-      </p:par>
-    </p:tnLst>
-  </p:timing>
 </p:sld>
 </file>
 
@@ -7385,48 +9284,2528 @@
         </p:nvSpPr>
         <p:spPr/>
         <p:txBody>
+          <a:bodyPr vert="horz" wrap="square" lIns="91440" tIns="45720" rIns="91440" bIns="45720" numCol="1" anchorCtr="0" compatLnSpc="1">
+            <a:prstTxWarp prst="textNoShape">
+              <a:avLst/>
+            </a:prstTxWarp>
+          </a:bodyPr>
+          <a:lstStyle/>
+          <a:p>
+            <a:r>
+              <a:rPr lang="nl-BE" smtClean="0">
+                <a:effectLst>
+                  <a:outerShdw blurRad="38100" dist="38100" dir="2700000" algn="tl">
+                    <a:srgbClr val="C0C0C0"/>
+                  </a:outerShdw>
+                </a:effectLst>
+              </a:rPr>
+              <a:t>Development Environment</a:t>
+            </a:r>
+            <a:endParaRPr lang="en-US" smtClean="0">
+              <a:effectLst>
+                <a:outerShdw blurRad="38100" dist="38100" dir="2700000" algn="tl">
+                  <a:srgbClr val="C0C0C0"/>
+                </a:outerShdw>
+              </a:effectLst>
+            </a:endParaRPr>
+          </a:p>
+        </p:txBody>
+      </p:sp>
+      <p:sp>
+        <p:nvSpPr>
+          <p:cNvPr id="25604" name="Rectangle 4"/>
+          <p:cNvSpPr>
+            <a:spLocks noGrp="1"/>
+          </p:cNvSpPr>
+          <p:nvPr>
+            <p:ph type="body" sz="half" idx="4294967295"/>
+          </p:nvPr>
+        </p:nvSpPr>
+        <p:spPr>
+          <a:xfrm>
+            <a:off x="1435100" y="1447800"/>
+            <a:ext cx="3673475" cy="4800600"/>
+          </a:xfrm>
+        </p:spPr>
+        <p:txBody>
           <a:bodyPr/>
           <a:lstStyle/>
           <a:p>
-            <a:r>
-              <a:rPr lang="nl-BE" dirty="0" smtClean="0"/>
-              <a:t>.net:</a:t>
-            </a:r>
-            <a:r>
-              <a:rPr lang="nl-BE" baseline="0" dirty="0" smtClean="0"/>
-              <a:t> </a:t>
-            </a:r>
-            <a:r>
-              <a:rPr lang="nl-BE" baseline="0" dirty="0" smtClean="0"/>
-              <a:t>CodingTools</a:t>
-            </a:r>
-            <a:r>
-              <a:rPr lang="nl-BE" baseline="0" dirty="0" smtClean="0"/>
-              <a:t>	</a:t>
-            </a:r>
-            <a:endParaRPr lang="en-US" dirty="0"/>
-          </a:p>
-        </p:txBody>
-      </p:sp>
-      <p:sp>
-        <p:nvSpPr>
-          <p:cNvPr id="3" name="Content Placeholder 2"/>
-          <p:cNvSpPr>
-            <a:spLocks noGrp="1"/>
-          </p:cNvSpPr>
-          <p:nvPr>
-            <p:ph idx="1"/>
-          </p:nvPr>
-        </p:nvSpPr>
-        <p:spPr/>
+            <a:pPr>
+              <a:lnSpc>
+                <a:spcPct val="90000"/>
+              </a:lnSpc>
+            </a:pPr>
+            <a:r>
+              <a:rPr lang="en-GB" sz="2400" smtClean="0"/>
+              <a:t>IDE</a:t>
+            </a:r>
+          </a:p>
+          <a:p>
+            <a:pPr lvl="1">
+              <a:lnSpc>
+                <a:spcPct val="90000"/>
+              </a:lnSpc>
+            </a:pPr>
+            <a:r>
+              <a:rPr lang="en-GB" sz="2000" smtClean="0"/>
+              <a:t>Visual Studio 2008 </a:t>
+            </a:r>
+          </a:p>
+          <a:p>
+            <a:pPr>
+              <a:lnSpc>
+                <a:spcPct val="90000"/>
+              </a:lnSpc>
+            </a:pPr>
+            <a:r>
+              <a:rPr lang="en-GB" sz="2400" smtClean="0"/>
+              <a:t>Tooling/Add-on</a:t>
+            </a:r>
+          </a:p>
+          <a:p>
+            <a:pPr lvl="1">
+              <a:lnSpc>
+                <a:spcPct val="90000"/>
+              </a:lnSpc>
+            </a:pPr>
+            <a:r>
+              <a:rPr lang="en-GB" sz="2000" smtClean="0"/>
+              <a:t>Resharper 4.0</a:t>
+            </a:r>
+          </a:p>
+          <a:p>
+            <a:pPr lvl="1">
+              <a:lnSpc>
+                <a:spcPct val="90000"/>
+              </a:lnSpc>
+            </a:pPr>
+            <a:r>
+              <a:rPr lang="en-GB" sz="2000" smtClean="0"/>
+              <a:t>NUnit</a:t>
+            </a:r>
+          </a:p>
+          <a:p>
+            <a:pPr lvl="1">
+              <a:lnSpc>
+                <a:spcPct val="90000"/>
+              </a:lnSpc>
+            </a:pPr>
+            <a:r>
+              <a:rPr lang="en-GB" sz="2000" smtClean="0"/>
+              <a:t>Rhino Mocks</a:t>
+            </a:r>
+          </a:p>
+          <a:p>
+            <a:pPr lvl="1">
+              <a:lnSpc>
+                <a:spcPct val="90000"/>
+              </a:lnSpc>
+            </a:pPr>
+            <a:r>
+              <a:rPr lang="en-GB" sz="2000" smtClean="0"/>
+              <a:t>MSBuild</a:t>
+            </a:r>
+          </a:p>
+          <a:p>
+            <a:pPr lvl="1">
+              <a:lnSpc>
+                <a:spcPct val="90000"/>
+              </a:lnSpc>
+            </a:pPr>
+            <a:r>
+              <a:rPr lang="en-GB" sz="2000" smtClean="0"/>
+              <a:t>Enterprise Architect</a:t>
+            </a:r>
+          </a:p>
+          <a:p>
+            <a:pPr lvl="1">
+              <a:lnSpc>
+                <a:spcPct val="90000"/>
+              </a:lnSpc>
+            </a:pPr>
+            <a:r>
+              <a:rPr lang="en-GB" sz="2000" smtClean="0"/>
+              <a:t>…</a:t>
+            </a:r>
+          </a:p>
+          <a:p>
+            <a:pPr>
+              <a:lnSpc>
+                <a:spcPct val="90000"/>
+              </a:lnSpc>
+            </a:pPr>
+            <a:endParaRPr lang="en-US" sz="2400" smtClean="0"/>
+          </a:p>
+        </p:txBody>
+      </p:sp>
+      <p:sp>
+        <p:nvSpPr>
+          <p:cNvPr id="25605" name="Rectangle 5"/>
+          <p:cNvSpPr>
+            <a:spLocks noGrp="1"/>
+          </p:cNvSpPr>
+          <p:nvPr>
+            <p:ph type="body" sz="half" idx="4294967295"/>
+          </p:nvPr>
+        </p:nvSpPr>
+        <p:spPr>
+          <a:xfrm>
+            <a:off x="5260975" y="1447800"/>
+            <a:ext cx="3673475" cy="4800600"/>
+          </a:xfrm>
+        </p:spPr>
         <p:txBody>
           <a:bodyPr/>
           <a:lstStyle/>
           <a:p>
-            <a:endParaRPr lang="en-US"/>
-          </a:p>
-        </p:txBody>
-      </p:sp>
+            <a:pPr>
+              <a:lnSpc>
+                <a:spcPct val="90000"/>
+              </a:lnSpc>
+            </a:pPr>
+            <a:r>
+              <a:rPr lang="en-GB" sz="2400" smtClean="0"/>
+              <a:t>Libraries</a:t>
+            </a:r>
+          </a:p>
+          <a:p>
+            <a:pPr lvl="1">
+              <a:lnSpc>
+                <a:spcPct val="90000"/>
+              </a:lnSpc>
+            </a:pPr>
+            <a:r>
+              <a:rPr lang="en-GB" sz="2000" smtClean="0"/>
+              <a:t>NHibernate 2.0</a:t>
+            </a:r>
+          </a:p>
+          <a:p>
+            <a:pPr lvl="1">
+              <a:lnSpc>
+                <a:spcPct val="90000"/>
+              </a:lnSpc>
+            </a:pPr>
+            <a:r>
+              <a:rPr lang="en-GB" sz="2000" smtClean="0"/>
+              <a:t>Spring.NET 1.2</a:t>
+            </a:r>
+          </a:p>
+          <a:p>
+            <a:pPr lvl="1">
+              <a:lnSpc>
+                <a:spcPct val="90000"/>
+              </a:lnSpc>
+            </a:pPr>
+            <a:r>
+              <a:rPr lang="en-GB" sz="2000" smtClean="0"/>
+              <a:t>Microsoft Enterprise Library 4.0</a:t>
+            </a:r>
+          </a:p>
+          <a:p>
+            <a:pPr>
+              <a:lnSpc>
+                <a:spcPct val="90000"/>
+              </a:lnSpc>
+            </a:pPr>
+            <a:r>
+              <a:rPr lang="en-GB" sz="2400" smtClean="0"/>
+              <a:t>Database</a:t>
+            </a:r>
+          </a:p>
+          <a:p>
+            <a:pPr lvl="1">
+              <a:lnSpc>
+                <a:spcPct val="90000"/>
+              </a:lnSpc>
+            </a:pPr>
+            <a:r>
+              <a:rPr lang="en-GB" sz="2000" smtClean="0"/>
+              <a:t>SQL Server 2005</a:t>
+            </a:r>
+          </a:p>
+          <a:p>
+            <a:pPr>
+              <a:lnSpc>
+                <a:spcPct val="90000"/>
+              </a:lnSpc>
+            </a:pPr>
+            <a:r>
+              <a:rPr lang="en-GB" sz="2400" smtClean="0"/>
+              <a:t>Team Foundation Server</a:t>
+            </a:r>
+          </a:p>
+          <a:p>
+            <a:pPr lvl="2">
+              <a:lnSpc>
+                <a:spcPct val="90000"/>
+              </a:lnSpc>
+            </a:pPr>
+            <a:r>
+              <a:rPr lang="en-GB" sz="1800" smtClean="0"/>
+              <a:t>Portal</a:t>
+            </a:r>
+          </a:p>
+          <a:p>
+            <a:pPr lvl="2">
+              <a:lnSpc>
+                <a:spcPct val="90000"/>
+              </a:lnSpc>
+            </a:pPr>
+            <a:r>
+              <a:rPr lang="en-GB" sz="1800" smtClean="0"/>
+              <a:t>Version Control</a:t>
+            </a:r>
+          </a:p>
+          <a:p>
+            <a:pPr lvl="2">
+              <a:lnSpc>
+                <a:spcPct val="90000"/>
+              </a:lnSpc>
+            </a:pPr>
+            <a:r>
+              <a:rPr lang="en-GB" sz="1800" smtClean="0"/>
+              <a:t>Issue/workitem tracking</a:t>
+            </a:r>
+          </a:p>
+          <a:p>
+            <a:pPr lvl="2">
+              <a:lnSpc>
+                <a:spcPct val="90000"/>
+              </a:lnSpc>
+            </a:pPr>
+            <a:r>
+              <a:rPr lang="en-GB" sz="1800" smtClean="0"/>
+              <a:t>Build management</a:t>
+            </a:r>
+          </a:p>
+          <a:p>
+            <a:pPr lvl="2">
+              <a:lnSpc>
+                <a:spcPct val="90000"/>
+              </a:lnSpc>
+            </a:pPr>
+            <a:r>
+              <a:rPr lang="en-GB" sz="1800" smtClean="0"/>
+              <a:t>Process guidance</a:t>
+            </a:r>
+            <a:endParaRPr lang="en-US" sz="1800" smtClean="0"/>
+          </a:p>
+        </p:txBody>
+      </p:sp>
+    </p:spTree>
+  </p:cSld>
+  <p:clrMapOvr>
+    <a:masterClrMapping/>
+  </p:clrMapOvr>
+  <p:transition>
+    <p:fade/>
+  </p:transition>
+  <p:timing>
+    <p:tnLst>
+      <p:par>
+        <p:cTn id="1" dur="indefinite" restart="never" nodeType="tmRoot">
+          <p:childTnLst>
+            <p:seq concurrent="1" nextAc="seek">
+              <p:cTn id="2" dur="indefinite" nodeType="mainSeq">
+                <p:childTnLst>
+                  <p:par>
+                    <p:cTn id="3" fill="hold">
+                      <p:stCondLst>
+                        <p:cond delay="indefinite"/>
+                      </p:stCondLst>
+                      <p:childTnLst>
+                        <p:par>
+                          <p:cTn id="4" fill="hold">
+                            <p:stCondLst>
+                              <p:cond delay="0"/>
+                            </p:stCondLst>
+                            <p:childTnLst>
+                              <p:par>
+                                <p:cTn id="5" presetID="1" presetClass="entr" presetSubtype="0" fill="hold" grpId="0" nodeType="clickEffect">
+                                  <p:stCondLst>
+                                    <p:cond delay="0"/>
+                                  </p:stCondLst>
+                                  <p:childTnLst>
+                                    <p:set>
+                                      <p:cBhvr>
+                                        <p:cTn id="6" dur="1" fill="hold">
+                                          <p:stCondLst>
+                                            <p:cond delay="0"/>
+                                          </p:stCondLst>
+                                        </p:cTn>
+                                        <p:tgtEl>
+                                          <p:spTgt spid="25604">
+                                            <p:txEl>
+                                              <p:pRg st="2" end="2"/>
+                                            </p:txEl>
+                                          </p:spTgt>
+                                        </p:tgtEl>
+                                        <p:attrNameLst>
+                                          <p:attrName>style.visibility</p:attrName>
+                                        </p:attrNameLst>
+                                      </p:cBhvr>
+                                      <p:to>
+                                        <p:strVal val="visible"/>
+                                      </p:to>
+                                    </p:set>
+                                  </p:childTnLst>
+                                </p:cTn>
+                              </p:par>
+                              <p:par>
+                                <p:cTn id="7" presetID="1" presetClass="entr" presetSubtype="0" fill="hold" grpId="0" nodeType="withEffect">
+                                  <p:stCondLst>
+                                    <p:cond delay="0"/>
+                                  </p:stCondLst>
+                                  <p:childTnLst>
+                                    <p:set>
+                                      <p:cBhvr>
+                                        <p:cTn id="8" dur="1" fill="hold">
+                                          <p:stCondLst>
+                                            <p:cond delay="0"/>
+                                          </p:stCondLst>
+                                        </p:cTn>
+                                        <p:tgtEl>
+                                          <p:spTgt spid="25604">
+                                            <p:txEl>
+                                              <p:pRg st="3" end="3"/>
+                                            </p:txEl>
+                                          </p:spTgt>
+                                        </p:tgtEl>
+                                        <p:attrNameLst>
+                                          <p:attrName>style.visibility</p:attrName>
+                                        </p:attrNameLst>
+                                      </p:cBhvr>
+                                      <p:to>
+                                        <p:strVal val="visible"/>
+                                      </p:to>
+                                    </p:set>
+                                  </p:childTnLst>
+                                </p:cTn>
+                              </p:par>
+                              <p:par>
+                                <p:cTn id="9" presetID="1" presetClass="entr" presetSubtype="0" fill="hold" grpId="0" nodeType="withEffect">
+                                  <p:stCondLst>
+                                    <p:cond delay="0"/>
+                                  </p:stCondLst>
+                                  <p:childTnLst>
+                                    <p:set>
+                                      <p:cBhvr>
+                                        <p:cTn id="10" dur="1" fill="hold">
+                                          <p:stCondLst>
+                                            <p:cond delay="0"/>
+                                          </p:stCondLst>
+                                        </p:cTn>
+                                        <p:tgtEl>
+                                          <p:spTgt spid="25604">
+                                            <p:txEl>
+                                              <p:pRg st="4" end="4"/>
+                                            </p:txEl>
+                                          </p:spTgt>
+                                        </p:tgtEl>
+                                        <p:attrNameLst>
+                                          <p:attrName>style.visibility</p:attrName>
+                                        </p:attrNameLst>
+                                      </p:cBhvr>
+                                      <p:to>
+                                        <p:strVal val="visible"/>
+                                      </p:to>
+                                    </p:set>
+                                  </p:childTnLst>
+                                </p:cTn>
+                              </p:par>
+                              <p:par>
+                                <p:cTn id="11" presetID="1" presetClass="entr" presetSubtype="0" fill="hold" grpId="0" nodeType="withEffect">
+                                  <p:stCondLst>
+                                    <p:cond delay="0"/>
+                                  </p:stCondLst>
+                                  <p:childTnLst>
+                                    <p:set>
+                                      <p:cBhvr>
+                                        <p:cTn id="12" dur="1" fill="hold">
+                                          <p:stCondLst>
+                                            <p:cond delay="0"/>
+                                          </p:stCondLst>
+                                        </p:cTn>
+                                        <p:tgtEl>
+                                          <p:spTgt spid="25604">
+                                            <p:txEl>
+                                              <p:pRg st="5" end="5"/>
+                                            </p:txEl>
+                                          </p:spTgt>
+                                        </p:tgtEl>
+                                        <p:attrNameLst>
+                                          <p:attrName>style.visibility</p:attrName>
+                                        </p:attrNameLst>
+                                      </p:cBhvr>
+                                      <p:to>
+                                        <p:strVal val="visible"/>
+                                      </p:to>
+                                    </p:set>
+                                  </p:childTnLst>
+                                </p:cTn>
+                              </p:par>
+                              <p:par>
+                                <p:cTn id="13" presetID="1" presetClass="entr" presetSubtype="0" fill="hold" grpId="0" nodeType="withEffect">
+                                  <p:stCondLst>
+                                    <p:cond delay="0"/>
+                                  </p:stCondLst>
+                                  <p:childTnLst>
+                                    <p:set>
+                                      <p:cBhvr>
+                                        <p:cTn id="14" dur="1" fill="hold">
+                                          <p:stCondLst>
+                                            <p:cond delay="0"/>
+                                          </p:stCondLst>
+                                        </p:cTn>
+                                        <p:tgtEl>
+                                          <p:spTgt spid="25604">
+                                            <p:txEl>
+                                              <p:pRg st="6" end="6"/>
+                                            </p:txEl>
+                                          </p:spTgt>
+                                        </p:tgtEl>
+                                        <p:attrNameLst>
+                                          <p:attrName>style.visibility</p:attrName>
+                                        </p:attrNameLst>
+                                      </p:cBhvr>
+                                      <p:to>
+                                        <p:strVal val="visible"/>
+                                      </p:to>
+                                    </p:set>
+                                  </p:childTnLst>
+                                </p:cTn>
+                              </p:par>
+                              <p:par>
+                                <p:cTn id="15" presetID="1" presetClass="entr" presetSubtype="0" fill="hold" grpId="0" nodeType="withEffect">
+                                  <p:stCondLst>
+                                    <p:cond delay="0"/>
+                                  </p:stCondLst>
+                                  <p:childTnLst>
+                                    <p:set>
+                                      <p:cBhvr>
+                                        <p:cTn id="16" dur="1" fill="hold">
+                                          <p:stCondLst>
+                                            <p:cond delay="0"/>
+                                          </p:stCondLst>
+                                        </p:cTn>
+                                        <p:tgtEl>
+                                          <p:spTgt spid="25604">
+                                            <p:txEl>
+                                              <p:pRg st="7" end="7"/>
+                                            </p:txEl>
+                                          </p:spTgt>
+                                        </p:tgtEl>
+                                        <p:attrNameLst>
+                                          <p:attrName>style.visibility</p:attrName>
+                                        </p:attrNameLst>
+                                      </p:cBhvr>
+                                      <p:to>
+                                        <p:strVal val="visible"/>
+                                      </p:to>
+                                    </p:set>
+                                  </p:childTnLst>
+                                </p:cTn>
+                              </p:par>
+                              <p:par>
+                                <p:cTn id="17" presetID="1" presetClass="entr" presetSubtype="0" fill="hold" grpId="0" nodeType="withEffect">
+                                  <p:stCondLst>
+                                    <p:cond delay="0"/>
+                                  </p:stCondLst>
+                                  <p:childTnLst>
+                                    <p:set>
+                                      <p:cBhvr>
+                                        <p:cTn id="18" dur="1" fill="hold">
+                                          <p:stCondLst>
+                                            <p:cond delay="0"/>
+                                          </p:stCondLst>
+                                        </p:cTn>
+                                        <p:tgtEl>
+                                          <p:spTgt spid="25604">
+                                            <p:txEl>
+                                              <p:pRg st="8" end="8"/>
+                                            </p:txEl>
+                                          </p:spTgt>
+                                        </p:tgtEl>
+                                        <p:attrNameLst>
+                                          <p:attrName>style.visibility</p:attrName>
+                                        </p:attrNameLst>
+                                      </p:cBhvr>
+                                      <p:to>
+                                        <p:strVal val="visible"/>
+                                      </p:to>
+                                    </p:set>
+                                  </p:childTnLst>
+                                </p:cTn>
+                              </p:par>
+                            </p:childTnLst>
+                          </p:cTn>
+                        </p:par>
+                      </p:childTnLst>
+                    </p:cTn>
+                  </p:par>
+                  <p:par>
+                    <p:cTn id="19" fill="hold">
+                      <p:stCondLst>
+                        <p:cond delay="indefinite"/>
+                      </p:stCondLst>
+                      <p:childTnLst>
+                        <p:par>
+                          <p:cTn id="20" fill="hold">
+                            <p:stCondLst>
+                              <p:cond delay="0"/>
+                            </p:stCondLst>
+                            <p:childTnLst>
+                              <p:par>
+                                <p:cTn id="21" presetID="1" presetClass="entr" presetSubtype="0" fill="hold" grpId="0" nodeType="clickEffect">
+                                  <p:stCondLst>
+                                    <p:cond delay="0"/>
+                                  </p:stCondLst>
+                                  <p:childTnLst>
+                                    <p:set>
+                                      <p:cBhvr>
+                                        <p:cTn id="22" dur="1" fill="hold">
+                                          <p:stCondLst>
+                                            <p:cond delay="0"/>
+                                          </p:stCondLst>
+                                        </p:cTn>
+                                        <p:tgtEl>
+                                          <p:spTgt spid="25605">
+                                            <p:txEl>
+                                              <p:pRg st="0" end="0"/>
+                                            </p:txEl>
+                                          </p:spTgt>
+                                        </p:tgtEl>
+                                        <p:attrNameLst>
+                                          <p:attrName>style.visibility</p:attrName>
+                                        </p:attrNameLst>
+                                      </p:cBhvr>
+                                      <p:to>
+                                        <p:strVal val="visible"/>
+                                      </p:to>
+                                    </p:set>
+                                  </p:childTnLst>
+                                </p:cTn>
+                              </p:par>
+                              <p:par>
+                                <p:cTn id="23" presetID="1" presetClass="entr" presetSubtype="0" fill="hold" grpId="0" nodeType="withEffect">
+                                  <p:stCondLst>
+                                    <p:cond delay="0"/>
+                                  </p:stCondLst>
+                                  <p:childTnLst>
+                                    <p:set>
+                                      <p:cBhvr>
+                                        <p:cTn id="24" dur="1" fill="hold">
+                                          <p:stCondLst>
+                                            <p:cond delay="0"/>
+                                          </p:stCondLst>
+                                        </p:cTn>
+                                        <p:tgtEl>
+                                          <p:spTgt spid="25605">
+                                            <p:txEl>
+                                              <p:pRg st="1" end="1"/>
+                                            </p:txEl>
+                                          </p:spTgt>
+                                        </p:tgtEl>
+                                        <p:attrNameLst>
+                                          <p:attrName>style.visibility</p:attrName>
+                                        </p:attrNameLst>
+                                      </p:cBhvr>
+                                      <p:to>
+                                        <p:strVal val="visible"/>
+                                      </p:to>
+                                    </p:set>
+                                  </p:childTnLst>
+                                </p:cTn>
+                              </p:par>
+                              <p:par>
+                                <p:cTn id="25" presetID="1" presetClass="entr" presetSubtype="0" fill="hold" grpId="0" nodeType="withEffect">
+                                  <p:stCondLst>
+                                    <p:cond delay="0"/>
+                                  </p:stCondLst>
+                                  <p:childTnLst>
+                                    <p:set>
+                                      <p:cBhvr>
+                                        <p:cTn id="26" dur="1" fill="hold">
+                                          <p:stCondLst>
+                                            <p:cond delay="0"/>
+                                          </p:stCondLst>
+                                        </p:cTn>
+                                        <p:tgtEl>
+                                          <p:spTgt spid="25605">
+                                            <p:txEl>
+                                              <p:pRg st="2" end="2"/>
+                                            </p:txEl>
+                                          </p:spTgt>
+                                        </p:tgtEl>
+                                        <p:attrNameLst>
+                                          <p:attrName>style.visibility</p:attrName>
+                                        </p:attrNameLst>
+                                      </p:cBhvr>
+                                      <p:to>
+                                        <p:strVal val="visible"/>
+                                      </p:to>
+                                    </p:set>
+                                  </p:childTnLst>
+                                </p:cTn>
+                              </p:par>
+                              <p:par>
+                                <p:cTn id="27" presetID="1" presetClass="entr" presetSubtype="0" fill="hold" grpId="0" nodeType="withEffect">
+                                  <p:stCondLst>
+                                    <p:cond delay="0"/>
+                                  </p:stCondLst>
+                                  <p:childTnLst>
+                                    <p:set>
+                                      <p:cBhvr>
+                                        <p:cTn id="28" dur="1" fill="hold">
+                                          <p:stCondLst>
+                                            <p:cond delay="0"/>
+                                          </p:stCondLst>
+                                        </p:cTn>
+                                        <p:tgtEl>
+                                          <p:spTgt spid="25605">
+                                            <p:txEl>
+                                              <p:pRg st="3" end="3"/>
+                                            </p:txEl>
+                                          </p:spTgt>
+                                        </p:tgtEl>
+                                        <p:attrNameLst>
+                                          <p:attrName>style.visibility</p:attrName>
+                                        </p:attrNameLst>
+                                      </p:cBhvr>
+                                      <p:to>
+                                        <p:strVal val="visible"/>
+                                      </p:to>
+                                    </p:set>
+                                  </p:childTnLst>
+                                </p:cTn>
+                              </p:par>
+                            </p:childTnLst>
+                          </p:cTn>
+                        </p:par>
+                      </p:childTnLst>
+                    </p:cTn>
+                  </p:par>
+                  <p:par>
+                    <p:cTn id="29" fill="hold">
+                      <p:stCondLst>
+                        <p:cond delay="indefinite"/>
+                      </p:stCondLst>
+                      <p:childTnLst>
+                        <p:par>
+                          <p:cTn id="30" fill="hold">
+                            <p:stCondLst>
+                              <p:cond delay="0"/>
+                            </p:stCondLst>
+                            <p:childTnLst>
+                              <p:par>
+                                <p:cTn id="31" presetID="1" presetClass="entr" presetSubtype="0" fill="hold" grpId="0" nodeType="clickEffect">
+                                  <p:stCondLst>
+                                    <p:cond delay="0"/>
+                                  </p:stCondLst>
+                                  <p:childTnLst>
+                                    <p:set>
+                                      <p:cBhvr>
+                                        <p:cTn id="32" dur="1" fill="hold">
+                                          <p:stCondLst>
+                                            <p:cond delay="0"/>
+                                          </p:stCondLst>
+                                        </p:cTn>
+                                        <p:tgtEl>
+                                          <p:spTgt spid="25605">
+                                            <p:txEl>
+                                              <p:pRg st="4" end="4"/>
+                                            </p:txEl>
+                                          </p:spTgt>
+                                        </p:tgtEl>
+                                        <p:attrNameLst>
+                                          <p:attrName>style.visibility</p:attrName>
+                                        </p:attrNameLst>
+                                      </p:cBhvr>
+                                      <p:to>
+                                        <p:strVal val="visible"/>
+                                      </p:to>
+                                    </p:set>
+                                  </p:childTnLst>
+                                </p:cTn>
+                              </p:par>
+                              <p:par>
+                                <p:cTn id="33" presetID="1" presetClass="entr" presetSubtype="0" fill="hold" grpId="0" nodeType="withEffect">
+                                  <p:stCondLst>
+                                    <p:cond delay="0"/>
+                                  </p:stCondLst>
+                                  <p:childTnLst>
+                                    <p:set>
+                                      <p:cBhvr>
+                                        <p:cTn id="34" dur="1" fill="hold">
+                                          <p:stCondLst>
+                                            <p:cond delay="0"/>
+                                          </p:stCondLst>
+                                        </p:cTn>
+                                        <p:tgtEl>
+                                          <p:spTgt spid="25605">
+                                            <p:txEl>
+                                              <p:pRg st="5" end="5"/>
+                                            </p:txEl>
+                                          </p:spTgt>
+                                        </p:tgtEl>
+                                        <p:attrNameLst>
+                                          <p:attrName>style.visibility</p:attrName>
+                                        </p:attrNameLst>
+                                      </p:cBhvr>
+                                      <p:to>
+                                        <p:strVal val="visible"/>
+                                      </p:to>
+                                    </p:set>
+                                  </p:childTnLst>
+                                </p:cTn>
+                              </p:par>
+                            </p:childTnLst>
+                          </p:cTn>
+                        </p:par>
+                      </p:childTnLst>
+                    </p:cTn>
+                  </p:par>
+                  <p:par>
+                    <p:cTn id="35" fill="hold">
+                      <p:stCondLst>
+                        <p:cond delay="indefinite"/>
+                      </p:stCondLst>
+                      <p:childTnLst>
+                        <p:par>
+                          <p:cTn id="36" fill="hold">
+                            <p:stCondLst>
+                              <p:cond delay="0"/>
+                            </p:stCondLst>
+                            <p:childTnLst>
+                              <p:par>
+                                <p:cTn id="37" presetID="1" presetClass="entr" presetSubtype="0" fill="hold" grpId="0" nodeType="clickEffect">
+                                  <p:stCondLst>
+                                    <p:cond delay="0"/>
+                                  </p:stCondLst>
+                                  <p:childTnLst>
+                                    <p:set>
+                                      <p:cBhvr>
+                                        <p:cTn id="38" dur="1" fill="hold">
+                                          <p:stCondLst>
+                                            <p:cond delay="0"/>
+                                          </p:stCondLst>
+                                        </p:cTn>
+                                        <p:tgtEl>
+                                          <p:spTgt spid="25605">
+                                            <p:txEl>
+                                              <p:pRg st="6" end="6"/>
+                                            </p:txEl>
+                                          </p:spTgt>
+                                        </p:tgtEl>
+                                        <p:attrNameLst>
+                                          <p:attrName>style.visibility</p:attrName>
+                                        </p:attrNameLst>
+                                      </p:cBhvr>
+                                      <p:to>
+                                        <p:strVal val="visible"/>
+                                      </p:to>
+                                    </p:set>
+                                  </p:childTnLst>
+                                </p:cTn>
+                              </p:par>
+                              <p:par>
+                                <p:cTn id="39" presetID="1" presetClass="entr" presetSubtype="0" fill="hold" grpId="0" nodeType="withEffect">
+                                  <p:stCondLst>
+                                    <p:cond delay="0"/>
+                                  </p:stCondLst>
+                                  <p:childTnLst>
+                                    <p:set>
+                                      <p:cBhvr>
+                                        <p:cTn id="40" dur="1" fill="hold">
+                                          <p:stCondLst>
+                                            <p:cond delay="0"/>
+                                          </p:stCondLst>
+                                        </p:cTn>
+                                        <p:tgtEl>
+                                          <p:spTgt spid="25605">
+                                            <p:txEl>
+                                              <p:pRg st="7" end="7"/>
+                                            </p:txEl>
+                                          </p:spTgt>
+                                        </p:tgtEl>
+                                        <p:attrNameLst>
+                                          <p:attrName>style.visibility</p:attrName>
+                                        </p:attrNameLst>
+                                      </p:cBhvr>
+                                      <p:to>
+                                        <p:strVal val="visible"/>
+                                      </p:to>
+                                    </p:set>
+                                  </p:childTnLst>
+                                </p:cTn>
+                              </p:par>
+                              <p:par>
+                                <p:cTn id="41" presetID="1" presetClass="entr" presetSubtype="0" fill="hold" grpId="0" nodeType="withEffect">
+                                  <p:stCondLst>
+                                    <p:cond delay="0"/>
+                                  </p:stCondLst>
+                                  <p:childTnLst>
+                                    <p:set>
+                                      <p:cBhvr>
+                                        <p:cTn id="42" dur="1" fill="hold">
+                                          <p:stCondLst>
+                                            <p:cond delay="0"/>
+                                          </p:stCondLst>
+                                        </p:cTn>
+                                        <p:tgtEl>
+                                          <p:spTgt spid="25605">
+                                            <p:txEl>
+                                              <p:pRg st="8" end="8"/>
+                                            </p:txEl>
+                                          </p:spTgt>
+                                        </p:tgtEl>
+                                        <p:attrNameLst>
+                                          <p:attrName>style.visibility</p:attrName>
+                                        </p:attrNameLst>
+                                      </p:cBhvr>
+                                      <p:to>
+                                        <p:strVal val="visible"/>
+                                      </p:to>
+                                    </p:set>
+                                  </p:childTnLst>
+                                </p:cTn>
+                              </p:par>
+                              <p:par>
+                                <p:cTn id="43" presetID="1" presetClass="entr" presetSubtype="0" fill="hold" grpId="0" nodeType="withEffect">
+                                  <p:stCondLst>
+                                    <p:cond delay="0"/>
+                                  </p:stCondLst>
+                                  <p:childTnLst>
+                                    <p:set>
+                                      <p:cBhvr>
+                                        <p:cTn id="44" dur="1" fill="hold">
+                                          <p:stCondLst>
+                                            <p:cond delay="0"/>
+                                          </p:stCondLst>
+                                        </p:cTn>
+                                        <p:tgtEl>
+                                          <p:spTgt spid="25605">
+                                            <p:txEl>
+                                              <p:pRg st="9" end="9"/>
+                                            </p:txEl>
+                                          </p:spTgt>
+                                        </p:tgtEl>
+                                        <p:attrNameLst>
+                                          <p:attrName>style.visibility</p:attrName>
+                                        </p:attrNameLst>
+                                      </p:cBhvr>
+                                      <p:to>
+                                        <p:strVal val="visible"/>
+                                      </p:to>
+                                    </p:set>
+                                  </p:childTnLst>
+                                </p:cTn>
+                              </p:par>
+                              <p:par>
+                                <p:cTn id="45" presetID="1" presetClass="entr" presetSubtype="0" fill="hold" grpId="0" nodeType="withEffect">
+                                  <p:stCondLst>
+                                    <p:cond delay="0"/>
+                                  </p:stCondLst>
+                                  <p:childTnLst>
+                                    <p:set>
+                                      <p:cBhvr>
+                                        <p:cTn id="46" dur="1" fill="hold">
+                                          <p:stCondLst>
+                                            <p:cond delay="0"/>
+                                          </p:stCondLst>
+                                        </p:cTn>
+                                        <p:tgtEl>
+                                          <p:spTgt spid="25605">
+                                            <p:txEl>
+                                              <p:pRg st="10" end="10"/>
+                                            </p:txEl>
+                                          </p:spTgt>
+                                        </p:tgtEl>
+                                        <p:attrNameLst>
+                                          <p:attrName>style.visibility</p:attrName>
+                                        </p:attrNameLst>
+                                      </p:cBhvr>
+                                      <p:to>
+                                        <p:strVal val="visible"/>
+                                      </p:to>
+                                    </p:set>
+                                  </p:childTnLst>
+                                </p:cTn>
+                              </p:par>
+                              <p:par>
+                                <p:cTn id="47" presetID="1" presetClass="entr" presetSubtype="0" fill="hold" grpId="0" nodeType="withEffect">
+                                  <p:stCondLst>
+                                    <p:cond delay="0"/>
+                                  </p:stCondLst>
+                                  <p:childTnLst>
+                                    <p:set>
+                                      <p:cBhvr>
+                                        <p:cTn id="48" dur="1" fill="hold">
+                                          <p:stCondLst>
+                                            <p:cond delay="0"/>
+                                          </p:stCondLst>
+                                        </p:cTn>
+                                        <p:tgtEl>
+                                          <p:spTgt spid="25605">
+                                            <p:txEl>
+                                              <p:pRg st="11" end="11"/>
+                                            </p:txEl>
+                                          </p:spTgt>
+                                        </p:tgtEl>
+                                        <p:attrNameLst>
+                                          <p:attrName>style.visibility</p:attrName>
+                                        </p:attrNameLst>
+                                      </p:cBhvr>
+                                      <p:to>
+                                        <p:strVal val="visible"/>
+                                      </p:to>
+                                    </p:set>
+                                  </p:childTnLst>
+                                </p:cTn>
+                              </p:par>
+                            </p:childTnLst>
+                          </p:cTn>
+                        </p:par>
+                      </p:childTnLst>
+                    </p:cTn>
+                  </p:par>
+                </p:childTnLst>
+              </p:cTn>
+              <p:prevCondLst>
+                <p:cond evt="onPrev" delay="0">
+                  <p:tgtEl>
+                    <p:sldTgt/>
+                  </p:tgtEl>
+                </p:cond>
+              </p:prevCondLst>
+              <p:nextCondLst>
+                <p:cond evt="onNext" delay="0">
+                  <p:tgtEl>
+                    <p:sldTgt/>
+                  </p:tgtEl>
+                </p:cond>
+              </p:nextCondLst>
+            </p:seq>
+          </p:childTnLst>
+        </p:cTn>
+      </p:par>
+    </p:tnLst>
+    <p:bldLst>
+      <p:bldP spid="25604" grpId="0" uiExpand="1" build="p"/>
+      <p:bldP spid="25605" grpId="0" uiExpand="1" build="p"/>
+    </p:bldLst>
+  </p:timing>
+</p:sld>
+</file>
+
+<file path=ppt/slides/slide4.xml><?xml version="1.0" encoding="utf-8"?>
+<p:sld xmlns:a="http://schemas.openxmlformats.org/drawingml/2006/main" xmlns:r="http://schemas.openxmlformats.org/officeDocument/2006/relationships" xmlns:p="http://schemas.openxmlformats.org/presentationml/2006/main">
+  <p:cSld>
+    <p:spTree>
+      <p:nvGrpSpPr>
+        <p:cNvPr id="1" name=""/>
+        <p:cNvGrpSpPr/>
+        <p:nvPr/>
+      </p:nvGrpSpPr>
+      <p:grpSpPr>
+        <a:xfrm>
+          <a:off x="0" y="0"/>
+          <a:ext cx="0" cy="0"/>
+          <a:chOff x="0" y="0"/>
+          <a:chExt cx="0" cy="0"/>
+        </a:xfrm>
+      </p:grpSpPr>
+      <p:sp>
+        <p:nvSpPr>
+          <p:cNvPr id="2" name="Title 1"/>
+          <p:cNvSpPr>
+            <a:spLocks noGrp="1"/>
+          </p:cNvSpPr>
+          <p:nvPr>
+            <p:ph type="title" idx="4294967295"/>
+          </p:nvPr>
+        </p:nvSpPr>
+        <p:spPr/>
+        <p:txBody>
+          <a:bodyPr vert="horz" wrap="square" lIns="91440" tIns="45720" rIns="91440" bIns="45720" numCol="1" anchorCtr="0" compatLnSpc="1">
+            <a:prstTxWarp prst="textNoShape">
+              <a:avLst/>
+            </a:prstTxWarp>
+          </a:bodyPr>
+          <a:lstStyle/>
+          <a:p>
+            <a:r>
+              <a:rPr lang="nl-BE" smtClean="0">
+                <a:effectLst>
+                  <a:outerShdw blurRad="38100" dist="38100" dir="2700000" algn="tl">
+                    <a:srgbClr val="C0C0C0"/>
+                  </a:outerShdw>
+                </a:effectLst>
+              </a:rPr>
+              <a:t>Development Environment...</a:t>
+            </a:r>
+            <a:endParaRPr lang="en-US" smtClean="0">
+              <a:effectLst>
+                <a:outerShdw blurRad="38100" dist="38100" dir="2700000" algn="tl">
+                  <a:srgbClr val="C0C0C0"/>
+                </a:outerShdw>
+              </a:effectLst>
+            </a:endParaRPr>
+          </a:p>
+        </p:txBody>
+      </p:sp>
+      <p:sp>
+        <p:nvSpPr>
+          <p:cNvPr id="38915" name="Rectangle 3"/>
+          <p:cNvSpPr>
+            <a:spLocks noGrp="1"/>
+          </p:cNvSpPr>
+          <p:nvPr>
+            <p:ph type="body" sz="half" idx="1"/>
+          </p:nvPr>
+        </p:nvSpPr>
+        <p:spPr>
+          <a:xfrm>
+            <a:off x="1393825" y="1400175"/>
+            <a:ext cx="3673475" cy="4800600"/>
+          </a:xfrm>
+        </p:spPr>
+        <p:txBody>
+          <a:bodyPr/>
+          <a:lstStyle/>
+          <a:p>
+            <a:r>
+              <a:rPr lang="en-GB" sz="2400" smtClean="0"/>
+              <a:t>IDE</a:t>
+            </a:r>
+          </a:p>
+          <a:p>
+            <a:pPr lvl="1"/>
+            <a:r>
+              <a:rPr lang="en-GB" sz="2000" smtClean="0"/>
+              <a:t>Visual Studio Express Editions</a:t>
+            </a:r>
+          </a:p>
+          <a:p>
+            <a:pPr lvl="1"/>
+            <a:r>
+              <a:rPr lang="en-US" sz="2000" smtClean="0">
+                <a:solidFill>
+                  <a:srgbClr val="C0C0C0"/>
+                </a:solidFill>
+              </a:rPr>
+              <a:t>SharpDevelop</a:t>
+            </a:r>
+            <a:r>
+              <a:rPr lang="en-US" sz="2000" smtClean="0"/>
+              <a:t> </a:t>
+            </a:r>
+          </a:p>
+          <a:p>
+            <a:r>
+              <a:rPr lang="en-GB" sz="2400" smtClean="0"/>
+              <a:t>Tooling / Add-on</a:t>
+            </a:r>
+          </a:p>
+          <a:p>
+            <a:pPr lvl="1"/>
+            <a:r>
+              <a:rPr lang="en-GB" sz="2000" smtClean="0"/>
+              <a:t>TestDriven.NET</a:t>
+            </a:r>
+          </a:p>
+          <a:p>
+            <a:pPr lvl="1"/>
+            <a:r>
+              <a:rPr lang="en-GB" sz="2000" smtClean="0"/>
+              <a:t>Reflector</a:t>
+            </a:r>
+          </a:p>
+          <a:p>
+            <a:pPr lvl="1"/>
+            <a:r>
+              <a:rPr lang="en-GB" sz="2000" smtClean="0"/>
+              <a:t>ANTS profiler</a:t>
+            </a:r>
+          </a:p>
+          <a:p>
+            <a:pPr lvl="1"/>
+            <a:r>
+              <a:rPr lang="en-GB" sz="2000" smtClean="0"/>
+              <a:t>dotTrace</a:t>
+            </a:r>
+          </a:p>
+          <a:p>
+            <a:pPr lvl="1"/>
+            <a:r>
+              <a:rPr lang="en-GB" sz="2000" smtClean="0"/>
+              <a:t>GhostDoc</a:t>
+            </a:r>
+          </a:p>
+          <a:p>
+            <a:pPr lvl="1"/>
+            <a:endParaRPr lang="en-GB" sz="2000" smtClean="0"/>
+          </a:p>
+          <a:p>
+            <a:pPr lvl="1"/>
+            <a:endParaRPr lang="en-GB" sz="2000" smtClean="0"/>
+          </a:p>
+          <a:p>
+            <a:endParaRPr lang="en-US" sz="2400" smtClean="0"/>
+          </a:p>
+        </p:txBody>
+      </p:sp>
+      <p:sp>
+        <p:nvSpPr>
+          <p:cNvPr id="38916" name="Rectangle 4"/>
+          <p:cNvSpPr>
+            <a:spLocks noGrp="1"/>
+          </p:cNvSpPr>
+          <p:nvPr>
+            <p:ph type="body" sz="half" idx="2"/>
+          </p:nvPr>
+        </p:nvSpPr>
+        <p:spPr>
+          <a:xfrm>
+            <a:off x="5219700" y="1412875"/>
+            <a:ext cx="3673475" cy="4800600"/>
+          </a:xfrm>
+        </p:spPr>
+        <p:txBody>
+          <a:bodyPr/>
+          <a:lstStyle/>
+          <a:p>
+            <a:r>
+              <a:rPr lang="en-GB" sz="2400" smtClean="0"/>
+              <a:t>Version Control</a:t>
+            </a:r>
+          </a:p>
+          <a:p>
+            <a:pPr lvl="1"/>
+            <a:r>
+              <a:rPr lang="en-GB" sz="2000" smtClean="0"/>
+              <a:t>SubVersion</a:t>
+            </a:r>
+            <a:endParaRPr lang="en-US" sz="2000" smtClean="0"/>
+          </a:p>
+          <a:p>
+            <a:pPr lvl="1"/>
+            <a:r>
+              <a:rPr lang="en-US" sz="2000" smtClean="0"/>
+              <a:t>TortoiseSVN </a:t>
+            </a:r>
+            <a:endParaRPr lang="en-GB" sz="2000" smtClean="0"/>
+          </a:p>
+          <a:p>
+            <a:r>
+              <a:rPr lang="en-GB" sz="2400" smtClean="0"/>
+              <a:t>Libraries</a:t>
+            </a:r>
+          </a:p>
+          <a:p>
+            <a:pPr lvl="1"/>
+            <a:r>
+              <a:rPr lang="en-GB" sz="2000" smtClean="0"/>
+              <a:t>Castle Project</a:t>
+            </a:r>
+          </a:p>
+          <a:p>
+            <a:pPr lvl="1"/>
+            <a:endParaRPr lang="en-US" sz="2000" smtClean="0"/>
+          </a:p>
+        </p:txBody>
+      </p:sp>
+    </p:spTree>
+  </p:cSld>
+  <p:clrMapOvr>
+    <a:masterClrMapping/>
+  </p:clrMapOvr>
+  <p:transition>
+    <p:fade/>
+  </p:transition>
+  <p:timing>
+    <p:tnLst>
+      <p:par>
+        <p:cTn id="1" dur="indefinite" restart="never" nodeType="tmRoot"/>
+      </p:par>
+    </p:tnLst>
+  </p:timing>
+</p:sld>
+</file>
+
+<file path=ppt/slides/slide5.xml><?xml version="1.0" encoding="utf-8"?>
+<p:sld xmlns:a="http://schemas.openxmlformats.org/drawingml/2006/main" xmlns:r="http://schemas.openxmlformats.org/officeDocument/2006/relationships" xmlns:p="http://schemas.openxmlformats.org/presentationml/2006/main">
+  <p:cSld>
+    <p:spTree>
+      <p:nvGrpSpPr>
+        <p:cNvPr id="1" name=""/>
+        <p:cNvGrpSpPr/>
+        <p:nvPr/>
+      </p:nvGrpSpPr>
+      <p:grpSpPr>
+        <a:xfrm>
+          <a:off x="0" y="0"/>
+          <a:ext cx="0" cy="0"/>
+          <a:chOff x="0" y="0"/>
+          <a:chExt cx="0" cy="0"/>
+        </a:xfrm>
+      </p:grpSpPr>
+      <p:sp>
+        <p:nvSpPr>
+          <p:cNvPr id="2" name="Title 1"/>
+          <p:cNvSpPr>
+            <a:spLocks noGrp="1"/>
+          </p:cNvSpPr>
+          <p:nvPr>
+            <p:ph type="title"/>
+          </p:nvPr>
+        </p:nvSpPr>
+        <p:spPr/>
+        <p:txBody>
+          <a:bodyPr vert="horz" wrap="square" lIns="91440" tIns="45720" rIns="91440" bIns="45720" numCol="1" anchorCtr="0" compatLnSpc="1">
+            <a:prstTxWarp prst="textNoShape">
+              <a:avLst/>
+            </a:prstTxWarp>
+          </a:bodyPr>
+          <a:lstStyle/>
+          <a:p>
+            <a:r>
+              <a:rPr lang="nl-BE" smtClean="0">
+                <a:effectLst>
+                  <a:outerShdw blurRad="38100" dist="38100" dir="2700000" algn="tl">
+                    <a:srgbClr val="C0C0C0"/>
+                  </a:outerShdw>
+                </a:effectLst>
+              </a:rPr>
+              <a:t>Development Lifecycle</a:t>
+            </a:r>
+            <a:endParaRPr lang="en-US" smtClean="0">
+              <a:effectLst>
+                <a:outerShdw blurRad="38100" dist="38100" dir="2700000" algn="tl">
+                  <a:srgbClr val="C0C0C0"/>
+                </a:outerShdw>
+              </a:effectLst>
+            </a:endParaRPr>
+          </a:p>
+        </p:txBody>
+      </p:sp>
+      <p:sp>
+        <p:nvSpPr>
+          <p:cNvPr id="26629" name="Rectangle 5"/>
+          <p:cNvSpPr>
+            <a:spLocks noGrp="1"/>
+          </p:cNvSpPr>
+          <p:nvPr>
+            <p:ph type="body" idx="4294967295"/>
+          </p:nvPr>
+        </p:nvSpPr>
+        <p:spPr>
+          <a:xfrm>
+            <a:off x="1435100" y="1484313"/>
+            <a:ext cx="7499350" cy="4800600"/>
+          </a:xfrm>
+        </p:spPr>
+        <p:txBody>
+          <a:bodyPr/>
+          <a:lstStyle/>
+          <a:p>
+            <a:pPr>
+              <a:lnSpc>
+                <a:spcPct val="80000"/>
+              </a:lnSpc>
+            </a:pPr>
+            <a:r>
+              <a:rPr lang="en-GB" sz="2400" smtClean="0"/>
+              <a:t>Continuous Integration</a:t>
+            </a:r>
+          </a:p>
+          <a:p>
+            <a:pPr lvl="1">
+              <a:lnSpc>
+                <a:spcPct val="80000"/>
+              </a:lnSpc>
+            </a:pPr>
+            <a:r>
+              <a:rPr lang="en-GB" sz="2000" smtClean="0"/>
+              <a:t>CruiseControl.NET</a:t>
+            </a:r>
+          </a:p>
+          <a:p>
+            <a:pPr lvl="2">
+              <a:lnSpc>
+                <a:spcPct val="80000"/>
+              </a:lnSpc>
+            </a:pPr>
+            <a:r>
+              <a:rPr lang="en-GB" sz="1800" smtClean="0"/>
+              <a:t>CCTray</a:t>
+            </a:r>
+          </a:p>
+          <a:p>
+            <a:pPr lvl="2">
+              <a:lnSpc>
+                <a:spcPct val="80000"/>
+              </a:lnSpc>
+            </a:pPr>
+            <a:r>
+              <a:rPr lang="en-GB" sz="1800" smtClean="0"/>
+              <a:t>Big Visible Cruise</a:t>
+            </a:r>
+          </a:p>
+          <a:p>
+            <a:pPr lvl="2">
+              <a:lnSpc>
+                <a:spcPct val="80000"/>
+              </a:lnSpc>
+            </a:pPr>
+            <a:r>
+              <a:rPr lang="en-GB" sz="1800" smtClean="0"/>
+              <a:t>Screen Saver</a:t>
+            </a:r>
+          </a:p>
+          <a:p>
+            <a:pPr lvl="1">
+              <a:lnSpc>
+                <a:spcPct val="80000"/>
+              </a:lnSpc>
+            </a:pPr>
+            <a:r>
+              <a:rPr lang="en-GB" sz="2000" smtClean="0"/>
+              <a:t>NDepends</a:t>
+            </a:r>
+          </a:p>
+          <a:p>
+            <a:pPr lvl="1">
+              <a:lnSpc>
+                <a:spcPct val="80000"/>
+              </a:lnSpc>
+            </a:pPr>
+            <a:r>
+              <a:rPr lang="en-GB" sz="2000" smtClean="0"/>
+              <a:t>NCover</a:t>
+            </a:r>
+          </a:p>
+          <a:p>
+            <a:pPr lvl="1">
+              <a:lnSpc>
+                <a:spcPct val="80000"/>
+              </a:lnSpc>
+            </a:pPr>
+            <a:r>
+              <a:rPr lang="en-GB" sz="2000" smtClean="0"/>
+              <a:t>NUnit</a:t>
+            </a:r>
+          </a:p>
+          <a:p>
+            <a:pPr>
+              <a:lnSpc>
+                <a:spcPct val="80000"/>
+              </a:lnSpc>
+            </a:pPr>
+            <a:r>
+              <a:rPr lang="en-GB" sz="2400" smtClean="0"/>
+              <a:t>Testing</a:t>
+            </a:r>
+          </a:p>
+          <a:p>
+            <a:pPr lvl="1">
+              <a:lnSpc>
+                <a:spcPct val="80000"/>
+              </a:lnSpc>
+            </a:pPr>
+            <a:r>
+              <a:rPr lang="en-GB" sz="2000" smtClean="0"/>
+              <a:t>NUnit (resharper integration)</a:t>
+            </a:r>
+          </a:p>
+          <a:p>
+            <a:pPr lvl="2">
+              <a:lnSpc>
+                <a:spcPct val="80000"/>
+              </a:lnSpc>
+            </a:pPr>
+            <a:r>
+              <a:rPr lang="en-GB" sz="1800" smtClean="0"/>
+              <a:t>Unit testing</a:t>
+            </a:r>
+          </a:p>
+          <a:p>
+            <a:pPr lvl="2">
+              <a:lnSpc>
+                <a:spcPct val="80000"/>
+              </a:lnSpc>
+            </a:pPr>
+            <a:r>
+              <a:rPr lang="en-GB" sz="1800" smtClean="0"/>
+              <a:t>Integration testing</a:t>
+            </a:r>
+          </a:p>
+          <a:p>
+            <a:pPr>
+              <a:lnSpc>
+                <a:spcPct val="80000"/>
+              </a:lnSpc>
+            </a:pPr>
+            <a:r>
+              <a:rPr lang="en-GB" sz="2400" smtClean="0"/>
+              <a:t>Acceptance testing</a:t>
+            </a:r>
+          </a:p>
+          <a:p>
+            <a:pPr lvl="1">
+              <a:lnSpc>
+                <a:spcPct val="80000"/>
+              </a:lnSpc>
+            </a:pPr>
+            <a:r>
+              <a:rPr lang="en-GB" sz="2000" smtClean="0"/>
+              <a:t>SoapUI</a:t>
+            </a:r>
+          </a:p>
+          <a:p>
+            <a:pPr lvl="1">
+              <a:lnSpc>
+                <a:spcPct val="80000"/>
+              </a:lnSpc>
+            </a:pPr>
+            <a:r>
+              <a:rPr lang="en-GB" sz="2000" smtClean="0"/>
+              <a:t>Fitness</a:t>
+            </a:r>
+          </a:p>
+        </p:txBody>
+      </p:sp>
+      <p:pic>
+        <p:nvPicPr>
+          <p:cNvPr id="26632" name="Picture 2">
+            <a:hlinkClick r:id="rId3" action="ppaction://hlinkpres?slideindex=1&amp;slidetitle="/>
+          </p:cNvPr>
+          <p:cNvPicPr>
+            <a:picLocks noChangeAspect="1" noChangeArrowheads="1"/>
+          </p:cNvPicPr>
+          <p:nvPr/>
+        </p:nvPicPr>
+        <p:blipFill>
+          <a:blip r:embed="rId4" cstate="print"/>
+          <a:srcRect/>
+          <a:stretch>
+            <a:fillRect/>
+          </a:stretch>
+        </p:blipFill>
+        <p:spPr bwMode="auto">
+          <a:xfrm>
+            <a:off x="6659563" y="1484313"/>
+            <a:ext cx="1958975" cy="1381125"/>
+          </a:xfrm>
+          <a:prstGeom prst="rect">
+            <a:avLst/>
+          </a:prstGeom>
+          <a:noFill/>
+          <a:ln w="9525">
+            <a:noFill/>
+            <a:miter lim="800000"/>
+            <a:headEnd/>
+            <a:tailEnd/>
+          </a:ln>
+        </p:spPr>
+      </p:pic>
+      <p:pic>
+        <p:nvPicPr>
+          <p:cNvPr id="26633" name="Picture 2">
+            <a:hlinkClick r:id="rId5" action="ppaction://hlinkpres?slideindex=1&amp;slidetitle="/>
+          </p:cNvPr>
+          <p:cNvPicPr>
+            <a:picLocks noChangeAspect="1" noChangeArrowheads="1"/>
+          </p:cNvPicPr>
+          <p:nvPr/>
+        </p:nvPicPr>
+        <p:blipFill>
+          <a:blip r:embed="rId6" cstate="print"/>
+          <a:srcRect/>
+          <a:stretch>
+            <a:fillRect/>
+          </a:stretch>
+        </p:blipFill>
+        <p:spPr bwMode="auto">
+          <a:xfrm>
+            <a:off x="6659563" y="4797425"/>
+            <a:ext cx="2089150" cy="1547813"/>
+          </a:xfrm>
+          <a:prstGeom prst="rect">
+            <a:avLst/>
+          </a:prstGeom>
+          <a:noFill/>
+          <a:ln w="9525">
+            <a:noFill/>
+            <a:miter lim="800000"/>
+            <a:headEnd/>
+            <a:tailEnd/>
+          </a:ln>
+        </p:spPr>
+      </p:pic>
+      <p:pic>
+        <p:nvPicPr>
+          <p:cNvPr id="26635" name="Picture 11" descr="Image:NUnit GUI.png"/>
+          <p:cNvPicPr>
+            <a:picLocks noChangeAspect="1" noChangeArrowheads="1"/>
+          </p:cNvPicPr>
+          <p:nvPr/>
+        </p:nvPicPr>
+        <p:blipFill>
+          <a:blip r:embed="rId7" cstate="print"/>
+          <a:srcRect/>
+          <a:stretch>
+            <a:fillRect/>
+          </a:stretch>
+        </p:blipFill>
+        <p:spPr bwMode="auto">
+          <a:xfrm>
+            <a:off x="6588125" y="3068638"/>
+            <a:ext cx="2154238" cy="1493837"/>
+          </a:xfrm>
+          <a:prstGeom prst="rect">
+            <a:avLst/>
+          </a:prstGeom>
+          <a:noFill/>
+        </p:spPr>
+      </p:pic>
+    </p:spTree>
+  </p:cSld>
+  <p:clrMapOvr>
+    <a:masterClrMapping/>
+  </p:clrMapOvr>
+  <p:transition>
+    <p:fade/>
+  </p:transition>
+  <p:timing>
+    <p:tnLst>
+      <p:par>
+        <p:cTn id="1" dur="indefinite" restart="never" nodeType="tmRoot">
+          <p:childTnLst>
+            <p:seq concurrent="1" nextAc="seek">
+              <p:cTn id="2" dur="indefinite" nodeType="mainSeq">
+                <p:childTnLst>
+                  <p:par>
+                    <p:cTn id="3" fill="hold">
+                      <p:stCondLst>
+                        <p:cond delay="indefinite"/>
+                        <p:cond evt="onBegin" delay="0">
+                          <p:tn val="2"/>
+                        </p:cond>
+                      </p:stCondLst>
+                      <p:childTnLst>
+                        <p:par>
+                          <p:cTn id="4" fill="hold">
+                            <p:stCondLst>
+                              <p:cond delay="0"/>
+                            </p:stCondLst>
+                            <p:childTnLst>
+                              <p:par>
+                                <p:cTn id="5" presetID="1" presetClass="entr" presetSubtype="0" fill="hold" grpId="0" nodeType="withEffect">
+                                  <p:stCondLst>
+                                    <p:cond delay="0"/>
+                                  </p:stCondLst>
+                                  <p:childTnLst>
+                                    <p:set>
+                                      <p:cBhvr>
+                                        <p:cTn id="6" dur="1" fill="hold">
+                                          <p:stCondLst>
+                                            <p:cond delay="0"/>
+                                          </p:stCondLst>
+                                        </p:cTn>
+                                        <p:tgtEl>
+                                          <p:spTgt spid="26629">
+                                            <p:txEl>
+                                              <p:pRg st="0" end="0"/>
+                                            </p:txEl>
+                                          </p:spTgt>
+                                        </p:tgtEl>
+                                        <p:attrNameLst>
+                                          <p:attrName>style.visibility</p:attrName>
+                                        </p:attrNameLst>
+                                      </p:cBhvr>
+                                      <p:to>
+                                        <p:strVal val="visible"/>
+                                      </p:to>
+                                    </p:set>
+                                  </p:childTnLst>
+                                </p:cTn>
+                              </p:par>
+                              <p:par>
+                                <p:cTn id="7" presetID="1" presetClass="entr" presetSubtype="0" fill="hold" grpId="0" nodeType="withEffect">
+                                  <p:stCondLst>
+                                    <p:cond delay="0"/>
+                                  </p:stCondLst>
+                                  <p:childTnLst>
+                                    <p:set>
+                                      <p:cBhvr>
+                                        <p:cTn id="8" dur="1" fill="hold">
+                                          <p:stCondLst>
+                                            <p:cond delay="0"/>
+                                          </p:stCondLst>
+                                        </p:cTn>
+                                        <p:tgtEl>
+                                          <p:spTgt spid="26629">
+                                            <p:txEl>
+                                              <p:pRg st="1" end="1"/>
+                                            </p:txEl>
+                                          </p:spTgt>
+                                        </p:tgtEl>
+                                        <p:attrNameLst>
+                                          <p:attrName>style.visibility</p:attrName>
+                                        </p:attrNameLst>
+                                      </p:cBhvr>
+                                      <p:to>
+                                        <p:strVal val="visible"/>
+                                      </p:to>
+                                    </p:set>
+                                  </p:childTnLst>
+                                </p:cTn>
+                              </p:par>
+                              <p:par>
+                                <p:cTn id="9" presetID="1" presetClass="entr" presetSubtype="0" fill="hold" grpId="0" nodeType="withEffect">
+                                  <p:stCondLst>
+                                    <p:cond delay="0"/>
+                                  </p:stCondLst>
+                                  <p:childTnLst>
+                                    <p:set>
+                                      <p:cBhvr>
+                                        <p:cTn id="10" dur="1" fill="hold">
+                                          <p:stCondLst>
+                                            <p:cond delay="0"/>
+                                          </p:stCondLst>
+                                        </p:cTn>
+                                        <p:tgtEl>
+                                          <p:spTgt spid="26629">
+                                            <p:txEl>
+                                              <p:pRg st="2" end="2"/>
+                                            </p:txEl>
+                                          </p:spTgt>
+                                        </p:tgtEl>
+                                        <p:attrNameLst>
+                                          <p:attrName>style.visibility</p:attrName>
+                                        </p:attrNameLst>
+                                      </p:cBhvr>
+                                      <p:to>
+                                        <p:strVal val="visible"/>
+                                      </p:to>
+                                    </p:set>
+                                  </p:childTnLst>
+                                </p:cTn>
+                              </p:par>
+                              <p:par>
+                                <p:cTn id="11" presetID="1" presetClass="entr" presetSubtype="0" fill="hold" grpId="0" nodeType="withEffect">
+                                  <p:stCondLst>
+                                    <p:cond delay="0"/>
+                                  </p:stCondLst>
+                                  <p:childTnLst>
+                                    <p:set>
+                                      <p:cBhvr>
+                                        <p:cTn id="12" dur="1" fill="hold">
+                                          <p:stCondLst>
+                                            <p:cond delay="0"/>
+                                          </p:stCondLst>
+                                        </p:cTn>
+                                        <p:tgtEl>
+                                          <p:spTgt spid="26629">
+                                            <p:txEl>
+                                              <p:pRg st="3" end="3"/>
+                                            </p:txEl>
+                                          </p:spTgt>
+                                        </p:tgtEl>
+                                        <p:attrNameLst>
+                                          <p:attrName>style.visibility</p:attrName>
+                                        </p:attrNameLst>
+                                      </p:cBhvr>
+                                      <p:to>
+                                        <p:strVal val="visible"/>
+                                      </p:to>
+                                    </p:set>
+                                  </p:childTnLst>
+                                </p:cTn>
+                              </p:par>
+                              <p:par>
+                                <p:cTn id="13" presetID="1" presetClass="entr" presetSubtype="0" fill="hold" grpId="0" nodeType="withEffect">
+                                  <p:stCondLst>
+                                    <p:cond delay="0"/>
+                                  </p:stCondLst>
+                                  <p:childTnLst>
+                                    <p:set>
+                                      <p:cBhvr>
+                                        <p:cTn id="14" dur="1" fill="hold">
+                                          <p:stCondLst>
+                                            <p:cond delay="0"/>
+                                          </p:stCondLst>
+                                        </p:cTn>
+                                        <p:tgtEl>
+                                          <p:spTgt spid="26629">
+                                            <p:txEl>
+                                              <p:pRg st="4" end="4"/>
+                                            </p:txEl>
+                                          </p:spTgt>
+                                        </p:tgtEl>
+                                        <p:attrNameLst>
+                                          <p:attrName>style.visibility</p:attrName>
+                                        </p:attrNameLst>
+                                      </p:cBhvr>
+                                      <p:to>
+                                        <p:strVal val="visible"/>
+                                      </p:to>
+                                    </p:set>
+                                  </p:childTnLst>
+                                </p:cTn>
+                              </p:par>
+                              <p:par>
+                                <p:cTn id="15" presetID="1" presetClass="entr" presetSubtype="0" fill="hold" grpId="0" nodeType="withEffect">
+                                  <p:stCondLst>
+                                    <p:cond delay="0"/>
+                                  </p:stCondLst>
+                                  <p:childTnLst>
+                                    <p:set>
+                                      <p:cBhvr>
+                                        <p:cTn id="16" dur="1" fill="hold">
+                                          <p:stCondLst>
+                                            <p:cond delay="0"/>
+                                          </p:stCondLst>
+                                        </p:cTn>
+                                        <p:tgtEl>
+                                          <p:spTgt spid="26629">
+                                            <p:txEl>
+                                              <p:pRg st="5" end="5"/>
+                                            </p:txEl>
+                                          </p:spTgt>
+                                        </p:tgtEl>
+                                        <p:attrNameLst>
+                                          <p:attrName>style.visibility</p:attrName>
+                                        </p:attrNameLst>
+                                      </p:cBhvr>
+                                      <p:to>
+                                        <p:strVal val="visible"/>
+                                      </p:to>
+                                    </p:set>
+                                  </p:childTnLst>
+                                </p:cTn>
+                              </p:par>
+                              <p:par>
+                                <p:cTn id="17" presetID="1" presetClass="entr" presetSubtype="0" fill="hold" grpId="0" nodeType="withEffect">
+                                  <p:stCondLst>
+                                    <p:cond delay="0"/>
+                                  </p:stCondLst>
+                                  <p:childTnLst>
+                                    <p:set>
+                                      <p:cBhvr>
+                                        <p:cTn id="18" dur="1" fill="hold">
+                                          <p:stCondLst>
+                                            <p:cond delay="0"/>
+                                          </p:stCondLst>
+                                        </p:cTn>
+                                        <p:tgtEl>
+                                          <p:spTgt spid="26629">
+                                            <p:txEl>
+                                              <p:pRg st="6" end="6"/>
+                                            </p:txEl>
+                                          </p:spTgt>
+                                        </p:tgtEl>
+                                        <p:attrNameLst>
+                                          <p:attrName>style.visibility</p:attrName>
+                                        </p:attrNameLst>
+                                      </p:cBhvr>
+                                      <p:to>
+                                        <p:strVal val="visible"/>
+                                      </p:to>
+                                    </p:set>
+                                  </p:childTnLst>
+                                </p:cTn>
+                              </p:par>
+                              <p:par>
+                                <p:cTn id="19" presetID="1" presetClass="entr" presetSubtype="0" fill="hold" grpId="0" nodeType="withEffect">
+                                  <p:stCondLst>
+                                    <p:cond delay="0"/>
+                                  </p:stCondLst>
+                                  <p:childTnLst>
+                                    <p:set>
+                                      <p:cBhvr>
+                                        <p:cTn id="20" dur="1" fill="hold">
+                                          <p:stCondLst>
+                                            <p:cond delay="0"/>
+                                          </p:stCondLst>
+                                        </p:cTn>
+                                        <p:tgtEl>
+                                          <p:spTgt spid="26629">
+                                            <p:txEl>
+                                              <p:pRg st="7" end="7"/>
+                                            </p:txEl>
+                                          </p:spTgt>
+                                        </p:tgtEl>
+                                        <p:attrNameLst>
+                                          <p:attrName>style.visibility</p:attrName>
+                                        </p:attrNameLst>
+                                      </p:cBhvr>
+                                      <p:to>
+                                        <p:strVal val="visible"/>
+                                      </p:to>
+                                    </p:set>
+                                  </p:childTnLst>
+                                </p:cTn>
+                              </p:par>
+                              <p:par>
+                                <p:cTn id="21" presetID="1" presetClass="entr" presetSubtype="0" fill="hold" nodeType="withEffect">
+                                  <p:stCondLst>
+                                    <p:cond delay="0"/>
+                                  </p:stCondLst>
+                                  <p:childTnLst>
+                                    <p:set>
+                                      <p:cBhvr>
+                                        <p:cTn id="22" dur="1" fill="hold">
+                                          <p:stCondLst>
+                                            <p:cond delay="0"/>
+                                          </p:stCondLst>
+                                        </p:cTn>
+                                        <p:tgtEl>
+                                          <p:spTgt spid="26632"/>
+                                        </p:tgtEl>
+                                        <p:attrNameLst>
+                                          <p:attrName>style.visibility</p:attrName>
+                                        </p:attrNameLst>
+                                      </p:cBhvr>
+                                      <p:to>
+                                        <p:strVal val="visible"/>
+                                      </p:to>
+                                    </p:set>
+                                  </p:childTnLst>
+                                </p:cTn>
+                              </p:par>
+                            </p:childTnLst>
+                          </p:cTn>
+                        </p:par>
+                      </p:childTnLst>
+                    </p:cTn>
+                  </p:par>
+                  <p:par>
+                    <p:cTn id="23" fill="hold">
+                      <p:stCondLst>
+                        <p:cond delay="indefinite"/>
+                      </p:stCondLst>
+                      <p:childTnLst>
+                        <p:par>
+                          <p:cTn id="24" fill="hold">
+                            <p:stCondLst>
+                              <p:cond delay="0"/>
+                            </p:stCondLst>
+                            <p:childTnLst>
+                              <p:par>
+                                <p:cTn id="25" presetID="1" presetClass="entr" presetSubtype="0" fill="hold" grpId="0" nodeType="clickEffect">
+                                  <p:stCondLst>
+                                    <p:cond delay="0"/>
+                                  </p:stCondLst>
+                                  <p:childTnLst>
+                                    <p:set>
+                                      <p:cBhvr>
+                                        <p:cTn id="26" dur="1" fill="hold">
+                                          <p:stCondLst>
+                                            <p:cond delay="0"/>
+                                          </p:stCondLst>
+                                        </p:cTn>
+                                        <p:tgtEl>
+                                          <p:spTgt spid="26629">
+                                            <p:txEl>
+                                              <p:pRg st="8" end="8"/>
+                                            </p:txEl>
+                                          </p:spTgt>
+                                        </p:tgtEl>
+                                        <p:attrNameLst>
+                                          <p:attrName>style.visibility</p:attrName>
+                                        </p:attrNameLst>
+                                      </p:cBhvr>
+                                      <p:to>
+                                        <p:strVal val="visible"/>
+                                      </p:to>
+                                    </p:set>
+                                  </p:childTnLst>
+                                </p:cTn>
+                              </p:par>
+                              <p:par>
+                                <p:cTn id="27" presetID="1" presetClass="entr" presetSubtype="0" fill="hold" grpId="0" nodeType="withEffect">
+                                  <p:stCondLst>
+                                    <p:cond delay="0"/>
+                                  </p:stCondLst>
+                                  <p:childTnLst>
+                                    <p:set>
+                                      <p:cBhvr>
+                                        <p:cTn id="28" dur="1" fill="hold">
+                                          <p:stCondLst>
+                                            <p:cond delay="0"/>
+                                          </p:stCondLst>
+                                        </p:cTn>
+                                        <p:tgtEl>
+                                          <p:spTgt spid="26629">
+                                            <p:txEl>
+                                              <p:pRg st="9" end="9"/>
+                                            </p:txEl>
+                                          </p:spTgt>
+                                        </p:tgtEl>
+                                        <p:attrNameLst>
+                                          <p:attrName>style.visibility</p:attrName>
+                                        </p:attrNameLst>
+                                      </p:cBhvr>
+                                      <p:to>
+                                        <p:strVal val="visible"/>
+                                      </p:to>
+                                    </p:set>
+                                  </p:childTnLst>
+                                </p:cTn>
+                              </p:par>
+                              <p:par>
+                                <p:cTn id="29" presetID="1" presetClass="entr" presetSubtype="0" fill="hold" grpId="0" nodeType="withEffect">
+                                  <p:stCondLst>
+                                    <p:cond delay="0"/>
+                                  </p:stCondLst>
+                                  <p:childTnLst>
+                                    <p:set>
+                                      <p:cBhvr>
+                                        <p:cTn id="30" dur="1" fill="hold">
+                                          <p:stCondLst>
+                                            <p:cond delay="0"/>
+                                          </p:stCondLst>
+                                        </p:cTn>
+                                        <p:tgtEl>
+                                          <p:spTgt spid="26629">
+                                            <p:txEl>
+                                              <p:pRg st="10" end="10"/>
+                                            </p:txEl>
+                                          </p:spTgt>
+                                        </p:tgtEl>
+                                        <p:attrNameLst>
+                                          <p:attrName>style.visibility</p:attrName>
+                                        </p:attrNameLst>
+                                      </p:cBhvr>
+                                      <p:to>
+                                        <p:strVal val="visible"/>
+                                      </p:to>
+                                    </p:set>
+                                  </p:childTnLst>
+                                </p:cTn>
+                              </p:par>
+                              <p:par>
+                                <p:cTn id="31" presetID="1" presetClass="entr" presetSubtype="0" fill="hold" grpId="0" nodeType="withEffect">
+                                  <p:stCondLst>
+                                    <p:cond delay="0"/>
+                                  </p:stCondLst>
+                                  <p:childTnLst>
+                                    <p:set>
+                                      <p:cBhvr>
+                                        <p:cTn id="32" dur="1" fill="hold">
+                                          <p:stCondLst>
+                                            <p:cond delay="0"/>
+                                          </p:stCondLst>
+                                        </p:cTn>
+                                        <p:tgtEl>
+                                          <p:spTgt spid="26629">
+                                            <p:txEl>
+                                              <p:pRg st="11" end="11"/>
+                                            </p:txEl>
+                                          </p:spTgt>
+                                        </p:tgtEl>
+                                        <p:attrNameLst>
+                                          <p:attrName>style.visibility</p:attrName>
+                                        </p:attrNameLst>
+                                      </p:cBhvr>
+                                      <p:to>
+                                        <p:strVal val="visible"/>
+                                      </p:to>
+                                    </p:set>
+                                  </p:childTnLst>
+                                </p:cTn>
+                              </p:par>
+                              <p:par>
+                                <p:cTn id="33" presetID="1" presetClass="entr" presetSubtype="0" fill="hold" nodeType="withEffect">
+                                  <p:stCondLst>
+                                    <p:cond delay="0"/>
+                                  </p:stCondLst>
+                                  <p:childTnLst>
+                                    <p:set>
+                                      <p:cBhvr>
+                                        <p:cTn id="34" dur="1" fill="hold">
+                                          <p:stCondLst>
+                                            <p:cond delay="0"/>
+                                          </p:stCondLst>
+                                        </p:cTn>
+                                        <p:tgtEl>
+                                          <p:spTgt spid="26635"/>
+                                        </p:tgtEl>
+                                        <p:attrNameLst>
+                                          <p:attrName>style.visibility</p:attrName>
+                                        </p:attrNameLst>
+                                      </p:cBhvr>
+                                      <p:to>
+                                        <p:strVal val="visible"/>
+                                      </p:to>
+                                    </p:set>
+                                  </p:childTnLst>
+                                </p:cTn>
+                              </p:par>
+                            </p:childTnLst>
+                          </p:cTn>
+                        </p:par>
+                      </p:childTnLst>
+                    </p:cTn>
+                  </p:par>
+                  <p:par>
+                    <p:cTn id="35" fill="hold">
+                      <p:stCondLst>
+                        <p:cond delay="indefinite"/>
+                      </p:stCondLst>
+                      <p:childTnLst>
+                        <p:par>
+                          <p:cTn id="36" fill="hold">
+                            <p:stCondLst>
+                              <p:cond delay="0"/>
+                            </p:stCondLst>
+                            <p:childTnLst>
+                              <p:par>
+                                <p:cTn id="37" presetID="1" presetClass="entr" presetSubtype="0" fill="hold" grpId="0" nodeType="clickEffect">
+                                  <p:stCondLst>
+                                    <p:cond delay="0"/>
+                                  </p:stCondLst>
+                                  <p:childTnLst>
+                                    <p:set>
+                                      <p:cBhvr>
+                                        <p:cTn id="38" dur="1" fill="hold">
+                                          <p:stCondLst>
+                                            <p:cond delay="0"/>
+                                          </p:stCondLst>
+                                        </p:cTn>
+                                        <p:tgtEl>
+                                          <p:spTgt spid="26629">
+                                            <p:txEl>
+                                              <p:pRg st="12" end="12"/>
+                                            </p:txEl>
+                                          </p:spTgt>
+                                        </p:tgtEl>
+                                        <p:attrNameLst>
+                                          <p:attrName>style.visibility</p:attrName>
+                                        </p:attrNameLst>
+                                      </p:cBhvr>
+                                      <p:to>
+                                        <p:strVal val="visible"/>
+                                      </p:to>
+                                    </p:set>
+                                  </p:childTnLst>
+                                </p:cTn>
+                              </p:par>
+                              <p:par>
+                                <p:cTn id="39" presetID="1" presetClass="entr" presetSubtype="0" fill="hold" grpId="0" nodeType="withEffect">
+                                  <p:stCondLst>
+                                    <p:cond delay="0"/>
+                                  </p:stCondLst>
+                                  <p:childTnLst>
+                                    <p:set>
+                                      <p:cBhvr>
+                                        <p:cTn id="40" dur="1" fill="hold">
+                                          <p:stCondLst>
+                                            <p:cond delay="0"/>
+                                          </p:stCondLst>
+                                        </p:cTn>
+                                        <p:tgtEl>
+                                          <p:spTgt spid="26629">
+                                            <p:txEl>
+                                              <p:pRg st="13" end="13"/>
+                                            </p:txEl>
+                                          </p:spTgt>
+                                        </p:tgtEl>
+                                        <p:attrNameLst>
+                                          <p:attrName>style.visibility</p:attrName>
+                                        </p:attrNameLst>
+                                      </p:cBhvr>
+                                      <p:to>
+                                        <p:strVal val="visible"/>
+                                      </p:to>
+                                    </p:set>
+                                  </p:childTnLst>
+                                </p:cTn>
+                              </p:par>
+                              <p:par>
+                                <p:cTn id="41" presetID="1" presetClass="entr" presetSubtype="0" fill="hold" grpId="0" nodeType="withEffect">
+                                  <p:stCondLst>
+                                    <p:cond delay="0"/>
+                                  </p:stCondLst>
+                                  <p:childTnLst>
+                                    <p:set>
+                                      <p:cBhvr>
+                                        <p:cTn id="42" dur="1" fill="hold">
+                                          <p:stCondLst>
+                                            <p:cond delay="0"/>
+                                          </p:stCondLst>
+                                        </p:cTn>
+                                        <p:tgtEl>
+                                          <p:spTgt spid="26629">
+                                            <p:txEl>
+                                              <p:pRg st="14" end="14"/>
+                                            </p:txEl>
+                                          </p:spTgt>
+                                        </p:tgtEl>
+                                        <p:attrNameLst>
+                                          <p:attrName>style.visibility</p:attrName>
+                                        </p:attrNameLst>
+                                      </p:cBhvr>
+                                      <p:to>
+                                        <p:strVal val="visible"/>
+                                      </p:to>
+                                    </p:set>
+                                  </p:childTnLst>
+                                </p:cTn>
+                              </p:par>
+                              <p:par>
+                                <p:cTn id="43" presetID="1" presetClass="entr" presetSubtype="0" fill="hold" nodeType="withEffect">
+                                  <p:stCondLst>
+                                    <p:cond delay="0"/>
+                                  </p:stCondLst>
+                                  <p:childTnLst>
+                                    <p:set>
+                                      <p:cBhvr>
+                                        <p:cTn id="44" dur="1" fill="hold">
+                                          <p:stCondLst>
+                                            <p:cond delay="0"/>
+                                          </p:stCondLst>
+                                        </p:cTn>
+                                        <p:tgtEl>
+                                          <p:spTgt spid="26633"/>
+                                        </p:tgtEl>
+                                        <p:attrNameLst>
+                                          <p:attrName>style.visibility</p:attrName>
+                                        </p:attrNameLst>
+                                      </p:cBhvr>
+                                      <p:to>
+                                        <p:strVal val="visible"/>
+                                      </p:to>
+                                    </p:set>
+                                  </p:childTnLst>
+                                </p:cTn>
+                              </p:par>
+                            </p:childTnLst>
+                          </p:cTn>
+                        </p:par>
+                      </p:childTnLst>
+                    </p:cTn>
+                  </p:par>
+                </p:childTnLst>
+              </p:cTn>
+              <p:prevCondLst>
+                <p:cond evt="onPrev" delay="0">
+                  <p:tgtEl>
+                    <p:sldTgt/>
+                  </p:tgtEl>
+                </p:cond>
+              </p:prevCondLst>
+              <p:nextCondLst>
+                <p:cond evt="onNext" delay="0">
+                  <p:tgtEl>
+                    <p:sldTgt/>
+                  </p:tgtEl>
+                </p:cond>
+              </p:nextCondLst>
+            </p:seq>
+          </p:childTnLst>
+        </p:cTn>
+      </p:par>
+    </p:tnLst>
+    <p:bldLst>
+      <p:bldP spid="26629" grpId="0" uiExpand="1" build="p"/>
+    </p:bldLst>
+  </p:timing>
+</p:sld>
+</file>
+
+<file path=ppt/slides/slide6.xml><?xml version="1.0" encoding="utf-8"?>
+<p:sld xmlns:a="http://schemas.openxmlformats.org/drawingml/2006/main" xmlns:r="http://schemas.openxmlformats.org/officeDocument/2006/relationships" xmlns:p="http://schemas.openxmlformats.org/presentationml/2006/main" show="0">
+  <p:cSld>
+    <p:spTree>
+      <p:nvGrpSpPr>
+        <p:cNvPr id="1" name=""/>
+        <p:cNvGrpSpPr/>
+        <p:nvPr/>
+      </p:nvGrpSpPr>
+      <p:grpSpPr>
+        <a:xfrm>
+          <a:off x="0" y="0"/>
+          <a:ext cx="0" cy="0"/>
+          <a:chOff x="0" y="0"/>
+          <a:chExt cx="0" cy="0"/>
+        </a:xfrm>
+      </p:grpSpPr>
+      <p:sp>
+        <p:nvSpPr>
+          <p:cNvPr id="46084" name="Rectangle 4"/>
+          <p:cNvSpPr>
+            <a:spLocks noGrp="1"/>
+          </p:cNvSpPr>
+          <p:nvPr>
+            <p:ph type="title"/>
+          </p:nvPr>
+        </p:nvSpPr>
+        <p:spPr bwMode="auto">
+          <a:xfrm>
+            <a:off x="1435100" y="274638"/>
+            <a:ext cx="7499350" cy="1143000"/>
+          </a:xfrm>
+          <a:noFill/>
+        </p:spPr>
+        <p:txBody>
+          <a:bodyPr vert="horz" wrap="square" lIns="91440" tIns="45720" rIns="91440" bIns="45720" numCol="1" anchorCtr="0" compatLnSpc="1">
+            <a:prstTxWarp prst="textNoShape">
+              <a:avLst/>
+            </a:prstTxWarp>
+          </a:bodyPr>
+          <a:lstStyle/>
+          <a:p>
+            <a:r>
+              <a:rPr lang="en-GB" smtClean="0">
+                <a:effectLst/>
+              </a:rPr>
+              <a:t>Artilium build environment</a:t>
+            </a:r>
+            <a:endParaRPr lang="en-US" smtClean="0">
+              <a:effectLst/>
+            </a:endParaRPr>
+          </a:p>
+        </p:txBody>
+      </p:sp>
+      <p:pic>
+        <p:nvPicPr>
+          <p:cNvPr id="46085" name="Picture 5"/>
+          <p:cNvPicPr>
+            <a:picLocks noChangeAspect="1" noChangeArrowheads="1"/>
+          </p:cNvPicPr>
+          <p:nvPr/>
+        </p:nvPicPr>
+        <p:blipFill>
+          <a:blip r:embed="rId2"/>
+          <a:srcRect/>
+          <a:stretch>
+            <a:fillRect/>
+          </a:stretch>
+        </p:blipFill>
+        <p:spPr bwMode="auto">
+          <a:xfrm>
+            <a:off x="1258888" y="1412875"/>
+            <a:ext cx="7345362" cy="5275263"/>
+          </a:xfrm>
+          <a:prstGeom prst="rect">
+            <a:avLst/>
+          </a:prstGeom>
+          <a:noFill/>
+          <a:ln w="9525">
+            <a:noFill/>
+            <a:miter lim="800000"/>
+            <a:headEnd/>
+            <a:tailEnd/>
+          </a:ln>
+          <a:effectLst/>
+        </p:spPr>
+      </p:pic>
+    </p:spTree>
+  </p:cSld>
+  <p:clrMapOvr>
+    <a:masterClrMapping/>
+  </p:clrMapOvr>
+  <p:transition>
+    <p:fade/>
+  </p:transition>
+  <p:timing>
+    <p:tnLst>
+      <p:par>
+        <p:cTn id="1" dur="indefinite" restart="never" nodeType="tmRoot"/>
+      </p:par>
+    </p:tnLst>
+  </p:timing>
+</p:sld>
+</file>
+
+<file path=ppt/slides/slide7.xml><?xml version="1.0" encoding="utf-8"?>
+<p:sld xmlns:a="http://schemas.openxmlformats.org/drawingml/2006/main" xmlns:r="http://schemas.openxmlformats.org/officeDocument/2006/relationships" xmlns:p="http://schemas.openxmlformats.org/presentationml/2006/main">
+  <p:cSld>
+    <p:spTree>
+      <p:nvGrpSpPr>
+        <p:cNvPr id="1" name=""/>
+        <p:cNvGrpSpPr/>
+        <p:nvPr/>
+      </p:nvGrpSpPr>
+      <p:grpSpPr>
+        <a:xfrm>
+          <a:off x="0" y="0"/>
+          <a:ext cx="0" cy="0"/>
+          <a:chOff x="0" y="0"/>
+          <a:chExt cx="0" cy="0"/>
+        </a:xfrm>
+      </p:grpSpPr>
+      <p:sp>
+        <p:nvSpPr>
+          <p:cNvPr id="48132" name="Rectangle 4"/>
+          <p:cNvSpPr>
+            <a:spLocks noGrp="1"/>
+          </p:cNvSpPr>
+          <p:nvPr>
+            <p:ph type="title"/>
+          </p:nvPr>
+        </p:nvSpPr>
+        <p:spPr bwMode="auto">
+          <a:xfrm>
+            <a:off x="1435100" y="274638"/>
+            <a:ext cx="7499350" cy="561975"/>
+          </a:xfrm>
+          <a:noFill/>
+        </p:spPr>
+        <p:txBody>
+          <a:bodyPr vert="horz" wrap="square" lIns="91440" tIns="45720" rIns="91440" bIns="45720" numCol="1" anchorCtr="0" compatLnSpc="1">
+            <a:prstTxWarp prst="textNoShape">
+              <a:avLst/>
+            </a:prstTxWarp>
+            <a:normAutofit fontScale="90000"/>
+          </a:bodyPr>
+          <a:lstStyle/>
+          <a:p>
+            <a:r>
+              <a:rPr lang="en-GB" sz="3900" smtClean="0">
+                <a:effectLst/>
+              </a:rPr>
+              <a:t>Unit Test Naming convention</a:t>
+            </a:r>
+            <a:endParaRPr lang="en-US" sz="3900" smtClean="0">
+              <a:effectLst/>
+            </a:endParaRPr>
+          </a:p>
+        </p:txBody>
+      </p:sp>
+      <p:pic>
+        <p:nvPicPr>
+          <p:cNvPr id="48133" name="Picture 2"/>
+          <p:cNvPicPr>
+            <a:picLocks noChangeAspect="1" noChangeArrowheads="1"/>
+          </p:cNvPicPr>
+          <p:nvPr/>
+        </p:nvPicPr>
+        <p:blipFill>
+          <a:blip r:embed="rId2"/>
+          <a:srcRect/>
+          <a:stretch>
+            <a:fillRect/>
+          </a:stretch>
+        </p:blipFill>
+        <p:spPr bwMode="auto">
+          <a:xfrm>
+            <a:off x="1547813" y="908050"/>
+            <a:ext cx="6858000" cy="5799138"/>
+          </a:xfrm>
+          <a:prstGeom prst="rect">
+            <a:avLst/>
+          </a:prstGeom>
+          <a:noFill/>
+          <a:ln w="9525">
+            <a:noFill/>
+            <a:miter lim="800000"/>
+            <a:headEnd/>
+            <a:tailEnd/>
+          </a:ln>
+        </p:spPr>
+      </p:pic>
+    </p:spTree>
+  </p:cSld>
+  <p:clrMapOvr>
+    <a:masterClrMapping/>
+  </p:clrMapOvr>
+  <p:transition>
+    <p:fade/>
+  </p:transition>
+</p:sld>
+</file>
+
+<file path=ppt/slides/slide8.xml><?xml version="1.0" encoding="utf-8"?>
+<p:sld xmlns:a="http://schemas.openxmlformats.org/drawingml/2006/main" xmlns:r="http://schemas.openxmlformats.org/officeDocument/2006/relationships" xmlns:p="http://schemas.openxmlformats.org/presentationml/2006/main">
+  <p:cSld>
+    <p:spTree>
+      <p:nvGrpSpPr>
+        <p:cNvPr id="1" name=""/>
+        <p:cNvGrpSpPr/>
+        <p:nvPr/>
+      </p:nvGrpSpPr>
+      <p:grpSpPr>
+        <a:xfrm>
+          <a:off x="0" y="0"/>
+          <a:ext cx="0" cy="0"/>
+          <a:chOff x="0" y="0"/>
+          <a:chExt cx="0" cy="0"/>
+        </a:xfrm>
+      </p:grpSpPr>
+      <p:sp>
+        <p:nvSpPr>
+          <p:cNvPr id="50180" name="Rectangle 4"/>
+          <p:cNvSpPr>
+            <a:spLocks noGrp="1"/>
+          </p:cNvSpPr>
+          <p:nvPr>
+            <p:ph type="title"/>
+          </p:nvPr>
+        </p:nvSpPr>
+        <p:spPr bwMode="auto">
+          <a:xfrm>
+            <a:off x="1435100" y="274638"/>
+            <a:ext cx="7499350" cy="777875"/>
+          </a:xfrm>
+          <a:noFill/>
+        </p:spPr>
+        <p:txBody>
+          <a:bodyPr vert="horz" wrap="square" lIns="91440" tIns="45720" rIns="91440" bIns="45720" numCol="1" anchorCtr="0" compatLnSpc="1">
+            <a:prstTxWarp prst="textNoShape">
+              <a:avLst/>
+            </a:prstTxWarp>
+          </a:bodyPr>
+          <a:lstStyle/>
+          <a:p>
+            <a:r>
+              <a:rPr lang="en-GB" smtClean="0">
+                <a:effectLst/>
+              </a:rPr>
+              <a:t>FTS Portal</a:t>
+            </a:r>
+            <a:endParaRPr lang="en-US" smtClean="0">
+              <a:effectLst/>
+            </a:endParaRPr>
+          </a:p>
+        </p:txBody>
+      </p:sp>
+      <p:pic>
+        <p:nvPicPr>
+          <p:cNvPr id="50181" name="Picture 2"/>
+          <p:cNvPicPr>
+            <a:picLocks noChangeAspect="1" noChangeArrowheads="1"/>
+          </p:cNvPicPr>
+          <p:nvPr/>
+        </p:nvPicPr>
+        <p:blipFill>
+          <a:blip r:embed="rId2"/>
+          <a:srcRect/>
+          <a:stretch>
+            <a:fillRect/>
+          </a:stretch>
+        </p:blipFill>
+        <p:spPr bwMode="auto">
+          <a:xfrm>
+            <a:off x="1403350" y="1052513"/>
+            <a:ext cx="6086475" cy="5621337"/>
+          </a:xfrm>
+          <a:prstGeom prst="rect">
+            <a:avLst/>
+          </a:prstGeom>
+          <a:noFill/>
+          <a:ln w="9525">
+            <a:noFill/>
+            <a:miter lim="800000"/>
+            <a:headEnd/>
+            <a:tailEnd/>
+          </a:ln>
+        </p:spPr>
+      </p:pic>
     </p:spTree>
   </p:cSld>
   <p:clrMapOvr>
@@ -8049,4 +12428,287 @@
   <a:objectDefaults/>
   <a:extraClrSchemeLst/>
 </a:theme>
+</file>
+
+<file path=ppt/theme/theme3.xml><?xml version="1.0" encoding="utf-8"?>
+<a:theme xmlns:a="http://schemas.openxmlformats.org/drawingml/2006/main" name="Office Theme">
+  <a:themeElements>
+    <a:clrScheme name="">
+      <a:dk1>
+        <a:srgbClr val="000000"/>
+      </a:dk1>
+      <a:lt1>
+        <a:srgbClr val="FFFFFF"/>
+      </a:lt1>
+      <a:dk2>
+        <a:srgbClr val="000000"/>
+      </a:dk2>
+      <a:lt2>
+        <a:srgbClr val="808080"/>
+      </a:lt2>
+      <a:accent1>
+        <a:srgbClr val="BBE0E3"/>
+      </a:accent1>
+      <a:accent2>
+        <a:srgbClr val="333399"/>
+      </a:accent2>
+      <a:accent3>
+        <a:srgbClr val="FFFFFF"/>
+      </a:accent3>
+      <a:accent4>
+        <a:srgbClr val="000000"/>
+      </a:accent4>
+      <a:accent5>
+        <a:srgbClr val="DAEDEF"/>
+      </a:accent5>
+      <a:accent6>
+        <a:srgbClr val="2D2D8A"/>
+      </a:accent6>
+      <a:hlink>
+        <a:srgbClr val="009999"/>
+      </a:hlink>
+      <a:folHlink>
+        <a:srgbClr val="99CC00"/>
+      </a:folHlink>
+    </a:clrScheme>
+    <a:fontScheme name="Office">
+      <a:majorFont>
+        <a:latin typeface="Calibri"/>
+        <a:ea typeface=""/>
+        <a:cs typeface=""/>
+        <a:font script="Jpan" typeface="ＭＳ Ｐゴシック"/>
+        <a:font script="Hang" typeface="맑은 고딕"/>
+        <a:font script="Hans" typeface="宋体"/>
+        <a:font script="Hant" typeface="新細明體"/>
+        <a:font script="Arab" typeface="Times New Roman"/>
+        <a:font script="Hebr" typeface="Times New Roman"/>
+        <a:font script="Thai" typeface="Angsana New"/>
+        <a:font script="Ethi" typeface="Nyala"/>
+        <a:font script="Beng" typeface="Vrinda"/>
+        <a:font script="Gujr" typeface="Shruti"/>
+        <a:font script="Khmr" typeface="MoolBoran"/>
+        <a:font script="Knda" typeface="Tunga"/>
+        <a:font script="Guru" typeface="Raavi"/>
+        <a:font script="Cans" typeface="Euphemia"/>
+        <a:font script="Cher" typeface="Plantagenet Cherokee"/>
+        <a:font script="Yiii" typeface="Microsoft Yi Baiti"/>
+        <a:font script="Tibt" typeface="Microsoft Himalaya"/>
+        <a:font script="Thaa" typeface="MV Boli"/>
+        <a:font script="Deva" typeface="Mangal"/>
+        <a:font script="Telu" typeface="Gautami"/>
+        <a:font script="Taml" typeface="Latha"/>
+        <a:font script="Syrc" typeface="Estrangelo Edessa"/>
+        <a:font script="Orya" typeface="Kalinga"/>
+        <a:font script="Mlym" typeface="Kartika"/>
+        <a:font script="Laoo" typeface="DokChampa"/>
+        <a:font script="Sinh" typeface="Iskoola Pota"/>
+        <a:font script="Mong" typeface="Mongolian Baiti"/>
+        <a:font script="Viet" typeface="Times New Roman"/>
+        <a:font script="Uigh" typeface="Microsoft Uighur"/>
+      </a:majorFont>
+      <a:minorFont>
+        <a:latin typeface="Calibri"/>
+        <a:ea typeface=""/>
+        <a:cs typeface=""/>
+        <a:font script="Jpan" typeface="ＭＳ Ｐゴシック"/>
+        <a:font script="Hang" typeface="맑은 고딕"/>
+        <a:font script="Hans" typeface="宋体"/>
+        <a:font script="Hant" typeface="新細明體"/>
+        <a:font script="Arab" typeface="Arial"/>
+        <a:font script="Hebr" typeface="Arial"/>
+        <a:font script="Thai" typeface="Cordia New"/>
+        <a:font script="Ethi" typeface="Nyala"/>
+        <a:font script="Beng" typeface="Vrinda"/>
+        <a:font script="Gujr" typeface="Shruti"/>
+        <a:font script="Khmr" typeface="DaunPenh"/>
+        <a:font script="Knda" typeface="Tunga"/>
+        <a:font script="Guru" typeface="Raavi"/>
+        <a:font script="Cans" typeface="Euphemia"/>
+        <a:font script="Cher" typeface="Plantagenet Cherokee"/>
+        <a:font script="Yiii" typeface="Microsoft Yi Baiti"/>
+        <a:font script="Tibt" typeface="Microsoft Himalaya"/>
+        <a:font script="Thaa" typeface="MV Boli"/>
+        <a:font script="Deva" typeface="Mangal"/>
+        <a:font script="Telu" typeface="Gautami"/>
+        <a:font script="Taml" typeface="Latha"/>
+        <a:font script="Syrc" typeface="Estrangelo Edessa"/>
+        <a:font script="Orya" typeface="Kalinga"/>
+        <a:font script="Mlym" typeface="Kartika"/>
+        <a:font script="Laoo" typeface="DokChampa"/>
+        <a:font script="Sinh" typeface="Iskoola Pota"/>
+        <a:font script="Mong" typeface="Mongolian Baiti"/>
+        <a:font script="Viet" typeface="Arial"/>
+        <a:font script="Uigh" typeface="Microsoft Uighur"/>
+      </a:minorFont>
+    </a:fontScheme>
+    <a:fmtScheme name="Office">
+      <a:fillStyleLst>
+        <a:solidFill>
+          <a:schemeClr val="phClr"/>
+        </a:solidFill>
+        <a:gradFill rotWithShape="1">
+          <a:gsLst>
+            <a:gs pos="0">
+              <a:schemeClr val="phClr">
+                <a:tint val="50000"/>
+                <a:satMod val="300000"/>
+              </a:schemeClr>
+            </a:gs>
+            <a:gs pos="35000">
+              <a:schemeClr val="phClr">
+                <a:tint val="37000"/>
+                <a:satMod val="300000"/>
+              </a:schemeClr>
+            </a:gs>
+            <a:gs pos="100000">
+              <a:schemeClr val="phClr">
+                <a:tint val="15000"/>
+                <a:satMod val="350000"/>
+              </a:schemeClr>
+            </a:gs>
+          </a:gsLst>
+          <a:lin ang="16200000" scaled="1"/>
+        </a:gradFill>
+        <a:gradFill rotWithShape="1">
+          <a:gsLst>
+            <a:gs pos="0">
+              <a:schemeClr val="phClr">
+                <a:shade val="51000"/>
+                <a:satMod val="130000"/>
+              </a:schemeClr>
+            </a:gs>
+            <a:gs pos="80000">
+              <a:schemeClr val="phClr">
+                <a:shade val="93000"/>
+                <a:satMod val="130000"/>
+              </a:schemeClr>
+            </a:gs>
+            <a:gs pos="100000">
+              <a:schemeClr val="phClr">
+                <a:shade val="94000"/>
+                <a:satMod val="135000"/>
+              </a:schemeClr>
+            </a:gs>
+          </a:gsLst>
+          <a:lin ang="16200000" scaled="0"/>
+        </a:gradFill>
+      </a:fillStyleLst>
+      <a:lnStyleLst>
+        <a:ln w="9525" cap="flat" cmpd="sng" algn="ctr">
+          <a:solidFill>
+            <a:schemeClr val="phClr">
+              <a:shade val="95000"/>
+              <a:satMod val="105000"/>
+            </a:schemeClr>
+          </a:solidFill>
+          <a:prstDash val="solid"/>
+        </a:ln>
+        <a:ln w="25400" cap="flat" cmpd="sng" algn="ctr">
+          <a:solidFill>
+            <a:schemeClr val="phClr"/>
+          </a:solidFill>
+          <a:prstDash val="solid"/>
+        </a:ln>
+        <a:ln w="38100" cap="flat" cmpd="sng" algn="ctr">
+          <a:solidFill>
+            <a:schemeClr val="phClr"/>
+          </a:solidFill>
+          <a:prstDash val="solid"/>
+        </a:ln>
+      </a:lnStyleLst>
+      <a:effectStyleLst>
+        <a:effectStyle>
+          <a:effectLst>
+            <a:outerShdw blurRad="40000" dist="20000" dir="5400000" rotWithShape="0">
+              <a:srgbClr val="000000">
+                <a:alpha val="38000"/>
+              </a:srgbClr>
+            </a:outerShdw>
+          </a:effectLst>
+        </a:effectStyle>
+        <a:effectStyle>
+          <a:effectLst>
+            <a:outerShdw blurRad="40000" dist="23000" dir="5400000" rotWithShape="0">
+              <a:srgbClr val="000000">
+                <a:alpha val="35000"/>
+              </a:srgbClr>
+            </a:outerShdw>
+          </a:effectLst>
+        </a:effectStyle>
+        <a:effectStyle>
+          <a:effectLst>
+            <a:outerShdw blurRad="40000" dist="23000" dir="5400000" rotWithShape="0">
+              <a:srgbClr val="000000">
+                <a:alpha val="35000"/>
+              </a:srgbClr>
+            </a:outerShdw>
+          </a:effectLst>
+          <a:scene3d>
+            <a:camera prst="orthographicFront">
+              <a:rot lat="0" lon="0" rev="0"/>
+            </a:camera>
+            <a:lightRig rig="threePt" dir="t">
+              <a:rot lat="0" lon="0" rev="1200000"/>
+            </a:lightRig>
+          </a:scene3d>
+          <a:sp3d>
+            <a:bevelT w="63500" h="25400"/>
+          </a:sp3d>
+        </a:effectStyle>
+      </a:effectStyleLst>
+      <a:bgFillStyleLst>
+        <a:solidFill>
+          <a:schemeClr val="phClr"/>
+        </a:solidFill>
+        <a:gradFill rotWithShape="1">
+          <a:gsLst>
+            <a:gs pos="0">
+              <a:schemeClr val="phClr">
+                <a:tint val="40000"/>
+                <a:satMod val="350000"/>
+              </a:schemeClr>
+            </a:gs>
+            <a:gs pos="40000">
+              <a:schemeClr val="phClr">
+                <a:tint val="45000"/>
+                <a:shade val="99000"/>
+                <a:satMod val="350000"/>
+              </a:schemeClr>
+            </a:gs>
+            <a:gs pos="100000">
+              <a:schemeClr val="phClr">
+                <a:shade val="20000"/>
+                <a:satMod val="255000"/>
+              </a:schemeClr>
+            </a:gs>
+          </a:gsLst>
+          <a:path path="circle">
+            <a:fillToRect l="50000" t="-80000" r="50000" b="180000"/>
+          </a:path>
+        </a:gradFill>
+        <a:gradFill rotWithShape="1">
+          <a:gsLst>
+            <a:gs pos="0">
+              <a:schemeClr val="phClr">
+                <a:tint val="80000"/>
+                <a:satMod val="300000"/>
+              </a:schemeClr>
+            </a:gs>
+            <a:gs pos="100000">
+              <a:schemeClr val="phClr">
+                <a:shade val="30000"/>
+                <a:satMod val="200000"/>
+              </a:schemeClr>
+            </a:gs>
+          </a:gsLst>
+          <a:path path="circle">
+            <a:fillToRect l="50000" t="50000" r="50000" b="50000"/>
+          </a:path>
+        </a:gradFill>
+      </a:bgFillStyleLst>
+    </a:fmtScheme>
+  </a:themeElements>
+  <a:objectDefaults/>
+  <a:extraClrSchemeLst/>
+</a:theme>
 </file>
--- a/trunk/Agile.net/dotnet.pptx
+++ b/trunk/Agile.net/dotnet.pptx
@@ -6,17 +6,18 @@
     <p:sldMasterId id="2147483672" r:id="rId2"/>
   </p:sldMasterIdLst>
   <p:notesMasterIdLst>
-    <p:notesMasterId r:id="rId11"/>
+    <p:notesMasterId r:id="rId12"/>
   </p:notesMasterIdLst>
   <p:sldIdLst>
     <p:sldId id="279" r:id="rId3"/>
     <p:sldId id="280" r:id="rId4"/>
-    <p:sldId id="265" r:id="rId5"/>
-    <p:sldId id="281" r:id="rId6"/>
-    <p:sldId id="277" r:id="rId7"/>
-    <p:sldId id="282" r:id="rId8"/>
-    <p:sldId id="283" r:id="rId9"/>
-    <p:sldId id="284" r:id="rId10"/>
+    <p:sldId id="286" r:id="rId5"/>
+    <p:sldId id="265" r:id="rId6"/>
+    <p:sldId id="287" r:id="rId7"/>
+    <p:sldId id="288" r:id="rId8"/>
+    <p:sldId id="282" r:id="rId9"/>
+    <p:sldId id="283" r:id="rId10"/>
+    <p:sldId id="284" r:id="rId11"/>
   </p:sldIdLst>
   <p:sldSz cx="9144000" cy="6858000" type="screen4x3"/>
   <p:notesSz cx="6858000" cy="9144000"/>
@@ -611,26 +612,104 @@
       </p:grpSpPr>
       <p:sp>
         <p:nvSpPr>
-          <p:cNvPr id="45058" name="Rectangle 2"/>
-          <p:cNvSpPr>
-            <a:spLocks noGrp="1" noRot="1" noChangeAspect="1" noChangeArrowheads="1" noTextEdit="1"/>
+          <p:cNvPr id="2" name="Slide Image Placeholder 1"/>
+          <p:cNvSpPr>
+            <a:spLocks noGrp="1" noRot="1" noChangeAspect="1"/>
           </p:cNvSpPr>
           <p:nvPr>
             <p:ph type="sldImg"/>
           </p:nvPr>
         </p:nvSpPr>
-        <p:spPr>
-          <a:ln/>
-        </p:spPr>
-      </p:sp>
-      <p:sp>
-        <p:nvSpPr>
-          <p:cNvPr id="45059" name="Rectangle 3"/>
-          <p:cNvSpPr>
-            <a:spLocks noGrp="1" noChangeArrowheads="1"/>
+        <p:spPr/>
+      </p:sp>
+      <p:sp>
+        <p:nvSpPr>
+          <p:cNvPr id="3" name="Notes Placeholder 2"/>
+          <p:cNvSpPr>
+            <a:spLocks noGrp="1"/>
           </p:cNvSpPr>
           <p:nvPr>
             <p:ph type="body" idx="1"/>
+          </p:nvPr>
+        </p:nvSpPr>
+        <p:spPr/>
+        <p:txBody>
+          <a:bodyPr>
+            <a:normAutofit/>
+          </a:bodyPr>
+          <a:lstStyle/>
+          <a:p>
+            <a:pPr marL="0" marR="0" lvl="1" indent="0" algn="l" defTabSz="914400" rtl="0" eaLnBrk="1" fontAlgn="base" latinLnBrk="0" hangingPunct="1">
+              <a:lnSpc>
+                <a:spcPct val="100000"/>
+              </a:lnSpc>
+              <a:spcBef>
+                <a:spcPct val="30000"/>
+              </a:spcBef>
+              <a:spcAft>
+                <a:spcPct val="0"/>
+              </a:spcAft>
+              <a:buClrTx/>
+              <a:buSzTx/>
+              <a:buFontTx/>
+              <a:buNone/>
+              <a:tabLst/>
+              <a:defRPr/>
+            </a:pPr>
+            <a:r>
+              <a:rPr lang="en-GB" sz="2000" dirty="0" err="1" smtClean="0">
+                <a:solidFill>
+                  <a:schemeClr val="bg1">
+                    <a:lumMod val="75000"/>
+                  </a:schemeClr>
+                </a:solidFill>
+              </a:rPr>
+              <a:t>NMock</a:t>
+            </a:r>
+            <a:r>
+              <a:rPr lang="en-GB" sz="2000" dirty="0" smtClean="0">
+                <a:solidFill>
+                  <a:schemeClr val="bg1">
+                    <a:lumMod val="75000"/>
+                  </a:schemeClr>
+                </a:solidFill>
+              </a:rPr>
+              <a:t> 2.0 – from </a:t>
+            </a:r>
+            <a:r>
+              <a:rPr lang="en-GB" sz="2000" dirty="0" err="1" smtClean="0">
+                <a:solidFill>
+                  <a:schemeClr val="bg1">
+                    <a:lumMod val="75000"/>
+                  </a:schemeClr>
+                </a:solidFill>
+              </a:rPr>
+              <a:t>Jmock</a:t>
+            </a:r>
+            <a:r>
+              <a:rPr lang="en-GB" sz="2000" dirty="0" smtClean="0">
+                <a:solidFill>
+                  <a:schemeClr val="bg1">
+                    <a:lumMod val="75000"/>
+                  </a:schemeClr>
+                </a:solidFill>
+              </a:rPr>
+              <a:t>, currently outdated</a:t>
+            </a:r>
+          </a:p>
+          <a:p>
+            <a:endParaRPr lang="en-US" dirty="0"/>
+          </a:p>
+        </p:txBody>
+      </p:sp>
+      <p:sp>
+        <p:nvSpPr>
+          <p:cNvPr id="4" name="Slide Number Placeholder 3"/>
+          <p:cNvSpPr>
+            <a:spLocks noGrp="1"/>
+          </p:cNvSpPr>
+          <p:nvPr>
+            <p:ph type="sldNum" sz="quarter" idx="10"/>
           </p:nvPr>
         </p:nvSpPr>
         <p:spPr/>
@@ -638,68 +717,11 @@
           <a:bodyPr/>
           <a:lstStyle/>
           <a:p>
-            <a:r>
-              <a:rPr lang="en-GB"/>
-              <a:t>CruiseControl.NET</a:t>
-            </a:r>
-          </a:p>
-          <a:p>
-            <a:pPr lvl="2"/>
-            <a:r>
-              <a:rPr lang="en-GB"/>
-              <a:t>Triggered by check-in</a:t>
-            </a:r>
-          </a:p>
-          <a:p>
-            <a:pPr lvl="2"/>
-            <a:r>
-              <a:rPr lang="en-GB"/>
-              <a:t>Get Latest Version</a:t>
-            </a:r>
-          </a:p>
-          <a:p>
-            <a:pPr lvl="2"/>
-            <a:r>
-              <a:rPr lang="en-GB"/>
-              <a:t>Compile</a:t>
-            </a:r>
-          </a:p>
-          <a:p>
-            <a:pPr lvl="2"/>
-            <a:r>
-              <a:rPr lang="en-GB"/>
-              <a:t>Unit testing</a:t>
-            </a:r>
-          </a:p>
-          <a:p>
-            <a:pPr lvl="2"/>
-            <a:r>
-              <a:rPr lang="en-GB"/>
-              <a:t>Acceptance Testing</a:t>
-            </a:r>
-          </a:p>
-          <a:p>
-            <a:pPr lvl="3"/>
-            <a:r>
-              <a:rPr lang="en-GB"/>
-              <a:t>Last successful build</a:t>
-            </a:r>
-          </a:p>
-          <a:p>
-            <a:pPr lvl="4"/>
-            <a:r>
-              <a:rPr lang="en-GB"/>
-              <a:t>Deployment other environments</a:t>
-            </a:r>
-          </a:p>
-          <a:p>
-            <a:pPr lvl="4"/>
-            <a:r>
-              <a:rPr lang="en-GB"/>
-              <a:t>Load testing</a:t>
-            </a:r>
-          </a:p>
-          <a:p>
+            <a:fld id="{F39D6A55-3496-475A-AFEF-0EBAC1B3F269}" type="slidenum">
+              <a:rPr lang="en-US" smtClean="0"/>
+              <a:pPr/>
+              <a:t>4</a:t>
+            </a:fld>
             <a:endParaRPr lang="en-US"/>
           </a:p>
         </p:txBody>
@@ -9046,8 +9068,3194 @@
         </p:blipFill>
         <p:spPr bwMode="auto">
           <a:xfrm>
-            <a:off x="3000364" y="1428735"/>
+            <a:off x="4786314" y="1785926"/>
             <a:ext cx="3500462" cy="4796955"/>
+          </a:xfrm>
+          <a:prstGeom prst="rect">
+            <a:avLst/>
+          </a:prstGeom>
+          <a:noFill/>
+          <a:ln w="9525">
+            <a:noFill/>
+            <a:miter lim="800000"/>
+            <a:headEnd/>
+            <a:tailEnd/>
+          </a:ln>
+          <a:effectLst/>
+        </p:spPr>
+      </p:pic>
+    </p:spTree>
+  </p:cSld>
+  <p:clrMapOvr>
+    <a:masterClrMapping/>
+  </p:clrMapOvr>
+  <p:transition>
+    <p:fade/>
+  </p:transition>
+  <p:timing>
+    <p:tnLst>
+      <p:par>
+        <p:cTn id="1" dur="indefinite" restart="never" nodeType="tmRoot"/>
+      </p:par>
+    </p:tnLst>
+  </p:timing>
+</p:sld>
+</file>
+
+<file path=ppt/slides/slide2.xml><?xml version="1.0" encoding="utf-8"?>
+<p:sld xmlns:a="http://schemas.openxmlformats.org/drawingml/2006/main" xmlns:r="http://schemas.openxmlformats.org/officeDocument/2006/relationships" xmlns:p="http://schemas.openxmlformats.org/presentationml/2006/main">
+  <p:cSld>
+    <p:spTree>
+      <p:nvGrpSpPr>
+        <p:cNvPr id="1" name=""/>
+        <p:cNvGrpSpPr/>
+        <p:nvPr/>
+      </p:nvGrpSpPr>
+      <p:grpSpPr>
+        <a:xfrm>
+          <a:off x="0" y="0"/>
+          <a:ext cx="0" cy="0"/>
+          <a:chOff x="0" y="0"/>
+          <a:chExt cx="0" cy="0"/>
+        </a:xfrm>
+      </p:grpSpPr>
+      <p:pic>
+        <p:nvPicPr>
+          <p:cNvPr id="10241" name="Picture 1"/>
+          <p:cNvPicPr>
+            <a:picLocks noChangeAspect="1" noChangeArrowheads="1"/>
+          </p:cNvPicPr>
+          <p:nvPr/>
+        </p:nvPicPr>
+        <p:blipFill>
+          <a:blip r:embed="rId2">
+            <a:lum contrast="10000"/>
+          </a:blip>
+          <a:srcRect/>
+          <a:stretch>
+            <a:fillRect/>
+          </a:stretch>
+        </p:blipFill>
+        <p:spPr bwMode="auto">
+          <a:xfrm>
+            <a:off x="5857884" y="3683000"/>
+            <a:ext cx="3175000" cy="3175000"/>
+          </a:xfrm>
+          <a:prstGeom prst="rect">
+            <a:avLst/>
+          </a:prstGeom>
+          <a:noFill/>
+          <a:ln w="9525">
+            <a:noFill/>
+            <a:miter lim="800000"/>
+            <a:headEnd/>
+            <a:tailEnd/>
+          </a:ln>
+          <a:effectLst/>
+        </p:spPr>
+      </p:pic>
+      <p:sp>
+        <p:nvSpPr>
+          <p:cNvPr id="35842" name="Rectangle 2"/>
+          <p:cNvSpPr>
+            <a:spLocks noGrp="1"/>
+          </p:cNvSpPr>
+          <p:nvPr>
+            <p:ph type="title"/>
+          </p:nvPr>
+        </p:nvSpPr>
+        <p:spPr bwMode="auto">
+          <a:noFill/>
+        </p:spPr>
+        <p:txBody>
+          <a:bodyPr vert="horz" wrap="square" lIns="91440" tIns="45720" rIns="91440" bIns="45720" numCol="1" anchorCtr="0" compatLnSpc="1">
+            <a:prstTxWarp prst="textNoShape">
+              <a:avLst/>
+            </a:prstTxWarp>
+          </a:bodyPr>
+          <a:lstStyle/>
+          <a:p>
+            <a:r>
+              <a:rPr lang="en-GB" smtClean="0">
+                <a:effectLst/>
+              </a:rPr>
+              <a:t>Agile in the .NET World</a:t>
+            </a:r>
+            <a:endParaRPr lang="en-US" smtClean="0">
+              <a:effectLst/>
+            </a:endParaRPr>
+          </a:p>
+        </p:txBody>
+      </p:sp>
+      <p:sp>
+        <p:nvSpPr>
+          <p:cNvPr id="35843" name="Rectangle 3"/>
+          <p:cNvSpPr>
+            <a:spLocks noGrp="1"/>
+          </p:cNvSpPr>
+          <p:nvPr>
+            <p:ph type="body" idx="1"/>
+          </p:nvPr>
+        </p:nvSpPr>
+        <p:spPr/>
+        <p:txBody>
+          <a:bodyPr/>
+          <a:lstStyle/>
+          <a:p>
+            <a:r>
+              <a:rPr lang="en-GB" sz="2800" dirty="0" smtClean="0"/>
+              <a:t>Communication</a:t>
+            </a:r>
+            <a:endParaRPr lang="en-GB" sz="2800" dirty="0" smtClean="0"/>
+          </a:p>
+          <a:p>
+            <a:pPr lvl="1"/>
+            <a:r>
+              <a:rPr lang="en-GB" sz="2400" dirty="0" smtClean="0"/>
+              <a:t>Microsoft </a:t>
+            </a:r>
+            <a:r>
+              <a:rPr lang="en-GB" sz="2400" dirty="0" err="1" smtClean="0"/>
+              <a:t>Sharepoint</a:t>
+            </a:r>
+            <a:r>
+              <a:rPr lang="en-GB" sz="2400" dirty="0" smtClean="0"/>
+              <a:t> Services (</a:t>
+            </a:r>
+            <a:r>
+              <a:rPr lang="en-GB" sz="2400" dirty="0" smtClean="0">
+                <a:hlinkClick r:id="rId3" action="ppaction://hlinksldjump"/>
+              </a:rPr>
+              <a:t>TFS</a:t>
+            </a:r>
+            <a:r>
+              <a:rPr lang="en-GB" sz="2400" dirty="0" smtClean="0"/>
+              <a:t>)</a:t>
+            </a:r>
+            <a:endParaRPr lang="en-US" sz="2000" dirty="0" smtClean="0"/>
+          </a:p>
+          <a:p>
+            <a:r>
+              <a:rPr lang="en-GB" sz="2800" dirty="0" smtClean="0"/>
+              <a:t>Test Driven Development</a:t>
+            </a:r>
+          </a:p>
+          <a:p>
+            <a:pPr lvl="1"/>
+            <a:r>
+              <a:rPr lang="en-GB" sz="2400" dirty="0" smtClean="0"/>
+              <a:t>Design for extendibility</a:t>
+            </a:r>
+          </a:p>
+          <a:p>
+            <a:pPr lvl="1"/>
+            <a:r>
+              <a:rPr lang="en-GB" sz="2400" dirty="0" smtClean="0"/>
+              <a:t>Design for testability</a:t>
+            </a:r>
+          </a:p>
+          <a:p>
+            <a:r>
+              <a:rPr lang="en-GB" sz="2800" dirty="0" smtClean="0"/>
+              <a:t>Continuous Integration</a:t>
+            </a:r>
+          </a:p>
+          <a:p>
+            <a:pPr lvl="1"/>
+            <a:r>
+              <a:rPr lang="en-GB" sz="2400" dirty="0" smtClean="0"/>
+              <a:t>Build Server</a:t>
+            </a:r>
+          </a:p>
+          <a:p>
+            <a:pPr lvl="1"/>
+            <a:r>
+              <a:rPr lang="en-GB" sz="2400" dirty="0" smtClean="0"/>
+              <a:t>Auto Testing</a:t>
+            </a:r>
+          </a:p>
+          <a:p>
+            <a:r>
+              <a:rPr lang="en-GB" sz="2800" dirty="0" smtClean="0"/>
+              <a:t>Acceptance Testing</a:t>
+            </a:r>
+          </a:p>
+          <a:p>
+            <a:pPr lvl="1"/>
+            <a:r>
+              <a:rPr lang="en-GB" sz="2400" dirty="0" smtClean="0"/>
+              <a:t>Automated</a:t>
+            </a:r>
+          </a:p>
+        </p:txBody>
+      </p:sp>
+    </p:spTree>
+  </p:cSld>
+  <p:clrMapOvr>
+    <a:masterClrMapping/>
+  </p:clrMapOvr>
+  <p:transition>
+    <p:fade/>
+  </p:transition>
+  <p:timing>
+    <p:tnLst>
+      <p:par>
+        <p:cTn id="1" dur="indefinite" restart="never" nodeType="tmRoot">
+          <p:childTnLst>
+            <p:seq concurrent="1" nextAc="seek">
+              <p:cTn id="2" dur="indefinite" nodeType="mainSeq">
+                <p:childTnLst>
+                  <p:par>
+                    <p:cTn id="3" fill="hold">
+                      <p:stCondLst>
+                        <p:cond delay="indefinite"/>
+                      </p:stCondLst>
+                      <p:childTnLst>
+                        <p:par>
+                          <p:cTn id="4" fill="hold">
+                            <p:stCondLst>
+                              <p:cond delay="0"/>
+                            </p:stCondLst>
+                            <p:childTnLst>
+                              <p:par>
+                                <p:cTn id="5" presetID="10" presetClass="entr" presetSubtype="0" fill="hold" grpId="0" nodeType="clickEffect">
+                                  <p:stCondLst>
+                                    <p:cond delay="0"/>
+                                  </p:stCondLst>
+                                  <p:childTnLst>
+                                    <p:set>
+                                      <p:cBhvr>
+                                        <p:cTn id="6" dur="1" fill="hold">
+                                          <p:stCondLst>
+                                            <p:cond delay="0"/>
+                                          </p:stCondLst>
+                                        </p:cTn>
+                                        <p:tgtEl>
+                                          <p:spTgt spid="35843">
+                                            <p:txEl>
+                                              <p:pRg st="2" end="2"/>
+                                            </p:txEl>
+                                          </p:spTgt>
+                                        </p:tgtEl>
+                                        <p:attrNameLst>
+                                          <p:attrName>style.visibility</p:attrName>
+                                        </p:attrNameLst>
+                                      </p:cBhvr>
+                                      <p:to>
+                                        <p:strVal val="visible"/>
+                                      </p:to>
+                                    </p:set>
+                                    <p:animEffect transition="in" filter="fade">
+                                      <p:cBhvr>
+                                        <p:cTn id="7" dur="2000"/>
+                                        <p:tgtEl>
+                                          <p:spTgt spid="35843">
+                                            <p:txEl>
+                                              <p:pRg st="2" end="2"/>
+                                            </p:txEl>
+                                          </p:spTgt>
+                                        </p:tgtEl>
+                                      </p:cBhvr>
+                                    </p:animEffect>
+                                  </p:childTnLst>
+                                </p:cTn>
+                              </p:par>
+                              <p:par>
+                                <p:cTn id="8" presetID="10" presetClass="entr" presetSubtype="0" fill="hold" grpId="0" nodeType="withEffect">
+                                  <p:stCondLst>
+                                    <p:cond delay="0"/>
+                                  </p:stCondLst>
+                                  <p:childTnLst>
+                                    <p:set>
+                                      <p:cBhvr>
+                                        <p:cTn id="9" dur="1" fill="hold">
+                                          <p:stCondLst>
+                                            <p:cond delay="0"/>
+                                          </p:stCondLst>
+                                        </p:cTn>
+                                        <p:tgtEl>
+                                          <p:spTgt spid="35843">
+                                            <p:txEl>
+                                              <p:pRg st="3" end="3"/>
+                                            </p:txEl>
+                                          </p:spTgt>
+                                        </p:tgtEl>
+                                        <p:attrNameLst>
+                                          <p:attrName>style.visibility</p:attrName>
+                                        </p:attrNameLst>
+                                      </p:cBhvr>
+                                      <p:to>
+                                        <p:strVal val="visible"/>
+                                      </p:to>
+                                    </p:set>
+                                    <p:animEffect transition="in" filter="fade">
+                                      <p:cBhvr>
+                                        <p:cTn id="10" dur="2000"/>
+                                        <p:tgtEl>
+                                          <p:spTgt spid="35843">
+                                            <p:txEl>
+                                              <p:pRg st="3" end="3"/>
+                                            </p:txEl>
+                                          </p:spTgt>
+                                        </p:tgtEl>
+                                      </p:cBhvr>
+                                    </p:animEffect>
+                                  </p:childTnLst>
+                                </p:cTn>
+                              </p:par>
+                              <p:par>
+                                <p:cTn id="11" presetID="10" presetClass="entr" presetSubtype="0" fill="hold" grpId="0" nodeType="withEffect">
+                                  <p:stCondLst>
+                                    <p:cond delay="0"/>
+                                  </p:stCondLst>
+                                  <p:childTnLst>
+                                    <p:set>
+                                      <p:cBhvr>
+                                        <p:cTn id="12" dur="1" fill="hold">
+                                          <p:stCondLst>
+                                            <p:cond delay="0"/>
+                                          </p:stCondLst>
+                                        </p:cTn>
+                                        <p:tgtEl>
+                                          <p:spTgt spid="35843">
+                                            <p:txEl>
+                                              <p:pRg st="4" end="4"/>
+                                            </p:txEl>
+                                          </p:spTgt>
+                                        </p:tgtEl>
+                                        <p:attrNameLst>
+                                          <p:attrName>style.visibility</p:attrName>
+                                        </p:attrNameLst>
+                                      </p:cBhvr>
+                                      <p:to>
+                                        <p:strVal val="visible"/>
+                                      </p:to>
+                                    </p:set>
+                                    <p:animEffect transition="in" filter="fade">
+                                      <p:cBhvr>
+                                        <p:cTn id="13" dur="2000"/>
+                                        <p:tgtEl>
+                                          <p:spTgt spid="35843">
+                                            <p:txEl>
+                                              <p:pRg st="4" end="4"/>
+                                            </p:txEl>
+                                          </p:spTgt>
+                                        </p:tgtEl>
+                                      </p:cBhvr>
+                                    </p:animEffect>
+                                  </p:childTnLst>
+                                </p:cTn>
+                              </p:par>
+                            </p:childTnLst>
+                          </p:cTn>
+                        </p:par>
+                      </p:childTnLst>
+                    </p:cTn>
+                  </p:par>
+                  <p:par>
+                    <p:cTn id="14" fill="hold">
+                      <p:stCondLst>
+                        <p:cond delay="indefinite"/>
+                      </p:stCondLst>
+                      <p:childTnLst>
+                        <p:par>
+                          <p:cTn id="15" fill="hold">
+                            <p:stCondLst>
+                              <p:cond delay="0"/>
+                            </p:stCondLst>
+                            <p:childTnLst>
+                              <p:par>
+                                <p:cTn id="16" presetID="10" presetClass="entr" presetSubtype="0" fill="hold" grpId="0" nodeType="clickEffect">
+                                  <p:stCondLst>
+                                    <p:cond delay="0"/>
+                                  </p:stCondLst>
+                                  <p:childTnLst>
+                                    <p:set>
+                                      <p:cBhvr>
+                                        <p:cTn id="17" dur="1" fill="hold">
+                                          <p:stCondLst>
+                                            <p:cond delay="0"/>
+                                          </p:stCondLst>
+                                        </p:cTn>
+                                        <p:tgtEl>
+                                          <p:spTgt spid="35843">
+                                            <p:txEl>
+                                              <p:pRg st="5" end="5"/>
+                                            </p:txEl>
+                                          </p:spTgt>
+                                        </p:tgtEl>
+                                        <p:attrNameLst>
+                                          <p:attrName>style.visibility</p:attrName>
+                                        </p:attrNameLst>
+                                      </p:cBhvr>
+                                      <p:to>
+                                        <p:strVal val="visible"/>
+                                      </p:to>
+                                    </p:set>
+                                    <p:animEffect transition="in" filter="fade">
+                                      <p:cBhvr>
+                                        <p:cTn id="18" dur="2000"/>
+                                        <p:tgtEl>
+                                          <p:spTgt spid="35843">
+                                            <p:txEl>
+                                              <p:pRg st="5" end="5"/>
+                                            </p:txEl>
+                                          </p:spTgt>
+                                        </p:tgtEl>
+                                      </p:cBhvr>
+                                    </p:animEffect>
+                                  </p:childTnLst>
+                                </p:cTn>
+                              </p:par>
+                              <p:par>
+                                <p:cTn id="19" presetID="10" presetClass="entr" presetSubtype="0" fill="hold" grpId="0" nodeType="withEffect">
+                                  <p:stCondLst>
+                                    <p:cond delay="0"/>
+                                  </p:stCondLst>
+                                  <p:childTnLst>
+                                    <p:set>
+                                      <p:cBhvr>
+                                        <p:cTn id="20" dur="1" fill="hold">
+                                          <p:stCondLst>
+                                            <p:cond delay="0"/>
+                                          </p:stCondLst>
+                                        </p:cTn>
+                                        <p:tgtEl>
+                                          <p:spTgt spid="35843">
+                                            <p:txEl>
+                                              <p:pRg st="6" end="6"/>
+                                            </p:txEl>
+                                          </p:spTgt>
+                                        </p:tgtEl>
+                                        <p:attrNameLst>
+                                          <p:attrName>style.visibility</p:attrName>
+                                        </p:attrNameLst>
+                                      </p:cBhvr>
+                                      <p:to>
+                                        <p:strVal val="visible"/>
+                                      </p:to>
+                                    </p:set>
+                                    <p:animEffect transition="in" filter="fade">
+                                      <p:cBhvr>
+                                        <p:cTn id="21" dur="2000"/>
+                                        <p:tgtEl>
+                                          <p:spTgt spid="35843">
+                                            <p:txEl>
+                                              <p:pRg st="6" end="6"/>
+                                            </p:txEl>
+                                          </p:spTgt>
+                                        </p:tgtEl>
+                                      </p:cBhvr>
+                                    </p:animEffect>
+                                  </p:childTnLst>
+                                </p:cTn>
+                              </p:par>
+                              <p:par>
+                                <p:cTn id="22" presetID="10" presetClass="entr" presetSubtype="0" fill="hold" grpId="0" nodeType="withEffect">
+                                  <p:stCondLst>
+                                    <p:cond delay="0"/>
+                                  </p:stCondLst>
+                                  <p:childTnLst>
+                                    <p:set>
+                                      <p:cBhvr>
+                                        <p:cTn id="23" dur="1" fill="hold">
+                                          <p:stCondLst>
+                                            <p:cond delay="0"/>
+                                          </p:stCondLst>
+                                        </p:cTn>
+                                        <p:tgtEl>
+                                          <p:spTgt spid="35843">
+                                            <p:txEl>
+                                              <p:pRg st="7" end="7"/>
+                                            </p:txEl>
+                                          </p:spTgt>
+                                        </p:tgtEl>
+                                        <p:attrNameLst>
+                                          <p:attrName>style.visibility</p:attrName>
+                                        </p:attrNameLst>
+                                      </p:cBhvr>
+                                      <p:to>
+                                        <p:strVal val="visible"/>
+                                      </p:to>
+                                    </p:set>
+                                    <p:animEffect transition="in" filter="fade">
+                                      <p:cBhvr>
+                                        <p:cTn id="24" dur="2000"/>
+                                        <p:tgtEl>
+                                          <p:spTgt spid="35843">
+                                            <p:txEl>
+                                              <p:pRg st="7" end="7"/>
+                                            </p:txEl>
+                                          </p:spTgt>
+                                        </p:tgtEl>
+                                      </p:cBhvr>
+                                    </p:animEffect>
+                                  </p:childTnLst>
+                                </p:cTn>
+                              </p:par>
+                            </p:childTnLst>
+                          </p:cTn>
+                        </p:par>
+                      </p:childTnLst>
+                    </p:cTn>
+                  </p:par>
+                  <p:par>
+                    <p:cTn id="25" fill="hold">
+                      <p:stCondLst>
+                        <p:cond delay="indefinite"/>
+                      </p:stCondLst>
+                      <p:childTnLst>
+                        <p:par>
+                          <p:cTn id="26" fill="hold">
+                            <p:stCondLst>
+                              <p:cond delay="0"/>
+                            </p:stCondLst>
+                            <p:childTnLst>
+                              <p:par>
+                                <p:cTn id="27" presetID="10" presetClass="entr" presetSubtype="0" fill="hold" grpId="0" nodeType="clickEffect">
+                                  <p:stCondLst>
+                                    <p:cond delay="0"/>
+                                  </p:stCondLst>
+                                  <p:childTnLst>
+                                    <p:set>
+                                      <p:cBhvr>
+                                        <p:cTn id="28" dur="1" fill="hold">
+                                          <p:stCondLst>
+                                            <p:cond delay="0"/>
+                                          </p:stCondLst>
+                                        </p:cTn>
+                                        <p:tgtEl>
+                                          <p:spTgt spid="35843">
+                                            <p:txEl>
+                                              <p:pRg st="8" end="8"/>
+                                            </p:txEl>
+                                          </p:spTgt>
+                                        </p:tgtEl>
+                                        <p:attrNameLst>
+                                          <p:attrName>style.visibility</p:attrName>
+                                        </p:attrNameLst>
+                                      </p:cBhvr>
+                                      <p:to>
+                                        <p:strVal val="visible"/>
+                                      </p:to>
+                                    </p:set>
+                                    <p:animEffect transition="in" filter="fade">
+                                      <p:cBhvr>
+                                        <p:cTn id="29" dur="2000"/>
+                                        <p:tgtEl>
+                                          <p:spTgt spid="35843">
+                                            <p:txEl>
+                                              <p:pRg st="8" end="8"/>
+                                            </p:txEl>
+                                          </p:spTgt>
+                                        </p:tgtEl>
+                                      </p:cBhvr>
+                                    </p:animEffect>
+                                  </p:childTnLst>
+                                </p:cTn>
+                              </p:par>
+                              <p:par>
+                                <p:cTn id="30" presetID="10" presetClass="entr" presetSubtype="0" fill="hold" grpId="0" nodeType="withEffect">
+                                  <p:stCondLst>
+                                    <p:cond delay="0"/>
+                                  </p:stCondLst>
+                                  <p:childTnLst>
+                                    <p:set>
+                                      <p:cBhvr>
+                                        <p:cTn id="31" dur="1" fill="hold">
+                                          <p:stCondLst>
+                                            <p:cond delay="0"/>
+                                          </p:stCondLst>
+                                        </p:cTn>
+                                        <p:tgtEl>
+                                          <p:spTgt spid="35843">
+                                            <p:txEl>
+                                              <p:pRg st="9" end="9"/>
+                                            </p:txEl>
+                                          </p:spTgt>
+                                        </p:tgtEl>
+                                        <p:attrNameLst>
+                                          <p:attrName>style.visibility</p:attrName>
+                                        </p:attrNameLst>
+                                      </p:cBhvr>
+                                      <p:to>
+                                        <p:strVal val="visible"/>
+                                      </p:to>
+                                    </p:set>
+                                    <p:animEffect transition="in" filter="fade">
+                                      <p:cBhvr>
+                                        <p:cTn id="32" dur="2000"/>
+                                        <p:tgtEl>
+                                          <p:spTgt spid="35843">
+                                            <p:txEl>
+                                              <p:pRg st="9" end="9"/>
+                                            </p:txEl>
+                                          </p:spTgt>
+                                        </p:tgtEl>
+                                      </p:cBhvr>
+                                    </p:animEffect>
+                                  </p:childTnLst>
+                                </p:cTn>
+                              </p:par>
+                            </p:childTnLst>
+                          </p:cTn>
+                        </p:par>
+                      </p:childTnLst>
+                    </p:cTn>
+                  </p:par>
+                </p:childTnLst>
+              </p:cTn>
+              <p:prevCondLst>
+                <p:cond evt="onPrev" delay="0">
+                  <p:tgtEl>
+                    <p:sldTgt/>
+                  </p:tgtEl>
+                </p:cond>
+              </p:prevCondLst>
+              <p:nextCondLst>
+                <p:cond evt="onNext" delay="0">
+                  <p:tgtEl>
+                    <p:sldTgt/>
+                  </p:tgtEl>
+                </p:cond>
+              </p:nextCondLst>
+            </p:seq>
+          </p:childTnLst>
+        </p:cTn>
+      </p:par>
+    </p:tnLst>
+    <p:bldLst>
+      <p:bldP spid="35843" grpId="0" uiExpand="1" build="p"/>
+    </p:bldLst>
+  </p:timing>
+</p:sld>
+</file>
+
+<file path=ppt/slides/slide3.xml><?xml version="1.0" encoding="utf-8"?>
+<p:sld xmlns:a="http://schemas.openxmlformats.org/drawingml/2006/main" xmlns:r="http://schemas.openxmlformats.org/officeDocument/2006/relationships" xmlns:p="http://schemas.openxmlformats.org/presentationml/2006/main">
+  <p:cSld>
+    <p:spTree>
+      <p:nvGrpSpPr>
+        <p:cNvPr id="1" name=""/>
+        <p:cNvGrpSpPr/>
+        <p:nvPr/>
+      </p:nvGrpSpPr>
+      <p:grpSpPr>
+        <a:xfrm>
+          <a:off x="0" y="0"/>
+          <a:ext cx="0" cy="0"/>
+          <a:chOff x="0" y="0"/>
+          <a:chExt cx="0" cy="0"/>
+        </a:xfrm>
+      </p:grpSpPr>
+      <p:sp>
+        <p:nvSpPr>
+          <p:cNvPr id="2" name="Title 1"/>
+          <p:cNvSpPr>
+            <a:spLocks noGrp="1"/>
+          </p:cNvSpPr>
+          <p:nvPr>
+            <p:ph type="title"/>
+          </p:nvPr>
+        </p:nvSpPr>
+        <p:spPr/>
+        <p:txBody>
+          <a:bodyPr/>
+          <a:lstStyle/>
+          <a:p>
+            <a:r>
+              <a:rPr lang="en-GB" dirty="0" smtClean="0"/>
+              <a:t>Test Driven Development</a:t>
+            </a:r>
+            <a:endParaRPr lang="en-US" dirty="0"/>
+          </a:p>
+        </p:txBody>
+      </p:sp>
+      <p:sp>
+        <p:nvSpPr>
+          <p:cNvPr id="3" name="Content Placeholder 2"/>
+          <p:cNvSpPr>
+            <a:spLocks noGrp="1"/>
+          </p:cNvSpPr>
+          <p:nvPr>
+            <p:ph idx="1"/>
+          </p:nvPr>
+        </p:nvSpPr>
+        <p:spPr/>
+        <p:txBody>
+          <a:bodyPr/>
+          <a:lstStyle/>
+          <a:p>
+            <a:r>
+              <a:rPr lang="en-GB" sz="2800" dirty="0" smtClean="0"/>
+              <a:t>IDE</a:t>
+            </a:r>
+          </a:p>
+          <a:p>
+            <a:pPr lvl="1"/>
+            <a:r>
+              <a:rPr lang="en-GB" sz="2400" dirty="0" smtClean="0"/>
+              <a:t>Visual Studio 2008 &amp; C# 3.0</a:t>
+            </a:r>
+          </a:p>
+          <a:p>
+            <a:r>
+              <a:rPr lang="en-GB" sz="2800" dirty="0" smtClean="0"/>
+              <a:t>Productivity enhancement</a:t>
+            </a:r>
+          </a:p>
+          <a:p>
+            <a:pPr lvl="1"/>
+            <a:r>
+              <a:rPr lang="en-GB" sz="2400" dirty="0" err="1" smtClean="0"/>
+              <a:t>Resharper</a:t>
+            </a:r>
+            <a:r>
+              <a:rPr lang="en-GB" sz="2400" dirty="0" smtClean="0"/>
+              <a:t> 4.1</a:t>
+            </a:r>
+          </a:p>
+          <a:p>
+            <a:r>
+              <a:rPr lang="en-GB" sz="2800" dirty="0" smtClean="0"/>
+              <a:t>Unit testing</a:t>
+            </a:r>
+          </a:p>
+          <a:p>
+            <a:pPr lvl="1"/>
+            <a:r>
+              <a:rPr lang="en-GB" sz="2400" dirty="0" err="1" smtClean="0"/>
+              <a:t>NUnit</a:t>
+            </a:r>
+            <a:r>
+              <a:rPr lang="en-GB" sz="2400" dirty="0" smtClean="0"/>
+              <a:t> 2.4</a:t>
+            </a:r>
+          </a:p>
+          <a:p>
+            <a:pPr lvl="1"/>
+            <a:r>
+              <a:rPr lang="en-GB" sz="2400" dirty="0" smtClean="0"/>
+              <a:t>Rhino Mocks 3.5 (C# 3.0)</a:t>
+            </a:r>
+          </a:p>
+          <a:p>
+            <a:r>
+              <a:rPr lang="en-GB" sz="2800" dirty="0" smtClean="0"/>
+              <a:t>Frameworks</a:t>
+            </a:r>
+          </a:p>
+          <a:p>
+            <a:pPr lvl="1"/>
+            <a:r>
+              <a:rPr lang="en-GB" sz="2400" dirty="0" err="1" smtClean="0"/>
+              <a:t>NHibernate</a:t>
+            </a:r>
+            <a:r>
+              <a:rPr lang="en-GB" sz="2400" dirty="0" smtClean="0"/>
+              <a:t> 1.2 (2.0)</a:t>
+            </a:r>
+          </a:p>
+          <a:p>
+            <a:pPr lvl="1"/>
+            <a:r>
+              <a:rPr lang="en-GB" sz="2400" dirty="0" err="1" smtClean="0"/>
+              <a:t>Spring.NET</a:t>
+            </a:r>
+            <a:r>
+              <a:rPr lang="en-GB" sz="2400" dirty="0" smtClean="0"/>
+              <a:t> 1.2</a:t>
+            </a:r>
+          </a:p>
+          <a:p>
+            <a:pPr lvl="1"/>
+            <a:endParaRPr lang="en-GB" sz="2400" dirty="0" smtClean="0"/>
+          </a:p>
+          <a:p>
+            <a:pPr lvl="1"/>
+            <a:endParaRPr lang="en-GB" sz="2400" dirty="0" smtClean="0"/>
+          </a:p>
+          <a:p>
+            <a:pPr lvl="1"/>
+            <a:endParaRPr lang="en-GB" sz="2400" dirty="0" smtClean="0"/>
+          </a:p>
+          <a:p>
+            <a:pPr lvl="1"/>
+            <a:endParaRPr lang="en-GB" sz="2400" dirty="0" smtClean="0"/>
+          </a:p>
+          <a:p>
+            <a:pPr lvl="1"/>
+            <a:endParaRPr lang="en-US" sz="2400" dirty="0"/>
+          </a:p>
+        </p:txBody>
+      </p:sp>
+      <p:pic>
+        <p:nvPicPr>
+          <p:cNvPr id="1026" name="Picture 2" descr="http://tbn0.google.com/images?q=tbn:MFJydOmaXXj3xM:http://www.realityloop.net/blog/Resharpertothenextlevel_165D/image_3.png">
+            <a:hlinkClick r:id="rId2"/>
+          </p:cNvPr>
+          <p:cNvPicPr>
+            <a:picLocks noChangeAspect="1" noChangeArrowheads="1"/>
+          </p:cNvPicPr>
+          <p:nvPr/>
+        </p:nvPicPr>
+        <p:blipFill>
+          <a:blip r:embed="rId3"/>
+          <a:srcRect/>
+          <a:stretch>
+            <a:fillRect/>
+          </a:stretch>
+        </p:blipFill>
+        <p:spPr bwMode="auto">
+          <a:xfrm>
+            <a:off x="7358082" y="2714620"/>
+            <a:ext cx="1000132" cy="715423"/>
+          </a:xfrm>
+          <a:prstGeom prst="rect">
+            <a:avLst/>
+          </a:prstGeom>
+          <a:noFill/>
+        </p:spPr>
+      </p:pic>
+      <p:pic>
+        <p:nvPicPr>
+          <p:cNvPr id="1030" name="Picture 6" descr="http://tbn0.google.com/images?q=tbn:dQWMI7wmxaOBoM:http://www.outsource-dotnet.com/images/VisualStudioLogoWhiteBackground.png">
+            <a:hlinkClick r:id="rId4"/>
+          </p:cNvPr>
+          <p:cNvPicPr>
+            <a:picLocks noChangeAspect="1" noChangeArrowheads="1"/>
+          </p:cNvPicPr>
+          <p:nvPr/>
+        </p:nvPicPr>
+        <p:blipFill>
+          <a:blip r:embed="rId5"/>
+          <a:srcRect/>
+          <a:stretch>
+            <a:fillRect/>
+          </a:stretch>
+        </p:blipFill>
+        <p:spPr bwMode="auto">
+          <a:xfrm>
+            <a:off x="7215206" y="1643050"/>
+            <a:ext cx="1143008" cy="684137"/>
+          </a:xfrm>
+          <a:prstGeom prst="rect">
+            <a:avLst/>
+          </a:prstGeom>
+          <a:noFill/>
+        </p:spPr>
+      </p:pic>
+      <p:grpSp>
+        <p:nvGrpSpPr>
+          <p:cNvPr id="11" name="Group 10"/>
+          <p:cNvGrpSpPr/>
+          <p:nvPr/>
+        </p:nvGrpSpPr>
+        <p:grpSpPr>
+          <a:xfrm>
+            <a:off x="6429388" y="3714752"/>
+            <a:ext cx="1990730" cy="1219204"/>
+            <a:chOff x="6429388" y="3714752"/>
+            <a:chExt cx="1990730" cy="1219204"/>
+          </a:xfrm>
+        </p:grpSpPr>
+        <p:pic>
+          <p:nvPicPr>
+            <p:cNvPr id="1032" name="Picture 8" descr="http://tbn0.google.com/images?q=tbn:qeCe5-xODVfXHM:http://leonmeijer.nl/images/leonmeijer_nl/WindowsLiveWriter/TestdrivendevelopmentUni.NETwhatsallthis_D86E/logo_nunit.gif">
+              <a:hlinkClick r:id="rId6"/>
+            </p:cNvPr>
+            <p:cNvPicPr>
+              <a:picLocks noChangeAspect="1" noChangeArrowheads="1"/>
+            </p:cNvPicPr>
+            <p:nvPr/>
+          </p:nvPicPr>
+          <p:blipFill>
+            <a:blip r:embed="rId7"/>
+            <a:srcRect/>
+            <a:stretch>
+              <a:fillRect/>
+            </a:stretch>
+          </p:blipFill>
+          <p:spPr bwMode="auto">
+            <a:xfrm>
+              <a:off x="6429388" y="3714752"/>
+              <a:ext cx="1304925" cy="695325"/>
+            </a:xfrm>
+            <a:prstGeom prst="rect">
+              <a:avLst/>
+            </a:prstGeom>
+            <a:noFill/>
+          </p:spPr>
+        </p:pic>
+        <p:pic>
+          <p:nvPicPr>
+            <p:cNvPr id="1034" name="Picture 10" descr="http://tbn0.google.com/images?q=tbn:bWtyaI6ZF8-HVM:http://ayende.com/Blog/images/ayende_com/Blog/WindowsLiveWriter/NewRhinoMocksLogo_ECFE/image_thumb.png">
+              <a:hlinkClick r:id="rId8"/>
+            </p:cNvPr>
+            <p:cNvPicPr>
+              <a:picLocks noChangeAspect="1" noChangeArrowheads="1"/>
+            </p:cNvPicPr>
+            <p:nvPr/>
+          </p:nvPicPr>
+          <p:blipFill>
+            <a:blip r:embed="rId9"/>
+            <a:srcRect/>
+            <a:stretch>
+              <a:fillRect/>
+            </a:stretch>
+          </p:blipFill>
+          <p:spPr bwMode="auto">
+            <a:xfrm>
+              <a:off x="7143768" y="4143380"/>
+              <a:ext cx="1276350" cy="790576"/>
+            </a:xfrm>
+            <a:prstGeom prst="rect">
+              <a:avLst/>
+            </a:prstGeom>
+            <a:noFill/>
+          </p:spPr>
+        </p:pic>
+      </p:grpSp>
+      <p:pic>
+        <p:nvPicPr>
+          <p:cNvPr id="1036" name="Picture 12" descr="http://lh3.google.de/Konstantin.Denerz/R455BK-ASXI/AAAAAAAAAUI/rLdmvUqNXsM/s400/rect2261.png"/>
+          <p:cNvPicPr>
+            <a:picLocks noChangeAspect="1" noChangeArrowheads="1"/>
+          </p:cNvPicPr>
+          <p:nvPr/>
+        </p:nvPicPr>
+        <p:blipFill>
+          <a:blip r:embed="rId10"/>
+          <a:srcRect/>
+          <a:stretch>
+            <a:fillRect/>
+          </a:stretch>
+        </p:blipFill>
+        <p:spPr bwMode="auto">
+          <a:xfrm>
+            <a:off x="5786446" y="5072074"/>
+            <a:ext cx="3057525" cy="1371600"/>
+          </a:xfrm>
+          <a:prstGeom prst="rect">
+            <a:avLst/>
+          </a:prstGeom>
+          <a:noFill/>
+        </p:spPr>
+      </p:pic>
+    </p:spTree>
+  </p:cSld>
+  <p:clrMapOvr>
+    <a:masterClrMapping/>
+  </p:clrMapOvr>
+  <p:transition>
+    <p:fade/>
+  </p:transition>
+  <p:timing>
+    <p:tnLst>
+      <p:par>
+        <p:cTn id="1" dur="indefinite" restart="never" nodeType="tmRoot">
+          <p:childTnLst>
+            <p:seq concurrent="1" nextAc="seek">
+              <p:cTn id="2" dur="indefinite" nodeType="mainSeq">
+                <p:childTnLst>
+                  <p:par>
+                    <p:cTn id="3" fill="hold">
+                      <p:stCondLst>
+                        <p:cond delay="indefinite"/>
+                      </p:stCondLst>
+                      <p:childTnLst>
+                        <p:par>
+                          <p:cTn id="4" fill="hold">
+                            <p:stCondLst>
+                              <p:cond delay="0"/>
+                            </p:stCondLst>
+                            <p:childTnLst>
+                              <p:par>
+                                <p:cTn id="5" presetID="10" presetClass="entr" presetSubtype="0" fill="hold" grpId="0" nodeType="clickEffect">
+                                  <p:stCondLst>
+                                    <p:cond delay="0"/>
+                                  </p:stCondLst>
+                                  <p:childTnLst>
+                                    <p:set>
+                                      <p:cBhvr>
+                                        <p:cTn id="6" dur="1" fill="hold">
+                                          <p:stCondLst>
+                                            <p:cond delay="0"/>
+                                          </p:stCondLst>
+                                        </p:cTn>
+                                        <p:tgtEl>
+                                          <p:spTgt spid="3">
+                                            <p:txEl>
+                                              <p:pRg st="2" end="2"/>
+                                            </p:txEl>
+                                          </p:spTgt>
+                                        </p:tgtEl>
+                                        <p:attrNameLst>
+                                          <p:attrName>style.visibility</p:attrName>
+                                        </p:attrNameLst>
+                                      </p:cBhvr>
+                                      <p:to>
+                                        <p:strVal val="visible"/>
+                                      </p:to>
+                                    </p:set>
+                                    <p:animEffect transition="in" filter="fade">
+                                      <p:cBhvr>
+                                        <p:cTn id="7" dur="1000"/>
+                                        <p:tgtEl>
+                                          <p:spTgt spid="3">
+                                            <p:txEl>
+                                              <p:pRg st="2" end="2"/>
+                                            </p:txEl>
+                                          </p:spTgt>
+                                        </p:tgtEl>
+                                      </p:cBhvr>
+                                    </p:animEffect>
+                                  </p:childTnLst>
+                                </p:cTn>
+                              </p:par>
+                              <p:par>
+                                <p:cTn id="8" presetID="10" presetClass="entr" presetSubtype="0" fill="hold" grpId="0" nodeType="withEffect">
+                                  <p:stCondLst>
+                                    <p:cond delay="0"/>
+                                  </p:stCondLst>
+                                  <p:childTnLst>
+                                    <p:set>
+                                      <p:cBhvr>
+                                        <p:cTn id="9" dur="1" fill="hold">
+                                          <p:stCondLst>
+                                            <p:cond delay="0"/>
+                                          </p:stCondLst>
+                                        </p:cTn>
+                                        <p:tgtEl>
+                                          <p:spTgt spid="3">
+                                            <p:txEl>
+                                              <p:pRg st="3" end="3"/>
+                                            </p:txEl>
+                                          </p:spTgt>
+                                        </p:tgtEl>
+                                        <p:attrNameLst>
+                                          <p:attrName>style.visibility</p:attrName>
+                                        </p:attrNameLst>
+                                      </p:cBhvr>
+                                      <p:to>
+                                        <p:strVal val="visible"/>
+                                      </p:to>
+                                    </p:set>
+                                    <p:animEffect transition="in" filter="fade">
+                                      <p:cBhvr>
+                                        <p:cTn id="10" dur="1000"/>
+                                        <p:tgtEl>
+                                          <p:spTgt spid="3">
+                                            <p:txEl>
+                                              <p:pRg st="3" end="3"/>
+                                            </p:txEl>
+                                          </p:spTgt>
+                                        </p:tgtEl>
+                                      </p:cBhvr>
+                                    </p:animEffect>
+                                  </p:childTnLst>
+                                </p:cTn>
+                              </p:par>
+                              <p:par>
+                                <p:cTn id="11" presetID="10" presetClass="entr" presetSubtype="0" fill="hold" nodeType="withEffect">
+                                  <p:stCondLst>
+                                    <p:cond delay="0"/>
+                                  </p:stCondLst>
+                                  <p:childTnLst>
+                                    <p:set>
+                                      <p:cBhvr>
+                                        <p:cTn id="12" dur="1" fill="hold">
+                                          <p:stCondLst>
+                                            <p:cond delay="0"/>
+                                          </p:stCondLst>
+                                        </p:cTn>
+                                        <p:tgtEl>
+                                          <p:spTgt spid="1026"/>
+                                        </p:tgtEl>
+                                        <p:attrNameLst>
+                                          <p:attrName>style.visibility</p:attrName>
+                                        </p:attrNameLst>
+                                      </p:cBhvr>
+                                      <p:to>
+                                        <p:strVal val="visible"/>
+                                      </p:to>
+                                    </p:set>
+                                    <p:animEffect transition="in" filter="fade">
+                                      <p:cBhvr>
+                                        <p:cTn id="13" dur="1000"/>
+                                        <p:tgtEl>
+                                          <p:spTgt spid="1026"/>
+                                        </p:tgtEl>
+                                      </p:cBhvr>
+                                    </p:animEffect>
+                                  </p:childTnLst>
+                                </p:cTn>
+                              </p:par>
+                            </p:childTnLst>
+                          </p:cTn>
+                        </p:par>
+                      </p:childTnLst>
+                    </p:cTn>
+                  </p:par>
+                  <p:par>
+                    <p:cTn id="14" fill="hold">
+                      <p:stCondLst>
+                        <p:cond delay="indefinite"/>
+                      </p:stCondLst>
+                      <p:childTnLst>
+                        <p:par>
+                          <p:cTn id="15" fill="hold">
+                            <p:stCondLst>
+                              <p:cond delay="0"/>
+                            </p:stCondLst>
+                            <p:childTnLst>
+                              <p:par>
+                                <p:cTn id="16" presetID="10" presetClass="entr" presetSubtype="0" fill="hold" grpId="0" nodeType="clickEffect">
+                                  <p:stCondLst>
+                                    <p:cond delay="0"/>
+                                  </p:stCondLst>
+                                  <p:childTnLst>
+                                    <p:set>
+                                      <p:cBhvr>
+                                        <p:cTn id="17" dur="1" fill="hold">
+                                          <p:stCondLst>
+                                            <p:cond delay="0"/>
+                                          </p:stCondLst>
+                                        </p:cTn>
+                                        <p:tgtEl>
+                                          <p:spTgt spid="3">
+                                            <p:txEl>
+                                              <p:pRg st="4" end="4"/>
+                                            </p:txEl>
+                                          </p:spTgt>
+                                        </p:tgtEl>
+                                        <p:attrNameLst>
+                                          <p:attrName>style.visibility</p:attrName>
+                                        </p:attrNameLst>
+                                      </p:cBhvr>
+                                      <p:to>
+                                        <p:strVal val="visible"/>
+                                      </p:to>
+                                    </p:set>
+                                    <p:animEffect transition="in" filter="fade">
+                                      <p:cBhvr>
+                                        <p:cTn id="18" dur="1000"/>
+                                        <p:tgtEl>
+                                          <p:spTgt spid="3">
+                                            <p:txEl>
+                                              <p:pRg st="4" end="4"/>
+                                            </p:txEl>
+                                          </p:spTgt>
+                                        </p:tgtEl>
+                                      </p:cBhvr>
+                                    </p:animEffect>
+                                  </p:childTnLst>
+                                </p:cTn>
+                              </p:par>
+                              <p:par>
+                                <p:cTn id="19" presetID="10" presetClass="entr" presetSubtype="0" fill="hold" grpId="0" nodeType="withEffect">
+                                  <p:stCondLst>
+                                    <p:cond delay="0"/>
+                                  </p:stCondLst>
+                                  <p:childTnLst>
+                                    <p:set>
+                                      <p:cBhvr>
+                                        <p:cTn id="20" dur="1" fill="hold">
+                                          <p:stCondLst>
+                                            <p:cond delay="0"/>
+                                          </p:stCondLst>
+                                        </p:cTn>
+                                        <p:tgtEl>
+                                          <p:spTgt spid="3">
+                                            <p:txEl>
+                                              <p:pRg st="5" end="5"/>
+                                            </p:txEl>
+                                          </p:spTgt>
+                                        </p:tgtEl>
+                                        <p:attrNameLst>
+                                          <p:attrName>style.visibility</p:attrName>
+                                        </p:attrNameLst>
+                                      </p:cBhvr>
+                                      <p:to>
+                                        <p:strVal val="visible"/>
+                                      </p:to>
+                                    </p:set>
+                                    <p:animEffect transition="in" filter="fade">
+                                      <p:cBhvr>
+                                        <p:cTn id="21" dur="1000"/>
+                                        <p:tgtEl>
+                                          <p:spTgt spid="3">
+                                            <p:txEl>
+                                              <p:pRg st="5" end="5"/>
+                                            </p:txEl>
+                                          </p:spTgt>
+                                        </p:tgtEl>
+                                      </p:cBhvr>
+                                    </p:animEffect>
+                                  </p:childTnLst>
+                                </p:cTn>
+                              </p:par>
+                              <p:par>
+                                <p:cTn id="22" presetID="10" presetClass="entr" presetSubtype="0" fill="hold" grpId="0" nodeType="withEffect">
+                                  <p:stCondLst>
+                                    <p:cond delay="0"/>
+                                  </p:stCondLst>
+                                  <p:childTnLst>
+                                    <p:set>
+                                      <p:cBhvr>
+                                        <p:cTn id="23" dur="1" fill="hold">
+                                          <p:stCondLst>
+                                            <p:cond delay="0"/>
+                                          </p:stCondLst>
+                                        </p:cTn>
+                                        <p:tgtEl>
+                                          <p:spTgt spid="3">
+                                            <p:txEl>
+                                              <p:pRg st="6" end="6"/>
+                                            </p:txEl>
+                                          </p:spTgt>
+                                        </p:tgtEl>
+                                        <p:attrNameLst>
+                                          <p:attrName>style.visibility</p:attrName>
+                                        </p:attrNameLst>
+                                      </p:cBhvr>
+                                      <p:to>
+                                        <p:strVal val="visible"/>
+                                      </p:to>
+                                    </p:set>
+                                    <p:animEffect transition="in" filter="fade">
+                                      <p:cBhvr>
+                                        <p:cTn id="24" dur="1000"/>
+                                        <p:tgtEl>
+                                          <p:spTgt spid="3">
+                                            <p:txEl>
+                                              <p:pRg st="6" end="6"/>
+                                            </p:txEl>
+                                          </p:spTgt>
+                                        </p:tgtEl>
+                                      </p:cBhvr>
+                                    </p:animEffect>
+                                  </p:childTnLst>
+                                </p:cTn>
+                              </p:par>
+                              <p:par>
+                                <p:cTn id="25" presetID="10" presetClass="entr" presetSubtype="0" fill="hold" nodeType="withEffect">
+                                  <p:stCondLst>
+                                    <p:cond delay="0"/>
+                                  </p:stCondLst>
+                                  <p:childTnLst>
+                                    <p:set>
+                                      <p:cBhvr>
+                                        <p:cTn id="26" dur="1" fill="hold">
+                                          <p:stCondLst>
+                                            <p:cond delay="0"/>
+                                          </p:stCondLst>
+                                        </p:cTn>
+                                        <p:tgtEl>
+                                          <p:spTgt spid="11"/>
+                                        </p:tgtEl>
+                                        <p:attrNameLst>
+                                          <p:attrName>style.visibility</p:attrName>
+                                        </p:attrNameLst>
+                                      </p:cBhvr>
+                                      <p:to>
+                                        <p:strVal val="visible"/>
+                                      </p:to>
+                                    </p:set>
+                                    <p:animEffect transition="in" filter="fade">
+                                      <p:cBhvr>
+                                        <p:cTn id="27" dur="1000"/>
+                                        <p:tgtEl>
+                                          <p:spTgt spid="11"/>
+                                        </p:tgtEl>
+                                      </p:cBhvr>
+                                    </p:animEffect>
+                                  </p:childTnLst>
+                                </p:cTn>
+                              </p:par>
+                            </p:childTnLst>
+                          </p:cTn>
+                        </p:par>
+                      </p:childTnLst>
+                    </p:cTn>
+                  </p:par>
+                  <p:par>
+                    <p:cTn id="28" fill="hold">
+                      <p:stCondLst>
+                        <p:cond delay="indefinite"/>
+                      </p:stCondLst>
+                      <p:childTnLst>
+                        <p:par>
+                          <p:cTn id="29" fill="hold">
+                            <p:stCondLst>
+                              <p:cond delay="0"/>
+                            </p:stCondLst>
+                            <p:childTnLst>
+                              <p:par>
+                                <p:cTn id="30" presetID="10" presetClass="entr" presetSubtype="0" fill="hold" grpId="0" nodeType="clickEffect">
+                                  <p:stCondLst>
+                                    <p:cond delay="0"/>
+                                  </p:stCondLst>
+                                  <p:childTnLst>
+                                    <p:set>
+                                      <p:cBhvr>
+                                        <p:cTn id="31" dur="1" fill="hold">
+                                          <p:stCondLst>
+                                            <p:cond delay="0"/>
+                                          </p:stCondLst>
+                                        </p:cTn>
+                                        <p:tgtEl>
+                                          <p:spTgt spid="3">
+                                            <p:txEl>
+                                              <p:pRg st="7" end="7"/>
+                                            </p:txEl>
+                                          </p:spTgt>
+                                        </p:tgtEl>
+                                        <p:attrNameLst>
+                                          <p:attrName>style.visibility</p:attrName>
+                                        </p:attrNameLst>
+                                      </p:cBhvr>
+                                      <p:to>
+                                        <p:strVal val="visible"/>
+                                      </p:to>
+                                    </p:set>
+                                    <p:animEffect transition="in" filter="fade">
+                                      <p:cBhvr>
+                                        <p:cTn id="32" dur="1000"/>
+                                        <p:tgtEl>
+                                          <p:spTgt spid="3">
+                                            <p:txEl>
+                                              <p:pRg st="7" end="7"/>
+                                            </p:txEl>
+                                          </p:spTgt>
+                                        </p:tgtEl>
+                                      </p:cBhvr>
+                                    </p:animEffect>
+                                  </p:childTnLst>
+                                </p:cTn>
+                              </p:par>
+                              <p:par>
+                                <p:cTn id="33" presetID="10" presetClass="entr" presetSubtype="0" fill="hold" grpId="0" nodeType="withEffect">
+                                  <p:stCondLst>
+                                    <p:cond delay="0"/>
+                                  </p:stCondLst>
+                                  <p:childTnLst>
+                                    <p:set>
+                                      <p:cBhvr>
+                                        <p:cTn id="34" dur="1" fill="hold">
+                                          <p:stCondLst>
+                                            <p:cond delay="0"/>
+                                          </p:stCondLst>
+                                        </p:cTn>
+                                        <p:tgtEl>
+                                          <p:spTgt spid="3">
+                                            <p:txEl>
+                                              <p:pRg st="8" end="8"/>
+                                            </p:txEl>
+                                          </p:spTgt>
+                                        </p:tgtEl>
+                                        <p:attrNameLst>
+                                          <p:attrName>style.visibility</p:attrName>
+                                        </p:attrNameLst>
+                                      </p:cBhvr>
+                                      <p:to>
+                                        <p:strVal val="visible"/>
+                                      </p:to>
+                                    </p:set>
+                                    <p:animEffect transition="in" filter="fade">
+                                      <p:cBhvr>
+                                        <p:cTn id="35" dur="1000"/>
+                                        <p:tgtEl>
+                                          <p:spTgt spid="3">
+                                            <p:txEl>
+                                              <p:pRg st="8" end="8"/>
+                                            </p:txEl>
+                                          </p:spTgt>
+                                        </p:tgtEl>
+                                      </p:cBhvr>
+                                    </p:animEffect>
+                                  </p:childTnLst>
+                                </p:cTn>
+                              </p:par>
+                              <p:par>
+                                <p:cTn id="36" presetID="10" presetClass="entr" presetSubtype="0" fill="hold" grpId="0" nodeType="withEffect">
+                                  <p:stCondLst>
+                                    <p:cond delay="0"/>
+                                  </p:stCondLst>
+                                  <p:childTnLst>
+                                    <p:set>
+                                      <p:cBhvr>
+                                        <p:cTn id="37" dur="1" fill="hold">
+                                          <p:stCondLst>
+                                            <p:cond delay="0"/>
+                                          </p:stCondLst>
+                                        </p:cTn>
+                                        <p:tgtEl>
+                                          <p:spTgt spid="3">
+                                            <p:txEl>
+                                              <p:pRg st="9" end="9"/>
+                                            </p:txEl>
+                                          </p:spTgt>
+                                        </p:tgtEl>
+                                        <p:attrNameLst>
+                                          <p:attrName>style.visibility</p:attrName>
+                                        </p:attrNameLst>
+                                      </p:cBhvr>
+                                      <p:to>
+                                        <p:strVal val="visible"/>
+                                      </p:to>
+                                    </p:set>
+                                    <p:animEffect transition="in" filter="fade">
+                                      <p:cBhvr>
+                                        <p:cTn id="38" dur="1000"/>
+                                        <p:tgtEl>
+                                          <p:spTgt spid="3">
+                                            <p:txEl>
+                                              <p:pRg st="9" end="9"/>
+                                            </p:txEl>
+                                          </p:spTgt>
+                                        </p:tgtEl>
+                                      </p:cBhvr>
+                                    </p:animEffect>
+                                  </p:childTnLst>
+                                </p:cTn>
+                              </p:par>
+                              <p:par>
+                                <p:cTn id="39" presetID="10" presetClass="entr" presetSubtype="0" fill="hold" nodeType="withEffect">
+                                  <p:stCondLst>
+                                    <p:cond delay="0"/>
+                                  </p:stCondLst>
+                                  <p:childTnLst>
+                                    <p:set>
+                                      <p:cBhvr>
+                                        <p:cTn id="40" dur="1" fill="hold">
+                                          <p:stCondLst>
+                                            <p:cond delay="0"/>
+                                          </p:stCondLst>
+                                        </p:cTn>
+                                        <p:tgtEl>
+                                          <p:spTgt spid="1036"/>
+                                        </p:tgtEl>
+                                        <p:attrNameLst>
+                                          <p:attrName>style.visibility</p:attrName>
+                                        </p:attrNameLst>
+                                      </p:cBhvr>
+                                      <p:to>
+                                        <p:strVal val="visible"/>
+                                      </p:to>
+                                    </p:set>
+                                    <p:animEffect transition="in" filter="fade">
+                                      <p:cBhvr>
+                                        <p:cTn id="41" dur="1000"/>
+                                        <p:tgtEl>
+                                          <p:spTgt spid="1036"/>
+                                        </p:tgtEl>
+                                      </p:cBhvr>
+                                    </p:animEffect>
+                                  </p:childTnLst>
+                                </p:cTn>
+                              </p:par>
+                            </p:childTnLst>
+                          </p:cTn>
+                        </p:par>
+                      </p:childTnLst>
+                    </p:cTn>
+                  </p:par>
+                </p:childTnLst>
+              </p:cTn>
+              <p:prevCondLst>
+                <p:cond evt="onPrev" delay="0">
+                  <p:tgtEl>
+                    <p:sldTgt/>
+                  </p:tgtEl>
+                </p:cond>
+              </p:prevCondLst>
+              <p:nextCondLst>
+                <p:cond evt="onNext" delay="0">
+                  <p:tgtEl>
+                    <p:sldTgt/>
+                  </p:tgtEl>
+                </p:cond>
+              </p:nextCondLst>
+            </p:seq>
+          </p:childTnLst>
+        </p:cTn>
+      </p:par>
+    </p:tnLst>
+    <p:bldLst>
+      <p:bldP spid="3" grpId="0" uiExpand="1" build="p"/>
+    </p:bldLst>
+  </p:timing>
+</p:sld>
+</file>
+
+<file path=ppt/slides/slide4.xml><?xml version="1.0" encoding="utf-8"?>
+<p:sld xmlns:a="http://schemas.openxmlformats.org/drawingml/2006/main" xmlns:r="http://schemas.openxmlformats.org/officeDocument/2006/relationships" xmlns:p="http://schemas.openxmlformats.org/presentationml/2006/main">
+  <p:cSld>
+    <p:spTree>
+      <p:nvGrpSpPr>
+        <p:cNvPr id="1" name=""/>
+        <p:cNvGrpSpPr/>
+        <p:nvPr/>
+      </p:nvGrpSpPr>
+      <p:grpSpPr>
+        <a:xfrm>
+          <a:off x="0" y="0"/>
+          <a:ext cx="0" cy="0"/>
+          <a:chOff x="0" y="0"/>
+          <a:chExt cx="0" cy="0"/>
+        </a:xfrm>
+      </p:grpSpPr>
+      <p:pic>
+        <p:nvPicPr>
+          <p:cNvPr id="9217" name="Picture 1" descr="C:\Program Files\Microsoft Office\MEDIA\CAGCAT10\j0252349.wmf"/>
+          <p:cNvPicPr>
+            <a:picLocks noChangeAspect="1" noChangeArrowheads="1"/>
+          </p:cNvPicPr>
+          <p:nvPr/>
+        </p:nvPicPr>
+        <p:blipFill>
+          <a:blip r:embed="rId3"/>
+          <a:srcRect/>
+          <a:stretch>
+            <a:fillRect/>
+          </a:stretch>
+        </p:blipFill>
+        <p:spPr bwMode="auto">
+          <a:xfrm>
+            <a:off x="6715140" y="5286388"/>
+            <a:ext cx="2327037" cy="1415090"/>
+          </a:xfrm>
+          <a:prstGeom prst="rect">
+            <a:avLst/>
+          </a:prstGeom>
+          <a:noFill/>
+        </p:spPr>
+      </p:pic>
+      <p:sp>
+        <p:nvSpPr>
+          <p:cNvPr id="2" name="Title 1"/>
+          <p:cNvSpPr>
+            <a:spLocks noGrp="1"/>
+          </p:cNvSpPr>
+          <p:nvPr>
+            <p:ph type="title"/>
+          </p:nvPr>
+        </p:nvSpPr>
+        <p:spPr/>
+        <p:txBody>
+          <a:bodyPr vert="horz" wrap="square" lIns="91440" tIns="45720" rIns="91440" bIns="45720" numCol="1" anchorCtr="0" compatLnSpc="1">
+            <a:prstTxWarp prst="textNoShape">
+              <a:avLst/>
+            </a:prstTxWarp>
+            <a:normAutofit/>
+          </a:bodyPr>
+          <a:lstStyle/>
+          <a:p>
+            <a:r>
+              <a:rPr lang="en-GB" dirty="0" smtClean="0"/>
+              <a:t>.NET Development Tooling</a:t>
+            </a:r>
+            <a:endParaRPr lang="en-US" dirty="0" smtClean="0">
+              <a:effectLst>
+                <a:outerShdw blurRad="38100" dist="38100" dir="2700000" algn="tl">
+                  <a:srgbClr val="C0C0C0"/>
+                </a:outerShdw>
+              </a:effectLst>
+            </a:endParaRPr>
+          </a:p>
+        </p:txBody>
+      </p:sp>
+      <p:sp>
+        <p:nvSpPr>
+          <p:cNvPr id="25604" name="Rectangle 4"/>
+          <p:cNvSpPr>
+            <a:spLocks noGrp="1"/>
+          </p:cNvSpPr>
+          <p:nvPr>
+            <p:ph type="body" sz="half" idx="4294967295"/>
+          </p:nvPr>
+        </p:nvSpPr>
+        <p:spPr>
+          <a:xfrm>
+            <a:off x="1435100" y="1447800"/>
+            <a:ext cx="3673475" cy="4800600"/>
+          </a:xfrm>
+        </p:spPr>
+        <p:txBody>
+          <a:bodyPr/>
+          <a:lstStyle/>
+          <a:p>
+            <a:pPr>
+              <a:lnSpc>
+                <a:spcPct val="90000"/>
+              </a:lnSpc>
+            </a:pPr>
+            <a:r>
+              <a:rPr lang="en-GB" sz="2400" dirty="0" smtClean="0"/>
+              <a:t>IDE</a:t>
+            </a:r>
+          </a:p>
+          <a:p>
+            <a:pPr lvl="1">
+              <a:lnSpc>
+                <a:spcPct val="90000"/>
+              </a:lnSpc>
+            </a:pPr>
+            <a:r>
+              <a:rPr lang="en-GB" sz="2000" i="1" dirty="0" smtClean="0"/>
+              <a:t>Visual Studio 2005</a:t>
+            </a:r>
+          </a:p>
+          <a:p>
+            <a:pPr lvl="1">
+              <a:lnSpc>
+                <a:spcPct val="90000"/>
+              </a:lnSpc>
+            </a:pPr>
+            <a:r>
+              <a:rPr lang="en-GB" sz="2000" i="1" dirty="0" smtClean="0"/>
+              <a:t>Visual Studio Express</a:t>
+            </a:r>
+          </a:p>
+          <a:p>
+            <a:pPr>
+              <a:lnSpc>
+                <a:spcPct val="90000"/>
+              </a:lnSpc>
+            </a:pPr>
+            <a:r>
+              <a:rPr lang="en-GB" sz="2400" dirty="0" smtClean="0"/>
+              <a:t>Productivity</a:t>
+            </a:r>
+          </a:p>
+          <a:p>
+            <a:pPr lvl="1">
+              <a:lnSpc>
+                <a:spcPct val="90000"/>
+              </a:lnSpc>
+            </a:pPr>
+            <a:r>
+              <a:rPr lang="en-GB" sz="2000" dirty="0" err="1" smtClean="0"/>
+              <a:t>GhostDoc</a:t>
+            </a:r>
+            <a:endParaRPr lang="en-GB" sz="2000" dirty="0" smtClean="0"/>
+          </a:p>
+          <a:p>
+            <a:pPr>
+              <a:lnSpc>
+                <a:spcPct val="90000"/>
+              </a:lnSpc>
+            </a:pPr>
+            <a:r>
+              <a:rPr lang="en-GB" sz="2400" dirty="0" smtClean="0"/>
+              <a:t>Mocking</a:t>
+            </a:r>
+          </a:p>
+          <a:p>
+            <a:pPr lvl="1">
+              <a:lnSpc>
+                <a:spcPct val="90000"/>
+              </a:lnSpc>
+            </a:pPr>
+            <a:r>
+              <a:rPr lang="en-GB" sz="2000" dirty="0" smtClean="0"/>
+              <a:t>Rhino Mocks 3.4 (C# 2.0)</a:t>
+            </a:r>
+          </a:p>
+          <a:p>
+            <a:pPr lvl="1">
+              <a:lnSpc>
+                <a:spcPct val="90000"/>
+              </a:lnSpc>
+            </a:pPr>
+            <a:r>
+              <a:rPr lang="en-GB" sz="2000" dirty="0" err="1" smtClean="0"/>
+              <a:t>Moq</a:t>
+            </a:r>
+            <a:endParaRPr lang="en-GB" sz="2000" dirty="0" smtClean="0"/>
+          </a:p>
+          <a:p>
+            <a:pPr>
+              <a:lnSpc>
+                <a:spcPct val="90000"/>
+              </a:lnSpc>
+            </a:pPr>
+            <a:r>
+              <a:rPr lang="en-GB" sz="2400" dirty="0" smtClean="0"/>
+              <a:t>Dependency Injection</a:t>
+            </a:r>
+          </a:p>
+          <a:p>
+            <a:pPr lvl="1">
+              <a:lnSpc>
+                <a:spcPct val="90000"/>
+              </a:lnSpc>
+            </a:pPr>
+            <a:r>
+              <a:rPr lang="en-GB" sz="2000" dirty="0" smtClean="0"/>
+              <a:t>Windsor (castle project)</a:t>
+            </a:r>
+          </a:p>
+          <a:p>
+            <a:pPr lvl="1">
+              <a:lnSpc>
+                <a:spcPct val="90000"/>
+              </a:lnSpc>
+            </a:pPr>
+            <a:r>
+              <a:rPr lang="en-GB" sz="2000" dirty="0" err="1" smtClean="0"/>
+              <a:t>Ninject</a:t>
+            </a:r>
+            <a:endParaRPr lang="en-GB" sz="2000" dirty="0" smtClean="0"/>
+          </a:p>
+          <a:p>
+            <a:pPr lvl="1">
+              <a:lnSpc>
+                <a:spcPct val="90000"/>
+              </a:lnSpc>
+            </a:pPr>
+            <a:r>
+              <a:rPr lang="en-GB" sz="2000" dirty="0" err="1" smtClean="0"/>
+              <a:t>StructureMap</a:t>
+            </a:r>
+            <a:endParaRPr lang="en-GB" sz="2000" dirty="0" smtClean="0"/>
+          </a:p>
+          <a:p>
+            <a:pPr lvl="1">
+              <a:lnSpc>
+                <a:spcPct val="90000"/>
+              </a:lnSpc>
+            </a:pPr>
+            <a:endParaRPr lang="en-GB" sz="2000" dirty="0" smtClean="0"/>
+          </a:p>
+          <a:p>
+            <a:pPr>
+              <a:lnSpc>
+                <a:spcPct val="90000"/>
+              </a:lnSpc>
+            </a:pPr>
+            <a:endParaRPr lang="en-US" sz="2400" dirty="0" smtClean="0"/>
+          </a:p>
+        </p:txBody>
+      </p:sp>
+      <p:sp>
+        <p:nvSpPr>
+          <p:cNvPr id="25605" name="Rectangle 5"/>
+          <p:cNvSpPr>
+            <a:spLocks noGrp="1"/>
+          </p:cNvSpPr>
+          <p:nvPr>
+            <p:ph type="body" sz="half" idx="4294967295"/>
+          </p:nvPr>
+        </p:nvSpPr>
+        <p:spPr>
+          <a:xfrm>
+            <a:off x="5260975" y="1447800"/>
+            <a:ext cx="3673475" cy="4800600"/>
+          </a:xfrm>
+        </p:spPr>
+        <p:txBody>
+          <a:bodyPr/>
+          <a:lstStyle/>
+          <a:p>
+            <a:pPr marL="365125" lvl="1" indent="-282575">
+              <a:spcBef>
+                <a:spcPts val="600"/>
+              </a:spcBef>
+              <a:buSzPct val="80000"/>
+              <a:buFont typeface="Wingdings 2" pitchFamily="18" charset="2"/>
+              <a:buChar char=""/>
+            </a:pPr>
+            <a:r>
+              <a:rPr lang="en-GB" sz="2000" dirty="0" smtClean="0"/>
+              <a:t>Analysis</a:t>
+            </a:r>
+          </a:p>
+          <a:p>
+            <a:pPr lvl="1">
+              <a:lnSpc>
+                <a:spcPct val="90000"/>
+              </a:lnSpc>
+            </a:pPr>
+            <a:r>
+              <a:rPr lang="en-GB" sz="2000" dirty="0" smtClean="0"/>
+              <a:t>Reflector</a:t>
+            </a:r>
+          </a:p>
+          <a:p>
+            <a:pPr lvl="1">
+              <a:lnSpc>
+                <a:spcPct val="90000"/>
+              </a:lnSpc>
+            </a:pPr>
+            <a:r>
+              <a:rPr lang="en-GB" sz="2000" dirty="0" err="1" smtClean="0"/>
+              <a:t>NDepends</a:t>
+            </a:r>
+            <a:endParaRPr lang="en-GB" sz="2000" dirty="0" smtClean="0"/>
+          </a:p>
+          <a:p>
+            <a:pPr lvl="1">
+              <a:lnSpc>
+                <a:spcPct val="90000"/>
+              </a:lnSpc>
+            </a:pPr>
+            <a:r>
+              <a:rPr lang="en-GB" sz="2000" dirty="0" err="1" smtClean="0"/>
+              <a:t>NCover</a:t>
+            </a:r>
+            <a:endParaRPr lang="en-GB" sz="2000" dirty="0" smtClean="0"/>
+          </a:p>
+          <a:p>
+            <a:pPr>
+              <a:lnSpc>
+                <a:spcPct val="90000"/>
+              </a:lnSpc>
+            </a:pPr>
+            <a:r>
+              <a:rPr lang="en-GB" sz="2400" dirty="0" smtClean="0"/>
+              <a:t>Version Control</a:t>
+            </a:r>
+          </a:p>
+          <a:p>
+            <a:pPr lvl="1"/>
+            <a:r>
+              <a:rPr lang="en-GB" sz="2000" dirty="0" err="1" smtClean="0"/>
+              <a:t>SubVersion</a:t>
+            </a:r>
+            <a:endParaRPr lang="en-US" sz="2000" dirty="0" smtClean="0"/>
+          </a:p>
+          <a:p>
+            <a:pPr lvl="1"/>
+            <a:r>
+              <a:rPr lang="en-US" sz="2000" dirty="0" err="1" smtClean="0"/>
+              <a:t>TortoiseSVN</a:t>
+            </a:r>
+            <a:r>
+              <a:rPr lang="en-US" sz="2000" dirty="0" smtClean="0"/>
+              <a:t> </a:t>
+            </a:r>
+          </a:p>
+          <a:p>
+            <a:pPr>
+              <a:lnSpc>
+                <a:spcPct val="90000"/>
+              </a:lnSpc>
+            </a:pPr>
+            <a:r>
+              <a:rPr lang="en-GB" sz="2400" dirty="0" smtClean="0"/>
+              <a:t>General</a:t>
+            </a:r>
+          </a:p>
+          <a:p>
+            <a:pPr lvl="1">
+              <a:lnSpc>
+                <a:spcPct val="90000"/>
+              </a:lnSpc>
+            </a:pPr>
+            <a:r>
+              <a:rPr lang="en-GB" sz="2000" dirty="0" smtClean="0"/>
+              <a:t>MS Enterprise Library 4.0</a:t>
+            </a:r>
+          </a:p>
+          <a:p>
+            <a:pPr lvl="1">
+              <a:lnSpc>
+                <a:spcPct val="90000"/>
+              </a:lnSpc>
+            </a:pPr>
+            <a:r>
+              <a:rPr lang="en-GB" sz="2000" dirty="0" smtClean="0"/>
+              <a:t>Log4Net</a:t>
+            </a:r>
+          </a:p>
+          <a:p>
+            <a:pPr lvl="1">
+              <a:lnSpc>
+                <a:spcPct val="90000"/>
+              </a:lnSpc>
+            </a:pPr>
+            <a:r>
+              <a:rPr lang="en-GB" sz="2000" dirty="0" err="1" smtClean="0"/>
+              <a:t>Quartz.NET</a:t>
+            </a:r>
+            <a:endParaRPr lang="en-GB" sz="2000" dirty="0" smtClean="0"/>
+          </a:p>
+          <a:p>
+            <a:endParaRPr lang="en-GB" sz="2400" dirty="0" smtClean="0"/>
+          </a:p>
+        </p:txBody>
+      </p:sp>
+    </p:spTree>
+  </p:cSld>
+  <p:clrMapOvr>
+    <a:masterClrMapping/>
+  </p:clrMapOvr>
+  <p:transition>
+    <p:fade/>
+  </p:transition>
+  <p:timing>
+    <p:tnLst>
+      <p:par>
+        <p:cTn id="1" dur="indefinite" restart="never" nodeType="tmRoot">
+          <p:childTnLst>
+            <p:seq concurrent="1" nextAc="seek">
+              <p:cTn id="2" dur="indefinite" nodeType="mainSeq">
+                <p:childTnLst>
+                  <p:par>
+                    <p:cTn id="3" fill="hold">
+                      <p:stCondLst>
+                        <p:cond delay="indefinite"/>
+                      </p:stCondLst>
+                      <p:childTnLst>
+                        <p:par>
+                          <p:cTn id="4" fill="hold">
+                            <p:stCondLst>
+                              <p:cond delay="0"/>
+                            </p:stCondLst>
+                            <p:childTnLst>
+                              <p:par>
+                                <p:cTn id="5" presetID="10" presetClass="entr" presetSubtype="0" fill="hold" grpId="0" nodeType="clickEffect">
+                                  <p:stCondLst>
+                                    <p:cond delay="0"/>
+                                  </p:stCondLst>
+                                  <p:childTnLst>
+                                    <p:set>
+                                      <p:cBhvr>
+                                        <p:cTn id="6" dur="1" fill="hold">
+                                          <p:stCondLst>
+                                            <p:cond delay="0"/>
+                                          </p:stCondLst>
+                                        </p:cTn>
+                                        <p:tgtEl>
+                                          <p:spTgt spid="25604">
+                                            <p:txEl>
+                                              <p:pRg st="3" end="3"/>
+                                            </p:txEl>
+                                          </p:spTgt>
+                                        </p:tgtEl>
+                                        <p:attrNameLst>
+                                          <p:attrName>style.visibility</p:attrName>
+                                        </p:attrNameLst>
+                                      </p:cBhvr>
+                                      <p:to>
+                                        <p:strVal val="visible"/>
+                                      </p:to>
+                                    </p:set>
+                                    <p:animEffect transition="in" filter="fade">
+                                      <p:cBhvr>
+                                        <p:cTn id="7" dur="1000"/>
+                                        <p:tgtEl>
+                                          <p:spTgt spid="25604">
+                                            <p:txEl>
+                                              <p:pRg st="3" end="3"/>
+                                            </p:txEl>
+                                          </p:spTgt>
+                                        </p:tgtEl>
+                                      </p:cBhvr>
+                                    </p:animEffect>
+                                  </p:childTnLst>
+                                </p:cTn>
+                              </p:par>
+                              <p:par>
+                                <p:cTn id="8" presetID="10" presetClass="entr" presetSubtype="0" fill="hold" grpId="0" nodeType="withEffect">
+                                  <p:stCondLst>
+                                    <p:cond delay="0"/>
+                                  </p:stCondLst>
+                                  <p:childTnLst>
+                                    <p:set>
+                                      <p:cBhvr>
+                                        <p:cTn id="9" dur="1" fill="hold">
+                                          <p:stCondLst>
+                                            <p:cond delay="0"/>
+                                          </p:stCondLst>
+                                        </p:cTn>
+                                        <p:tgtEl>
+                                          <p:spTgt spid="25604">
+                                            <p:txEl>
+                                              <p:pRg st="4" end="4"/>
+                                            </p:txEl>
+                                          </p:spTgt>
+                                        </p:tgtEl>
+                                        <p:attrNameLst>
+                                          <p:attrName>style.visibility</p:attrName>
+                                        </p:attrNameLst>
+                                      </p:cBhvr>
+                                      <p:to>
+                                        <p:strVal val="visible"/>
+                                      </p:to>
+                                    </p:set>
+                                    <p:animEffect transition="in" filter="fade">
+                                      <p:cBhvr>
+                                        <p:cTn id="10" dur="1000"/>
+                                        <p:tgtEl>
+                                          <p:spTgt spid="25604">
+                                            <p:txEl>
+                                              <p:pRg st="4" end="4"/>
+                                            </p:txEl>
+                                          </p:spTgt>
+                                        </p:tgtEl>
+                                      </p:cBhvr>
+                                    </p:animEffect>
+                                  </p:childTnLst>
+                                </p:cTn>
+                              </p:par>
+                            </p:childTnLst>
+                          </p:cTn>
+                        </p:par>
+                      </p:childTnLst>
+                    </p:cTn>
+                  </p:par>
+                  <p:par>
+                    <p:cTn id="11" fill="hold">
+                      <p:stCondLst>
+                        <p:cond delay="indefinite"/>
+                      </p:stCondLst>
+                      <p:childTnLst>
+                        <p:par>
+                          <p:cTn id="12" fill="hold">
+                            <p:stCondLst>
+                              <p:cond delay="0"/>
+                            </p:stCondLst>
+                            <p:childTnLst>
+                              <p:par>
+                                <p:cTn id="13" presetID="10" presetClass="entr" presetSubtype="0" fill="hold" grpId="0" nodeType="clickEffect">
+                                  <p:stCondLst>
+                                    <p:cond delay="0"/>
+                                  </p:stCondLst>
+                                  <p:childTnLst>
+                                    <p:set>
+                                      <p:cBhvr>
+                                        <p:cTn id="14" dur="1" fill="hold">
+                                          <p:stCondLst>
+                                            <p:cond delay="0"/>
+                                          </p:stCondLst>
+                                        </p:cTn>
+                                        <p:tgtEl>
+                                          <p:spTgt spid="25604">
+                                            <p:txEl>
+                                              <p:pRg st="5" end="5"/>
+                                            </p:txEl>
+                                          </p:spTgt>
+                                        </p:tgtEl>
+                                        <p:attrNameLst>
+                                          <p:attrName>style.visibility</p:attrName>
+                                        </p:attrNameLst>
+                                      </p:cBhvr>
+                                      <p:to>
+                                        <p:strVal val="visible"/>
+                                      </p:to>
+                                    </p:set>
+                                    <p:animEffect transition="in" filter="fade">
+                                      <p:cBhvr>
+                                        <p:cTn id="15" dur="1000"/>
+                                        <p:tgtEl>
+                                          <p:spTgt spid="25604">
+                                            <p:txEl>
+                                              <p:pRg st="5" end="5"/>
+                                            </p:txEl>
+                                          </p:spTgt>
+                                        </p:tgtEl>
+                                      </p:cBhvr>
+                                    </p:animEffect>
+                                  </p:childTnLst>
+                                </p:cTn>
+                              </p:par>
+                              <p:par>
+                                <p:cTn id="16" presetID="10" presetClass="entr" presetSubtype="0" fill="hold" grpId="0" nodeType="withEffect">
+                                  <p:stCondLst>
+                                    <p:cond delay="0"/>
+                                  </p:stCondLst>
+                                  <p:childTnLst>
+                                    <p:set>
+                                      <p:cBhvr>
+                                        <p:cTn id="17" dur="1" fill="hold">
+                                          <p:stCondLst>
+                                            <p:cond delay="0"/>
+                                          </p:stCondLst>
+                                        </p:cTn>
+                                        <p:tgtEl>
+                                          <p:spTgt spid="25604">
+                                            <p:txEl>
+                                              <p:pRg st="6" end="6"/>
+                                            </p:txEl>
+                                          </p:spTgt>
+                                        </p:tgtEl>
+                                        <p:attrNameLst>
+                                          <p:attrName>style.visibility</p:attrName>
+                                        </p:attrNameLst>
+                                      </p:cBhvr>
+                                      <p:to>
+                                        <p:strVal val="visible"/>
+                                      </p:to>
+                                    </p:set>
+                                    <p:animEffect transition="in" filter="fade">
+                                      <p:cBhvr>
+                                        <p:cTn id="18" dur="1000"/>
+                                        <p:tgtEl>
+                                          <p:spTgt spid="25604">
+                                            <p:txEl>
+                                              <p:pRg st="6" end="6"/>
+                                            </p:txEl>
+                                          </p:spTgt>
+                                        </p:tgtEl>
+                                      </p:cBhvr>
+                                    </p:animEffect>
+                                  </p:childTnLst>
+                                </p:cTn>
+                              </p:par>
+                              <p:par>
+                                <p:cTn id="19" presetID="10" presetClass="entr" presetSubtype="0" fill="hold" grpId="0" nodeType="withEffect">
+                                  <p:stCondLst>
+                                    <p:cond delay="0"/>
+                                  </p:stCondLst>
+                                  <p:childTnLst>
+                                    <p:set>
+                                      <p:cBhvr>
+                                        <p:cTn id="20" dur="1" fill="hold">
+                                          <p:stCondLst>
+                                            <p:cond delay="0"/>
+                                          </p:stCondLst>
+                                        </p:cTn>
+                                        <p:tgtEl>
+                                          <p:spTgt spid="25604">
+                                            <p:txEl>
+                                              <p:pRg st="7" end="7"/>
+                                            </p:txEl>
+                                          </p:spTgt>
+                                        </p:tgtEl>
+                                        <p:attrNameLst>
+                                          <p:attrName>style.visibility</p:attrName>
+                                        </p:attrNameLst>
+                                      </p:cBhvr>
+                                      <p:to>
+                                        <p:strVal val="visible"/>
+                                      </p:to>
+                                    </p:set>
+                                    <p:animEffect transition="in" filter="fade">
+                                      <p:cBhvr>
+                                        <p:cTn id="21" dur="1000"/>
+                                        <p:tgtEl>
+                                          <p:spTgt spid="25604">
+                                            <p:txEl>
+                                              <p:pRg st="7" end="7"/>
+                                            </p:txEl>
+                                          </p:spTgt>
+                                        </p:tgtEl>
+                                      </p:cBhvr>
+                                    </p:animEffect>
+                                  </p:childTnLst>
+                                </p:cTn>
+                              </p:par>
+                            </p:childTnLst>
+                          </p:cTn>
+                        </p:par>
+                      </p:childTnLst>
+                    </p:cTn>
+                  </p:par>
+                  <p:par>
+                    <p:cTn id="22" fill="hold">
+                      <p:stCondLst>
+                        <p:cond delay="indefinite"/>
+                      </p:stCondLst>
+                      <p:childTnLst>
+                        <p:par>
+                          <p:cTn id="23" fill="hold">
+                            <p:stCondLst>
+                              <p:cond delay="0"/>
+                            </p:stCondLst>
+                            <p:childTnLst>
+                              <p:par>
+                                <p:cTn id="24" presetID="10" presetClass="entr" presetSubtype="0" fill="hold" grpId="0" nodeType="clickEffect">
+                                  <p:stCondLst>
+                                    <p:cond delay="0"/>
+                                  </p:stCondLst>
+                                  <p:childTnLst>
+                                    <p:set>
+                                      <p:cBhvr>
+                                        <p:cTn id="25" dur="1" fill="hold">
+                                          <p:stCondLst>
+                                            <p:cond delay="0"/>
+                                          </p:stCondLst>
+                                        </p:cTn>
+                                        <p:tgtEl>
+                                          <p:spTgt spid="25604">
+                                            <p:txEl>
+                                              <p:pRg st="8" end="8"/>
+                                            </p:txEl>
+                                          </p:spTgt>
+                                        </p:tgtEl>
+                                        <p:attrNameLst>
+                                          <p:attrName>style.visibility</p:attrName>
+                                        </p:attrNameLst>
+                                      </p:cBhvr>
+                                      <p:to>
+                                        <p:strVal val="visible"/>
+                                      </p:to>
+                                    </p:set>
+                                    <p:animEffect transition="in" filter="fade">
+                                      <p:cBhvr>
+                                        <p:cTn id="26" dur="1000"/>
+                                        <p:tgtEl>
+                                          <p:spTgt spid="25604">
+                                            <p:txEl>
+                                              <p:pRg st="8" end="8"/>
+                                            </p:txEl>
+                                          </p:spTgt>
+                                        </p:tgtEl>
+                                      </p:cBhvr>
+                                    </p:animEffect>
+                                  </p:childTnLst>
+                                </p:cTn>
+                              </p:par>
+                              <p:par>
+                                <p:cTn id="27" presetID="10" presetClass="entr" presetSubtype="0" fill="hold" grpId="0" nodeType="withEffect">
+                                  <p:stCondLst>
+                                    <p:cond delay="0"/>
+                                  </p:stCondLst>
+                                  <p:childTnLst>
+                                    <p:set>
+                                      <p:cBhvr>
+                                        <p:cTn id="28" dur="1" fill="hold">
+                                          <p:stCondLst>
+                                            <p:cond delay="0"/>
+                                          </p:stCondLst>
+                                        </p:cTn>
+                                        <p:tgtEl>
+                                          <p:spTgt spid="25604">
+                                            <p:txEl>
+                                              <p:pRg st="9" end="9"/>
+                                            </p:txEl>
+                                          </p:spTgt>
+                                        </p:tgtEl>
+                                        <p:attrNameLst>
+                                          <p:attrName>style.visibility</p:attrName>
+                                        </p:attrNameLst>
+                                      </p:cBhvr>
+                                      <p:to>
+                                        <p:strVal val="visible"/>
+                                      </p:to>
+                                    </p:set>
+                                    <p:animEffect transition="in" filter="fade">
+                                      <p:cBhvr>
+                                        <p:cTn id="29" dur="1000"/>
+                                        <p:tgtEl>
+                                          <p:spTgt spid="25604">
+                                            <p:txEl>
+                                              <p:pRg st="9" end="9"/>
+                                            </p:txEl>
+                                          </p:spTgt>
+                                        </p:tgtEl>
+                                      </p:cBhvr>
+                                    </p:animEffect>
+                                  </p:childTnLst>
+                                </p:cTn>
+                              </p:par>
+                              <p:par>
+                                <p:cTn id="30" presetID="10" presetClass="entr" presetSubtype="0" fill="hold" grpId="0" nodeType="withEffect">
+                                  <p:stCondLst>
+                                    <p:cond delay="0"/>
+                                  </p:stCondLst>
+                                  <p:childTnLst>
+                                    <p:set>
+                                      <p:cBhvr>
+                                        <p:cTn id="31" dur="1" fill="hold">
+                                          <p:stCondLst>
+                                            <p:cond delay="0"/>
+                                          </p:stCondLst>
+                                        </p:cTn>
+                                        <p:tgtEl>
+                                          <p:spTgt spid="25604">
+                                            <p:txEl>
+                                              <p:pRg st="10" end="10"/>
+                                            </p:txEl>
+                                          </p:spTgt>
+                                        </p:tgtEl>
+                                        <p:attrNameLst>
+                                          <p:attrName>style.visibility</p:attrName>
+                                        </p:attrNameLst>
+                                      </p:cBhvr>
+                                      <p:to>
+                                        <p:strVal val="visible"/>
+                                      </p:to>
+                                    </p:set>
+                                    <p:animEffect transition="in" filter="fade">
+                                      <p:cBhvr>
+                                        <p:cTn id="32" dur="1000"/>
+                                        <p:tgtEl>
+                                          <p:spTgt spid="25604">
+                                            <p:txEl>
+                                              <p:pRg st="10" end="10"/>
+                                            </p:txEl>
+                                          </p:spTgt>
+                                        </p:tgtEl>
+                                      </p:cBhvr>
+                                    </p:animEffect>
+                                  </p:childTnLst>
+                                </p:cTn>
+                              </p:par>
+                              <p:par>
+                                <p:cTn id="33" presetID="10" presetClass="entr" presetSubtype="0" fill="hold" grpId="0" nodeType="withEffect">
+                                  <p:stCondLst>
+                                    <p:cond delay="0"/>
+                                  </p:stCondLst>
+                                  <p:childTnLst>
+                                    <p:set>
+                                      <p:cBhvr>
+                                        <p:cTn id="34" dur="1" fill="hold">
+                                          <p:stCondLst>
+                                            <p:cond delay="0"/>
+                                          </p:stCondLst>
+                                        </p:cTn>
+                                        <p:tgtEl>
+                                          <p:spTgt spid="25604">
+                                            <p:txEl>
+                                              <p:pRg st="11" end="11"/>
+                                            </p:txEl>
+                                          </p:spTgt>
+                                        </p:tgtEl>
+                                        <p:attrNameLst>
+                                          <p:attrName>style.visibility</p:attrName>
+                                        </p:attrNameLst>
+                                      </p:cBhvr>
+                                      <p:to>
+                                        <p:strVal val="visible"/>
+                                      </p:to>
+                                    </p:set>
+                                    <p:animEffect transition="in" filter="fade">
+                                      <p:cBhvr>
+                                        <p:cTn id="35" dur="1000"/>
+                                        <p:tgtEl>
+                                          <p:spTgt spid="25604">
+                                            <p:txEl>
+                                              <p:pRg st="11" end="11"/>
+                                            </p:txEl>
+                                          </p:spTgt>
+                                        </p:tgtEl>
+                                      </p:cBhvr>
+                                    </p:animEffect>
+                                  </p:childTnLst>
+                                </p:cTn>
+                              </p:par>
+                            </p:childTnLst>
+                          </p:cTn>
+                        </p:par>
+                      </p:childTnLst>
+                    </p:cTn>
+                  </p:par>
+                  <p:par>
+                    <p:cTn id="36" fill="hold">
+                      <p:stCondLst>
+                        <p:cond delay="indefinite"/>
+                      </p:stCondLst>
+                      <p:childTnLst>
+                        <p:par>
+                          <p:cTn id="37" fill="hold">
+                            <p:stCondLst>
+                              <p:cond delay="0"/>
+                            </p:stCondLst>
+                            <p:childTnLst>
+                              <p:par>
+                                <p:cTn id="38" presetID="10" presetClass="entr" presetSubtype="0" fill="hold" grpId="0" nodeType="clickEffect">
+                                  <p:stCondLst>
+                                    <p:cond delay="0"/>
+                                  </p:stCondLst>
+                                  <p:childTnLst>
+                                    <p:set>
+                                      <p:cBhvr>
+                                        <p:cTn id="39" dur="1" fill="hold">
+                                          <p:stCondLst>
+                                            <p:cond delay="0"/>
+                                          </p:stCondLst>
+                                        </p:cTn>
+                                        <p:tgtEl>
+                                          <p:spTgt spid="25605">
+                                            <p:txEl>
+                                              <p:pRg st="0" end="0"/>
+                                            </p:txEl>
+                                          </p:spTgt>
+                                        </p:tgtEl>
+                                        <p:attrNameLst>
+                                          <p:attrName>style.visibility</p:attrName>
+                                        </p:attrNameLst>
+                                      </p:cBhvr>
+                                      <p:to>
+                                        <p:strVal val="visible"/>
+                                      </p:to>
+                                    </p:set>
+                                    <p:animEffect transition="in" filter="fade">
+                                      <p:cBhvr>
+                                        <p:cTn id="40" dur="2000"/>
+                                        <p:tgtEl>
+                                          <p:spTgt spid="25605">
+                                            <p:txEl>
+                                              <p:pRg st="0" end="0"/>
+                                            </p:txEl>
+                                          </p:spTgt>
+                                        </p:tgtEl>
+                                      </p:cBhvr>
+                                    </p:animEffect>
+                                  </p:childTnLst>
+                                </p:cTn>
+                              </p:par>
+                              <p:par>
+                                <p:cTn id="41" presetID="10" presetClass="entr" presetSubtype="0" fill="hold" grpId="0" nodeType="withEffect">
+                                  <p:stCondLst>
+                                    <p:cond delay="0"/>
+                                  </p:stCondLst>
+                                  <p:childTnLst>
+                                    <p:set>
+                                      <p:cBhvr>
+                                        <p:cTn id="42" dur="1" fill="hold">
+                                          <p:stCondLst>
+                                            <p:cond delay="0"/>
+                                          </p:stCondLst>
+                                        </p:cTn>
+                                        <p:tgtEl>
+                                          <p:spTgt spid="25605">
+                                            <p:txEl>
+                                              <p:pRg st="1" end="1"/>
+                                            </p:txEl>
+                                          </p:spTgt>
+                                        </p:tgtEl>
+                                        <p:attrNameLst>
+                                          <p:attrName>style.visibility</p:attrName>
+                                        </p:attrNameLst>
+                                      </p:cBhvr>
+                                      <p:to>
+                                        <p:strVal val="visible"/>
+                                      </p:to>
+                                    </p:set>
+                                    <p:animEffect transition="in" filter="fade">
+                                      <p:cBhvr>
+                                        <p:cTn id="43" dur="2000"/>
+                                        <p:tgtEl>
+                                          <p:spTgt spid="25605">
+                                            <p:txEl>
+                                              <p:pRg st="1" end="1"/>
+                                            </p:txEl>
+                                          </p:spTgt>
+                                        </p:tgtEl>
+                                      </p:cBhvr>
+                                    </p:animEffect>
+                                  </p:childTnLst>
+                                </p:cTn>
+                              </p:par>
+                              <p:par>
+                                <p:cTn id="44" presetID="10" presetClass="entr" presetSubtype="0" fill="hold" grpId="0" nodeType="withEffect">
+                                  <p:stCondLst>
+                                    <p:cond delay="0"/>
+                                  </p:stCondLst>
+                                  <p:childTnLst>
+                                    <p:set>
+                                      <p:cBhvr>
+                                        <p:cTn id="45" dur="1" fill="hold">
+                                          <p:stCondLst>
+                                            <p:cond delay="0"/>
+                                          </p:stCondLst>
+                                        </p:cTn>
+                                        <p:tgtEl>
+                                          <p:spTgt spid="25605">
+                                            <p:txEl>
+                                              <p:pRg st="2" end="2"/>
+                                            </p:txEl>
+                                          </p:spTgt>
+                                        </p:tgtEl>
+                                        <p:attrNameLst>
+                                          <p:attrName>style.visibility</p:attrName>
+                                        </p:attrNameLst>
+                                      </p:cBhvr>
+                                      <p:to>
+                                        <p:strVal val="visible"/>
+                                      </p:to>
+                                    </p:set>
+                                    <p:animEffect transition="in" filter="fade">
+                                      <p:cBhvr>
+                                        <p:cTn id="46" dur="2000"/>
+                                        <p:tgtEl>
+                                          <p:spTgt spid="25605">
+                                            <p:txEl>
+                                              <p:pRg st="2" end="2"/>
+                                            </p:txEl>
+                                          </p:spTgt>
+                                        </p:tgtEl>
+                                      </p:cBhvr>
+                                    </p:animEffect>
+                                  </p:childTnLst>
+                                </p:cTn>
+                              </p:par>
+                              <p:par>
+                                <p:cTn id="47" presetID="10" presetClass="entr" presetSubtype="0" fill="hold" grpId="0" nodeType="withEffect">
+                                  <p:stCondLst>
+                                    <p:cond delay="0"/>
+                                  </p:stCondLst>
+                                  <p:childTnLst>
+                                    <p:set>
+                                      <p:cBhvr>
+                                        <p:cTn id="48" dur="1" fill="hold">
+                                          <p:stCondLst>
+                                            <p:cond delay="0"/>
+                                          </p:stCondLst>
+                                        </p:cTn>
+                                        <p:tgtEl>
+                                          <p:spTgt spid="25605">
+                                            <p:txEl>
+                                              <p:pRg st="3" end="3"/>
+                                            </p:txEl>
+                                          </p:spTgt>
+                                        </p:tgtEl>
+                                        <p:attrNameLst>
+                                          <p:attrName>style.visibility</p:attrName>
+                                        </p:attrNameLst>
+                                      </p:cBhvr>
+                                      <p:to>
+                                        <p:strVal val="visible"/>
+                                      </p:to>
+                                    </p:set>
+                                    <p:animEffect transition="in" filter="fade">
+                                      <p:cBhvr>
+                                        <p:cTn id="49" dur="2000"/>
+                                        <p:tgtEl>
+                                          <p:spTgt spid="25605">
+                                            <p:txEl>
+                                              <p:pRg st="3" end="3"/>
+                                            </p:txEl>
+                                          </p:spTgt>
+                                        </p:tgtEl>
+                                      </p:cBhvr>
+                                    </p:animEffect>
+                                  </p:childTnLst>
+                                </p:cTn>
+                              </p:par>
+                            </p:childTnLst>
+                          </p:cTn>
+                        </p:par>
+                      </p:childTnLst>
+                    </p:cTn>
+                  </p:par>
+                  <p:par>
+                    <p:cTn id="50" fill="hold">
+                      <p:stCondLst>
+                        <p:cond delay="indefinite"/>
+                      </p:stCondLst>
+                      <p:childTnLst>
+                        <p:par>
+                          <p:cTn id="51" fill="hold">
+                            <p:stCondLst>
+                              <p:cond delay="0"/>
+                            </p:stCondLst>
+                            <p:childTnLst>
+                              <p:par>
+                                <p:cTn id="52" presetID="10" presetClass="entr" presetSubtype="0" fill="hold" grpId="0" nodeType="clickEffect">
+                                  <p:stCondLst>
+                                    <p:cond delay="0"/>
+                                  </p:stCondLst>
+                                  <p:childTnLst>
+                                    <p:set>
+                                      <p:cBhvr>
+                                        <p:cTn id="53" dur="1" fill="hold">
+                                          <p:stCondLst>
+                                            <p:cond delay="0"/>
+                                          </p:stCondLst>
+                                        </p:cTn>
+                                        <p:tgtEl>
+                                          <p:spTgt spid="25605">
+                                            <p:txEl>
+                                              <p:pRg st="4" end="4"/>
+                                            </p:txEl>
+                                          </p:spTgt>
+                                        </p:tgtEl>
+                                        <p:attrNameLst>
+                                          <p:attrName>style.visibility</p:attrName>
+                                        </p:attrNameLst>
+                                      </p:cBhvr>
+                                      <p:to>
+                                        <p:strVal val="visible"/>
+                                      </p:to>
+                                    </p:set>
+                                    <p:animEffect transition="in" filter="fade">
+                                      <p:cBhvr>
+                                        <p:cTn id="54" dur="2000"/>
+                                        <p:tgtEl>
+                                          <p:spTgt spid="25605">
+                                            <p:txEl>
+                                              <p:pRg st="4" end="4"/>
+                                            </p:txEl>
+                                          </p:spTgt>
+                                        </p:tgtEl>
+                                      </p:cBhvr>
+                                    </p:animEffect>
+                                  </p:childTnLst>
+                                </p:cTn>
+                              </p:par>
+                              <p:par>
+                                <p:cTn id="55" presetID="10" presetClass="entr" presetSubtype="0" fill="hold" grpId="0" nodeType="withEffect">
+                                  <p:stCondLst>
+                                    <p:cond delay="0"/>
+                                  </p:stCondLst>
+                                  <p:childTnLst>
+                                    <p:set>
+                                      <p:cBhvr>
+                                        <p:cTn id="56" dur="1" fill="hold">
+                                          <p:stCondLst>
+                                            <p:cond delay="0"/>
+                                          </p:stCondLst>
+                                        </p:cTn>
+                                        <p:tgtEl>
+                                          <p:spTgt spid="25605">
+                                            <p:txEl>
+                                              <p:pRg st="5" end="5"/>
+                                            </p:txEl>
+                                          </p:spTgt>
+                                        </p:tgtEl>
+                                        <p:attrNameLst>
+                                          <p:attrName>style.visibility</p:attrName>
+                                        </p:attrNameLst>
+                                      </p:cBhvr>
+                                      <p:to>
+                                        <p:strVal val="visible"/>
+                                      </p:to>
+                                    </p:set>
+                                    <p:animEffect transition="in" filter="fade">
+                                      <p:cBhvr>
+                                        <p:cTn id="57" dur="2000"/>
+                                        <p:tgtEl>
+                                          <p:spTgt spid="25605">
+                                            <p:txEl>
+                                              <p:pRg st="5" end="5"/>
+                                            </p:txEl>
+                                          </p:spTgt>
+                                        </p:tgtEl>
+                                      </p:cBhvr>
+                                    </p:animEffect>
+                                  </p:childTnLst>
+                                </p:cTn>
+                              </p:par>
+                              <p:par>
+                                <p:cTn id="58" presetID="10" presetClass="entr" presetSubtype="0" fill="hold" grpId="0" nodeType="withEffect">
+                                  <p:stCondLst>
+                                    <p:cond delay="0"/>
+                                  </p:stCondLst>
+                                  <p:childTnLst>
+                                    <p:set>
+                                      <p:cBhvr>
+                                        <p:cTn id="59" dur="1" fill="hold">
+                                          <p:stCondLst>
+                                            <p:cond delay="0"/>
+                                          </p:stCondLst>
+                                        </p:cTn>
+                                        <p:tgtEl>
+                                          <p:spTgt spid="25605">
+                                            <p:txEl>
+                                              <p:pRg st="6" end="6"/>
+                                            </p:txEl>
+                                          </p:spTgt>
+                                        </p:tgtEl>
+                                        <p:attrNameLst>
+                                          <p:attrName>style.visibility</p:attrName>
+                                        </p:attrNameLst>
+                                      </p:cBhvr>
+                                      <p:to>
+                                        <p:strVal val="visible"/>
+                                      </p:to>
+                                    </p:set>
+                                    <p:animEffect transition="in" filter="fade">
+                                      <p:cBhvr>
+                                        <p:cTn id="60" dur="2000"/>
+                                        <p:tgtEl>
+                                          <p:spTgt spid="25605">
+                                            <p:txEl>
+                                              <p:pRg st="6" end="6"/>
+                                            </p:txEl>
+                                          </p:spTgt>
+                                        </p:tgtEl>
+                                      </p:cBhvr>
+                                    </p:animEffect>
+                                  </p:childTnLst>
+                                </p:cTn>
+                              </p:par>
+                            </p:childTnLst>
+                          </p:cTn>
+                        </p:par>
+                      </p:childTnLst>
+                    </p:cTn>
+                  </p:par>
+                  <p:par>
+                    <p:cTn id="61" fill="hold">
+                      <p:stCondLst>
+                        <p:cond delay="indefinite"/>
+                      </p:stCondLst>
+                      <p:childTnLst>
+                        <p:par>
+                          <p:cTn id="62" fill="hold">
+                            <p:stCondLst>
+                              <p:cond delay="0"/>
+                            </p:stCondLst>
+                            <p:childTnLst>
+                              <p:par>
+                                <p:cTn id="63" presetID="10" presetClass="entr" presetSubtype="0" fill="hold" grpId="0" nodeType="clickEffect">
+                                  <p:stCondLst>
+                                    <p:cond delay="0"/>
+                                  </p:stCondLst>
+                                  <p:childTnLst>
+                                    <p:set>
+                                      <p:cBhvr>
+                                        <p:cTn id="64" dur="1" fill="hold">
+                                          <p:stCondLst>
+                                            <p:cond delay="0"/>
+                                          </p:stCondLst>
+                                        </p:cTn>
+                                        <p:tgtEl>
+                                          <p:spTgt spid="25605">
+                                            <p:txEl>
+                                              <p:pRg st="7" end="7"/>
+                                            </p:txEl>
+                                          </p:spTgt>
+                                        </p:tgtEl>
+                                        <p:attrNameLst>
+                                          <p:attrName>style.visibility</p:attrName>
+                                        </p:attrNameLst>
+                                      </p:cBhvr>
+                                      <p:to>
+                                        <p:strVal val="visible"/>
+                                      </p:to>
+                                    </p:set>
+                                    <p:animEffect transition="in" filter="fade">
+                                      <p:cBhvr>
+                                        <p:cTn id="65" dur="2000"/>
+                                        <p:tgtEl>
+                                          <p:spTgt spid="25605">
+                                            <p:txEl>
+                                              <p:pRg st="7" end="7"/>
+                                            </p:txEl>
+                                          </p:spTgt>
+                                        </p:tgtEl>
+                                      </p:cBhvr>
+                                    </p:animEffect>
+                                  </p:childTnLst>
+                                </p:cTn>
+                              </p:par>
+                              <p:par>
+                                <p:cTn id="66" presetID="10" presetClass="entr" presetSubtype="0" fill="hold" grpId="0" nodeType="withEffect">
+                                  <p:stCondLst>
+                                    <p:cond delay="0"/>
+                                  </p:stCondLst>
+                                  <p:childTnLst>
+                                    <p:set>
+                                      <p:cBhvr>
+                                        <p:cTn id="67" dur="1" fill="hold">
+                                          <p:stCondLst>
+                                            <p:cond delay="0"/>
+                                          </p:stCondLst>
+                                        </p:cTn>
+                                        <p:tgtEl>
+                                          <p:spTgt spid="25605">
+                                            <p:txEl>
+                                              <p:pRg st="8" end="8"/>
+                                            </p:txEl>
+                                          </p:spTgt>
+                                        </p:tgtEl>
+                                        <p:attrNameLst>
+                                          <p:attrName>style.visibility</p:attrName>
+                                        </p:attrNameLst>
+                                      </p:cBhvr>
+                                      <p:to>
+                                        <p:strVal val="visible"/>
+                                      </p:to>
+                                    </p:set>
+                                    <p:animEffect transition="in" filter="fade">
+                                      <p:cBhvr>
+                                        <p:cTn id="68" dur="2000"/>
+                                        <p:tgtEl>
+                                          <p:spTgt spid="25605">
+                                            <p:txEl>
+                                              <p:pRg st="8" end="8"/>
+                                            </p:txEl>
+                                          </p:spTgt>
+                                        </p:tgtEl>
+                                      </p:cBhvr>
+                                    </p:animEffect>
+                                  </p:childTnLst>
+                                </p:cTn>
+                              </p:par>
+                              <p:par>
+                                <p:cTn id="69" presetID="10" presetClass="entr" presetSubtype="0" fill="hold" grpId="0" nodeType="withEffect">
+                                  <p:stCondLst>
+                                    <p:cond delay="0"/>
+                                  </p:stCondLst>
+                                  <p:childTnLst>
+                                    <p:set>
+                                      <p:cBhvr>
+                                        <p:cTn id="70" dur="1" fill="hold">
+                                          <p:stCondLst>
+                                            <p:cond delay="0"/>
+                                          </p:stCondLst>
+                                        </p:cTn>
+                                        <p:tgtEl>
+                                          <p:spTgt spid="25605">
+                                            <p:txEl>
+                                              <p:pRg st="9" end="9"/>
+                                            </p:txEl>
+                                          </p:spTgt>
+                                        </p:tgtEl>
+                                        <p:attrNameLst>
+                                          <p:attrName>style.visibility</p:attrName>
+                                        </p:attrNameLst>
+                                      </p:cBhvr>
+                                      <p:to>
+                                        <p:strVal val="visible"/>
+                                      </p:to>
+                                    </p:set>
+                                    <p:animEffect transition="in" filter="fade">
+                                      <p:cBhvr>
+                                        <p:cTn id="71" dur="2000"/>
+                                        <p:tgtEl>
+                                          <p:spTgt spid="25605">
+                                            <p:txEl>
+                                              <p:pRg st="9" end="9"/>
+                                            </p:txEl>
+                                          </p:spTgt>
+                                        </p:tgtEl>
+                                      </p:cBhvr>
+                                    </p:animEffect>
+                                  </p:childTnLst>
+                                </p:cTn>
+                              </p:par>
+                              <p:par>
+                                <p:cTn id="72" presetID="10" presetClass="entr" presetSubtype="0" fill="hold" grpId="0" nodeType="withEffect">
+                                  <p:stCondLst>
+                                    <p:cond delay="0"/>
+                                  </p:stCondLst>
+                                  <p:childTnLst>
+                                    <p:set>
+                                      <p:cBhvr>
+                                        <p:cTn id="73" dur="1" fill="hold">
+                                          <p:stCondLst>
+                                            <p:cond delay="0"/>
+                                          </p:stCondLst>
+                                        </p:cTn>
+                                        <p:tgtEl>
+                                          <p:spTgt spid="25605">
+                                            <p:txEl>
+                                              <p:pRg st="10" end="10"/>
+                                            </p:txEl>
+                                          </p:spTgt>
+                                        </p:tgtEl>
+                                        <p:attrNameLst>
+                                          <p:attrName>style.visibility</p:attrName>
+                                        </p:attrNameLst>
+                                      </p:cBhvr>
+                                      <p:to>
+                                        <p:strVal val="visible"/>
+                                      </p:to>
+                                    </p:set>
+                                    <p:animEffect transition="in" filter="fade">
+                                      <p:cBhvr>
+                                        <p:cTn id="74" dur="2000"/>
+                                        <p:tgtEl>
+                                          <p:spTgt spid="25605">
+                                            <p:txEl>
+                                              <p:pRg st="10" end="10"/>
+                                            </p:txEl>
+                                          </p:spTgt>
+                                        </p:tgtEl>
+                                      </p:cBhvr>
+                                    </p:animEffect>
+                                  </p:childTnLst>
+                                </p:cTn>
+                              </p:par>
+                            </p:childTnLst>
+                          </p:cTn>
+                        </p:par>
+                      </p:childTnLst>
+                    </p:cTn>
+                  </p:par>
+                </p:childTnLst>
+              </p:cTn>
+              <p:prevCondLst>
+                <p:cond evt="onPrev" delay="0">
+                  <p:tgtEl>
+                    <p:sldTgt/>
+                  </p:tgtEl>
+                </p:cond>
+              </p:prevCondLst>
+              <p:nextCondLst>
+                <p:cond evt="onNext" delay="0">
+                  <p:tgtEl>
+                    <p:sldTgt/>
+                  </p:tgtEl>
+                </p:cond>
+              </p:nextCondLst>
+            </p:seq>
+          </p:childTnLst>
+        </p:cTn>
+      </p:par>
+    </p:tnLst>
+    <p:bldLst>
+      <p:bldP spid="25604" grpId="0" uiExpand="1" build="p"/>
+      <p:bldP spid="25605" grpId="0" build="p"/>
+    </p:bldLst>
+  </p:timing>
+</p:sld>
+</file>
+
+<file path=ppt/slides/slide5.xml><?xml version="1.0" encoding="utf-8"?>
+<p:sld xmlns:a="http://schemas.openxmlformats.org/drawingml/2006/main" xmlns:r="http://schemas.openxmlformats.org/officeDocument/2006/relationships" xmlns:p="http://schemas.openxmlformats.org/presentationml/2006/main">
+  <p:cSld>
+    <p:spTree>
+      <p:nvGrpSpPr>
+        <p:cNvPr id="1" name=""/>
+        <p:cNvGrpSpPr/>
+        <p:nvPr/>
+      </p:nvGrpSpPr>
+      <p:grpSpPr>
+        <a:xfrm>
+          <a:off x="0" y="0"/>
+          <a:ext cx="0" cy="0"/>
+          <a:chOff x="0" y="0"/>
+          <a:chExt cx="0" cy="0"/>
+        </a:xfrm>
+      </p:grpSpPr>
+      <p:sp>
+        <p:nvSpPr>
+          <p:cNvPr id="2" name="Title 1"/>
+          <p:cNvSpPr>
+            <a:spLocks noGrp="1"/>
+          </p:cNvSpPr>
+          <p:nvPr>
+            <p:ph type="title"/>
+          </p:nvPr>
+        </p:nvSpPr>
+        <p:spPr/>
+        <p:txBody>
+          <a:bodyPr>
+            <a:normAutofit fontScale="90000"/>
+          </a:bodyPr>
+          <a:lstStyle/>
+          <a:p>
+            <a:r>
+              <a:rPr lang="en-GB" dirty="0" smtClean="0"/>
+              <a:t>Continuous Integration</a:t>
+            </a:r>
+            <a:br>
+              <a:rPr lang="en-GB" dirty="0" smtClean="0"/>
+            </a:br>
+            <a:endParaRPr lang="en-US" dirty="0"/>
+          </a:p>
+        </p:txBody>
+      </p:sp>
+      <p:sp>
+        <p:nvSpPr>
+          <p:cNvPr id="14" name="Content Placeholder 13"/>
+          <p:cNvSpPr>
+            <a:spLocks noGrp="1"/>
+          </p:cNvSpPr>
+          <p:nvPr>
+            <p:ph idx="1"/>
+          </p:nvPr>
+        </p:nvSpPr>
+        <p:spPr>
+          <a:xfrm>
+            <a:off x="1435100" y="1714488"/>
+            <a:ext cx="7499350" cy="4533912"/>
+          </a:xfrm>
+        </p:spPr>
+        <p:txBody>
+          <a:bodyPr/>
+          <a:lstStyle/>
+          <a:p>
+            <a:r>
+              <a:rPr lang="en-GB" sz="2400" dirty="0" smtClean="0"/>
+              <a:t>Build</a:t>
+            </a:r>
+          </a:p>
+          <a:p>
+            <a:pPr lvl="1"/>
+            <a:r>
+              <a:rPr lang="en-GB" sz="2000" dirty="0" smtClean="0"/>
+              <a:t>Triggered by check-in</a:t>
+            </a:r>
+          </a:p>
+          <a:p>
+            <a:pPr lvl="1"/>
+            <a:r>
+              <a:rPr lang="en-GB" sz="2000" dirty="0" smtClean="0"/>
+              <a:t>Get Latest Version</a:t>
+            </a:r>
+          </a:p>
+          <a:p>
+            <a:pPr lvl="1"/>
+            <a:r>
+              <a:rPr lang="en-GB" sz="2000" dirty="0" smtClean="0"/>
+              <a:t>Compile</a:t>
+            </a:r>
+          </a:p>
+          <a:p>
+            <a:pPr lvl="1"/>
+            <a:r>
+              <a:rPr lang="en-GB" sz="2000" dirty="0" smtClean="0"/>
+              <a:t>Create Database</a:t>
+            </a:r>
+          </a:p>
+          <a:p>
+            <a:r>
+              <a:rPr lang="en-GB" sz="2400" dirty="0" smtClean="0"/>
+              <a:t>Testing</a:t>
+            </a:r>
+          </a:p>
+          <a:p>
+            <a:pPr lvl="1"/>
+            <a:r>
+              <a:rPr lang="en-GB" sz="2000" dirty="0" smtClean="0"/>
+              <a:t>Unit testing</a:t>
+            </a:r>
+          </a:p>
+          <a:p>
+            <a:pPr lvl="1"/>
+            <a:r>
+              <a:rPr lang="en-GB" sz="2000" dirty="0" smtClean="0"/>
+              <a:t>Acceptance Testing</a:t>
+            </a:r>
+          </a:p>
+          <a:p>
+            <a:pPr lvl="1"/>
+            <a:r>
+              <a:rPr lang="en-GB" sz="2000" dirty="0" smtClean="0"/>
+              <a:t>Load/performance testing</a:t>
+            </a:r>
+          </a:p>
+          <a:p>
+            <a:r>
+              <a:rPr lang="en-GB" sz="2400" dirty="0" smtClean="0"/>
+              <a:t>Reporting/Notification</a:t>
+            </a:r>
+          </a:p>
+          <a:p>
+            <a:pPr lvl="1"/>
+            <a:r>
+              <a:rPr lang="en-GB" sz="2000" dirty="0" err="1" smtClean="0"/>
+              <a:t>WebUI</a:t>
+            </a:r>
+            <a:endParaRPr lang="en-GB" sz="2000" dirty="0" smtClean="0"/>
+          </a:p>
+          <a:p>
+            <a:pPr lvl="1"/>
+            <a:r>
+              <a:rPr lang="en-GB" sz="2000" dirty="0" err="1" smtClean="0"/>
+              <a:t>CCTray</a:t>
+            </a:r>
+            <a:r>
+              <a:rPr lang="en-GB" sz="2000" dirty="0" smtClean="0"/>
+              <a:t>, Big Visual Cruise, </a:t>
+            </a:r>
+          </a:p>
+          <a:p>
+            <a:pPr lvl="1"/>
+            <a:endParaRPr lang="en-GB" sz="1600" dirty="0" smtClean="0"/>
+          </a:p>
+          <a:p>
+            <a:endParaRPr lang="en-GB" sz="1600" dirty="0" smtClean="0">
+              <a:solidFill>
+                <a:schemeClr val="bg1">
+                  <a:lumMod val="75000"/>
+                </a:schemeClr>
+              </a:solidFill>
+            </a:endParaRPr>
+          </a:p>
+          <a:p>
+            <a:pPr lvl="1"/>
+            <a:endParaRPr lang="en-US" sz="1800" dirty="0">
+              <a:solidFill>
+                <a:schemeClr val="bg1">
+                  <a:lumMod val="75000"/>
+                </a:schemeClr>
+              </a:solidFill>
+            </a:endParaRPr>
+          </a:p>
+        </p:txBody>
+      </p:sp>
+      <p:pic>
+        <p:nvPicPr>
+          <p:cNvPr id="15" name="Picture 2">
+            <a:hlinkClick r:id="rId2" action="ppaction://hlinkpres?slideindex=1&amp;slidetitle="/>
+          </p:cNvPr>
+          <p:cNvPicPr>
+            <a:picLocks noChangeAspect="1" noChangeArrowheads="1"/>
+          </p:cNvPicPr>
+          <p:nvPr/>
+        </p:nvPicPr>
+        <p:blipFill>
+          <a:blip r:embed="rId3" cstate="print"/>
+          <a:srcRect/>
+          <a:stretch>
+            <a:fillRect/>
+          </a:stretch>
+        </p:blipFill>
+        <p:spPr bwMode="auto">
+          <a:xfrm>
+            <a:off x="6143636" y="1000108"/>
+            <a:ext cx="2229194" cy="1571636"/>
+          </a:xfrm>
+          <a:prstGeom prst="rect">
+            <a:avLst/>
+          </a:prstGeom>
+          <a:noFill/>
+          <a:ln w="9525">
+            <a:noFill/>
+            <a:miter lim="800000"/>
+            <a:headEnd/>
+            <a:tailEnd/>
+          </a:ln>
+        </p:spPr>
+      </p:pic>
+      <p:pic>
+        <p:nvPicPr>
+          <p:cNvPr id="38928" name="Picture 16" descr="http://confluence.public.thoughtworks.org/download/userResources/CCNET/logo"/>
+          <p:cNvPicPr>
+            <a:picLocks noChangeAspect="1" noChangeArrowheads="1"/>
+          </p:cNvPicPr>
+          <p:nvPr/>
+        </p:nvPicPr>
+        <p:blipFill>
+          <a:blip r:embed="rId4"/>
+          <a:srcRect/>
+          <a:stretch>
+            <a:fillRect/>
+          </a:stretch>
+        </p:blipFill>
+        <p:spPr bwMode="auto">
+          <a:xfrm>
+            <a:off x="1428728" y="1000108"/>
+            <a:ext cx="3537882" cy="571504"/>
+          </a:xfrm>
+          <a:prstGeom prst="rect">
+            <a:avLst/>
+          </a:prstGeom>
+          <a:noFill/>
+        </p:spPr>
+      </p:pic>
+      <p:pic>
+        <p:nvPicPr>
+          <p:cNvPr id="6" name="Picture 5">
+            <a:hlinkClick r:id="rId5" action="ppaction://hlinksldjump"/>
+          </p:cNvPr>
+          <p:cNvPicPr>
+            <a:picLocks noChangeAspect="1" noChangeArrowheads="1"/>
+          </p:cNvPicPr>
+          <p:nvPr/>
+        </p:nvPicPr>
+        <p:blipFill>
+          <a:blip r:embed="rId6" cstate="print"/>
+          <a:srcRect/>
+          <a:stretch>
+            <a:fillRect/>
+          </a:stretch>
+        </p:blipFill>
+        <p:spPr bwMode="auto">
+          <a:xfrm>
+            <a:off x="6143636" y="4000504"/>
+            <a:ext cx="2058950" cy="1478688"/>
           </a:xfrm>
           <a:prstGeom prst="rect">
             <a:avLst/>
@@ -9094,7 +12302,7 @@
                             </p:stCondLst>
                             <p:childTnLst>
                               <p:par>
-                                <p:cTn id="5" presetID="10" presetClass="entr" presetSubtype="0" fill="hold" nodeType="withEffect">
+                                <p:cTn id="5" presetID="1" presetClass="entr" presetSubtype="0" fill="hold" nodeType="withEffect">
                                   <p:stCondLst>
                                     <p:cond delay="0"/>
                                   </p:stCondLst>
@@ -9102,6 +12310,456 @@
                                     <p:set>
                                       <p:cBhvr>
                                         <p:cTn id="6" dur="1" fill="hold">
+                                          <p:stCondLst>
+                                            <p:cond delay="0"/>
+                                          </p:stCondLst>
+                                        </p:cTn>
+                                        <p:tgtEl>
+                                          <p:spTgt spid="15"/>
+                                        </p:tgtEl>
+                                        <p:attrNameLst>
+                                          <p:attrName>style.visibility</p:attrName>
+                                        </p:attrNameLst>
+                                      </p:cBhvr>
+                                      <p:to>
+                                        <p:strVal val="visible"/>
+                                      </p:to>
+                                    </p:set>
+                                  </p:childTnLst>
+                                </p:cTn>
+                              </p:par>
+                            </p:childTnLst>
+                          </p:cTn>
+                        </p:par>
+                      </p:childTnLst>
+                    </p:cTn>
+                  </p:par>
+                  <p:par>
+                    <p:cTn id="7" fill="hold">
+                      <p:stCondLst>
+                        <p:cond delay="indefinite"/>
+                      </p:stCondLst>
+                      <p:childTnLst>
+                        <p:par>
+                          <p:cTn id="8" fill="hold">
+                            <p:stCondLst>
+                              <p:cond delay="0"/>
+                            </p:stCondLst>
+                            <p:childTnLst>
+                              <p:par>
+                                <p:cTn id="9" presetID="10" presetClass="entr" presetSubtype="0" fill="hold" grpId="0" nodeType="clickEffect">
+                                  <p:stCondLst>
+                                    <p:cond delay="0"/>
+                                  </p:stCondLst>
+                                  <p:childTnLst>
+                                    <p:set>
+                                      <p:cBhvr>
+                                        <p:cTn id="10" dur="1" fill="hold">
+                                          <p:stCondLst>
+                                            <p:cond delay="0"/>
+                                          </p:stCondLst>
+                                        </p:cTn>
+                                        <p:tgtEl>
+                                          <p:spTgt spid="14">
+                                            <p:txEl>
+                                              <p:pRg st="0" end="0"/>
+                                            </p:txEl>
+                                          </p:spTgt>
+                                        </p:tgtEl>
+                                        <p:attrNameLst>
+                                          <p:attrName>style.visibility</p:attrName>
+                                        </p:attrNameLst>
+                                      </p:cBhvr>
+                                      <p:to>
+                                        <p:strVal val="visible"/>
+                                      </p:to>
+                                    </p:set>
+                                    <p:animEffect transition="in" filter="fade">
+                                      <p:cBhvr>
+                                        <p:cTn id="11" dur="1000"/>
+                                        <p:tgtEl>
+                                          <p:spTgt spid="14">
+                                            <p:txEl>
+                                              <p:pRg st="0" end="0"/>
+                                            </p:txEl>
+                                          </p:spTgt>
+                                        </p:tgtEl>
+                                      </p:cBhvr>
+                                    </p:animEffect>
+                                  </p:childTnLst>
+                                </p:cTn>
+                              </p:par>
+                              <p:par>
+                                <p:cTn id="12" presetID="10" presetClass="entr" presetSubtype="0" fill="hold" grpId="0" nodeType="withEffect">
+                                  <p:stCondLst>
+                                    <p:cond delay="0"/>
+                                  </p:stCondLst>
+                                  <p:childTnLst>
+                                    <p:set>
+                                      <p:cBhvr>
+                                        <p:cTn id="13" dur="1" fill="hold">
+                                          <p:stCondLst>
+                                            <p:cond delay="0"/>
+                                          </p:stCondLst>
+                                        </p:cTn>
+                                        <p:tgtEl>
+                                          <p:spTgt spid="14">
+                                            <p:txEl>
+                                              <p:pRg st="1" end="1"/>
+                                            </p:txEl>
+                                          </p:spTgt>
+                                        </p:tgtEl>
+                                        <p:attrNameLst>
+                                          <p:attrName>style.visibility</p:attrName>
+                                        </p:attrNameLst>
+                                      </p:cBhvr>
+                                      <p:to>
+                                        <p:strVal val="visible"/>
+                                      </p:to>
+                                    </p:set>
+                                    <p:animEffect transition="in" filter="fade">
+                                      <p:cBhvr>
+                                        <p:cTn id="14" dur="1000"/>
+                                        <p:tgtEl>
+                                          <p:spTgt spid="14">
+                                            <p:txEl>
+                                              <p:pRg st="1" end="1"/>
+                                            </p:txEl>
+                                          </p:spTgt>
+                                        </p:tgtEl>
+                                      </p:cBhvr>
+                                    </p:animEffect>
+                                  </p:childTnLst>
+                                </p:cTn>
+                              </p:par>
+                              <p:par>
+                                <p:cTn id="15" presetID="10" presetClass="entr" presetSubtype="0" fill="hold" grpId="0" nodeType="withEffect">
+                                  <p:stCondLst>
+                                    <p:cond delay="0"/>
+                                  </p:stCondLst>
+                                  <p:childTnLst>
+                                    <p:set>
+                                      <p:cBhvr>
+                                        <p:cTn id="16" dur="1" fill="hold">
+                                          <p:stCondLst>
+                                            <p:cond delay="0"/>
+                                          </p:stCondLst>
+                                        </p:cTn>
+                                        <p:tgtEl>
+                                          <p:spTgt spid="14">
+                                            <p:txEl>
+                                              <p:pRg st="2" end="2"/>
+                                            </p:txEl>
+                                          </p:spTgt>
+                                        </p:tgtEl>
+                                        <p:attrNameLst>
+                                          <p:attrName>style.visibility</p:attrName>
+                                        </p:attrNameLst>
+                                      </p:cBhvr>
+                                      <p:to>
+                                        <p:strVal val="visible"/>
+                                      </p:to>
+                                    </p:set>
+                                    <p:animEffect transition="in" filter="fade">
+                                      <p:cBhvr>
+                                        <p:cTn id="17" dur="1000"/>
+                                        <p:tgtEl>
+                                          <p:spTgt spid="14">
+                                            <p:txEl>
+                                              <p:pRg st="2" end="2"/>
+                                            </p:txEl>
+                                          </p:spTgt>
+                                        </p:tgtEl>
+                                      </p:cBhvr>
+                                    </p:animEffect>
+                                  </p:childTnLst>
+                                </p:cTn>
+                              </p:par>
+                              <p:par>
+                                <p:cTn id="18" presetID="10" presetClass="entr" presetSubtype="0" fill="hold" grpId="0" nodeType="withEffect">
+                                  <p:stCondLst>
+                                    <p:cond delay="0"/>
+                                  </p:stCondLst>
+                                  <p:childTnLst>
+                                    <p:set>
+                                      <p:cBhvr>
+                                        <p:cTn id="19" dur="1" fill="hold">
+                                          <p:stCondLst>
+                                            <p:cond delay="0"/>
+                                          </p:stCondLst>
+                                        </p:cTn>
+                                        <p:tgtEl>
+                                          <p:spTgt spid="14">
+                                            <p:txEl>
+                                              <p:pRg st="3" end="3"/>
+                                            </p:txEl>
+                                          </p:spTgt>
+                                        </p:tgtEl>
+                                        <p:attrNameLst>
+                                          <p:attrName>style.visibility</p:attrName>
+                                        </p:attrNameLst>
+                                      </p:cBhvr>
+                                      <p:to>
+                                        <p:strVal val="visible"/>
+                                      </p:to>
+                                    </p:set>
+                                    <p:animEffect transition="in" filter="fade">
+                                      <p:cBhvr>
+                                        <p:cTn id="20" dur="1000"/>
+                                        <p:tgtEl>
+                                          <p:spTgt spid="14">
+                                            <p:txEl>
+                                              <p:pRg st="3" end="3"/>
+                                            </p:txEl>
+                                          </p:spTgt>
+                                        </p:tgtEl>
+                                      </p:cBhvr>
+                                    </p:animEffect>
+                                  </p:childTnLst>
+                                </p:cTn>
+                              </p:par>
+                              <p:par>
+                                <p:cTn id="21" presetID="10" presetClass="entr" presetSubtype="0" fill="hold" grpId="0" nodeType="withEffect">
+                                  <p:stCondLst>
+                                    <p:cond delay="0"/>
+                                  </p:stCondLst>
+                                  <p:childTnLst>
+                                    <p:set>
+                                      <p:cBhvr>
+                                        <p:cTn id="22" dur="1" fill="hold">
+                                          <p:stCondLst>
+                                            <p:cond delay="0"/>
+                                          </p:stCondLst>
+                                        </p:cTn>
+                                        <p:tgtEl>
+                                          <p:spTgt spid="14">
+                                            <p:txEl>
+                                              <p:pRg st="4" end="4"/>
+                                            </p:txEl>
+                                          </p:spTgt>
+                                        </p:tgtEl>
+                                        <p:attrNameLst>
+                                          <p:attrName>style.visibility</p:attrName>
+                                        </p:attrNameLst>
+                                      </p:cBhvr>
+                                      <p:to>
+                                        <p:strVal val="visible"/>
+                                      </p:to>
+                                    </p:set>
+                                    <p:animEffect transition="in" filter="fade">
+                                      <p:cBhvr>
+                                        <p:cTn id="23" dur="1000"/>
+                                        <p:tgtEl>
+                                          <p:spTgt spid="14">
+                                            <p:txEl>
+                                              <p:pRg st="4" end="4"/>
+                                            </p:txEl>
+                                          </p:spTgt>
+                                        </p:tgtEl>
+                                      </p:cBhvr>
+                                    </p:animEffect>
+                                  </p:childTnLst>
+                                </p:cTn>
+                              </p:par>
+                            </p:childTnLst>
+                          </p:cTn>
+                        </p:par>
+                      </p:childTnLst>
+                    </p:cTn>
+                  </p:par>
+                  <p:par>
+                    <p:cTn id="24" fill="hold">
+                      <p:stCondLst>
+                        <p:cond delay="indefinite"/>
+                      </p:stCondLst>
+                      <p:childTnLst>
+                        <p:par>
+                          <p:cTn id="25" fill="hold">
+                            <p:stCondLst>
+                              <p:cond delay="0"/>
+                            </p:stCondLst>
+                            <p:childTnLst>
+                              <p:par>
+                                <p:cTn id="26" presetID="10" presetClass="entr" presetSubtype="0" fill="hold" grpId="0" nodeType="clickEffect">
+                                  <p:stCondLst>
+                                    <p:cond delay="0"/>
+                                  </p:stCondLst>
+                                  <p:childTnLst>
+                                    <p:set>
+                                      <p:cBhvr>
+                                        <p:cTn id="27" dur="1" fill="hold">
+                                          <p:stCondLst>
+                                            <p:cond delay="0"/>
+                                          </p:stCondLst>
+                                        </p:cTn>
+                                        <p:tgtEl>
+                                          <p:spTgt spid="14">
+                                            <p:txEl>
+                                              <p:pRg st="5" end="5"/>
+                                            </p:txEl>
+                                          </p:spTgt>
+                                        </p:tgtEl>
+                                        <p:attrNameLst>
+                                          <p:attrName>style.visibility</p:attrName>
+                                        </p:attrNameLst>
+                                      </p:cBhvr>
+                                      <p:to>
+                                        <p:strVal val="visible"/>
+                                      </p:to>
+                                    </p:set>
+                                    <p:animEffect transition="in" filter="fade">
+                                      <p:cBhvr>
+                                        <p:cTn id="28" dur="1000"/>
+                                        <p:tgtEl>
+                                          <p:spTgt spid="14">
+                                            <p:txEl>
+                                              <p:pRg st="5" end="5"/>
+                                            </p:txEl>
+                                          </p:spTgt>
+                                        </p:tgtEl>
+                                      </p:cBhvr>
+                                    </p:animEffect>
+                                  </p:childTnLst>
+                                </p:cTn>
+                              </p:par>
+                              <p:par>
+                                <p:cTn id="29" presetID="10" presetClass="entr" presetSubtype="0" fill="hold" grpId="0" nodeType="withEffect">
+                                  <p:stCondLst>
+                                    <p:cond delay="0"/>
+                                  </p:stCondLst>
+                                  <p:childTnLst>
+                                    <p:set>
+                                      <p:cBhvr>
+                                        <p:cTn id="30" dur="1" fill="hold">
+                                          <p:stCondLst>
+                                            <p:cond delay="0"/>
+                                          </p:stCondLst>
+                                        </p:cTn>
+                                        <p:tgtEl>
+                                          <p:spTgt spid="14">
+                                            <p:txEl>
+                                              <p:pRg st="6" end="6"/>
+                                            </p:txEl>
+                                          </p:spTgt>
+                                        </p:tgtEl>
+                                        <p:attrNameLst>
+                                          <p:attrName>style.visibility</p:attrName>
+                                        </p:attrNameLst>
+                                      </p:cBhvr>
+                                      <p:to>
+                                        <p:strVal val="visible"/>
+                                      </p:to>
+                                    </p:set>
+                                    <p:animEffect transition="in" filter="fade">
+                                      <p:cBhvr>
+                                        <p:cTn id="31" dur="1000"/>
+                                        <p:tgtEl>
+                                          <p:spTgt spid="14">
+                                            <p:txEl>
+                                              <p:pRg st="6" end="6"/>
+                                            </p:txEl>
+                                          </p:spTgt>
+                                        </p:tgtEl>
+                                      </p:cBhvr>
+                                    </p:animEffect>
+                                  </p:childTnLst>
+                                </p:cTn>
+                              </p:par>
+                              <p:par>
+                                <p:cTn id="32" presetID="10" presetClass="entr" presetSubtype="0" fill="hold" grpId="0" nodeType="withEffect">
+                                  <p:stCondLst>
+                                    <p:cond delay="0"/>
+                                  </p:stCondLst>
+                                  <p:childTnLst>
+                                    <p:set>
+                                      <p:cBhvr>
+                                        <p:cTn id="33" dur="1" fill="hold">
+                                          <p:stCondLst>
+                                            <p:cond delay="0"/>
+                                          </p:stCondLst>
+                                        </p:cTn>
+                                        <p:tgtEl>
+                                          <p:spTgt spid="14">
+                                            <p:txEl>
+                                              <p:pRg st="7" end="7"/>
+                                            </p:txEl>
+                                          </p:spTgt>
+                                        </p:tgtEl>
+                                        <p:attrNameLst>
+                                          <p:attrName>style.visibility</p:attrName>
+                                        </p:attrNameLst>
+                                      </p:cBhvr>
+                                      <p:to>
+                                        <p:strVal val="visible"/>
+                                      </p:to>
+                                    </p:set>
+                                    <p:animEffect transition="in" filter="fade">
+                                      <p:cBhvr>
+                                        <p:cTn id="34" dur="1000"/>
+                                        <p:tgtEl>
+                                          <p:spTgt spid="14">
+                                            <p:txEl>
+                                              <p:pRg st="7" end="7"/>
+                                            </p:txEl>
+                                          </p:spTgt>
+                                        </p:tgtEl>
+                                      </p:cBhvr>
+                                    </p:animEffect>
+                                  </p:childTnLst>
+                                </p:cTn>
+                              </p:par>
+                              <p:par>
+                                <p:cTn id="35" presetID="10" presetClass="entr" presetSubtype="0" fill="hold" grpId="0" nodeType="withEffect">
+                                  <p:stCondLst>
+                                    <p:cond delay="0"/>
+                                  </p:stCondLst>
+                                  <p:childTnLst>
+                                    <p:set>
+                                      <p:cBhvr>
+                                        <p:cTn id="36" dur="1" fill="hold">
+                                          <p:stCondLst>
+                                            <p:cond delay="0"/>
+                                          </p:stCondLst>
+                                        </p:cTn>
+                                        <p:tgtEl>
+                                          <p:spTgt spid="14">
+                                            <p:txEl>
+                                              <p:pRg st="8" end="8"/>
+                                            </p:txEl>
+                                          </p:spTgt>
+                                        </p:tgtEl>
+                                        <p:attrNameLst>
+                                          <p:attrName>style.visibility</p:attrName>
+                                        </p:attrNameLst>
+                                      </p:cBhvr>
+                                      <p:to>
+                                        <p:strVal val="visible"/>
+                                      </p:to>
+                                    </p:set>
+                                    <p:animEffect transition="in" filter="fade">
+                                      <p:cBhvr>
+                                        <p:cTn id="37" dur="1000"/>
+                                        <p:tgtEl>
+                                          <p:spTgt spid="14">
+                                            <p:txEl>
+                                              <p:pRg st="8" end="8"/>
+                                            </p:txEl>
+                                          </p:spTgt>
+                                        </p:tgtEl>
+                                      </p:cBhvr>
+                                    </p:animEffect>
+                                  </p:childTnLst>
+                                </p:cTn>
+                              </p:par>
+                              <p:par>
+                                <p:cTn id="38" presetID="10" presetClass="entr" presetSubtype="0" fill="hold" nodeType="withEffect">
+                                  <p:stCondLst>
+                                    <p:cond delay="0"/>
+                                  </p:stCondLst>
+                                  <p:childTnLst>
+                                    <p:set>
+                                      <p:cBhvr>
+                                        <p:cTn id="39" dur="1" fill="hold">
                                           <p:stCondLst>
                                             <p:cond delay="0"/>
                                           </p:stCondLst>
@@ -9119,9 +12777,156 @@
                                     </p:set>
                                     <p:animEffect transition="in" filter="fade">
                                       <p:cBhvr>
-                                        <p:cTn id="7" dur="1000"/>
+                                        <p:cTn id="40" dur="1000"/>
                                         <p:tgtEl>
                                           <p:spTgt spid="6"/>
+                                        </p:tgtEl>
+                                      </p:cBhvr>
+                                    </p:animEffect>
+                                  </p:childTnLst>
+                                </p:cTn>
+                              </p:par>
+                            </p:childTnLst>
+                          </p:cTn>
+                        </p:par>
+                      </p:childTnLst>
+                    </p:cTn>
+                  </p:par>
+                  <p:par>
+                    <p:cTn id="41" fill="hold">
+                      <p:stCondLst>
+                        <p:cond delay="indefinite"/>
+                      </p:stCondLst>
+                      <p:childTnLst>
+                        <p:par>
+                          <p:cTn id="42" fill="hold">
+                            <p:stCondLst>
+                              <p:cond delay="0"/>
+                            </p:stCondLst>
+                            <p:childTnLst>
+                              <p:par>
+                                <p:cTn id="43" presetID="10" presetClass="entr" presetSubtype="0" fill="hold" grpId="0" nodeType="clickEffect">
+                                  <p:stCondLst>
+                                    <p:cond delay="0"/>
+                                  </p:stCondLst>
+                                  <p:childTnLst>
+                                    <p:set>
+                                      <p:cBhvr>
+                                        <p:cTn id="44" dur="1" fill="hold">
+                                          <p:stCondLst>
+                                            <p:cond delay="0"/>
+                                          </p:stCondLst>
+                                        </p:cTn>
+                                        <p:tgtEl>
+                                          <p:spTgt spid="14">
+                                            <p:txEl>
+                                              <p:pRg st="9" end="9"/>
+                                            </p:txEl>
+                                          </p:spTgt>
+                                        </p:tgtEl>
+                                        <p:attrNameLst>
+                                          <p:attrName>style.visibility</p:attrName>
+                                        </p:attrNameLst>
+                                      </p:cBhvr>
+                                      <p:to>
+                                        <p:strVal val="visible"/>
+                                      </p:to>
+                                    </p:set>
+                                    <p:animEffect transition="in" filter="fade">
+                                      <p:cBhvr>
+                                        <p:cTn id="45" dur="1000"/>
+                                        <p:tgtEl>
+                                          <p:spTgt spid="14">
+                                            <p:txEl>
+                                              <p:pRg st="9" end="9"/>
+                                            </p:txEl>
+                                          </p:spTgt>
+                                        </p:tgtEl>
+                                      </p:cBhvr>
+                                    </p:animEffect>
+                                  </p:childTnLst>
+                                </p:cTn>
+                              </p:par>
+                              <p:par>
+                                <p:cTn id="46" presetID="10" presetClass="entr" presetSubtype="0" fill="hold" grpId="0" nodeType="withEffect">
+                                  <p:stCondLst>
+                                    <p:cond delay="0"/>
+                                  </p:stCondLst>
+                                  <p:childTnLst>
+                                    <p:set>
+                                      <p:cBhvr>
+                                        <p:cTn id="47" dur="1" fill="hold">
+                                          <p:stCondLst>
+                                            <p:cond delay="0"/>
+                                          </p:stCondLst>
+                                        </p:cTn>
+                                        <p:tgtEl>
+                                          <p:spTgt spid="14">
+                                            <p:txEl>
+                                              <p:pRg st="10" end="10"/>
+                                            </p:txEl>
+                                          </p:spTgt>
+                                        </p:tgtEl>
+                                        <p:attrNameLst>
+                                          <p:attrName>style.visibility</p:attrName>
+                                        </p:attrNameLst>
+                                      </p:cBhvr>
+                                      <p:to>
+                                        <p:strVal val="visible"/>
+                                      </p:to>
+                                    </p:set>
+                                    <p:animEffect transition="in" filter="fade">
+                                      <p:cBhvr>
+                                        <p:cTn id="48" dur="1000"/>
+                                        <p:tgtEl>
+                                          <p:spTgt spid="14">
+                                            <p:txEl>
+                                              <p:pRg st="10" end="10"/>
+                                            </p:txEl>
+                                          </p:spTgt>
+                                        </p:tgtEl>
+                                      </p:cBhvr>
+                                    </p:animEffect>
+                                  </p:childTnLst>
+                                </p:cTn>
+                              </p:par>
+                              <p:par>
+                                <p:cTn id="49" presetID="10" presetClass="entr" presetSubtype="0" fill="hold" grpId="0" nodeType="withEffect">
+                                  <p:stCondLst>
+                                    <p:cond delay="0"/>
+                                  </p:stCondLst>
+                                  <p:childTnLst>
+                                    <p:set>
+                                      <p:cBhvr>
+                                        <p:cTn id="50" dur="1" fill="hold">
+                                          <p:stCondLst>
+                                            <p:cond delay="0"/>
+                                          </p:stCondLst>
+                                        </p:cTn>
+                                        <p:tgtEl>
+                                          <p:spTgt spid="14">
+                                            <p:txEl>
+                                              <p:pRg st="11" end="11"/>
+                                            </p:txEl>
+                                          </p:spTgt>
+                                        </p:tgtEl>
+                                        <p:attrNameLst>
+                                          <p:attrName>style.visibility</p:attrName>
+                                        </p:attrNameLst>
+                                      </p:cBhvr>
+                                      <p:to>
+                                        <p:strVal val="visible"/>
+                                      </p:to>
+                                    </p:set>
+                                    <p:animEffect transition="in" filter="fade">
+                                      <p:cBhvr>
+                                        <p:cTn id="51" dur="1000"/>
+                                        <p:tgtEl>
+                                          <p:spTgt spid="14">
+                                            <p:txEl>
+                                              <p:pRg st="11" end="11"/>
+                                            </p:txEl>
+                                          </p:spTgt>
                                         </p:tgtEl>
                                       </p:cBhvr>
                                     </p:animEffect>
@@ -9155,11 +12960,14 @@
         </p:cTn>
       </p:par>
     </p:tnLst>
+    <p:bldLst>
+      <p:bldP spid="14" grpId="0" uiExpand="1" build="p"/>
+    </p:bldLst>
   </p:timing>
 </p:sld>
 </file>
 
-<file path=ppt/slides/slide2.xml><?xml version="1.0" encoding="utf-8"?>
+<file path=ppt/slides/slide6.xml><?xml version="1.0" encoding="utf-8"?>
 <p:sld xmlns:a="http://schemas.openxmlformats.org/drawingml/2006/main" xmlns:r="http://schemas.openxmlformats.org/officeDocument/2006/relationships" xmlns:p="http://schemas.openxmlformats.org/presentationml/2006/main">
   <p:cSld>
     <p:spTree>
@@ -9178,7 +12986,7 @@
       </p:grpSpPr>
       <p:sp>
         <p:nvSpPr>
-          <p:cNvPr id="35842" name="Rectangle 2"/>
+          <p:cNvPr id="2" name="Title 1"/>
           <p:cNvSpPr>
             <a:spLocks noGrp="1"/>
           </p:cNvSpPr>
@@ -9186,37 +12994,29 @@
             <p:ph type="title"/>
           </p:nvPr>
         </p:nvSpPr>
-        <p:spPr bwMode="auto">
-          <a:noFill/>
-        </p:spPr>
-        <p:txBody>
-          <a:bodyPr vert="horz" wrap="square" lIns="91440" tIns="45720" rIns="91440" bIns="45720" numCol="1" anchorCtr="0" compatLnSpc="1">
-            <a:prstTxWarp prst="textNoShape">
-              <a:avLst/>
-            </a:prstTxWarp>
+        <p:spPr/>
+        <p:txBody>
+          <a:bodyPr>
+            <a:normAutofit/>
           </a:bodyPr>
           <a:lstStyle/>
           <a:p>
             <a:r>
-              <a:rPr lang="en-GB" smtClean="0">
-                <a:effectLst/>
-              </a:rPr>
-              <a:t>Agile in the .NET World</a:t>
-            </a:r>
-            <a:endParaRPr lang="en-US" smtClean="0">
-              <a:effectLst/>
-            </a:endParaRPr>
-          </a:p>
-        </p:txBody>
-      </p:sp>
-      <p:sp>
-        <p:nvSpPr>
-          <p:cNvPr id="35843" name="Rectangle 3"/>
-          <p:cNvSpPr>
-            <a:spLocks noGrp="1"/>
-          </p:cNvSpPr>
-          <p:nvPr>
-            <p:ph type="body" idx="1"/>
+              <a:rPr lang="en-GB" dirty="0" smtClean="0"/>
+              <a:t>Acceptance Testing</a:t>
+            </a:r>
+            <a:endParaRPr lang="en-US" dirty="0"/>
+          </a:p>
+        </p:txBody>
+      </p:sp>
+      <p:sp>
+        <p:nvSpPr>
+          <p:cNvPr id="3" name="Content Placeholder 2"/>
+          <p:cNvSpPr>
+            <a:spLocks noGrp="1"/>
+          </p:cNvSpPr>
+          <p:nvPr>
+            <p:ph idx="1"/>
           </p:nvPr>
         </p:nvSpPr>
         <p:spPr/>
@@ -9225,374 +13025,87 @@
           <a:lstStyle/>
           <a:p>
             <a:r>
-              <a:rPr lang="en-GB" smtClean="0"/>
-              <a:t>.NET Development Environment</a:t>
-            </a:r>
-          </a:p>
-          <a:p>
-            <a:r>
-              <a:rPr lang="en-GB" smtClean="0"/>
-              <a:t>.NET Development LifeCycle</a:t>
-            </a:r>
-          </a:p>
-          <a:p>
-            <a:r>
-              <a:rPr lang="en-GB" smtClean="0"/>
-              <a:t>.NET Coding Tools</a:t>
-            </a:r>
-            <a:endParaRPr lang="en-US" smtClean="0"/>
-          </a:p>
-        </p:txBody>
-      </p:sp>
-    </p:spTree>
-  </p:cSld>
-  <p:clrMapOvr>
-    <a:masterClrMapping/>
-  </p:clrMapOvr>
-  <p:transition>
-    <p:fade/>
-  </p:transition>
-</p:sld>
-</file>
-
-<file path=ppt/slides/slide3.xml><?xml version="1.0" encoding="utf-8"?>
-<p:sld xmlns:a="http://schemas.openxmlformats.org/drawingml/2006/main" xmlns:r="http://schemas.openxmlformats.org/officeDocument/2006/relationships" xmlns:p="http://schemas.openxmlformats.org/presentationml/2006/main">
-  <p:cSld>
-    <p:spTree>
-      <p:nvGrpSpPr>
-        <p:cNvPr id="1" name=""/>
-        <p:cNvGrpSpPr/>
-        <p:nvPr/>
-      </p:nvGrpSpPr>
-      <p:grpSpPr>
-        <a:xfrm>
-          <a:off x="0" y="0"/>
-          <a:ext cx="0" cy="0"/>
-          <a:chOff x="0" y="0"/>
-          <a:chExt cx="0" cy="0"/>
-        </a:xfrm>
-      </p:grpSpPr>
-      <p:sp>
-        <p:nvSpPr>
-          <p:cNvPr id="2" name="Title 1"/>
-          <p:cNvSpPr>
-            <a:spLocks noGrp="1"/>
-          </p:cNvSpPr>
-          <p:nvPr>
-            <p:ph type="title"/>
-          </p:nvPr>
-        </p:nvSpPr>
-        <p:spPr/>
-        <p:txBody>
-          <a:bodyPr vert="horz" wrap="square" lIns="91440" tIns="45720" rIns="91440" bIns="45720" numCol="1" anchorCtr="0" compatLnSpc="1">
-            <a:prstTxWarp prst="textNoShape">
-              <a:avLst/>
-            </a:prstTxWarp>
-          </a:bodyPr>
-          <a:lstStyle/>
-          <a:p>
-            <a:r>
-              <a:rPr lang="nl-BE" smtClean="0">
-                <a:effectLst>
-                  <a:outerShdw blurRad="38100" dist="38100" dir="2700000" algn="tl">
-                    <a:srgbClr val="C0C0C0"/>
-                  </a:outerShdw>
-                </a:effectLst>
-              </a:rPr>
-              <a:t>Development Environment</a:t>
-            </a:r>
-            <a:endParaRPr lang="en-US" smtClean="0">
-              <a:effectLst>
-                <a:outerShdw blurRad="38100" dist="38100" dir="2700000" algn="tl">
-                  <a:srgbClr val="C0C0C0"/>
-                </a:outerShdw>
-              </a:effectLst>
-            </a:endParaRPr>
-          </a:p>
-        </p:txBody>
-      </p:sp>
-      <p:sp>
-        <p:nvSpPr>
-          <p:cNvPr id="25604" name="Rectangle 4"/>
-          <p:cNvSpPr>
-            <a:spLocks noGrp="1"/>
-          </p:cNvSpPr>
-          <p:nvPr>
-            <p:ph type="body" sz="half" idx="4294967295"/>
-          </p:nvPr>
-        </p:nvSpPr>
-        <p:spPr>
-          <a:xfrm>
-            <a:off x="1435100" y="1447800"/>
-            <a:ext cx="3673475" cy="4800600"/>
-          </a:xfrm>
-        </p:spPr>
-        <p:txBody>
-          <a:bodyPr/>
-          <a:lstStyle/>
-          <a:p>
-            <a:pPr>
+              <a:rPr lang="en-GB" dirty="0" smtClean="0"/>
+              <a:t>Fully Automated</a:t>
+            </a:r>
+          </a:p>
+          <a:p>
+            <a:r>
+              <a:rPr lang="en-GB" dirty="0" smtClean="0"/>
+              <a:t>Driven by </a:t>
+            </a:r>
+            <a:r>
+              <a:rPr lang="en-GB" dirty="0" err="1" smtClean="0"/>
+              <a:t>CruiseControl.NET</a:t>
+            </a:r>
+            <a:endParaRPr lang="en-GB" dirty="0" smtClean="0"/>
+          </a:p>
+          <a:p>
+            <a:r>
+              <a:rPr lang="en-GB" dirty="0" smtClean="0"/>
+              <a:t>Tooling</a:t>
+            </a:r>
+          </a:p>
+          <a:p>
+            <a:pPr lvl="1">
               <a:lnSpc>
-                <a:spcPct val="90000"/>
+                <a:spcPct val="80000"/>
               </a:lnSpc>
             </a:pPr>
             <a:r>
-              <a:rPr lang="en-GB" sz="2400" smtClean="0"/>
-              <a:t>IDE</a:t>
-            </a:r>
+              <a:rPr lang="en-GB" dirty="0" err="1" smtClean="0"/>
+              <a:t>SoapUI</a:t>
+            </a:r>
+            <a:endParaRPr lang="en-GB" dirty="0" smtClean="0"/>
           </a:p>
           <a:p>
             <a:pPr lvl="1">
               <a:lnSpc>
-                <a:spcPct val="90000"/>
+                <a:spcPct val="80000"/>
               </a:lnSpc>
             </a:pPr>
             <a:r>
-              <a:rPr lang="en-GB" sz="2000" smtClean="0"/>
-              <a:t>Visual Studio 2008 </a:t>
-            </a:r>
-          </a:p>
-          <a:p>
-            <a:pPr>
-              <a:lnSpc>
-                <a:spcPct val="90000"/>
-              </a:lnSpc>
-            </a:pPr>
-            <a:r>
-              <a:rPr lang="en-GB" sz="2400" smtClean="0"/>
-              <a:t>Tooling/Add-on</a:t>
-            </a:r>
-          </a:p>
-          <a:p>
-            <a:pPr lvl="1">
-              <a:lnSpc>
-                <a:spcPct val="90000"/>
-              </a:lnSpc>
-            </a:pPr>
-            <a:r>
-              <a:rPr lang="en-GB" sz="2000" smtClean="0"/>
-              <a:t>Resharper 4.0</a:t>
-            </a:r>
-          </a:p>
-          <a:p>
-            <a:pPr lvl="1">
-              <a:lnSpc>
-                <a:spcPct val="90000"/>
-              </a:lnSpc>
-            </a:pPr>
-            <a:r>
-              <a:rPr lang="en-GB" sz="2000" smtClean="0"/>
-              <a:t>NUnit</a:t>
-            </a:r>
-          </a:p>
-          <a:p>
-            <a:pPr lvl="1">
-              <a:lnSpc>
-                <a:spcPct val="90000"/>
-              </a:lnSpc>
-            </a:pPr>
-            <a:r>
-              <a:rPr lang="en-GB" sz="2000" smtClean="0"/>
-              <a:t>Rhino Mocks</a:t>
-            </a:r>
-          </a:p>
-          <a:p>
-            <a:pPr lvl="1">
-              <a:lnSpc>
-                <a:spcPct val="90000"/>
-              </a:lnSpc>
-            </a:pPr>
-            <a:r>
-              <a:rPr lang="en-GB" sz="2000" smtClean="0"/>
-              <a:t>MSBuild</a:t>
-            </a:r>
-          </a:p>
-          <a:p>
-            <a:pPr lvl="1">
-              <a:lnSpc>
-                <a:spcPct val="90000"/>
-              </a:lnSpc>
-            </a:pPr>
-            <a:r>
-              <a:rPr lang="en-GB" sz="2000" smtClean="0"/>
-              <a:t>Enterprise Architect</a:t>
-            </a:r>
-          </a:p>
-          <a:p>
-            <a:pPr lvl="1">
-              <a:lnSpc>
-                <a:spcPct val="90000"/>
-              </a:lnSpc>
-            </a:pPr>
-            <a:r>
-              <a:rPr lang="en-GB" sz="2000" smtClean="0"/>
-              <a:t>…</a:t>
-            </a:r>
-          </a:p>
-          <a:p>
-            <a:pPr>
-              <a:lnSpc>
-                <a:spcPct val="90000"/>
-              </a:lnSpc>
-            </a:pPr>
-            <a:endParaRPr lang="en-US" sz="2400" smtClean="0"/>
-          </a:p>
-        </p:txBody>
-      </p:sp>
-      <p:sp>
-        <p:nvSpPr>
-          <p:cNvPr id="25605" name="Rectangle 5"/>
-          <p:cNvSpPr>
-            <a:spLocks noGrp="1"/>
-          </p:cNvSpPr>
-          <p:nvPr>
-            <p:ph type="body" sz="half" idx="4294967295"/>
-          </p:nvPr>
-        </p:nvSpPr>
-        <p:spPr>
+              <a:rPr lang="en-GB" dirty="0" smtClean="0"/>
+              <a:t>Fitness</a:t>
+            </a:r>
+            <a:endParaRPr lang="en-US" dirty="0"/>
+          </a:p>
+        </p:txBody>
+      </p:sp>
+      <p:pic>
+        <p:nvPicPr>
+          <p:cNvPr id="4" name="Picture 2">
+            <a:hlinkClick r:id="rId2" action="ppaction://hlinkpres?slideindex=1&amp;slidetitle="/>
+          </p:cNvPr>
+          <p:cNvPicPr>
+            <a:picLocks noChangeAspect="1" noChangeArrowheads="1"/>
+          </p:cNvPicPr>
+          <p:nvPr/>
+        </p:nvPicPr>
+        <p:blipFill>
+          <a:blip r:embed="rId3" cstate="print"/>
+          <a:srcRect/>
+          <a:stretch>
+            <a:fillRect/>
+          </a:stretch>
+        </p:blipFill>
+        <p:spPr bwMode="auto">
           <a:xfrm>
-            <a:off x="5260975" y="1447800"/>
-            <a:ext cx="3673475" cy="4800600"/>
+            <a:off x="5072066" y="2714620"/>
+            <a:ext cx="3357586" cy="2487574"/>
           </a:xfrm>
+          <a:prstGeom prst="rect">
+            <a:avLst/>
+          </a:prstGeom>
+          <a:noFill/>
+          <a:ln w="9525">
+            <a:noFill/>
+            <a:miter lim="800000"/>
+            <a:headEnd/>
+            <a:tailEnd/>
+          </a:ln>
         </p:spPr>
-        <p:txBody>
-          <a:bodyPr/>
-          <a:lstStyle/>
-          <a:p>
-            <a:pPr>
-              <a:lnSpc>
-                <a:spcPct val="90000"/>
-              </a:lnSpc>
-            </a:pPr>
-            <a:r>
-              <a:rPr lang="en-GB" sz="2400" smtClean="0"/>
-              <a:t>Libraries</a:t>
-            </a:r>
-          </a:p>
-          <a:p>
-            <a:pPr lvl="1">
-              <a:lnSpc>
-                <a:spcPct val="90000"/>
-              </a:lnSpc>
-            </a:pPr>
-            <a:r>
-              <a:rPr lang="en-GB" sz="2000" smtClean="0"/>
-              <a:t>NHibernate 2.0</a:t>
-            </a:r>
-          </a:p>
-          <a:p>
-            <a:pPr lvl="1">
-              <a:lnSpc>
-                <a:spcPct val="90000"/>
-              </a:lnSpc>
-            </a:pPr>
-            <a:r>
-              <a:rPr lang="en-GB" sz="2000" smtClean="0"/>
-              <a:t>Spring.NET 1.2</a:t>
-            </a:r>
-          </a:p>
-          <a:p>
-            <a:pPr lvl="1">
-              <a:lnSpc>
-                <a:spcPct val="90000"/>
-              </a:lnSpc>
-            </a:pPr>
-            <a:r>
-              <a:rPr lang="en-GB" sz="2000" smtClean="0"/>
-              <a:t>Microsoft Enterprise Library 4.0</a:t>
-            </a:r>
-          </a:p>
-          <a:p>
-            <a:pPr>
-              <a:lnSpc>
-                <a:spcPct val="90000"/>
-              </a:lnSpc>
-            </a:pPr>
-            <a:r>
-              <a:rPr lang="en-GB" sz="2400" smtClean="0"/>
-              <a:t>Database</a:t>
-            </a:r>
-          </a:p>
-          <a:p>
-            <a:pPr lvl="1">
-              <a:lnSpc>
-                <a:spcPct val="90000"/>
-              </a:lnSpc>
-            </a:pPr>
-            <a:r>
-              <a:rPr lang="en-GB" sz="2000" smtClean="0"/>
-              <a:t>SQL Server 2005</a:t>
-            </a:r>
-          </a:p>
-          <a:p>
-            <a:pPr>
-              <a:lnSpc>
-                <a:spcPct val="90000"/>
-              </a:lnSpc>
-            </a:pPr>
-            <a:r>
-              <a:rPr lang="en-GB" sz="2400" smtClean="0"/>
-              <a:t>Team Foundation Server</a:t>
-            </a:r>
-          </a:p>
-          <a:p>
-            <a:pPr lvl="2">
-              <a:lnSpc>
-                <a:spcPct val="90000"/>
-              </a:lnSpc>
-            </a:pPr>
-            <a:r>
-              <a:rPr lang="en-GB" sz="1800" smtClean="0"/>
-              <a:t>Portal</a:t>
-            </a:r>
-          </a:p>
-          <a:p>
-            <a:pPr lvl="2">
-              <a:lnSpc>
-                <a:spcPct val="90000"/>
-              </a:lnSpc>
-            </a:pPr>
-            <a:r>
-              <a:rPr lang="en-GB" sz="1800" smtClean="0"/>
-              <a:t>Version Control</a:t>
-            </a:r>
-          </a:p>
-          <a:p>
-            <a:pPr lvl="2">
-              <a:lnSpc>
-                <a:spcPct val="90000"/>
-              </a:lnSpc>
-            </a:pPr>
-            <a:r>
-              <a:rPr lang="en-GB" sz="1800" smtClean="0"/>
-              <a:t>Issue/workitem tracking</a:t>
-            </a:r>
-          </a:p>
-          <a:p>
-            <a:pPr lvl="2">
-              <a:lnSpc>
-                <a:spcPct val="90000"/>
-              </a:lnSpc>
-            </a:pPr>
-            <a:r>
-              <a:rPr lang="en-GB" sz="1800" smtClean="0"/>
-              <a:t>Build management</a:t>
-            </a:r>
-          </a:p>
-          <a:p>
-            <a:pPr lvl="2">
-              <a:lnSpc>
-                <a:spcPct val="90000"/>
-              </a:lnSpc>
-            </a:pPr>
-            <a:r>
-              <a:rPr lang="en-GB" sz="1800" smtClean="0"/>
-              <a:t>Process guidance</a:t>
-            </a:r>
-            <a:endParaRPr lang="en-US" sz="1800" smtClean="0"/>
-          </a:p>
-        </p:txBody>
-      </p:sp>
+      </p:pic>
     </p:spTree>
   </p:cSld>
   <p:clrMapOvr>
@@ -9622,7 +13135,7 @@
                             </p:stCondLst>
                             <p:childTnLst>
                               <p:par>
-                                <p:cTn id="5" presetID="1" presetClass="entr" presetSubtype="0" fill="hold" grpId="0" nodeType="clickEffect">
+                                <p:cTn id="5" presetID="10" presetClass="entr" presetSubtype="0" fill="hold" grpId="0" nodeType="clickEffect">
                                   <p:stCondLst>
                                     <p:cond delay="0"/>
                                   </p:stCondLst>
@@ -9635,7 +13148,129 @@
                                           </p:stCondLst>
                                         </p:cTn>
                                         <p:tgtEl>
-                                          <p:spTgt spid="25604">
+                                          <p:spTgt spid="3">
+                                            <p:txEl>
+                                              <p:pRg st="0" end="0"/>
+                                            </p:txEl>
+                                          </p:spTgt>
+                                        </p:tgtEl>
+                                        <p:attrNameLst>
+                                          <p:attrName>style.visibility</p:attrName>
+                                        </p:attrNameLst>
+                                      </p:cBhvr>
+                                      <p:to>
+                                        <p:strVal val="visible"/>
+                                      </p:to>
+                                    </p:set>
+                                    <p:animEffect transition="in" filter="fade">
+                                      <p:cBhvr>
+                                        <p:cTn id="7" dur="500"/>
+                                        <p:tgtEl>
+                                          <p:spTgt spid="3">
+                                            <p:txEl>
+                                              <p:pRg st="0" end="0"/>
+                                            </p:txEl>
+                                          </p:spTgt>
+                                        </p:tgtEl>
+                                      </p:cBhvr>
+                                    </p:animEffect>
+                                  </p:childTnLst>
+                                </p:cTn>
+                              </p:par>
+                            </p:childTnLst>
+                          </p:cTn>
+                        </p:par>
+                      </p:childTnLst>
+                    </p:cTn>
+                  </p:par>
+                  <p:par>
+                    <p:cTn id="8" fill="hold">
+                      <p:stCondLst>
+                        <p:cond delay="indefinite"/>
+                      </p:stCondLst>
+                      <p:childTnLst>
+                        <p:par>
+                          <p:cTn id="9" fill="hold">
+                            <p:stCondLst>
+                              <p:cond delay="0"/>
+                            </p:stCondLst>
+                            <p:childTnLst>
+                              <p:par>
+                                <p:cTn id="10" presetID="10" presetClass="entr" presetSubtype="0" fill="hold" grpId="0" nodeType="clickEffect">
+                                  <p:stCondLst>
+                                    <p:cond delay="0"/>
+                                  </p:stCondLst>
+                                  <p:childTnLst>
+                                    <p:set>
+                                      <p:cBhvr>
+                                        <p:cTn id="11" dur="1" fill="hold">
+                                          <p:stCondLst>
+                                            <p:cond delay="0"/>
+                                          </p:stCondLst>
+                                        </p:cTn>
+                                        <p:tgtEl>
+                                          <p:spTgt spid="3">
+                                            <p:txEl>
+                                              <p:pRg st="1" end="1"/>
+                                            </p:txEl>
+                                          </p:spTgt>
+                                        </p:tgtEl>
+                                        <p:attrNameLst>
+                                          <p:attrName>style.visibility</p:attrName>
+                                        </p:attrNameLst>
+                                      </p:cBhvr>
+                                      <p:to>
+                                        <p:strVal val="visible"/>
+                                      </p:to>
+                                    </p:set>
+                                    <p:animEffect transition="in" filter="fade">
+                                      <p:cBhvr>
+                                        <p:cTn id="12" dur="500"/>
+                                        <p:tgtEl>
+                                          <p:spTgt spid="3">
+                                            <p:txEl>
+                                              <p:pRg st="1" end="1"/>
+                                            </p:txEl>
+                                          </p:spTgt>
+                                        </p:tgtEl>
+                                      </p:cBhvr>
+                                    </p:animEffect>
+                                  </p:childTnLst>
+                                </p:cTn>
+                              </p:par>
+                            </p:childTnLst>
+                          </p:cTn>
+                        </p:par>
+                      </p:childTnLst>
+                    </p:cTn>
+                  </p:par>
+                  <p:par>
+                    <p:cTn id="13" fill="hold">
+                      <p:stCondLst>
+                        <p:cond delay="indefinite"/>
+                      </p:stCondLst>
+                      <p:childTnLst>
+                        <p:par>
+                          <p:cTn id="14" fill="hold">
+                            <p:stCondLst>
+                              <p:cond delay="0"/>
+                            </p:stCondLst>
+                            <p:childTnLst>
+                              <p:par>
+                                <p:cTn id="15" presetID="10" presetClass="entr" presetSubtype="0" fill="hold" grpId="0" nodeType="clickEffect">
+                                  <p:stCondLst>
+                                    <p:cond delay="0"/>
+                                  </p:stCondLst>
+                                  <p:childTnLst>
+                                    <p:set>
+                                      <p:cBhvr>
+                                        <p:cTn id="16" dur="1" fill="hold">
+                                          <p:stCondLst>
+                                            <p:cond delay="0"/>
+                                          </p:stCondLst>
+                                        </p:cTn>
+                                        <p:tgtEl>
+                                          <p:spTgt spid="3">
                                             <p:txEl>
                                               <p:pRg st="2" end="2"/>
                                             </p:txEl>
@@ -9649,24 +13284,36 @@
                                         <p:strVal val="visible"/>
                                       </p:to>
                                     </p:set>
+                                    <p:animEffect transition="in" filter="fade">
+                                      <p:cBhvr>
+                                        <p:cTn id="17" dur="500"/>
+                                        <p:tgtEl>
+                                          <p:spTgt spid="3">
+                                            <p:txEl>
+                                              <p:pRg st="2" end="2"/>
+                                            </p:txEl>
+                                          </p:spTgt>
+                                        </p:tgtEl>
+                                      </p:cBhvr>
+                                    </p:animEffect>
                                   </p:childTnLst>
                                 </p:cTn>
                               </p:par>
                               <p:par>
-                                <p:cTn id="7" presetID="1" presetClass="entr" presetSubtype="0" fill="hold" grpId="0" nodeType="withEffect">
+                                <p:cTn id="18" presetID="10" presetClass="entr" presetSubtype="0" fill="hold" grpId="0" nodeType="withEffect">
                                   <p:stCondLst>
                                     <p:cond delay="0"/>
                                   </p:stCondLst>
                                   <p:childTnLst>
                                     <p:set>
                                       <p:cBhvr>
-                                        <p:cTn id="8" dur="1" fill="hold">
+                                        <p:cTn id="19" dur="1" fill="hold">
                                           <p:stCondLst>
                                             <p:cond delay="0"/>
                                           </p:stCondLst>
                                         </p:cTn>
                                         <p:tgtEl>
-                                          <p:spTgt spid="25604">
+                                          <p:spTgt spid="3">
                                             <p:txEl>
                                               <p:pRg st="3" end="3"/>
                                             </p:txEl>
@@ -9680,24 +13327,36 @@
                                         <p:strVal val="visible"/>
                                       </p:to>
                                     </p:set>
+                                    <p:animEffect transition="in" filter="fade">
+                                      <p:cBhvr>
+                                        <p:cTn id="20" dur="500"/>
+                                        <p:tgtEl>
+                                          <p:spTgt spid="3">
+                                            <p:txEl>
+                                              <p:pRg st="3" end="3"/>
+                                            </p:txEl>
+                                          </p:spTgt>
+                                        </p:tgtEl>
+                                      </p:cBhvr>
+                                    </p:animEffect>
                                   </p:childTnLst>
                                 </p:cTn>
                               </p:par>
                               <p:par>
-                                <p:cTn id="9" presetID="1" presetClass="entr" presetSubtype="0" fill="hold" grpId="0" nodeType="withEffect">
+                                <p:cTn id="21" presetID="10" presetClass="entr" presetSubtype="0" fill="hold" grpId="0" nodeType="withEffect">
                                   <p:stCondLst>
                                     <p:cond delay="0"/>
                                   </p:stCondLst>
                                   <p:childTnLst>
                                     <p:set>
                                       <p:cBhvr>
-                                        <p:cTn id="10" dur="1" fill="hold">
+                                        <p:cTn id="22" dur="1" fill="hold">
                                           <p:stCondLst>
                                             <p:cond delay="0"/>
                                           </p:stCondLst>
                                         </p:cTn>
                                         <p:tgtEl>
-                                          <p:spTgt spid="25604">
+                                          <p:spTgt spid="3">
                                             <p:txEl>
                                               <p:pRg st="4" end="4"/>
                                             </p:txEl>
@@ -9711,28 +13370,36 @@
                                         <p:strVal val="visible"/>
                                       </p:to>
                                     </p:set>
+                                    <p:animEffect transition="in" filter="fade">
+                                      <p:cBhvr>
+                                        <p:cTn id="23" dur="500"/>
+                                        <p:tgtEl>
+                                          <p:spTgt spid="3">
+                                            <p:txEl>
+                                              <p:pRg st="4" end="4"/>
+                                            </p:txEl>
+                                          </p:spTgt>
+                                        </p:tgtEl>
+                                      </p:cBhvr>
+                                    </p:animEffect>
                                   </p:childTnLst>
                                 </p:cTn>
                               </p:par>
                               <p:par>
-                                <p:cTn id="11" presetID="1" presetClass="entr" presetSubtype="0" fill="hold" grpId="0" nodeType="withEffect">
+                                <p:cTn id="24" presetID="10" presetClass="entr" presetSubtype="0" fill="hold" nodeType="withEffect">
                                   <p:stCondLst>
                                     <p:cond delay="0"/>
                                   </p:stCondLst>
                                   <p:childTnLst>
                                     <p:set>
                                       <p:cBhvr>
-                                        <p:cTn id="12" dur="1" fill="hold">
+                                        <p:cTn id="25" dur="1" fill="hold">
                                           <p:stCondLst>
                                             <p:cond delay="0"/>
                                           </p:stCondLst>
                                         </p:cTn>
                                         <p:tgtEl>
-                                          <p:spTgt spid="25604">
-                                            <p:txEl>
-                                              <p:pRg st="5" end="5"/>
-                                            </p:txEl>
-                                          </p:spTgt>
+                                          <p:spTgt spid="4"/>
                                         </p:tgtEl>
                                         <p:attrNameLst>
                                           <p:attrName>style.visibility</p:attrName>
@@ -9742,525 +13409,14 @@
                                         <p:strVal val="visible"/>
                                       </p:to>
                                     </p:set>
-                                  </p:childTnLst>
-                                </p:cTn>
-                              </p:par>
-                              <p:par>
-                                <p:cTn id="13" presetID="1" presetClass="entr" presetSubtype="0" fill="hold" grpId="0" nodeType="withEffect">
-                                  <p:stCondLst>
-                                    <p:cond delay="0"/>
-                                  </p:stCondLst>
-                                  <p:childTnLst>
-                                    <p:set>
+                                    <p:animEffect transition="in" filter="fade">
                                       <p:cBhvr>
-                                        <p:cTn id="14" dur="1" fill="hold">
-                                          <p:stCondLst>
-                                            <p:cond delay="0"/>
-                                          </p:stCondLst>
-                                        </p:cTn>
+                                        <p:cTn id="26" dur="500"/>
                                         <p:tgtEl>
-                                          <p:spTgt spid="25604">
-                                            <p:txEl>
-                                              <p:pRg st="6" end="6"/>
-                                            </p:txEl>
-                                          </p:spTgt>
+                                          <p:spTgt spid="4"/>
                                         </p:tgtEl>
-                                        <p:attrNameLst>
-                                          <p:attrName>style.visibility</p:attrName>
-                                        </p:attrNameLst>
                                       </p:cBhvr>
-                                      <p:to>
-                                        <p:strVal val="visible"/>
-                                      </p:to>
-                                    </p:set>
-                                  </p:childTnLst>
-                                </p:cTn>
-                              </p:par>
-                              <p:par>
-                                <p:cTn id="15" presetID="1" presetClass="entr" presetSubtype="0" fill="hold" grpId="0" nodeType="withEffect">
-                                  <p:stCondLst>
-                                    <p:cond delay="0"/>
-                                  </p:stCondLst>
-                                  <p:childTnLst>
-                                    <p:set>
-                                      <p:cBhvr>
-                                        <p:cTn id="16" dur="1" fill="hold">
-                                          <p:stCondLst>
-                                            <p:cond delay="0"/>
-                                          </p:stCondLst>
-                                        </p:cTn>
-                                        <p:tgtEl>
-                                          <p:spTgt spid="25604">
-                                            <p:txEl>
-                                              <p:pRg st="7" end="7"/>
-                                            </p:txEl>
-                                          </p:spTgt>
-                                        </p:tgtEl>
-                                        <p:attrNameLst>
-                                          <p:attrName>style.visibility</p:attrName>
-                                        </p:attrNameLst>
-                                      </p:cBhvr>
-                                      <p:to>
-                                        <p:strVal val="visible"/>
-                                      </p:to>
-                                    </p:set>
-                                  </p:childTnLst>
-                                </p:cTn>
-                              </p:par>
-                              <p:par>
-                                <p:cTn id="17" presetID="1" presetClass="entr" presetSubtype="0" fill="hold" grpId="0" nodeType="withEffect">
-                                  <p:stCondLst>
-                                    <p:cond delay="0"/>
-                                  </p:stCondLst>
-                                  <p:childTnLst>
-                                    <p:set>
-                                      <p:cBhvr>
-                                        <p:cTn id="18" dur="1" fill="hold">
-                                          <p:stCondLst>
-                                            <p:cond delay="0"/>
-                                          </p:stCondLst>
-                                        </p:cTn>
-                                        <p:tgtEl>
-                                          <p:spTgt spid="25604">
-                                            <p:txEl>
-                                              <p:pRg st="8" end="8"/>
-                                            </p:txEl>
-                                          </p:spTgt>
-                                        </p:tgtEl>
-                                        <p:attrNameLst>
-                                          <p:attrName>style.visibility</p:attrName>
-                                        </p:attrNameLst>
-                                      </p:cBhvr>
-                                      <p:to>
-                                        <p:strVal val="visible"/>
-                                      </p:to>
-                                    </p:set>
-                                  </p:childTnLst>
-                                </p:cTn>
-                              </p:par>
-                            </p:childTnLst>
-                          </p:cTn>
-                        </p:par>
-                      </p:childTnLst>
-                    </p:cTn>
-                  </p:par>
-                  <p:par>
-                    <p:cTn id="19" fill="hold">
-                      <p:stCondLst>
-                        <p:cond delay="indefinite"/>
-                      </p:stCondLst>
-                      <p:childTnLst>
-                        <p:par>
-                          <p:cTn id="20" fill="hold">
-                            <p:stCondLst>
-                              <p:cond delay="0"/>
-                            </p:stCondLst>
-                            <p:childTnLst>
-                              <p:par>
-                                <p:cTn id="21" presetID="1" presetClass="entr" presetSubtype="0" fill="hold" grpId="0" nodeType="clickEffect">
-                                  <p:stCondLst>
-                                    <p:cond delay="0"/>
-                                  </p:stCondLst>
-                                  <p:childTnLst>
-                                    <p:set>
-                                      <p:cBhvr>
-                                        <p:cTn id="22" dur="1" fill="hold">
-                                          <p:stCondLst>
-                                            <p:cond delay="0"/>
-                                          </p:stCondLst>
-                                        </p:cTn>
-                                        <p:tgtEl>
-                                          <p:spTgt spid="25605">
-                                            <p:txEl>
-                                              <p:pRg st="0" end="0"/>
-                                            </p:txEl>
-                                          </p:spTgt>
-                                        </p:tgtEl>
-                                        <p:attrNameLst>
-                                          <p:attrName>style.visibility</p:attrName>
-                                        </p:attrNameLst>
-                                      </p:cBhvr>
-                                      <p:to>
-                                        <p:strVal val="visible"/>
-                                      </p:to>
-                                    </p:set>
-                                  </p:childTnLst>
-                                </p:cTn>
-                              </p:par>
-                              <p:par>
-                                <p:cTn id="23" presetID="1" presetClass="entr" presetSubtype="0" fill="hold" grpId="0" nodeType="withEffect">
-                                  <p:stCondLst>
-                                    <p:cond delay="0"/>
-                                  </p:stCondLst>
-                                  <p:childTnLst>
-                                    <p:set>
-                                      <p:cBhvr>
-                                        <p:cTn id="24" dur="1" fill="hold">
-                                          <p:stCondLst>
-                                            <p:cond delay="0"/>
-                                          </p:stCondLst>
-                                        </p:cTn>
-                                        <p:tgtEl>
-                                          <p:spTgt spid="25605">
-                                            <p:txEl>
-                                              <p:pRg st="1" end="1"/>
-                                            </p:txEl>
-                                          </p:spTgt>
-                                        </p:tgtEl>
-                                        <p:attrNameLst>
-                                          <p:attrName>style.visibility</p:attrName>
-                                        </p:attrNameLst>
-                                      </p:cBhvr>
-                                      <p:to>
-                                        <p:strVal val="visible"/>
-                                      </p:to>
-                                    </p:set>
-                                  </p:childTnLst>
-                                </p:cTn>
-                              </p:par>
-                              <p:par>
-                                <p:cTn id="25" presetID="1" presetClass="entr" presetSubtype="0" fill="hold" grpId="0" nodeType="withEffect">
-                                  <p:stCondLst>
-                                    <p:cond delay="0"/>
-                                  </p:stCondLst>
-                                  <p:childTnLst>
-                                    <p:set>
-                                      <p:cBhvr>
-                                        <p:cTn id="26" dur="1" fill="hold">
-                                          <p:stCondLst>
-                                            <p:cond delay="0"/>
-                                          </p:stCondLst>
-                                        </p:cTn>
-                                        <p:tgtEl>
-                                          <p:spTgt spid="25605">
-                                            <p:txEl>
-                                              <p:pRg st="2" end="2"/>
-                                            </p:txEl>
-                                          </p:spTgt>
-                                        </p:tgtEl>
-                                        <p:attrNameLst>
-                                          <p:attrName>style.visibility</p:attrName>
-                                        </p:attrNameLst>
-                                      </p:cBhvr>
-                                      <p:to>
-                                        <p:strVal val="visible"/>
-                                      </p:to>
-                                    </p:set>
-                                  </p:childTnLst>
-                                </p:cTn>
-                              </p:par>
-                              <p:par>
-                                <p:cTn id="27" presetID="1" presetClass="entr" presetSubtype="0" fill="hold" grpId="0" nodeType="withEffect">
-                                  <p:stCondLst>
-                                    <p:cond delay="0"/>
-                                  </p:stCondLst>
-                                  <p:childTnLst>
-                                    <p:set>
-                                      <p:cBhvr>
-                                        <p:cTn id="28" dur="1" fill="hold">
-                                          <p:stCondLst>
-                                            <p:cond delay="0"/>
-                                          </p:stCondLst>
-                                        </p:cTn>
-                                        <p:tgtEl>
-                                          <p:spTgt spid="25605">
-                                            <p:txEl>
-                                              <p:pRg st="3" end="3"/>
-                                            </p:txEl>
-                                          </p:spTgt>
-                                        </p:tgtEl>
-                                        <p:attrNameLst>
-                                          <p:attrName>style.visibility</p:attrName>
-                                        </p:attrNameLst>
-                                      </p:cBhvr>
-                                      <p:to>
-                                        <p:strVal val="visible"/>
-                                      </p:to>
-                                    </p:set>
-                                  </p:childTnLst>
-                                </p:cTn>
-                              </p:par>
-                            </p:childTnLst>
-                          </p:cTn>
-                        </p:par>
-                      </p:childTnLst>
-                    </p:cTn>
-                  </p:par>
-                  <p:par>
-                    <p:cTn id="29" fill="hold">
-                      <p:stCondLst>
-                        <p:cond delay="indefinite"/>
-                      </p:stCondLst>
-                      <p:childTnLst>
-                        <p:par>
-                          <p:cTn id="30" fill="hold">
-                            <p:stCondLst>
-                              <p:cond delay="0"/>
-                            </p:stCondLst>
-                            <p:childTnLst>
-                              <p:par>
-                                <p:cTn id="31" presetID="1" presetClass="entr" presetSubtype="0" fill="hold" grpId="0" nodeType="clickEffect">
-                                  <p:stCondLst>
-                                    <p:cond delay="0"/>
-                                  </p:stCondLst>
-                                  <p:childTnLst>
-                                    <p:set>
-                                      <p:cBhvr>
-                                        <p:cTn id="32" dur="1" fill="hold">
-                                          <p:stCondLst>
-                                            <p:cond delay="0"/>
-                                          </p:stCondLst>
-                                        </p:cTn>
-                                        <p:tgtEl>
-                                          <p:spTgt spid="25605">
-                                            <p:txEl>
-                                              <p:pRg st="4" end="4"/>
-                                            </p:txEl>
-                                          </p:spTgt>
-                                        </p:tgtEl>
-                                        <p:attrNameLst>
-                                          <p:attrName>style.visibility</p:attrName>
-                                        </p:attrNameLst>
-                                      </p:cBhvr>
-                                      <p:to>
-                                        <p:strVal val="visible"/>
-                                      </p:to>
-                                    </p:set>
-                                  </p:childTnLst>
-                                </p:cTn>
-                              </p:par>
-                              <p:par>
-                                <p:cTn id="33" presetID="1" presetClass="entr" presetSubtype="0" fill="hold" grpId="0" nodeType="withEffect">
-                                  <p:stCondLst>
-                                    <p:cond delay="0"/>
-                                  </p:stCondLst>
-                                  <p:childTnLst>
-                                    <p:set>
-                                      <p:cBhvr>
-                                        <p:cTn id="34" dur="1" fill="hold">
-                                          <p:stCondLst>
-                                            <p:cond delay="0"/>
-                                          </p:stCondLst>
-                                        </p:cTn>
-                                        <p:tgtEl>
-                                          <p:spTgt spid="25605">
-                                            <p:txEl>
-                                              <p:pRg st="5" end="5"/>
-                                            </p:txEl>
-                                          </p:spTgt>
-                                        </p:tgtEl>
-                                        <p:attrNameLst>
-                                          <p:attrName>style.visibility</p:attrName>
-                                        </p:attrNameLst>
-                                      </p:cBhvr>
-                                      <p:to>
-                                        <p:strVal val="visible"/>
-                                      </p:to>
-                                    </p:set>
-                                  </p:childTnLst>
-                                </p:cTn>
-                              </p:par>
-                            </p:childTnLst>
-                          </p:cTn>
-                        </p:par>
-                      </p:childTnLst>
-                    </p:cTn>
-                  </p:par>
-                  <p:par>
-                    <p:cTn id="35" fill="hold">
-                      <p:stCondLst>
-                        <p:cond delay="indefinite"/>
-                      </p:stCondLst>
-                      <p:childTnLst>
-                        <p:par>
-                          <p:cTn id="36" fill="hold">
-                            <p:stCondLst>
-                              <p:cond delay="0"/>
-                            </p:stCondLst>
-                            <p:childTnLst>
-                              <p:par>
-                                <p:cTn id="37" presetID="1" presetClass="entr" presetSubtype="0" fill="hold" grpId="0" nodeType="clickEffect">
-                                  <p:stCondLst>
-                                    <p:cond delay="0"/>
-                                  </p:stCondLst>
-                                  <p:childTnLst>
-                                    <p:set>
-                                      <p:cBhvr>
-                                        <p:cTn id="38" dur="1" fill="hold">
-                                          <p:stCondLst>
-                                            <p:cond delay="0"/>
-                                          </p:stCondLst>
-                                        </p:cTn>
-                                        <p:tgtEl>
-                                          <p:spTgt spid="25605">
-                                            <p:txEl>
-                                              <p:pRg st="6" end="6"/>
-                                            </p:txEl>
-                                          </p:spTgt>
-                                        </p:tgtEl>
-                                        <p:attrNameLst>
-                                          <p:attrName>style.visibility</p:attrName>
-                                        </p:attrNameLst>
-                                      </p:cBhvr>
-                                      <p:to>
-                                        <p:strVal val="visible"/>
-                                      </p:to>
-                                    </p:set>
-                                  </p:childTnLst>
-                                </p:cTn>
-                              </p:par>
-                              <p:par>
-                                <p:cTn id="39" presetID="1" presetClass="entr" presetSubtype="0" fill="hold" grpId="0" nodeType="withEffect">
-                                  <p:stCondLst>
-                                    <p:cond delay="0"/>
-                                  </p:stCondLst>
-                                  <p:childTnLst>
-                                    <p:set>
-                                      <p:cBhvr>
-                                        <p:cTn id="40" dur="1" fill="hold">
-                                          <p:stCondLst>
-                                            <p:cond delay="0"/>
-                                          </p:stCondLst>
-                                        </p:cTn>
-                                        <p:tgtEl>
-                                          <p:spTgt spid="25605">
-                                            <p:txEl>
-                                              <p:pRg st="7" end="7"/>
-                                            </p:txEl>
-                                          </p:spTgt>
-                                        </p:tgtEl>
-                                        <p:attrNameLst>
-                                          <p:attrName>style.visibility</p:attrName>
-                                        </p:attrNameLst>
-                                      </p:cBhvr>
-                                      <p:to>
-                                        <p:strVal val="visible"/>
-                                      </p:to>
-                                    </p:set>
-                                  </p:childTnLst>
-                                </p:cTn>
-                              </p:par>
-                              <p:par>
-                                <p:cTn id="41" presetID="1" presetClass="entr" presetSubtype="0" fill="hold" grpId="0" nodeType="withEffect">
-                                  <p:stCondLst>
-                                    <p:cond delay="0"/>
-                                  </p:stCondLst>
-                                  <p:childTnLst>
-                                    <p:set>
-                                      <p:cBhvr>
-                                        <p:cTn id="42" dur="1" fill="hold">
-                                          <p:stCondLst>
-                                            <p:cond delay="0"/>
-                                          </p:stCondLst>
-                                        </p:cTn>
-                                        <p:tgtEl>
-                                          <p:spTgt spid="25605">
-                                            <p:txEl>
-                                              <p:pRg st="8" end="8"/>
-                                            </p:txEl>
-                                          </p:spTgt>
-                                        </p:tgtEl>
-                                        <p:attrNameLst>
-                                          <p:attrName>style.visibility</p:attrName>
-                                        </p:attrNameLst>
-                                      </p:cBhvr>
-                                      <p:to>
-                                        <p:strVal val="visible"/>
-                                      </p:to>
-                                    </p:set>
-                                  </p:childTnLst>
-                                </p:cTn>
-                              </p:par>
-                              <p:par>
-                                <p:cTn id="43" presetID="1" presetClass="entr" presetSubtype="0" fill="hold" grpId="0" nodeType="withEffect">
-                                  <p:stCondLst>
-                                    <p:cond delay="0"/>
-                                  </p:stCondLst>
-                                  <p:childTnLst>
-                                    <p:set>
-                                      <p:cBhvr>
-                                        <p:cTn id="44" dur="1" fill="hold">
-                                          <p:stCondLst>
-                                            <p:cond delay="0"/>
-                                          </p:stCondLst>
-                                        </p:cTn>
-                                        <p:tgtEl>
-                                          <p:spTgt spid="25605">
-                                            <p:txEl>
-                                              <p:pRg st="9" end="9"/>
-                                            </p:txEl>
-                                          </p:spTgt>
-                                        </p:tgtEl>
-                                        <p:attrNameLst>
-                                          <p:attrName>style.visibility</p:attrName>
-                                        </p:attrNameLst>
-                                      </p:cBhvr>
-                                      <p:to>
-                                        <p:strVal val="visible"/>
-                                      </p:to>
-                                    </p:set>
-                                  </p:childTnLst>
-                                </p:cTn>
-                              </p:par>
-                              <p:par>
-                                <p:cTn id="45" presetID="1" presetClass="entr" presetSubtype="0" fill="hold" grpId="0" nodeType="withEffect">
-                                  <p:stCondLst>
-                                    <p:cond delay="0"/>
-                                  </p:stCondLst>
-                                  <p:childTnLst>
-                                    <p:set>
-                                      <p:cBhvr>
-                                        <p:cTn id="46" dur="1" fill="hold">
-                                          <p:stCondLst>
-                                            <p:cond delay="0"/>
-                                          </p:stCondLst>
-                                        </p:cTn>
-                                        <p:tgtEl>
-                                          <p:spTgt spid="25605">
-                                            <p:txEl>
-                                              <p:pRg st="10" end="10"/>
-                                            </p:txEl>
-                                          </p:spTgt>
-                                        </p:tgtEl>
-                                        <p:attrNameLst>
-                                          <p:attrName>style.visibility</p:attrName>
-                                        </p:attrNameLst>
-                                      </p:cBhvr>
-                                      <p:to>
-                                        <p:strVal val="visible"/>
-                                      </p:to>
-                                    </p:set>
-                                  </p:childTnLst>
-                                </p:cTn>
-                              </p:par>
-                              <p:par>
-                                <p:cTn id="47" presetID="1" presetClass="entr" presetSubtype="0" fill="hold" grpId="0" nodeType="withEffect">
-                                  <p:stCondLst>
-                                    <p:cond delay="0"/>
-                                  </p:stCondLst>
-                                  <p:childTnLst>
-                                    <p:set>
-                                      <p:cBhvr>
-                                        <p:cTn id="48" dur="1" fill="hold">
-                                          <p:stCondLst>
-                                            <p:cond delay="0"/>
-                                          </p:stCondLst>
-                                        </p:cTn>
-                                        <p:tgtEl>
-                                          <p:spTgt spid="25605">
-                                            <p:txEl>
-                                              <p:pRg st="11" end="11"/>
-                                            </p:txEl>
-                                          </p:spTgt>
-                                        </p:tgtEl>
-                                        <p:attrNameLst>
-                                          <p:attrName>style.visibility</p:attrName>
-                                        </p:attrNameLst>
-                                      </p:cBhvr>
-                                      <p:to>
-                                        <p:strVal val="visible"/>
-                                      </p:to>
-                                    </p:set>
+                                    </p:animEffect>
                                   </p:childTnLst>
                                 </p:cTn>
                               </p:par>
@@ -10292,1232 +13448,13 @@
       </p:par>
     </p:tnLst>
     <p:bldLst>
-      <p:bldP spid="25604" grpId="0" uiExpand="1" build="p"/>
-      <p:bldP spid="25605" grpId="0" uiExpand="1" build="p"/>
+      <p:bldP spid="3" grpId="0" uiExpand="1" build="p"/>
     </p:bldLst>
   </p:timing>
 </p:sld>
 </file>
 
-<file path=ppt/slides/slide4.xml><?xml version="1.0" encoding="utf-8"?>
-<p:sld xmlns:a="http://schemas.openxmlformats.org/drawingml/2006/main" xmlns:r="http://schemas.openxmlformats.org/officeDocument/2006/relationships" xmlns:p="http://schemas.openxmlformats.org/presentationml/2006/main">
-  <p:cSld>
-    <p:spTree>
-      <p:nvGrpSpPr>
-        <p:cNvPr id="1" name=""/>
-        <p:cNvGrpSpPr/>
-        <p:nvPr/>
-      </p:nvGrpSpPr>
-      <p:grpSpPr>
-        <a:xfrm>
-          <a:off x="0" y="0"/>
-          <a:ext cx="0" cy="0"/>
-          <a:chOff x="0" y="0"/>
-          <a:chExt cx="0" cy="0"/>
-        </a:xfrm>
-      </p:grpSpPr>
-      <p:sp>
-        <p:nvSpPr>
-          <p:cNvPr id="2" name="Title 1"/>
-          <p:cNvSpPr>
-            <a:spLocks noGrp="1"/>
-          </p:cNvSpPr>
-          <p:nvPr>
-            <p:ph type="title" idx="4294967295"/>
-          </p:nvPr>
-        </p:nvSpPr>
-        <p:spPr/>
-        <p:txBody>
-          <a:bodyPr vert="horz" wrap="square" lIns="91440" tIns="45720" rIns="91440" bIns="45720" numCol="1" anchorCtr="0" compatLnSpc="1">
-            <a:prstTxWarp prst="textNoShape">
-              <a:avLst/>
-            </a:prstTxWarp>
-          </a:bodyPr>
-          <a:lstStyle/>
-          <a:p>
-            <a:r>
-              <a:rPr lang="nl-BE" smtClean="0">
-                <a:effectLst>
-                  <a:outerShdw blurRad="38100" dist="38100" dir="2700000" algn="tl">
-                    <a:srgbClr val="C0C0C0"/>
-                  </a:outerShdw>
-                </a:effectLst>
-              </a:rPr>
-              <a:t>Development Environment...</a:t>
-            </a:r>
-            <a:endParaRPr lang="en-US" smtClean="0">
-              <a:effectLst>
-                <a:outerShdw blurRad="38100" dist="38100" dir="2700000" algn="tl">
-                  <a:srgbClr val="C0C0C0"/>
-                </a:outerShdw>
-              </a:effectLst>
-            </a:endParaRPr>
-          </a:p>
-        </p:txBody>
-      </p:sp>
-      <p:sp>
-        <p:nvSpPr>
-          <p:cNvPr id="38915" name="Rectangle 3"/>
-          <p:cNvSpPr>
-            <a:spLocks noGrp="1"/>
-          </p:cNvSpPr>
-          <p:nvPr>
-            <p:ph type="body" sz="half" idx="1"/>
-          </p:nvPr>
-        </p:nvSpPr>
-        <p:spPr>
-          <a:xfrm>
-            <a:off x="1393825" y="1400175"/>
-            <a:ext cx="3673475" cy="4800600"/>
-          </a:xfrm>
-        </p:spPr>
-        <p:txBody>
-          <a:bodyPr/>
-          <a:lstStyle/>
-          <a:p>
-            <a:r>
-              <a:rPr lang="en-GB" sz="2400" smtClean="0"/>
-              <a:t>IDE</a:t>
-            </a:r>
-          </a:p>
-          <a:p>
-            <a:pPr lvl="1"/>
-            <a:r>
-              <a:rPr lang="en-GB" sz="2000" smtClean="0"/>
-              <a:t>Visual Studio Express Editions</a:t>
-            </a:r>
-          </a:p>
-          <a:p>
-            <a:pPr lvl="1"/>
-            <a:r>
-              <a:rPr lang="en-US" sz="2000" smtClean="0">
-                <a:solidFill>
-                  <a:srgbClr val="C0C0C0"/>
-                </a:solidFill>
-              </a:rPr>
-              <a:t>SharpDevelop</a:t>
-            </a:r>
-            <a:r>
-              <a:rPr lang="en-US" sz="2000" smtClean="0"/>
-              <a:t> </a:t>
-            </a:r>
-          </a:p>
-          <a:p>
-            <a:r>
-              <a:rPr lang="en-GB" sz="2400" smtClean="0"/>
-              <a:t>Tooling / Add-on</a:t>
-            </a:r>
-          </a:p>
-          <a:p>
-            <a:pPr lvl="1"/>
-            <a:r>
-              <a:rPr lang="en-GB" sz="2000" smtClean="0"/>
-              <a:t>TestDriven.NET</a:t>
-            </a:r>
-          </a:p>
-          <a:p>
-            <a:pPr lvl="1"/>
-            <a:r>
-              <a:rPr lang="en-GB" sz="2000" smtClean="0"/>
-              <a:t>Reflector</a:t>
-            </a:r>
-          </a:p>
-          <a:p>
-            <a:pPr lvl="1"/>
-            <a:r>
-              <a:rPr lang="en-GB" sz="2000" smtClean="0"/>
-              <a:t>ANTS profiler</a:t>
-            </a:r>
-          </a:p>
-          <a:p>
-            <a:pPr lvl="1"/>
-            <a:r>
-              <a:rPr lang="en-GB" sz="2000" smtClean="0"/>
-              <a:t>dotTrace</a:t>
-            </a:r>
-          </a:p>
-          <a:p>
-            <a:pPr lvl="1"/>
-            <a:r>
-              <a:rPr lang="en-GB" sz="2000" smtClean="0"/>
-              <a:t>GhostDoc</a:t>
-            </a:r>
-          </a:p>
-          <a:p>
-            <a:pPr lvl="1"/>
-            <a:endParaRPr lang="en-GB" sz="2000" smtClean="0"/>
-          </a:p>
-          <a:p>
-            <a:pPr lvl="1"/>
-            <a:endParaRPr lang="en-GB" sz="2000" smtClean="0"/>
-          </a:p>
-          <a:p>
-            <a:endParaRPr lang="en-US" sz="2400" smtClean="0"/>
-          </a:p>
-        </p:txBody>
-      </p:sp>
-      <p:sp>
-        <p:nvSpPr>
-          <p:cNvPr id="38916" name="Rectangle 4"/>
-          <p:cNvSpPr>
-            <a:spLocks noGrp="1"/>
-          </p:cNvSpPr>
-          <p:nvPr>
-            <p:ph type="body" sz="half" idx="2"/>
-          </p:nvPr>
-        </p:nvSpPr>
-        <p:spPr>
-          <a:xfrm>
-            <a:off x="5219700" y="1412875"/>
-            <a:ext cx="3673475" cy="4800600"/>
-          </a:xfrm>
-        </p:spPr>
-        <p:txBody>
-          <a:bodyPr/>
-          <a:lstStyle/>
-          <a:p>
-            <a:r>
-              <a:rPr lang="en-GB" sz="2400" smtClean="0"/>
-              <a:t>Version Control</a:t>
-            </a:r>
-          </a:p>
-          <a:p>
-            <a:pPr lvl="1"/>
-            <a:r>
-              <a:rPr lang="en-GB" sz="2000" smtClean="0"/>
-              <a:t>SubVersion</a:t>
-            </a:r>
-            <a:endParaRPr lang="en-US" sz="2000" smtClean="0"/>
-          </a:p>
-          <a:p>
-            <a:pPr lvl="1"/>
-            <a:r>
-              <a:rPr lang="en-US" sz="2000" smtClean="0"/>
-              <a:t>TortoiseSVN </a:t>
-            </a:r>
-            <a:endParaRPr lang="en-GB" sz="2000" smtClean="0"/>
-          </a:p>
-          <a:p>
-            <a:r>
-              <a:rPr lang="en-GB" sz="2400" smtClean="0"/>
-              <a:t>Libraries</a:t>
-            </a:r>
-          </a:p>
-          <a:p>
-            <a:pPr lvl="1"/>
-            <a:r>
-              <a:rPr lang="en-GB" sz="2000" smtClean="0"/>
-              <a:t>Castle Project</a:t>
-            </a:r>
-          </a:p>
-          <a:p>
-            <a:pPr lvl="1"/>
-            <a:endParaRPr lang="en-US" sz="2000" smtClean="0"/>
-          </a:p>
-        </p:txBody>
-      </p:sp>
-    </p:spTree>
-  </p:cSld>
-  <p:clrMapOvr>
-    <a:masterClrMapping/>
-  </p:clrMapOvr>
-  <p:transition>
-    <p:fade/>
-  </p:transition>
-  <p:timing>
-    <p:tnLst>
-      <p:par>
-        <p:cTn id="1" dur="indefinite" restart="never" nodeType="tmRoot"/>
-      </p:par>
-    </p:tnLst>
-  </p:timing>
-</p:sld>
-</file>
-
-<file path=ppt/slides/slide5.xml><?xml version="1.0" encoding="utf-8"?>
-<p:sld xmlns:a="http://schemas.openxmlformats.org/drawingml/2006/main" xmlns:r="http://schemas.openxmlformats.org/officeDocument/2006/relationships" xmlns:p="http://schemas.openxmlformats.org/presentationml/2006/main">
-  <p:cSld>
-    <p:spTree>
-      <p:nvGrpSpPr>
-        <p:cNvPr id="1" name=""/>
-        <p:cNvGrpSpPr/>
-        <p:nvPr/>
-      </p:nvGrpSpPr>
-      <p:grpSpPr>
-        <a:xfrm>
-          <a:off x="0" y="0"/>
-          <a:ext cx="0" cy="0"/>
-          <a:chOff x="0" y="0"/>
-          <a:chExt cx="0" cy="0"/>
-        </a:xfrm>
-      </p:grpSpPr>
-      <p:sp>
-        <p:nvSpPr>
-          <p:cNvPr id="2" name="Title 1"/>
-          <p:cNvSpPr>
-            <a:spLocks noGrp="1"/>
-          </p:cNvSpPr>
-          <p:nvPr>
-            <p:ph type="title"/>
-          </p:nvPr>
-        </p:nvSpPr>
-        <p:spPr/>
-        <p:txBody>
-          <a:bodyPr vert="horz" wrap="square" lIns="91440" tIns="45720" rIns="91440" bIns="45720" numCol="1" anchorCtr="0" compatLnSpc="1">
-            <a:prstTxWarp prst="textNoShape">
-              <a:avLst/>
-            </a:prstTxWarp>
-          </a:bodyPr>
-          <a:lstStyle/>
-          <a:p>
-            <a:r>
-              <a:rPr lang="nl-BE" smtClean="0">
-                <a:effectLst>
-                  <a:outerShdw blurRad="38100" dist="38100" dir="2700000" algn="tl">
-                    <a:srgbClr val="C0C0C0"/>
-                  </a:outerShdw>
-                </a:effectLst>
-              </a:rPr>
-              <a:t>Development Lifecycle</a:t>
-            </a:r>
-            <a:endParaRPr lang="en-US" smtClean="0">
-              <a:effectLst>
-                <a:outerShdw blurRad="38100" dist="38100" dir="2700000" algn="tl">
-                  <a:srgbClr val="C0C0C0"/>
-                </a:outerShdw>
-              </a:effectLst>
-            </a:endParaRPr>
-          </a:p>
-        </p:txBody>
-      </p:sp>
-      <p:sp>
-        <p:nvSpPr>
-          <p:cNvPr id="26629" name="Rectangle 5"/>
-          <p:cNvSpPr>
-            <a:spLocks noGrp="1"/>
-          </p:cNvSpPr>
-          <p:nvPr>
-            <p:ph type="body" idx="4294967295"/>
-          </p:nvPr>
-        </p:nvSpPr>
-        <p:spPr>
-          <a:xfrm>
-            <a:off x="1435100" y="1484313"/>
-            <a:ext cx="7499350" cy="4800600"/>
-          </a:xfrm>
-        </p:spPr>
-        <p:txBody>
-          <a:bodyPr/>
-          <a:lstStyle/>
-          <a:p>
-            <a:pPr>
-              <a:lnSpc>
-                <a:spcPct val="80000"/>
-              </a:lnSpc>
-            </a:pPr>
-            <a:r>
-              <a:rPr lang="en-GB" sz="2400" smtClean="0"/>
-              <a:t>Continuous Integration</a:t>
-            </a:r>
-          </a:p>
-          <a:p>
-            <a:pPr lvl="1">
-              <a:lnSpc>
-                <a:spcPct val="80000"/>
-              </a:lnSpc>
-            </a:pPr>
-            <a:r>
-              <a:rPr lang="en-GB" sz="2000" smtClean="0"/>
-              <a:t>CruiseControl.NET</a:t>
-            </a:r>
-          </a:p>
-          <a:p>
-            <a:pPr lvl="2">
-              <a:lnSpc>
-                <a:spcPct val="80000"/>
-              </a:lnSpc>
-            </a:pPr>
-            <a:r>
-              <a:rPr lang="en-GB" sz="1800" smtClean="0"/>
-              <a:t>CCTray</a:t>
-            </a:r>
-          </a:p>
-          <a:p>
-            <a:pPr lvl="2">
-              <a:lnSpc>
-                <a:spcPct val="80000"/>
-              </a:lnSpc>
-            </a:pPr>
-            <a:r>
-              <a:rPr lang="en-GB" sz="1800" smtClean="0"/>
-              <a:t>Big Visible Cruise</a:t>
-            </a:r>
-          </a:p>
-          <a:p>
-            <a:pPr lvl="2">
-              <a:lnSpc>
-                <a:spcPct val="80000"/>
-              </a:lnSpc>
-            </a:pPr>
-            <a:r>
-              <a:rPr lang="en-GB" sz="1800" smtClean="0"/>
-              <a:t>Screen Saver</a:t>
-            </a:r>
-          </a:p>
-          <a:p>
-            <a:pPr lvl="1">
-              <a:lnSpc>
-                <a:spcPct val="80000"/>
-              </a:lnSpc>
-            </a:pPr>
-            <a:r>
-              <a:rPr lang="en-GB" sz="2000" smtClean="0"/>
-              <a:t>NDepends</a:t>
-            </a:r>
-          </a:p>
-          <a:p>
-            <a:pPr lvl="1">
-              <a:lnSpc>
-                <a:spcPct val="80000"/>
-              </a:lnSpc>
-            </a:pPr>
-            <a:r>
-              <a:rPr lang="en-GB" sz="2000" smtClean="0"/>
-              <a:t>NCover</a:t>
-            </a:r>
-          </a:p>
-          <a:p>
-            <a:pPr lvl="1">
-              <a:lnSpc>
-                <a:spcPct val="80000"/>
-              </a:lnSpc>
-            </a:pPr>
-            <a:r>
-              <a:rPr lang="en-GB" sz="2000" smtClean="0"/>
-              <a:t>NUnit</a:t>
-            </a:r>
-          </a:p>
-          <a:p>
-            <a:pPr>
-              <a:lnSpc>
-                <a:spcPct val="80000"/>
-              </a:lnSpc>
-            </a:pPr>
-            <a:r>
-              <a:rPr lang="en-GB" sz="2400" smtClean="0"/>
-              <a:t>Testing</a:t>
-            </a:r>
-          </a:p>
-          <a:p>
-            <a:pPr lvl="1">
-              <a:lnSpc>
-                <a:spcPct val="80000"/>
-              </a:lnSpc>
-            </a:pPr>
-            <a:r>
-              <a:rPr lang="en-GB" sz="2000" smtClean="0"/>
-              <a:t>NUnit (resharper integration)</a:t>
-            </a:r>
-          </a:p>
-          <a:p>
-            <a:pPr lvl="2">
-              <a:lnSpc>
-                <a:spcPct val="80000"/>
-              </a:lnSpc>
-            </a:pPr>
-            <a:r>
-              <a:rPr lang="en-GB" sz="1800" smtClean="0"/>
-              <a:t>Unit testing</a:t>
-            </a:r>
-          </a:p>
-          <a:p>
-            <a:pPr lvl="2">
-              <a:lnSpc>
-                <a:spcPct val="80000"/>
-              </a:lnSpc>
-            </a:pPr>
-            <a:r>
-              <a:rPr lang="en-GB" sz="1800" smtClean="0"/>
-              <a:t>Integration testing</a:t>
-            </a:r>
-          </a:p>
-          <a:p>
-            <a:pPr>
-              <a:lnSpc>
-                <a:spcPct val="80000"/>
-              </a:lnSpc>
-            </a:pPr>
-            <a:r>
-              <a:rPr lang="en-GB" sz="2400" smtClean="0"/>
-              <a:t>Acceptance testing</a:t>
-            </a:r>
-          </a:p>
-          <a:p>
-            <a:pPr lvl="1">
-              <a:lnSpc>
-                <a:spcPct val="80000"/>
-              </a:lnSpc>
-            </a:pPr>
-            <a:r>
-              <a:rPr lang="en-GB" sz="2000" smtClean="0"/>
-              <a:t>SoapUI</a:t>
-            </a:r>
-          </a:p>
-          <a:p>
-            <a:pPr lvl="1">
-              <a:lnSpc>
-                <a:spcPct val="80000"/>
-              </a:lnSpc>
-            </a:pPr>
-            <a:r>
-              <a:rPr lang="en-GB" sz="2000" smtClean="0"/>
-              <a:t>Fitness</a:t>
-            </a:r>
-          </a:p>
-        </p:txBody>
-      </p:sp>
-      <p:pic>
-        <p:nvPicPr>
-          <p:cNvPr id="26632" name="Picture 2">
-            <a:hlinkClick r:id="rId3" action="ppaction://hlinkpres?slideindex=1&amp;slidetitle="/>
-          </p:cNvPr>
-          <p:cNvPicPr>
-            <a:picLocks noChangeAspect="1" noChangeArrowheads="1"/>
-          </p:cNvPicPr>
-          <p:nvPr/>
-        </p:nvPicPr>
-        <p:blipFill>
-          <a:blip r:embed="rId4" cstate="print"/>
-          <a:srcRect/>
-          <a:stretch>
-            <a:fillRect/>
-          </a:stretch>
-        </p:blipFill>
-        <p:spPr bwMode="auto">
-          <a:xfrm>
-            <a:off x="6659563" y="1484313"/>
-            <a:ext cx="1958975" cy="1381125"/>
-          </a:xfrm>
-          <a:prstGeom prst="rect">
-            <a:avLst/>
-          </a:prstGeom>
-          <a:noFill/>
-          <a:ln w="9525">
-            <a:noFill/>
-            <a:miter lim="800000"/>
-            <a:headEnd/>
-            <a:tailEnd/>
-          </a:ln>
-        </p:spPr>
-      </p:pic>
-      <p:pic>
-        <p:nvPicPr>
-          <p:cNvPr id="26633" name="Picture 2">
-            <a:hlinkClick r:id="rId5" action="ppaction://hlinkpres?slideindex=1&amp;slidetitle="/>
-          </p:cNvPr>
-          <p:cNvPicPr>
-            <a:picLocks noChangeAspect="1" noChangeArrowheads="1"/>
-          </p:cNvPicPr>
-          <p:nvPr/>
-        </p:nvPicPr>
-        <p:blipFill>
-          <a:blip r:embed="rId6" cstate="print"/>
-          <a:srcRect/>
-          <a:stretch>
-            <a:fillRect/>
-          </a:stretch>
-        </p:blipFill>
-        <p:spPr bwMode="auto">
-          <a:xfrm>
-            <a:off x="6659563" y="4797425"/>
-            <a:ext cx="2089150" cy="1547813"/>
-          </a:xfrm>
-          <a:prstGeom prst="rect">
-            <a:avLst/>
-          </a:prstGeom>
-          <a:noFill/>
-          <a:ln w="9525">
-            <a:noFill/>
-            <a:miter lim="800000"/>
-            <a:headEnd/>
-            <a:tailEnd/>
-          </a:ln>
-        </p:spPr>
-      </p:pic>
-      <p:pic>
-        <p:nvPicPr>
-          <p:cNvPr id="26635" name="Picture 11" descr="Image:NUnit GUI.png"/>
-          <p:cNvPicPr>
-            <a:picLocks noChangeAspect="1" noChangeArrowheads="1"/>
-          </p:cNvPicPr>
-          <p:nvPr/>
-        </p:nvPicPr>
-        <p:blipFill>
-          <a:blip r:embed="rId7" cstate="print"/>
-          <a:srcRect/>
-          <a:stretch>
-            <a:fillRect/>
-          </a:stretch>
-        </p:blipFill>
-        <p:spPr bwMode="auto">
-          <a:xfrm>
-            <a:off x="6588125" y="3068638"/>
-            <a:ext cx="2154238" cy="1493837"/>
-          </a:xfrm>
-          <a:prstGeom prst="rect">
-            <a:avLst/>
-          </a:prstGeom>
-          <a:noFill/>
-        </p:spPr>
-      </p:pic>
-    </p:spTree>
-  </p:cSld>
-  <p:clrMapOvr>
-    <a:masterClrMapping/>
-  </p:clrMapOvr>
-  <p:transition>
-    <p:fade/>
-  </p:transition>
-  <p:timing>
-    <p:tnLst>
-      <p:par>
-        <p:cTn id="1" dur="indefinite" restart="never" nodeType="tmRoot">
-          <p:childTnLst>
-            <p:seq concurrent="1" nextAc="seek">
-              <p:cTn id="2" dur="indefinite" nodeType="mainSeq">
-                <p:childTnLst>
-                  <p:par>
-                    <p:cTn id="3" fill="hold">
-                      <p:stCondLst>
-                        <p:cond delay="indefinite"/>
-                        <p:cond evt="onBegin" delay="0">
-                          <p:tn val="2"/>
-                        </p:cond>
-                      </p:stCondLst>
-                      <p:childTnLst>
-                        <p:par>
-                          <p:cTn id="4" fill="hold">
-                            <p:stCondLst>
-                              <p:cond delay="0"/>
-                            </p:stCondLst>
-                            <p:childTnLst>
-                              <p:par>
-                                <p:cTn id="5" presetID="1" presetClass="entr" presetSubtype="0" fill="hold" grpId="0" nodeType="withEffect">
-                                  <p:stCondLst>
-                                    <p:cond delay="0"/>
-                                  </p:stCondLst>
-                                  <p:childTnLst>
-                                    <p:set>
-                                      <p:cBhvr>
-                                        <p:cTn id="6" dur="1" fill="hold">
-                                          <p:stCondLst>
-                                            <p:cond delay="0"/>
-                                          </p:stCondLst>
-                                        </p:cTn>
-                                        <p:tgtEl>
-                                          <p:spTgt spid="26629">
-                                            <p:txEl>
-                                              <p:pRg st="0" end="0"/>
-                                            </p:txEl>
-                                          </p:spTgt>
-                                        </p:tgtEl>
-                                        <p:attrNameLst>
-                                          <p:attrName>style.visibility</p:attrName>
-                                        </p:attrNameLst>
-                                      </p:cBhvr>
-                                      <p:to>
-                                        <p:strVal val="visible"/>
-                                      </p:to>
-                                    </p:set>
-                                  </p:childTnLst>
-                                </p:cTn>
-                              </p:par>
-                              <p:par>
-                                <p:cTn id="7" presetID="1" presetClass="entr" presetSubtype="0" fill="hold" grpId="0" nodeType="withEffect">
-                                  <p:stCondLst>
-                                    <p:cond delay="0"/>
-                                  </p:stCondLst>
-                                  <p:childTnLst>
-                                    <p:set>
-                                      <p:cBhvr>
-                                        <p:cTn id="8" dur="1" fill="hold">
-                                          <p:stCondLst>
-                                            <p:cond delay="0"/>
-                                          </p:stCondLst>
-                                        </p:cTn>
-                                        <p:tgtEl>
-                                          <p:spTgt spid="26629">
-                                            <p:txEl>
-                                              <p:pRg st="1" end="1"/>
-                                            </p:txEl>
-                                          </p:spTgt>
-                                        </p:tgtEl>
-                                        <p:attrNameLst>
-                                          <p:attrName>style.visibility</p:attrName>
-                                        </p:attrNameLst>
-                                      </p:cBhvr>
-                                      <p:to>
-                                        <p:strVal val="visible"/>
-                                      </p:to>
-                                    </p:set>
-                                  </p:childTnLst>
-                                </p:cTn>
-                              </p:par>
-                              <p:par>
-                                <p:cTn id="9" presetID="1" presetClass="entr" presetSubtype="0" fill="hold" grpId="0" nodeType="withEffect">
-                                  <p:stCondLst>
-                                    <p:cond delay="0"/>
-                                  </p:stCondLst>
-                                  <p:childTnLst>
-                                    <p:set>
-                                      <p:cBhvr>
-                                        <p:cTn id="10" dur="1" fill="hold">
-                                          <p:stCondLst>
-                                            <p:cond delay="0"/>
-                                          </p:stCondLst>
-                                        </p:cTn>
-                                        <p:tgtEl>
-                                          <p:spTgt spid="26629">
-                                            <p:txEl>
-                                              <p:pRg st="2" end="2"/>
-                                            </p:txEl>
-                                          </p:spTgt>
-                                        </p:tgtEl>
-                                        <p:attrNameLst>
-                                          <p:attrName>style.visibility</p:attrName>
-                                        </p:attrNameLst>
-                                      </p:cBhvr>
-                                      <p:to>
-                                        <p:strVal val="visible"/>
-                                      </p:to>
-                                    </p:set>
-                                  </p:childTnLst>
-                                </p:cTn>
-                              </p:par>
-                              <p:par>
-                                <p:cTn id="11" presetID="1" presetClass="entr" presetSubtype="0" fill="hold" grpId="0" nodeType="withEffect">
-                                  <p:stCondLst>
-                                    <p:cond delay="0"/>
-                                  </p:stCondLst>
-                                  <p:childTnLst>
-                                    <p:set>
-                                      <p:cBhvr>
-                                        <p:cTn id="12" dur="1" fill="hold">
-                                          <p:stCondLst>
-                                            <p:cond delay="0"/>
-                                          </p:stCondLst>
-                                        </p:cTn>
-                                        <p:tgtEl>
-                                          <p:spTgt spid="26629">
-                                            <p:txEl>
-                                              <p:pRg st="3" end="3"/>
-                                            </p:txEl>
-                                          </p:spTgt>
-                                        </p:tgtEl>
-                                        <p:attrNameLst>
-                                          <p:attrName>style.visibility</p:attrName>
-                                        </p:attrNameLst>
-                                      </p:cBhvr>
-                                      <p:to>
-                                        <p:strVal val="visible"/>
-                                      </p:to>
-                                    </p:set>
-                                  </p:childTnLst>
-                                </p:cTn>
-                              </p:par>
-                              <p:par>
-                                <p:cTn id="13" presetID="1" presetClass="entr" presetSubtype="0" fill="hold" grpId="0" nodeType="withEffect">
-                                  <p:stCondLst>
-                                    <p:cond delay="0"/>
-                                  </p:stCondLst>
-                                  <p:childTnLst>
-                                    <p:set>
-                                      <p:cBhvr>
-                                        <p:cTn id="14" dur="1" fill="hold">
-                                          <p:stCondLst>
-                                            <p:cond delay="0"/>
-                                          </p:stCondLst>
-                                        </p:cTn>
-                                        <p:tgtEl>
-                                          <p:spTgt spid="26629">
-                                            <p:txEl>
-                                              <p:pRg st="4" end="4"/>
-                                            </p:txEl>
-                                          </p:spTgt>
-                                        </p:tgtEl>
-                                        <p:attrNameLst>
-                                          <p:attrName>style.visibility</p:attrName>
-                                        </p:attrNameLst>
-                                      </p:cBhvr>
-                                      <p:to>
-                                        <p:strVal val="visible"/>
-                                      </p:to>
-                                    </p:set>
-                                  </p:childTnLst>
-                                </p:cTn>
-                              </p:par>
-                              <p:par>
-                                <p:cTn id="15" presetID="1" presetClass="entr" presetSubtype="0" fill="hold" grpId="0" nodeType="withEffect">
-                                  <p:stCondLst>
-                                    <p:cond delay="0"/>
-                                  </p:stCondLst>
-                                  <p:childTnLst>
-                                    <p:set>
-                                      <p:cBhvr>
-                                        <p:cTn id="16" dur="1" fill="hold">
-                                          <p:stCondLst>
-                                            <p:cond delay="0"/>
-                                          </p:stCondLst>
-                                        </p:cTn>
-                                        <p:tgtEl>
-                                          <p:spTgt spid="26629">
-                                            <p:txEl>
-                                              <p:pRg st="5" end="5"/>
-                                            </p:txEl>
-                                          </p:spTgt>
-                                        </p:tgtEl>
-                                        <p:attrNameLst>
-                                          <p:attrName>style.visibility</p:attrName>
-                                        </p:attrNameLst>
-                                      </p:cBhvr>
-                                      <p:to>
-                                        <p:strVal val="visible"/>
-                                      </p:to>
-                                    </p:set>
-                                  </p:childTnLst>
-                                </p:cTn>
-                              </p:par>
-                              <p:par>
-                                <p:cTn id="17" presetID="1" presetClass="entr" presetSubtype="0" fill="hold" grpId="0" nodeType="withEffect">
-                                  <p:stCondLst>
-                                    <p:cond delay="0"/>
-                                  </p:stCondLst>
-                                  <p:childTnLst>
-                                    <p:set>
-                                      <p:cBhvr>
-                                        <p:cTn id="18" dur="1" fill="hold">
-                                          <p:stCondLst>
-                                            <p:cond delay="0"/>
-                                          </p:stCondLst>
-                                        </p:cTn>
-                                        <p:tgtEl>
-                                          <p:spTgt spid="26629">
-                                            <p:txEl>
-                                              <p:pRg st="6" end="6"/>
-                                            </p:txEl>
-                                          </p:spTgt>
-                                        </p:tgtEl>
-                                        <p:attrNameLst>
-                                          <p:attrName>style.visibility</p:attrName>
-                                        </p:attrNameLst>
-                                      </p:cBhvr>
-                                      <p:to>
-                                        <p:strVal val="visible"/>
-                                      </p:to>
-                                    </p:set>
-                                  </p:childTnLst>
-                                </p:cTn>
-                              </p:par>
-                              <p:par>
-                                <p:cTn id="19" presetID="1" presetClass="entr" presetSubtype="0" fill="hold" grpId="0" nodeType="withEffect">
-                                  <p:stCondLst>
-                                    <p:cond delay="0"/>
-                                  </p:stCondLst>
-                                  <p:childTnLst>
-                                    <p:set>
-                                      <p:cBhvr>
-                                        <p:cTn id="20" dur="1" fill="hold">
-                                          <p:stCondLst>
-                                            <p:cond delay="0"/>
-                                          </p:stCondLst>
-                                        </p:cTn>
-                                        <p:tgtEl>
-                                          <p:spTgt spid="26629">
-                                            <p:txEl>
-                                              <p:pRg st="7" end="7"/>
-                                            </p:txEl>
-                                          </p:spTgt>
-                                        </p:tgtEl>
-                                        <p:attrNameLst>
-                                          <p:attrName>style.visibility</p:attrName>
-                                        </p:attrNameLst>
-                                      </p:cBhvr>
-                                      <p:to>
-                                        <p:strVal val="visible"/>
-                                      </p:to>
-                                    </p:set>
-                                  </p:childTnLst>
-                                </p:cTn>
-                              </p:par>
-                              <p:par>
-                                <p:cTn id="21" presetID="1" presetClass="entr" presetSubtype="0" fill="hold" nodeType="withEffect">
-                                  <p:stCondLst>
-                                    <p:cond delay="0"/>
-                                  </p:stCondLst>
-                                  <p:childTnLst>
-                                    <p:set>
-                                      <p:cBhvr>
-                                        <p:cTn id="22" dur="1" fill="hold">
-                                          <p:stCondLst>
-                                            <p:cond delay="0"/>
-                                          </p:stCondLst>
-                                        </p:cTn>
-                                        <p:tgtEl>
-                                          <p:spTgt spid="26632"/>
-                                        </p:tgtEl>
-                                        <p:attrNameLst>
-                                          <p:attrName>style.visibility</p:attrName>
-                                        </p:attrNameLst>
-                                      </p:cBhvr>
-                                      <p:to>
-                                        <p:strVal val="visible"/>
-                                      </p:to>
-                                    </p:set>
-                                  </p:childTnLst>
-                                </p:cTn>
-                              </p:par>
-                            </p:childTnLst>
-                          </p:cTn>
-                        </p:par>
-                      </p:childTnLst>
-                    </p:cTn>
-                  </p:par>
-                  <p:par>
-                    <p:cTn id="23" fill="hold">
-                      <p:stCondLst>
-                        <p:cond delay="indefinite"/>
-                      </p:stCondLst>
-                      <p:childTnLst>
-                        <p:par>
-                          <p:cTn id="24" fill="hold">
-                            <p:stCondLst>
-                              <p:cond delay="0"/>
-                            </p:stCondLst>
-                            <p:childTnLst>
-                              <p:par>
-                                <p:cTn id="25" presetID="1" presetClass="entr" presetSubtype="0" fill="hold" grpId="0" nodeType="clickEffect">
-                                  <p:stCondLst>
-                                    <p:cond delay="0"/>
-                                  </p:stCondLst>
-                                  <p:childTnLst>
-                                    <p:set>
-                                      <p:cBhvr>
-                                        <p:cTn id="26" dur="1" fill="hold">
-                                          <p:stCondLst>
-                                            <p:cond delay="0"/>
-                                          </p:stCondLst>
-                                        </p:cTn>
-                                        <p:tgtEl>
-                                          <p:spTgt spid="26629">
-                                            <p:txEl>
-                                              <p:pRg st="8" end="8"/>
-                                            </p:txEl>
-                                          </p:spTgt>
-                                        </p:tgtEl>
-                                        <p:attrNameLst>
-                                          <p:attrName>style.visibility</p:attrName>
-                                        </p:attrNameLst>
-                                      </p:cBhvr>
-                                      <p:to>
-                                        <p:strVal val="visible"/>
-                                      </p:to>
-                                    </p:set>
-                                  </p:childTnLst>
-                                </p:cTn>
-                              </p:par>
-                              <p:par>
-                                <p:cTn id="27" presetID="1" presetClass="entr" presetSubtype="0" fill="hold" grpId="0" nodeType="withEffect">
-                                  <p:stCondLst>
-                                    <p:cond delay="0"/>
-                                  </p:stCondLst>
-                                  <p:childTnLst>
-                                    <p:set>
-                                      <p:cBhvr>
-                                        <p:cTn id="28" dur="1" fill="hold">
-                                          <p:stCondLst>
-                                            <p:cond delay="0"/>
-                                          </p:stCondLst>
-                                        </p:cTn>
-                                        <p:tgtEl>
-                                          <p:spTgt spid="26629">
-                                            <p:txEl>
-                                              <p:pRg st="9" end="9"/>
-                                            </p:txEl>
-                                          </p:spTgt>
-                                        </p:tgtEl>
-                                        <p:attrNameLst>
-                                          <p:attrName>style.visibility</p:attrName>
-                                        </p:attrNameLst>
-                                      </p:cBhvr>
-                                      <p:to>
-                                        <p:strVal val="visible"/>
-                                      </p:to>
-                                    </p:set>
-                                  </p:childTnLst>
-                                </p:cTn>
-                              </p:par>
-                              <p:par>
-                                <p:cTn id="29" presetID="1" presetClass="entr" presetSubtype="0" fill="hold" grpId="0" nodeType="withEffect">
-                                  <p:stCondLst>
-                                    <p:cond delay="0"/>
-                                  </p:stCondLst>
-                                  <p:childTnLst>
-                                    <p:set>
-                                      <p:cBhvr>
-                                        <p:cTn id="30" dur="1" fill="hold">
-                                          <p:stCondLst>
-                                            <p:cond delay="0"/>
-                                          </p:stCondLst>
-                                        </p:cTn>
-                                        <p:tgtEl>
-                                          <p:spTgt spid="26629">
-                                            <p:txEl>
-                                              <p:pRg st="10" end="10"/>
-                                            </p:txEl>
-                                          </p:spTgt>
-                                        </p:tgtEl>
-                                        <p:attrNameLst>
-                                          <p:attrName>style.visibility</p:attrName>
-                                        </p:attrNameLst>
-                                      </p:cBhvr>
-                                      <p:to>
-                                        <p:strVal val="visible"/>
-                                      </p:to>
-                                    </p:set>
-                                  </p:childTnLst>
-                                </p:cTn>
-                              </p:par>
-                              <p:par>
-                                <p:cTn id="31" presetID="1" presetClass="entr" presetSubtype="0" fill="hold" grpId="0" nodeType="withEffect">
-                                  <p:stCondLst>
-                                    <p:cond delay="0"/>
-                                  </p:stCondLst>
-                                  <p:childTnLst>
-                                    <p:set>
-                                      <p:cBhvr>
-                                        <p:cTn id="32" dur="1" fill="hold">
-                                          <p:stCondLst>
-                                            <p:cond delay="0"/>
-                                          </p:stCondLst>
-                                        </p:cTn>
-                                        <p:tgtEl>
-                                          <p:spTgt spid="26629">
-                                            <p:txEl>
-                                              <p:pRg st="11" end="11"/>
-                                            </p:txEl>
-                                          </p:spTgt>
-                                        </p:tgtEl>
-                                        <p:attrNameLst>
-                                          <p:attrName>style.visibility</p:attrName>
-                                        </p:attrNameLst>
-                                      </p:cBhvr>
-                                      <p:to>
-                                        <p:strVal val="visible"/>
-                                      </p:to>
-                                    </p:set>
-                                  </p:childTnLst>
-                                </p:cTn>
-                              </p:par>
-                              <p:par>
-                                <p:cTn id="33" presetID="1" presetClass="entr" presetSubtype="0" fill="hold" nodeType="withEffect">
-                                  <p:stCondLst>
-                                    <p:cond delay="0"/>
-                                  </p:stCondLst>
-                                  <p:childTnLst>
-                                    <p:set>
-                                      <p:cBhvr>
-                                        <p:cTn id="34" dur="1" fill="hold">
-                                          <p:stCondLst>
-                                            <p:cond delay="0"/>
-                                          </p:stCondLst>
-                                        </p:cTn>
-                                        <p:tgtEl>
-                                          <p:spTgt spid="26635"/>
-                                        </p:tgtEl>
-                                        <p:attrNameLst>
-                                          <p:attrName>style.visibility</p:attrName>
-                                        </p:attrNameLst>
-                                      </p:cBhvr>
-                                      <p:to>
-                                        <p:strVal val="visible"/>
-                                      </p:to>
-                                    </p:set>
-                                  </p:childTnLst>
-                                </p:cTn>
-                              </p:par>
-                            </p:childTnLst>
-                          </p:cTn>
-                        </p:par>
-                      </p:childTnLst>
-                    </p:cTn>
-                  </p:par>
-                  <p:par>
-                    <p:cTn id="35" fill="hold">
-                      <p:stCondLst>
-                        <p:cond delay="indefinite"/>
-                      </p:stCondLst>
-                      <p:childTnLst>
-                        <p:par>
-                          <p:cTn id="36" fill="hold">
-                            <p:stCondLst>
-                              <p:cond delay="0"/>
-                            </p:stCondLst>
-                            <p:childTnLst>
-                              <p:par>
-                                <p:cTn id="37" presetID="1" presetClass="entr" presetSubtype="0" fill="hold" grpId="0" nodeType="clickEffect">
-                                  <p:stCondLst>
-                                    <p:cond delay="0"/>
-                                  </p:stCondLst>
-                                  <p:childTnLst>
-                                    <p:set>
-                                      <p:cBhvr>
-                                        <p:cTn id="38" dur="1" fill="hold">
-                                          <p:stCondLst>
-                                            <p:cond delay="0"/>
-                                          </p:stCondLst>
-                                        </p:cTn>
-                                        <p:tgtEl>
-                                          <p:spTgt spid="26629">
-                                            <p:txEl>
-                                              <p:pRg st="12" end="12"/>
-                                            </p:txEl>
-                                          </p:spTgt>
-                                        </p:tgtEl>
-                                        <p:attrNameLst>
-                                          <p:attrName>style.visibility</p:attrName>
-                                        </p:attrNameLst>
-                                      </p:cBhvr>
-                                      <p:to>
-                                        <p:strVal val="visible"/>
-                                      </p:to>
-                                    </p:set>
-                                  </p:childTnLst>
-                                </p:cTn>
-                              </p:par>
-                              <p:par>
-                                <p:cTn id="39" presetID="1" presetClass="entr" presetSubtype="0" fill="hold" grpId="0" nodeType="withEffect">
-                                  <p:stCondLst>
-                                    <p:cond delay="0"/>
-                                  </p:stCondLst>
-                                  <p:childTnLst>
-                                    <p:set>
-                                      <p:cBhvr>
-                                        <p:cTn id="40" dur="1" fill="hold">
-                                          <p:stCondLst>
-                                            <p:cond delay="0"/>
-                                          </p:stCondLst>
-                                        </p:cTn>
-                                        <p:tgtEl>
-                                          <p:spTgt spid="26629">
-                                            <p:txEl>
-                                              <p:pRg st="13" end="13"/>
-                                            </p:txEl>
-                                          </p:spTgt>
-                                        </p:tgtEl>
-                                        <p:attrNameLst>
-                                          <p:attrName>style.visibility</p:attrName>
-                                        </p:attrNameLst>
-                                      </p:cBhvr>
-                                      <p:to>
-                                        <p:strVal val="visible"/>
-                                      </p:to>
-                                    </p:set>
-                                  </p:childTnLst>
-                                </p:cTn>
-                              </p:par>
-                              <p:par>
-                                <p:cTn id="41" presetID="1" presetClass="entr" presetSubtype="0" fill="hold" grpId="0" nodeType="withEffect">
-                                  <p:stCondLst>
-                                    <p:cond delay="0"/>
-                                  </p:stCondLst>
-                                  <p:childTnLst>
-                                    <p:set>
-                                      <p:cBhvr>
-                                        <p:cTn id="42" dur="1" fill="hold">
-                                          <p:stCondLst>
-                                            <p:cond delay="0"/>
-                                          </p:stCondLst>
-                                        </p:cTn>
-                                        <p:tgtEl>
-                                          <p:spTgt spid="26629">
-                                            <p:txEl>
-                                              <p:pRg st="14" end="14"/>
-                                            </p:txEl>
-                                          </p:spTgt>
-                                        </p:tgtEl>
-                                        <p:attrNameLst>
-                                          <p:attrName>style.visibility</p:attrName>
-                                        </p:attrNameLst>
-                                      </p:cBhvr>
-                                      <p:to>
-                                        <p:strVal val="visible"/>
-                                      </p:to>
-                                    </p:set>
-                                  </p:childTnLst>
-                                </p:cTn>
-                              </p:par>
-                              <p:par>
-                                <p:cTn id="43" presetID="1" presetClass="entr" presetSubtype="0" fill="hold" nodeType="withEffect">
-                                  <p:stCondLst>
-                                    <p:cond delay="0"/>
-                                  </p:stCondLst>
-                                  <p:childTnLst>
-                                    <p:set>
-                                      <p:cBhvr>
-                                        <p:cTn id="44" dur="1" fill="hold">
-                                          <p:stCondLst>
-                                            <p:cond delay="0"/>
-                                          </p:stCondLst>
-                                        </p:cTn>
-                                        <p:tgtEl>
-                                          <p:spTgt spid="26633"/>
-                                        </p:tgtEl>
-                                        <p:attrNameLst>
-                                          <p:attrName>style.visibility</p:attrName>
-                                        </p:attrNameLst>
-                                      </p:cBhvr>
-                                      <p:to>
-                                        <p:strVal val="visible"/>
-                                      </p:to>
-                                    </p:set>
-                                  </p:childTnLst>
-                                </p:cTn>
-                              </p:par>
-                            </p:childTnLst>
-                          </p:cTn>
-                        </p:par>
-                      </p:childTnLst>
-                    </p:cTn>
-                  </p:par>
-                </p:childTnLst>
-              </p:cTn>
-              <p:prevCondLst>
-                <p:cond evt="onPrev" delay="0">
-                  <p:tgtEl>
-                    <p:sldTgt/>
-                  </p:tgtEl>
-                </p:cond>
-              </p:prevCondLst>
-              <p:nextCondLst>
-                <p:cond evt="onNext" delay="0">
-                  <p:tgtEl>
-                    <p:sldTgt/>
-                  </p:tgtEl>
-                </p:cond>
-              </p:nextCondLst>
-            </p:seq>
-          </p:childTnLst>
-        </p:cTn>
-      </p:par>
-    </p:tnLst>
-    <p:bldLst>
-      <p:bldP spid="26629" grpId="0" uiExpand="1" build="p"/>
-    </p:bldLst>
-  </p:timing>
-</p:sld>
-</file>
-
-<file path=ppt/slides/slide6.xml><?xml version="1.0" encoding="utf-8"?>
+<file path=ppt/slides/slide7.xml><?xml version="1.0" encoding="utf-8"?>
 <p:sld xmlns:a="http://schemas.openxmlformats.org/drawingml/2006/main" xmlns:r="http://schemas.openxmlformats.org/officeDocument/2006/relationships" xmlns:p="http://schemas.openxmlformats.org/presentationml/2006/main" show="0">
   <p:cSld>
     <p:spTree>
@@ -11622,8 +13559,8 @@
 </p:sld>
 </file>
 
-<file path=ppt/slides/slide7.xml><?xml version="1.0" encoding="utf-8"?>
-<p:sld xmlns:a="http://schemas.openxmlformats.org/drawingml/2006/main" xmlns:r="http://schemas.openxmlformats.org/officeDocument/2006/relationships" xmlns:p="http://schemas.openxmlformats.org/presentationml/2006/main">
+<file path=ppt/slides/slide8.xml><?xml version="1.0" encoding="utf-8"?>
+<p:sld xmlns:a="http://schemas.openxmlformats.org/drawingml/2006/main" xmlns:r="http://schemas.openxmlformats.org/officeDocument/2006/relationships" xmlns:p="http://schemas.openxmlformats.org/presentationml/2006/main" show="0">
   <p:cSld>
     <p:spTree>
       <p:nvGrpSpPr>
@@ -11717,11 +13654,18 @@
   <p:transition>
     <p:fade/>
   </p:transition>
+  <p:timing>
+    <p:tnLst>
+      <p:par>
+        <p:cTn id="1" dur="indefinite" restart="never" nodeType="tmRoot"/>
+      </p:par>
+    </p:tnLst>
+  </p:timing>
 </p:sld>
 </file>
 
-<file path=ppt/slides/slide8.xml><?xml version="1.0" encoding="utf-8"?>
-<p:sld xmlns:a="http://schemas.openxmlformats.org/drawingml/2006/main" xmlns:r="http://schemas.openxmlformats.org/officeDocument/2006/relationships" xmlns:p="http://schemas.openxmlformats.org/presentationml/2006/main">
+<file path=ppt/slides/slide9.xml><?xml version="1.0" encoding="utf-8"?>
+<p:sld xmlns:a="http://schemas.openxmlformats.org/drawingml/2006/main" xmlns:r="http://schemas.openxmlformats.org/officeDocument/2006/relationships" xmlns:p="http://schemas.openxmlformats.org/presentationml/2006/main" show="0">
   <p:cSld>
     <p:spTree>
       <p:nvGrpSpPr>

--- a/trunk/Agile.net/dotnet.pptx
+++ b/trunk/Agile.net/dotnet.pptx
@@ -6,18 +6,19 @@
     <p:sldMasterId id="2147483672" r:id="rId2"/>
   </p:sldMasterIdLst>
   <p:notesMasterIdLst>
-    <p:notesMasterId r:id="rId12"/>
+    <p:notesMasterId r:id="rId13"/>
   </p:notesMasterIdLst>
   <p:sldIdLst>
     <p:sldId id="279" r:id="rId3"/>
     <p:sldId id="280" r:id="rId4"/>
     <p:sldId id="286" r:id="rId5"/>
-    <p:sldId id="265" r:id="rId6"/>
-    <p:sldId id="287" r:id="rId7"/>
-    <p:sldId id="288" r:id="rId8"/>
-    <p:sldId id="282" r:id="rId9"/>
-    <p:sldId id="283" r:id="rId10"/>
-    <p:sldId id="284" r:id="rId11"/>
+    <p:sldId id="290" r:id="rId6"/>
+    <p:sldId id="265" r:id="rId7"/>
+    <p:sldId id="287" r:id="rId8"/>
+    <p:sldId id="288" r:id="rId9"/>
+    <p:sldId id="282" r:id="rId10"/>
+    <p:sldId id="283" r:id="rId11"/>
+    <p:sldId id="284" r:id="rId12"/>
   </p:sldIdLst>
   <p:sldSz cx="9144000" cy="6858000" type="screen4x3"/>
   <p:notesSz cx="6858000" cy="9144000"/>
@@ -720,7 +721,7 @@
             <a:fld id="{F39D6A55-3496-475A-AFEF-0EBAC1B3F269}" type="slidenum">
               <a:rPr lang="en-US" smtClean="0"/>
               <a:pPr/>
-              <a:t>4</a:t>
+              <a:t>5</a:t>
             </a:fld>
             <a:endParaRPr lang="en-US"/>
           </a:p>
@@ -9102,6 +9103,110 @@
 </p:sld>
 </file>
 
+<file path=ppt/slides/slide10.xml><?xml version="1.0" encoding="utf-8"?>
+<p:sld xmlns:a="http://schemas.openxmlformats.org/drawingml/2006/main" xmlns:r="http://schemas.openxmlformats.org/officeDocument/2006/relationships" xmlns:p="http://schemas.openxmlformats.org/presentationml/2006/main" show="0">
+  <p:cSld>
+    <p:spTree>
+      <p:nvGrpSpPr>
+        <p:cNvPr id="1" name=""/>
+        <p:cNvGrpSpPr/>
+        <p:nvPr/>
+      </p:nvGrpSpPr>
+      <p:grpSpPr>
+        <a:xfrm>
+          <a:off x="0" y="0"/>
+          <a:ext cx="0" cy="0"/>
+          <a:chOff x="0" y="0"/>
+          <a:chExt cx="0" cy="0"/>
+        </a:xfrm>
+      </p:grpSpPr>
+      <p:sp>
+        <p:nvSpPr>
+          <p:cNvPr id="50180" name="Rectangle 4"/>
+          <p:cNvSpPr>
+            <a:spLocks noGrp="1"/>
+          </p:cNvSpPr>
+          <p:nvPr>
+            <p:ph type="title"/>
+          </p:nvPr>
+        </p:nvSpPr>
+        <p:spPr bwMode="auto">
+          <a:xfrm>
+            <a:off x="1435100" y="274638"/>
+            <a:ext cx="7499350" cy="777875"/>
+          </a:xfrm>
+          <a:noFill/>
+        </p:spPr>
+        <p:txBody>
+          <a:bodyPr vert="horz" wrap="square" lIns="91440" tIns="45720" rIns="91440" bIns="45720" numCol="1" anchorCtr="0" compatLnSpc="1">
+            <a:prstTxWarp prst="textNoShape">
+              <a:avLst/>
+            </a:prstTxWarp>
+          </a:bodyPr>
+          <a:lstStyle/>
+          <a:p>
+            <a:r>
+              <a:rPr lang="en-GB" smtClean="0">
+                <a:effectLst/>
+              </a:rPr>
+              <a:t>FTS Portal</a:t>
+            </a:r>
+            <a:endParaRPr lang="en-US" smtClean="0">
+              <a:effectLst/>
+            </a:endParaRPr>
+          </a:p>
+        </p:txBody>
+      </p:sp>
+      <p:pic>
+        <p:nvPicPr>
+          <p:cNvPr id="50181" name="Picture 2"/>
+          <p:cNvPicPr>
+            <a:picLocks noChangeAspect="1" noChangeArrowheads="1"/>
+          </p:cNvPicPr>
+          <p:nvPr/>
+        </p:nvPicPr>
+        <p:blipFill>
+          <a:blip r:embed="rId2"/>
+          <a:srcRect/>
+          <a:stretch>
+            <a:fillRect/>
+          </a:stretch>
+        </p:blipFill>
+        <p:spPr bwMode="auto">
+          <a:xfrm>
+            <a:off x="1403350" y="1052513"/>
+            <a:ext cx="6086475" cy="5621337"/>
+          </a:xfrm>
+          <a:prstGeom prst="rect">
+            <a:avLst/>
+          </a:prstGeom>
+          <a:noFill/>
+          <a:ln w="9525">
+            <a:noFill/>
+            <a:miter lim="800000"/>
+            <a:headEnd/>
+            <a:tailEnd/>
+          </a:ln>
+        </p:spPr>
+      </p:pic>
+    </p:spTree>
+  </p:cSld>
+  <p:clrMapOvr>
+    <a:masterClrMapping/>
+  </p:clrMapOvr>
+  <p:transition>
+    <p:fade/>
+  </p:transition>
+  <p:timing>
+    <p:tnLst>
+      <p:par>
+        <p:cTn id="1" dur="indefinite" restart="never" nodeType="tmRoot"/>
+      </p:par>
+    </p:tnLst>
+  </p:timing>
+</p:sld>
+</file>
+
 <file path=ppt/slides/slide2.xml><?xml version="1.0" encoding="utf-8"?>
 <p:sld xmlns:a="http://schemas.openxmlformats.org/drawingml/2006/main" xmlns:r="http://schemas.openxmlformats.org/officeDocument/2006/relationships" xmlns:p="http://schemas.openxmlformats.org/presentationml/2006/main">
   <p:cSld>
@@ -9206,7 +9311,6 @@
               <a:rPr lang="en-GB" sz="2800" dirty="0" smtClean="0"/>
               <a:t>Communication</a:t>
             </a:r>
-            <a:endParaRPr lang="en-GB" sz="2800" dirty="0" smtClean="0"/>
           </a:p>
           <a:p>
             <a:pPr lvl="1"/>
@@ -10590,6 +10694,128 @@
 </file>
 
 <file path=ppt/slides/slide4.xml><?xml version="1.0" encoding="utf-8"?>
+<p:sld xmlns:a="http://schemas.openxmlformats.org/drawingml/2006/main" xmlns:r="http://schemas.openxmlformats.org/officeDocument/2006/relationships" xmlns:p="http://schemas.openxmlformats.org/presentationml/2006/main">
+  <p:cSld>
+    <p:spTree>
+      <p:nvGrpSpPr>
+        <p:cNvPr id="1" name=""/>
+        <p:cNvGrpSpPr/>
+        <p:nvPr/>
+      </p:nvGrpSpPr>
+      <p:grpSpPr>
+        <a:xfrm>
+          <a:off x="0" y="0"/>
+          <a:ext cx="0" cy="0"/>
+          <a:chOff x="0" y="0"/>
+          <a:chExt cx="0" cy="0"/>
+        </a:xfrm>
+      </p:grpSpPr>
+      <p:sp>
+        <p:nvSpPr>
+          <p:cNvPr id="2" name="Title 1"/>
+          <p:cNvSpPr>
+            <a:spLocks noGrp="1"/>
+          </p:cNvSpPr>
+          <p:nvPr>
+            <p:ph type="title"/>
+          </p:nvPr>
+        </p:nvSpPr>
+        <p:spPr/>
+        <p:txBody>
+          <a:bodyPr/>
+          <a:lstStyle/>
+          <a:p>
+            <a:r>
+              <a:rPr lang="en-GB" dirty="0" smtClean="0"/>
+              <a:t>Test Driven Development</a:t>
+            </a:r>
+            <a:endParaRPr lang="en-US" dirty="0"/>
+          </a:p>
+        </p:txBody>
+      </p:sp>
+      <p:sp>
+        <p:nvSpPr>
+          <p:cNvPr id="3" name="Content Placeholder 2"/>
+          <p:cNvSpPr>
+            <a:spLocks noGrp="1"/>
+          </p:cNvSpPr>
+          <p:nvPr>
+            <p:ph idx="1"/>
+          </p:nvPr>
+        </p:nvSpPr>
+        <p:spPr/>
+        <p:txBody>
+          <a:bodyPr/>
+          <a:lstStyle/>
+          <a:p>
+            <a:r>
+              <a:rPr lang="en-GB" dirty="0" smtClean="0"/>
+              <a:t>Demo</a:t>
+            </a:r>
+          </a:p>
+          <a:p>
+            <a:pPr lvl="1"/>
+            <a:r>
+              <a:rPr lang="en-GB" dirty="0" smtClean="0"/>
+              <a:t>TTD – AAA Style</a:t>
+            </a:r>
+          </a:p>
+          <a:p>
+            <a:pPr lvl="1"/>
+            <a:r>
+              <a:rPr lang="en-GB" dirty="0" err="1" smtClean="0"/>
+              <a:t>Resharper</a:t>
+            </a:r>
+            <a:endParaRPr lang="en-GB" dirty="0" smtClean="0"/>
+          </a:p>
+          <a:p>
+            <a:pPr lvl="1"/>
+            <a:r>
+              <a:rPr lang="en-GB" dirty="0" smtClean="0"/>
+              <a:t>Rhino Mocks</a:t>
+            </a:r>
+            <a:endParaRPr lang="en-US" dirty="0"/>
+          </a:p>
+        </p:txBody>
+      </p:sp>
+      <p:pic>
+        <p:nvPicPr>
+          <p:cNvPr id="1026" name="Picture 2" descr="http://www.ibranding.nl/templates/diensten-video-flv-content/images/bg-video-branding/demo.jpg"/>
+          <p:cNvPicPr>
+            <a:picLocks noChangeAspect="1" noChangeArrowheads="1"/>
+          </p:cNvPicPr>
+          <p:nvPr/>
+        </p:nvPicPr>
+        <p:blipFill>
+          <a:blip r:embed="rId2"/>
+          <a:srcRect/>
+          <a:stretch>
+            <a:fillRect/>
+          </a:stretch>
+        </p:blipFill>
+        <p:spPr bwMode="auto">
+          <a:xfrm>
+            <a:off x="3714744" y="3714752"/>
+            <a:ext cx="4538626" cy="2326932"/>
+          </a:xfrm>
+          <a:prstGeom prst="rect">
+            <a:avLst/>
+          </a:prstGeom>
+          <a:noFill/>
+        </p:spPr>
+      </p:pic>
+    </p:spTree>
+  </p:cSld>
+  <p:clrMapOvr>
+    <a:masterClrMapping/>
+  </p:clrMapOvr>
+  <p:transition>
+    <p:fade/>
+  </p:transition>
+</p:sld>
+</file>
+
+<file path=ppt/slides/slide5.xml><?xml version="1.0" encoding="utf-8"?>
 <p:sld xmlns:a="http://schemas.openxmlformats.org/drawingml/2006/main" xmlns:r="http://schemas.openxmlformats.org/officeDocument/2006/relationships" xmlns:p="http://schemas.openxmlformats.org/presentationml/2006/main">
   <p:cSld>
     <p:spTree>
@@ -12000,7 +12226,7 @@
 </p:sld>
 </file>
 
-<file path=ppt/slides/slide5.xml><?xml version="1.0" encoding="utf-8"?>
+<file path=ppt/slides/slide6.xml><?xml version="1.0" encoding="utf-8"?>
 <p:sld xmlns:a="http://schemas.openxmlformats.org/drawingml/2006/main" xmlns:r="http://schemas.openxmlformats.org/officeDocument/2006/relationships" xmlns:p="http://schemas.openxmlformats.org/presentationml/2006/main">
   <p:cSld>
     <p:spTree>
@@ -12967,7 +13193,7 @@
 </p:sld>
 </file>
 
-<file path=ppt/slides/slide6.xml><?xml version="1.0" encoding="utf-8"?>
+<file path=ppt/slides/slide7.xml><?xml version="1.0" encoding="utf-8"?>
 <p:sld xmlns:a="http://schemas.openxmlformats.org/drawingml/2006/main" xmlns:r="http://schemas.openxmlformats.org/officeDocument/2006/relationships" xmlns:p="http://schemas.openxmlformats.org/presentationml/2006/main">
   <p:cSld>
     <p:spTree>
@@ -13454,7 +13680,7 @@
 </p:sld>
 </file>
 
-<file path=ppt/slides/slide7.xml><?xml version="1.0" encoding="utf-8"?>
+<file path=ppt/slides/slide8.xml><?xml version="1.0" encoding="utf-8"?>
 <p:sld xmlns:a="http://schemas.openxmlformats.org/drawingml/2006/main" xmlns:r="http://schemas.openxmlformats.org/officeDocument/2006/relationships" xmlns:p="http://schemas.openxmlformats.org/presentationml/2006/main" show="0">
   <p:cSld>
     <p:spTree>
@@ -13559,7 +13785,7 @@
 </p:sld>
 </file>
 
-<file path=ppt/slides/slide8.xml><?xml version="1.0" encoding="utf-8"?>
+<file path=ppt/slides/slide9.xml><?xml version="1.0" encoding="utf-8"?>
 <p:sld xmlns:a="http://schemas.openxmlformats.org/drawingml/2006/main" xmlns:r="http://schemas.openxmlformats.org/officeDocument/2006/relationships" xmlns:p="http://schemas.openxmlformats.org/presentationml/2006/main" show="0">
   <p:cSld>
     <p:spTree>
@@ -13633,110 +13859,6 @@
           <a:xfrm>
             <a:off x="1547813" y="908050"/>
             <a:ext cx="6858000" cy="5799138"/>
-          </a:xfrm>
-          <a:prstGeom prst="rect">
-            <a:avLst/>
-          </a:prstGeom>
-          <a:noFill/>
-          <a:ln w="9525">
-            <a:noFill/>
-            <a:miter lim="800000"/>
-            <a:headEnd/>
-            <a:tailEnd/>
-          </a:ln>
-        </p:spPr>
-      </p:pic>
-    </p:spTree>
-  </p:cSld>
-  <p:clrMapOvr>
-    <a:masterClrMapping/>
-  </p:clrMapOvr>
-  <p:transition>
-    <p:fade/>
-  </p:transition>
-  <p:timing>
-    <p:tnLst>
-      <p:par>
-        <p:cTn id="1" dur="indefinite" restart="never" nodeType="tmRoot"/>
-      </p:par>
-    </p:tnLst>
-  </p:timing>
-</p:sld>
-</file>
-
-<file path=ppt/slides/slide9.xml><?xml version="1.0" encoding="utf-8"?>
-<p:sld xmlns:a="http://schemas.openxmlformats.org/drawingml/2006/main" xmlns:r="http://schemas.openxmlformats.org/officeDocument/2006/relationships" xmlns:p="http://schemas.openxmlformats.org/presentationml/2006/main" show="0">
-  <p:cSld>
-    <p:spTree>
-      <p:nvGrpSpPr>
-        <p:cNvPr id="1" name=""/>
-        <p:cNvGrpSpPr/>
-        <p:nvPr/>
-      </p:nvGrpSpPr>
-      <p:grpSpPr>
-        <a:xfrm>
-          <a:off x="0" y="0"/>
-          <a:ext cx="0" cy="0"/>
-          <a:chOff x="0" y="0"/>
-          <a:chExt cx="0" cy="0"/>
-        </a:xfrm>
-      </p:grpSpPr>
-      <p:sp>
-        <p:nvSpPr>
-          <p:cNvPr id="50180" name="Rectangle 4"/>
-          <p:cNvSpPr>
-            <a:spLocks noGrp="1"/>
-          </p:cNvSpPr>
-          <p:nvPr>
-            <p:ph type="title"/>
-          </p:nvPr>
-        </p:nvSpPr>
-        <p:spPr bwMode="auto">
-          <a:xfrm>
-            <a:off x="1435100" y="274638"/>
-            <a:ext cx="7499350" cy="777875"/>
-          </a:xfrm>
-          <a:noFill/>
-        </p:spPr>
-        <p:txBody>
-          <a:bodyPr vert="horz" wrap="square" lIns="91440" tIns="45720" rIns="91440" bIns="45720" numCol="1" anchorCtr="0" compatLnSpc="1">
-            <a:prstTxWarp prst="textNoShape">
-              <a:avLst/>
-            </a:prstTxWarp>
-          </a:bodyPr>
-          <a:lstStyle/>
-          <a:p>
-            <a:r>
-              <a:rPr lang="en-GB" smtClean="0">
-                <a:effectLst/>
-              </a:rPr>
-              <a:t>FTS Portal</a:t>
-            </a:r>
-            <a:endParaRPr lang="en-US" smtClean="0">
-              <a:effectLst/>
-            </a:endParaRPr>
-          </a:p>
-        </p:txBody>
-      </p:sp>
-      <p:pic>
-        <p:nvPicPr>
-          <p:cNvPr id="50181" name="Picture 2"/>
-          <p:cNvPicPr>
-            <a:picLocks noChangeAspect="1" noChangeArrowheads="1"/>
-          </p:cNvPicPr>
-          <p:nvPr/>
-        </p:nvPicPr>
-        <p:blipFill>
-          <a:blip r:embed="rId2"/>
-          <a:srcRect/>
-          <a:stretch>
-            <a:fillRect/>
-          </a:stretch>
-        </p:blipFill>
-        <p:spPr bwMode="auto">
-          <a:xfrm>
-            <a:off x="1403350" y="1052513"/>
-            <a:ext cx="6086475" cy="5621337"/>
           </a:xfrm>
           <a:prstGeom prst="rect">
             <a:avLst/>

--- a/trunk/Agile.net/dotnet.pptx
+++ b/trunk/Agile.net/dotnet.pptx
@@ -264,7 +264,7 @@
             <a:fld id="{88600C27-6E83-42EC-BF75-78EEDDD94116}" type="datetimeFigureOut">
               <a:rPr lang="en-US"/>
               <a:pPr/>
-              <a:t>11/17/2008</a:t>
+              <a:t>11/18/2008</a:t>
             </a:fld>
             <a:endParaRPr lang="en-US"/>
           </a:p>
@@ -735,6 +735,144 @@
 </p:notes>
 </file>
 
+<file path=ppt/notesSlides/notesSlide2.xml><?xml version="1.0" encoding="utf-8"?>
+<p:notes xmlns:a="http://schemas.openxmlformats.org/drawingml/2006/main" xmlns:r="http://schemas.openxmlformats.org/officeDocument/2006/relationships" xmlns:p="http://schemas.openxmlformats.org/presentationml/2006/main">
+  <p:cSld>
+    <p:spTree>
+      <p:nvGrpSpPr>
+        <p:cNvPr id="1" name=""/>
+        <p:cNvGrpSpPr/>
+        <p:nvPr/>
+      </p:nvGrpSpPr>
+      <p:grpSpPr>
+        <a:xfrm>
+          <a:off x="0" y="0"/>
+          <a:ext cx="0" cy="0"/>
+          <a:chOff x="0" y="0"/>
+          <a:chExt cx="0" cy="0"/>
+        </a:xfrm>
+      </p:grpSpPr>
+      <p:sp>
+        <p:nvSpPr>
+          <p:cNvPr id="2" name="Slide Image Placeholder 1"/>
+          <p:cNvSpPr>
+            <a:spLocks noGrp="1" noRot="1" noChangeAspect="1"/>
+          </p:cNvSpPr>
+          <p:nvPr>
+            <p:ph type="sldImg"/>
+          </p:nvPr>
+        </p:nvSpPr>
+        <p:spPr/>
+      </p:sp>
+      <p:sp>
+        <p:nvSpPr>
+          <p:cNvPr id="3" name="Notes Placeholder 2"/>
+          <p:cNvSpPr>
+            <a:spLocks noGrp="1"/>
+          </p:cNvSpPr>
+          <p:nvPr>
+            <p:ph type="body" idx="1"/>
+          </p:nvPr>
+        </p:nvSpPr>
+        <p:spPr/>
+        <p:txBody>
+          <a:bodyPr>
+            <a:normAutofit/>
+          </a:bodyPr>
+          <a:lstStyle/>
+          <a:p>
+            <a:pPr eaLnBrk="1" hangingPunct="1"/>
+            <a:r>
+              <a:rPr lang="en-GB" dirty="0" smtClean="0"/>
+              <a:t>FIT:</a:t>
+            </a:r>
+            <a:endParaRPr lang="en-US" dirty="0" smtClean="0"/>
+          </a:p>
+          <a:p>
+            <a:pPr eaLnBrk="1" hangingPunct="1">
+              <a:buFont typeface="Arial" pitchFamily="34" charset="0"/>
+              <a:buChar char="•"/>
+            </a:pPr>
+            <a:r>
+              <a:rPr lang="en-US" dirty="0" smtClean="0"/>
+              <a:t>Acceptance tests by customers</a:t>
+            </a:r>
+          </a:p>
+          <a:p>
+            <a:pPr eaLnBrk="1" hangingPunct="1">
+              <a:buFont typeface="Arial" pitchFamily="34" charset="0"/>
+              <a:buChar char="•"/>
+            </a:pPr>
+            <a:r>
+              <a:rPr lang="en-US" dirty="0" smtClean="0"/>
+              <a:t>Automation</a:t>
+            </a:r>
+          </a:p>
+          <a:p>
+            <a:pPr eaLnBrk="1" hangingPunct="1">
+              <a:buFont typeface="Arial" pitchFamily="34" charset="0"/>
+              <a:buChar char="•"/>
+            </a:pPr>
+            <a:r>
+              <a:rPr lang="en-US" dirty="0" smtClean="0"/>
+              <a:t>Readability and Test Cases</a:t>
+            </a:r>
+          </a:p>
+          <a:p>
+            <a:pPr eaLnBrk="1" hangingPunct="1">
+              <a:buFont typeface="Arial" pitchFamily="34" charset="0"/>
+              <a:buChar char="•"/>
+            </a:pPr>
+            <a:r>
+              <a:rPr lang="en-US" dirty="0" smtClean="0"/>
+              <a:t>Executable Requirements </a:t>
+            </a:r>
+          </a:p>
+          <a:p>
+            <a:pPr eaLnBrk="1" hangingPunct="1">
+              <a:buFont typeface="Arial" pitchFamily="34" charset="0"/>
+              <a:buChar char="•"/>
+            </a:pPr>
+            <a:r>
+              <a:rPr lang="en-US" dirty="0" smtClean="0"/>
+              <a:t>Above Unit Tests</a:t>
+            </a:r>
+            <a:endParaRPr lang="en-US" dirty="0"/>
+          </a:p>
+        </p:txBody>
+      </p:sp>
+      <p:sp>
+        <p:nvSpPr>
+          <p:cNvPr id="4" name="Slide Number Placeholder 3"/>
+          <p:cNvSpPr>
+            <a:spLocks noGrp="1"/>
+          </p:cNvSpPr>
+          <p:nvPr>
+            <p:ph type="sldNum" sz="quarter" idx="10"/>
+          </p:nvPr>
+        </p:nvSpPr>
+        <p:spPr/>
+        <p:txBody>
+          <a:bodyPr/>
+          <a:lstStyle/>
+          <a:p>
+            <a:fld id="{F39D6A55-3496-475A-AFEF-0EBAC1B3F269}" type="slidenum">
+              <a:rPr lang="en-US" smtClean="0"/>
+              <a:pPr/>
+              <a:t>7</a:t>
+            </a:fld>
+            <a:endParaRPr lang="en-US"/>
+          </a:p>
+        </p:txBody>
+      </p:sp>
+    </p:spTree>
+  </p:cSld>
+  <p:clrMapOvr>
+    <a:masterClrMapping/>
+  </p:clrMapOvr>
+</p:notes>
+</file>
+
 <file path=ppt/slideLayouts/slideLayout1.xml><?xml version="1.0" encoding="utf-8"?>
 <p:sldLayout xmlns:a="http://schemas.openxmlformats.org/drawingml/2006/main" xmlns:r="http://schemas.openxmlformats.org/officeDocument/2006/relationships" xmlns:p="http://schemas.openxmlformats.org/presentationml/2006/main" type="title" preserve="1">
   <p:cSld name="Title Slide">
@@ -1032,7 +1170,7 @@
               <a:pPr>
                 <a:defRPr/>
               </a:pPr>
-              <a:t>11/17/2008</a:t>
+              <a:t>11/18/2008</a:t>
             </a:fld>
             <a:endParaRPr lang="en-US"/>
           </a:p>
@@ -1233,7 +1371,7 @@
               <a:pPr>
                 <a:defRPr/>
               </a:pPr>
-              <a:t>11/17/2008</a:t>
+              <a:t>11/18/2008</a:t>
             </a:fld>
             <a:endParaRPr lang="en-US"/>
           </a:p>
@@ -1442,7 +1580,7 @@
               <a:pPr>
                 <a:defRPr/>
               </a:pPr>
-              <a:t>11/17/2008</a:t>
+              <a:t>11/18/2008</a:t>
             </a:fld>
             <a:endParaRPr lang="en-US"/>
           </a:p>
@@ -1660,7 +1798,7 @@
               <a:pPr>
                 <a:defRPr/>
               </a:pPr>
-              <a:t>11/17/2008</a:t>
+              <a:t>11/18/2008</a:t>
             </a:fld>
             <a:endParaRPr lang="en-US"/>
           </a:p>
@@ -1937,7 +2075,7 @@
               <a:pPr>
                 <a:defRPr/>
               </a:pPr>
-              <a:t>11/17/2008</a:t>
+              <a:t>11/18/2008</a:t>
             </a:fld>
             <a:endParaRPr lang="en-US"/>
           </a:p>
@@ -2132,7 +2270,7 @@
               <a:pPr>
                 <a:defRPr/>
               </a:pPr>
-              <a:t>11/17/2008</a:t>
+              <a:t>11/18/2008</a:t>
             </a:fld>
             <a:endParaRPr lang="en-US"/>
           </a:p>
@@ -2403,7 +2541,7 @@
               <a:pPr>
                 <a:defRPr/>
               </a:pPr>
-              <a:t>11/17/2008</a:t>
+              <a:t>11/18/2008</a:t>
             </a:fld>
             <a:endParaRPr lang="en-US"/>
           </a:p>
@@ -2716,7 +2854,7 @@
               <a:pPr>
                 <a:defRPr/>
               </a:pPr>
-              <a:t>11/17/2008</a:t>
+              <a:t>11/18/2008</a:t>
             </a:fld>
             <a:endParaRPr lang="en-US"/>
           </a:p>
@@ -3163,7 +3301,7 @@
               <a:pPr>
                 <a:defRPr/>
               </a:pPr>
-              <a:t>11/17/2008</a:t>
+              <a:t>11/18/2008</a:t>
             </a:fld>
             <a:endParaRPr lang="en-US"/>
           </a:p>
@@ -3306,7 +3444,7 @@
               <a:pPr>
                 <a:defRPr/>
               </a:pPr>
-              <a:t>11/17/2008</a:t>
+              <a:t>11/18/2008</a:t>
             </a:fld>
             <a:endParaRPr lang="en-US"/>
           </a:p>
@@ -3426,7 +3564,7 @@
               <a:pPr>
                 <a:defRPr/>
               </a:pPr>
-              <a:t>11/17/2008</a:t>
+              <a:t>11/18/2008</a:t>
             </a:fld>
             <a:endParaRPr lang="en-US"/>
           </a:p>
@@ -3625,7 +3763,7 @@
               <a:pPr>
                 <a:defRPr/>
               </a:pPr>
-              <a:t>11/17/2008</a:t>
+              <a:t>11/18/2008</a:t>
             </a:fld>
             <a:endParaRPr lang="en-US"/>
           </a:p>
@@ -3927,7 +4065,7 @@
               <a:pPr>
                 <a:defRPr/>
               </a:pPr>
-              <a:t>11/17/2008</a:t>
+              <a:t>11/18/2008</a:t>
             </a:fld>
             <a:endParaRPr lang="en-US"/>
           </a:p>
@@ -4208,7 +4346,7 @@
               <a:pPr>
                 <a:defRPr/>
               </a:pPr>
-              <a:t>11/17/2008</a:t>
+              <a:t>11/18/2008</a:t>
             </a:fld>
             <a:endParaRPr lang="en-US"/>
           </a:p>
@@ -4403,7 +4541,7 @@
               <a:pPr>
                 <a:defRPr/>
               </a:pPr>
-              <a:t>11/17/2008</a:t>
+              <a:t>11/18/2008</a:t>
             </a:fld>
             <a:endParaRPr lang="en-US"/>
           </a:p>
@@ -4608,7 +4746,7 @@
               <a:pPr>
                 <a:defRPr/>
               </a:pPr>
-              <a:t>11/17/2008</a:t>
+              <a:t>11/18/2008</a:t>
             </a:fld>
             <a:endParaRPr lang="en-US"/>
           </a:p>
@@ -5127,7 +5265,7 @@
               <a:pPr>
                 <a:defRPr/>
               </a:pPr>
-              <a:t>11/17/2008</a:t>
+              <a:t>11/18/2008</a:t>
             </a:fld>
             <a:endParaRPr lang="en-US"/>
           </a:p>
@@ -5427,7 +5565,7 @@
               <a:pPr>
                 <a:defRPr/>
               </a:pPr>
-              <a:t>11/17/2008</a:t>
+              <a:t>11/18/2008</a:t>
             </a:fld>
             <a:endParaRPr lang="en-US"/>
           </a:p>
@@ -5941,7 +6079,7 @@
               <a:pPr>
                 <a:defRPr/>
               </a:pPr>
-              <a:t>11/17/2008</a:t>
+              <a:t>11/18/2008</a:t>
             </a:fld>
             <a:endParaRPr lang="en-US"/>
           </a:p>
@@ -6093,7 +6231,7 @@
               <a:pPr>
                 <a:defRPr/>
               </a:pPr>
-              <a:t>11/17/2008</a:t>
+              <a:t>11/18/2008</a:t>
             </a:fld>
             <a:endParaRPr lang="en-US"/>
           </a:p>
@@ -6334,7 +6472,7 @@
               <a:pPr>
                 <a:defRPr/>
               </a:pPr>
-              <a:t>11/17/2008</a:t>
+              <a:t>11/18/2008</a:t>
             </a:fld>
             <a:endParaRPr lang="en-US"/>
           </a:p>
@@ -6627,7 +6765,7 @@
               <a:pPr>
                 <a:defRPr/>
               </a:pPr>
-              <a:t>11/17/2008</a:t>
+              <a:t>11/18/2008</a:t>
             </a:fld>
             <a:endParaRPr lang="en-US"/>
           </a:p>
@@ -7107,7 +7245,7 @@
               <a:pPr>
                 <a:defRPr/>
               </a:pPr>
-              <a:t>11/17/2008</a:t>
+              <a:t>11/18/2008</a:t>
             </a:fld>
             <a:endParaRPr lang="en-US"/>
           </a:p>
@@ -7655,7 +7793,7 @@
               <a:pPr>
                 <a:defRPr/>
               </a:pPr>
-              <a:t>11/17/2008</a:t>
+              <a:t>11/18/2008</a:t>
             </a:fld>
             <a:endParaRPr lang="en-US"/>
           </a:p>
@@ -8470,7 +8608,7 @@
               <a:pPr>
                 <a:defRPr/>
               </a:pPr>
-              <a:t>11/17/2008</a:t>
+              <a:t>11/18/2008</a:t>
             </a:fld>
             <a:endParaRPr lang="en-US"/>
           </a:p>
@@ -13294,6 +13432,33 @@
               <a:rPr lang="en-GB" dirty="0" smtClean="0"/>
               <a:t>Fitness</a:t>
             </a:r>
+            <a:br>
+              <a:rPr lang="en-GB" dirty="0" smtClean="0"/>
+            </a:br>
+            <a:r>
+              <a:rPr lang="en-US" sz="1600" dirty="0" smtClean="0">
+                <a:solidFill>
+                  <a:schemeClr val="bg1">
+                    <a:lumMod val="65000"/>
+                  </a:schemeClr>
+                </a:solidFill>
+              </a:rPr>
+              <a:t>Framework for Integrated Testing</a:t>
+            </a:r>
+            <a:endParaRPr lang="en-US" dirty="0" smtClean="0">
+              <a:solidFill>
+                <a:schemeClr val="bg1">
+                  <a:lumMod val="65000"/>
+                </a:schemeClr>
+              </a:solidFill>
+            </a:endParaRPr>
+          </a:p>
+          <a:p>
+            <a:pPr lvl="1">
+              <a:lnSpc>
+                <a:spcPct val="80000"/>
+              </a:lnSpc>
+            </a:pPr>
             <a:endParaRPr lang="en-US" dirty="0"/>
           </a:p>
         </p:txBody>
@@ -13301,7 +13466,7 @@
       <p:pic>
         <p:nvPicPr>
           <p:cNvPr id="4" name="Picture 2">
-            <a:hlinkClick r:id="rId2" action="ppaction://hlinkpres?slideindex=1&amp;slidetitle="/>
+            <a:hlinkClick r:id="rId3" action="ppaction://hlinkpres?slideindex=1&amp;slidetitle="/>
           </p:cNvPr>
           <p:cNvPicPr>
             <a:picLocks noChangeAspect="1" noChangeArrowheads="1"/>
@@ -13309,7 +13474,7 @@
           <p:nvPr/>
         </p:nvPicPr>
         <p:blipFill>
-          <a:blip r:embed="rId3" cstate="print"/>
+          <a:blip r:embed="rId4" cstate="print"/>
           <a:srcRect/>
           <a:stretch>
             <a:fillRect/>
@@ -13317,7 +13482,7 @@
         </p:blipFill>
         <p:spPr bwMode="auto">
           <a:xfrm>
-            <a:off x="5072066" y="2714620"/>
+            <a:off x="5214942" y="3643314"/>
             <a:ext cx="3357586" cy="2487574"/>
           </a:xfrm>
           <a:prstGeom prst="rect">

--- a/trunk/Agile.net/dotnet.pptx
+++ b/trunk/Agile.net/dotnet.pptx
@@ -264,7 +264,7 @@
             <a:fld id="{88600C27-6E83-42EC-BF75-78EEDDD94116}" type="datetimeFigureOut">
               <a:rPr lang="en-US"/>
               <a:pPr/>
-              <a:t>11/18/2008</a:t>
+              <a:t>11/19/2008</a:t>
             </a:fld>
             <a:endParaRPr lang="en-US"/>
           </a:p>
@@ -1170,7 +1170,7 @@
               <a:pPr>
                 <a:defRPr/>
               </a:pPr>
-              <a:t>11/18/2008</a:t>
+              <a:t>11/19/2008</a:t>
             </a:fld>
             <a:endParaRPr lang="en-US"/>
           </a:p>
@@ -1371,7 +1371,7 @@
               <a:pPr>
                 <a:defRPr/>
               </a:pPr>
-              <a:t>11/18/2008</a:t>
+              <a:t>11/19/2008</a:t>
             </a:fld>
             <a:endParaRPr lang="en-US"/>
           </a:p>
@@ -1580,7 +1580,7 @@
               <a:pPr>
                 <a:defRPr/>
               </a:pPr>
-              <a:t>11/18/2008</a:t>
+              <a:t>11/19/2008</a:t>
             </a:fld>
             <a:endParaRPr lang="en-US"/>
           </a:p>
@@ -1798,7 +1798,7 @@
               <a:pPr>
                 <a:defRPr/>
               </a:pPr>
-              <a:t>11/18/2008</a:t>
+              <a:t>11/19/2008</a:t>
             </a:fld>
             <a:endParaRPr lang="en-US"/>
           </a:p>
@@ -2075,7 +2075,7 @@
               <a:pPr>
                 <a:defRPr/>
               </a:pPr>
-              <a:t>11/18/2008</a:t>
+              <a:t>11/19/2008</a:t>
             </a:fld>
             <a:endParaRPr lang="en-US"/>
           </a:p>
@@ -2270,7 +2270,7 @@
               <a:pPr>
                 <a:defRPr/>
               </a:pPr>
-              <a:t>11/18/2008</a:t>
+              <a:t>11/19/2008</a:t>
             </a:fld>
             <a:endParaRPr lang="en-US"/>
           </a:p>
@@ -2541,7 +2541,7 @@
               <a:pPr>
                 <a:defRPr/>
               </a:pPr>
-              <a:t>11/18/2008</a:t>
+              <a:t>11/19/2008</a:t>
             </a:fld>
             <a:endParaRPr lang="en-US"/>
           </a:p>
@@ -2854,7 +2854,7 @@
               <a:pPr>
                 <a:defRPr/>
               </a:pPr>
-              <a:t>11/18/2008</a:t>
+              <a:t>11/19/2008</a:t>
             </a:fld>
             <a:endParaRPr lang="en-US"/>
           </a:p>
@@ -3301,7 +3301,7 @@
               <a:pPr>
                 <a:defRPr/>
               </a:pPr>
-              <a:t>11/18/2008</a:t>
+              <a:t>11/19/2008</a:t>
             </a:fld>
             <a:endParaRPr lang="en-US"/>
           </a:p>
@@ -3444,7 +3444,7 @@
               <a:pPr>
                 <a:defRPr/>
               </a:pPr>
-              <a:t>11/18/2008</a:t>
+              <a:t>11/19/2008</a:t>
             </a:fld>
             <a:endParaRPr lang="en-US"/>
           </a:p>
@@ -3564,7 +3564,7 @@
               <a:pPr>
                 <a:defRPr/>
               </a:pPr>
-              <a:t>11/18/2008</a:t>
+              <a:t>11/19/2008</a:t>
             </a:fld>
             <a:endParaRPr lang="en-US"/>
           </a:p>
@@ -3763,7 +3763,7 @@
               <a:pPr>
                 <a:defRPr/>
               </a:pPr>
-              <a:t>11/18/2008</a:t>
+              <a:t>11/19/2008</a:t>
             </a:fld>
             <a:endParaRPr lang="en-US"/>
           </a:p>
@@ -4065,7 +4065,7 @@
               <a:pPr>
                 <a:defRPr/>
               </a:pPr>
-              <a:t>11/18/2008</a:t>
+              <a:t>11/19/2008</a:t>
             </a:fld>
             <a:endParaRPr lang="en-US"/>
           </a:p>
@@ -4346,7 +4346,7 @@
               <a:pPr>
                 <a:defRPr/>
               </a:pPr>
-              <a:t>11/18/2008</a:t>
+              <a:t>11/19/2008</a:t>
             </a:fld>
             <a:endParaRPr lang="en-US"/>
           </a:p>
@@ -4541,7 +4541,7 @@
               <a:pPr>
                 <a:defRPr/>
               </a:pPr>
-              <a:t>11/18/2008</a:t>
+              <a:t>11/19/2008</a:t>
             </a:fld>
             <a:endParaRPr lang="en-US"/>
           </a:p>
@@ -4746,7 +4746,7 @@
               <a:pPr>
                 <a:defRPr/>
               </a:pPr>
-              <a:t>11/18/2008</a:t>
+              <a:t>11/19/2008</a:t>
             </a:fld>
             <a:endParaRPr lang="en-US"/>
           </a:p>
@@ -5265,7 +5265,7 @@
               <a:pPr>
                 <a:defRPr/>
               </a:pPr>
-              <a:t>11/18/2008</a:t>
+              <a:t>11/19/2008</a:t>
             </a:fld>
             <a:endParaRPr lang="en-US"/>
           </a:p>
@@ -5565,7 +5565,7 @@
               <a:pPr>
                 <a:defRPr/>
               </a:pPr>
-              <a:t>11/18/2008</a:t>
+              <a:t>11/19/2008</a:t>
             </a:fld>
             <a:endParaRPr lang="en-US"/>
           </a:p>
@@ -6079,7 +6079,7 @@
               <a:pPr>
                 <a:defRPr/>
               </a:pPr>
-              <a:t>11/18/2008</a:t>
+              <a:t>11/19/2008</a:t>
             </a:fld>
             <a:endParaRPr lang="en-US"/>
           </a:p>
@@ -6231,7 +6231,7 @@
               <a:pPr>
                 <a:defRPr/>
               </a:pPr>
-              <a:t>11/18/2008</a:t>
+              <a:t>11/19/2008</a:t>
             </a:fld>
             <a:endParaRPr lang="en-US"/>
           </a:p>
@@ -6472,7 +6472,7 @@
               <a:pPr>
                 <a:defRPr/>
               </a:pPr>
-              <a:t>11/18/2008</a:t>
+              <a:t>11/19/2008</a:t>
             </a:fld>
             <a:endParaRPr lang="en-US"/>
           </a:p>
@@ -6765,7 +6765,7 @@
               <a:pPr>
                 <a:defRPr/>
               </a:pPr>
-              <a:t>11/18/2008</a:t>
+              <a:t>11/19/2008</a:t>
             </a:fld>
             <a:endParaRPr lang="en-US"/>
           </a:p>
@@ -7245,7 +7245,7 @@
               <a:pPr>
                 <a:defRPr/>
               </a:pPr>
-              <a:t>11/18/2008</a:t>
+              <a:t>11/19/2008</a:t>
             </a:fld>
             <a:endParaRPr lang="en-US"/>
           </a:p>
@@ -7793,7 +7793,7 @@
               <a:pPr>
                 <a:defRPr/>
               </a:pPr>
-              <a:t>11/18/2008</a:t>
+              <a:t>11/19/2008</a:t>
             </a:fld>
             <a:endParaRPr lang="en-US"/>
           </a:p>
@@ -8608,7 +8608,7 @@
               <a:pPr>
                 <a:defRPr/>
               </a:pPr>
-              <a:t>11/18/2008</a:t>
+              <a:t>11/19/2008</a:t>
             </a:fld>
             <a:endParaRPr lang="en-US"/>
           </a:p>
@@ -9200,15 +9200,15 @@
               </a:clrTo>
             </a:clrChange>
           </a:blip>
-          <a:srcRect b="15409"/>
+          <a:srcRect b="10359"/>
           <a:stretch>
             <a:fillRect/>
           </a:stretch>
         </p:blipFill>
         <p:spPr bwMode="auto">
           <a:xfrm>
-            <a:off x="4786314" y="1785926"/>
-            <a:ext cx="3500462" cy="4796955"/>
+            <a:off x="4929190" y="1428736"/>
+            <a:ext cx="3500462" cy="5072073"/>
           </a:xfrm>
           <a:prstGeom prst="rect">
             <a:avLst/>
@@ -9447,38 +9447,6 @@
           <a:p>
             <a:r>
               <a:rPr lang="en-GB" sz="2800" dirty="0" smtClean="0"/>
-              <a:t>Communication</a:t>
-            </a:r>
-          </a:p>
-          <a:p>
-            <a:pPr lvl="1"/>
-            <a:r>
-              <a:rPr lang="en-GB" sz="2400" dirty="0" smtClean="0"/>
-              <a:t>Microsoft </a:t>
-            </a:r>
-            <a:r>
-              <a:rPr lang="en-GB" sz="2400" dirty="0" err="1" smtClean="0"/>
-              <a:t>Sharepoint</a:t>
-            </a:r>
-            <a:r>
-              <a:rPr lang="en-GB" sz="2400" dirty="0" smtClean="0"/>
-              <a:t> Services (</a:t>
-            </a:r>
-            <a:r>
-              <a:rPr lang="en-GB" sz="2400" dirty="0" smtClean="0">
-                <a:hlinkClick r:id="rId3" action="ppaction://hlinksldjump"/>
-              </a:rPr>
-              <a:t>TFS</a:t>
-            </a:r>
-            <a:r>
-              <a:rPr lang="en-GB" sz="2400" dirty="0" smtClean="0"/>
-              <a:t>)</a:t>
-            </a:r>
-            <a:endParaRPr lang="en-US" sz="2000" dirty="0" smtClean="0"/>
-          </a:p>
-          <a:p>
-            <a:r>
-              <a:rPr lang="en-GB" sz="2800" dirty="0" smtClean="0"/>
               <a:t>Test Driven Development</a:t>
             </a:r>
           </a:p>
@@ -9575,7 +9543,7 @@
                                         <p:tgtEl>
                                           <p:spTgt spid="35843">
                                             <p:txEl>
-                                              <p:pRg st="2" end="2"/>
+                                              <p:pRg st="0" end="0"/>
                                             </p:txEl>
                                           </p:spTgt>
                                         </p:tgtEl>
@@ -9593,7 +9561,7 @@
                                         <p:tgtEl>
                                           <p:spTgt spid="35843">
                                             <p:txEl>
-                                              <p:pRg st="2" end="2"/>
+                                              <p:pRg st="0" end="0"/>
                                             </p:txEl>
                                           </p:spTgt>
                                         </p:tgtEl>
@@ -9618,7 +9586,7 @@
                                         <p:tgtEl>
                                           <p:spTgt spid="35843">
                                             <p:txEl>
-                                              <p:pRg st="3" end="3"/>
+                                              <p:pRg st="1" end="1"/>
                                             </p:txEl>
                                           </p:spTgt>
                                         </p:tgtEl>
@@ -9636,7 +9604,7 @@
                                         <p:tgtEl>
                                           <p:spTgt spid="35843">
                                             <p:txEl>
-                                              <p:pRg st="3" end="3"/>
+                                              <p:pRg st="1" end="1"/>
                                             </p:txEl>
                                           </p:spTgt>
                                         </p:tgtEl>
@@ -9661,7 +9629,7 @@
                                         <p:tgtEl>
                                           <p:spTgt spid="35843">
                                             <p:txEl>
-                                              <p:pRg st="4" end="4"/>
+                                              <p:pRg st="2" end="2"/>
                                             </p:txEl>
                                           </p:spTgt>
                                         </p:tgtEl>
@@ -9679,7 +9647,7 @@
                                         <p:tgtEl>
                                           <p:spTgt spid="35843">
                                             <p:txEl>
-                                              <p:pRg st="4" end="4"/>
+                                              <p:pRg st="2" end="2"/>
                                             </p:txEl>
                                           </p:spTgt>
                                         </p:tgtEl>
@@ -9722,7 +9690,7 @@
                                         <p:tgtEl>
                                           <p:spTgt spid="35843">
                                             <p:txEl>
-                                              <p:pRg st="5" end="5"/>
+                                              <p:pRg st="3" end="3"/>
                                             </p:txEl>
                                           </p:spTgt>
                                         </p:tgtEl>
@@ -9740,7 +9708,7 @@
                                         <p:tgtEl>
                                           <p:spTgt spid="35843">
                                             <p:txEl>
-                                              <p:pRg st="5" end="5"/>
+                                              <p:pRg st="3" end="3"/>
                                             </p:txEl>
                                           </p:spTgt>
                                         </p:tgtEl>
@@ -9765,7 +9733,7 @@
                                         <p:tgtEl>
                                           <p:spTgt spid="35843">
                                             <p:txEl>
-                                              <p:pRg st="6" end="6"/>
+                                              <p:pRg st="4" end="4"/>
                                             </p:txEl>
                                           </p:spTgt>
                                         </p:tgtEl>
@@ -9783,7 +9751,7 @@
                                         <p:tgtEl>
                                           <p:spTgt spid="35843">
                                             <p:txEl>
-                                              <p:pRg st="6" end="6"/>
+                                              <p:pRg st="4" end="4"/>
                                             </p:txEl>
                                           </p:spTgt>
                                         </p:tgtEl>
@@ -9808,7 +9776,7 @@
                                         <p:tgtEl>
                                           <p:spTgt spid="35843">
                                             <p:txEl>
-                                              <p:pRg st="7" end="7"/>
+                                              <p:pRg st="5" end="5"/>
                                             </p:txEl>
                                           </p:spTgt>
                                         </p:tgtEl>
@@ -9826,7 +9794,7 @@
                                         <p:tgtEl>
                                           <p:spTgt spid="35843">
                                             <p:txEl>
-                                              <p:pRg st="7" end="7"/>
+                                              <p:pRg st="5" end="5"/>
                                             </p:txEl>
                                           </p:spTgt>
                                         </p:tgtEl>
@@ -9869,7 +9837,7 @@
                                         <p:tgtEl>
                                           <p:spTgt spid="35843">
                                             <p:txEl>
-                                              <p:pRg st="8" end="8"/>
+                                              <p:pRg st="6" end="6"/>
                                             </p:txEl>
                                           </p:spTgt>
                                         </p:tgtEl>
@@ -9887,7 +9855,7 @@
                                         <p:tgtEl>
                                           <p:spTgt spid="35843">
                                             <p:txEl>
-                                              <p:pRg st="8" end="8"/>
+                                              <p:pRg st="6" end="6"/>
                                             </p:txEl>
                                           </p:spTgt>
                                         </p:tgtEl>
@@ -9912,7 +9880,7 @@
                                         <p:tgtEl>
                                           <p:spTgt spid="35843">
                                             <p:txEl>
-                                              <p:pRg st="9" end="9"/>
+                                              <p:pRg st="7" end="7"/>
                                             </p:txEl>
                                           </p:spTgt>
                                         </p:tgtEl>
@@ -9930,7 +9898,7 @@
                                         <p:tgtEl>
                                           <p:spTgt spid="35843">
                                             <p:txEl>
-                                              <p:pRg st="9" end="9"/>
+                                              <p:pRg st="7" end="7"/>
                                             </p:txEl>
                                           </p:spTgt>
                                         </p:tgtEl>
@@ -10950,6 +10918,13 @@
   <p:transition>
     <p:fade/>
   </p:transition>
+  <p:timing>
+    <p:tnLst>
+      <p:par>
+        <p:cTn id="1" dur="indefinite" restart="never" nodeType="tmRoot"/>
+      </p:par>
+    </p:tnLst>
+  </p:timing>
 </p:sld>
 </file>
 
@@ -11285,6 +11260,13 @@
           <a:p>
             <a:pPr lvl="1"/>
             <a:r>
+              <a:rPr lang="en-GB" sz="2000" dirty="0" smtClean="0"/>
+              <a:t>Team Foundation System</a:t>
+            </a:r>
+          </a:p>
+          <a:p>
+            <a:pPr lvl="1"/>
+            <a:r>
               <a:rPr lang="en-GB" sz="2000" dirty="0" err="1" smtClean="0"/>
               <a:t>SubVersion</a:t>
             </a:r>
@@ -11333,21 +11315,6 @@
               <a:rPr lang="en-GB" sz="2000" dirty="0" smtClean="0"/>
               <a:t>Log4Net</a:t>
             </a:r>
-          </a:p>
-          <a:p>
-            <a:pPr lvl="1">
-              <a:lnSpc>
-                <a:spcPct val="90000"/>
-              </a:lnSpc>
-            </a:pPr>
-            <a:r>
-              <a:rPr lang="en-GB" sz="2000" dirty="0" err="1" smtClean="0"/>
-              <a:t>Quartz.NET</a:t>
-            </a:r>
-            <a:endParaRPr lang="en-GB" sz="2000" dirty="0" smtClean="0"/>
-          </a:p>
-          <a:p>
-            <a:endParaRPr lang="en-GB" sz="2400" dirty="0" smtClean="0"/>
           </a:p>
         </p:txBody>
       </p:sp>
@@ -12139,33 +12106,15 @@
                                   </p:childTnLst>
                                 </p:cTn>
                               </p:par>
-                            </p:childTnLst>
-                          </p:cTn>
-                        </p:par>
-                      </p:childTnLst>
-                    </p:cTn>
-                  </p:par>
-                  <p:par>
-                    <p:cTn id="61" fill="hold">
-                      <p:stCondLst>
-                        <p:cond delay="indefinite"/>
-                      </p:stCondLst>
-                      <p:childTnLst>
-                        <p:par>
-                          <p:cTn id="62" fill="hold">
-                            <p:stCondLst>
-                              <p:cond delay="0"/>
-                            </p:stCondLst>
-                            <p:childTnLst>
                               <p:par>
-                                <p:cTn id="63" presetID="10" presetClass="entr" presetSubtype="0" fill="hold" grpId="0" nodeType="clickEffect">
+                                <p:cTn id="61" presetID="10" presetClass="entr" presetSubtype="0" fill="hold" grpId="0" nodeType="withEffect">
                                   <p:stCondLst>
                                     <p:cond delay="0"/>
                                   </p:stCondLst>
                                   <p:childTnLst>
                                     <p:set>
                                       <p:cBhvr>
-                                        <p:cTn id="64" dur="1" fill="hold">
+                                        <p:cTn id="62" dur="1" fill="hold">
                                           <p:stCondLst>
                                             <p:cond delay="0"/>
                                           </p:stCondLst>
@@ -12187,7 +12136,7 @@
                                     </p:set>
                                     <p:animEffect transition="in" filter="fade">
                                       <p:cBhvr>
-                                        <p:cTn id="65" dur="2000"/>
+                                        <p:cTn id="63" dur="2000"/>
                                         <p:tgtEl>
                                           <p:spTgt spid="25605">
                                             <p:txEl>
@@ -12200,8 +12149,26 @@
                                   </p:childTnLst>
                                 </p:cTn>
                               </p:par>
+                            </p:childTnLst>
+                          </p:cTn>
+                        </p:par>
+                      </p:childTnLst>
+                    </p:cTn>
+                  </p:par>
+                  <p:par>
+                    <p:cTn id="64" fill="hold">
+                      <p:stCondLst>
+                        <p:cond delay="indefinite"/>
+                      </p:stCondLst>
+                      <p:childTnLst>
+                        <p:par>
+                          <p:cTn id="65" fill="hold">
+                            <p:stCondLst>
+                              <p:cond delay="0"/>
+                            </p:stCondLst>
+                            <p:childTnLst>
                               <p:par>
-                                <p:cTn id="66" presetID="10" presetClass="entr" presetSubtype="0" fill="hold" grpId="0" nodeType="withEffect">
+                                <p:cTn id="66" presetID="10" presetClass="entr" presetSubtype="0" fill="hold" grpId="0" nodeType="clickEffect">
                                   <p:stCondLst>
                                     <p:cond delay="0"/>
                                   </p:stCondLst>
@@ -13390,7 +13357,7 @@
           <a:p>
             <a:r>
               <a:rPr lang="en-GB" dirty="0" smtClean="0"/>
-              <a:t>Fully Automated</a:t>
+              <a:t>Mostly Automated</a:t>
             </a:r>
           </a:p>
           <a:p>
@@ -13407,7 +13374,15 @@
           <a:p>
             <a:r>
               <a:rPr lang="en-GB" dirty="0" smtClean="0"/>
-              <a:t>Tooling</a:t>
+              <a:t>Tooling (</a:t>
+            </a:r>
+            <a:r>
+              <a:rPr lang="en-GB" dirty="0" err="1" smtClean="0"/>
+              <a:t>Artilium</a:t>
+            </a:r>
+            <a:r>
+              <a:rPr lang="en-GB" dirty="0" smtClean="0"/>
+              <a:t>)</a:t>
             </a:r>
           </a:p>
           <a:p>
@@ -13429,8 +13404,12 @@
               </a:lnSpc>
             </a:pPr>
             <a:r>
+              <a:rPr lang="en-GB" dirty="0" err="1" smtClean="0"/>
+              <a:t>FitNesse</a:t>
+            </a:r>
+            <a:r>
               <a:rPr lang="en-GB" dirty="0" smtClean="0"/>
-              <a:t>Fitness</a:t>
+              <a:t/>
             </a:r>
             <a:br>
               <a:rPr lang="en-GB" dirty="0" smtClean="0"/>
